--- a/module2/ppt/Advanced Concepts Using Datastructures.pptx
+++ b/module2/ppt/Advanced Concepts Using Datastructures.pptx
@@ -5,7 +5,7 @@
     <p:sldMasterId id="2147483670" r:id="rId1"/>
   </p:sldMasterIdLst>
   <p:notesMasterIdLst>
-    <p:notesMasterId r:id="rId21"/>
+    <p:notesMasterId r:id="rId22"/>
   </p:notesMasterIdLst>
   <p:sldIdLst>
     <p:sldId id="256" r:id="rId2"/>
@@ -23,44 +23,45 @@
     <p:sldId id="337" r:id="rId14"/>
     <p:sldId id="334" r:id="rId15"/>
     <p:sldId id="345" r:id="rId16"/>
-    <p:sldId id="335" r:id="rId17"/>
-    <p:sldId id="271" r:id="rId18"/>
-    <p:sldId id="327" r:id="rId19"/>
-    <p:sldId id="308" r:id="rId20"/>
+    <p:sldId id="346" r:id="rId17"/>
+    <p:sldId id="335" r:id="rId18"/>
+    <p:sldId id="271" r:id="rId19"/>
+    <p:sldId id="327" r:id="rId20"/>
+    <p:sldId id="308" r:id="rId21"/>
   </p:sldIdLst>
   <p:sldSz cx="9144000" cy="5143500" type="screen16x9"/>
   <p:notesSz cx="6858000" cy="9144000"/>
   <p:embeddedFontLst>
     <p:embeddedFont>
+      <p:font typeface="Sarala" panose="020B0604020202020204" charset="0"/>
+      <p:regular r:id="rId23"/>
+      <p:bold r:id="rId24"/>
+    </p:embeddedFont>
+    <p:embeddedFont>
+      <p:font typeface="Segoe UI" panose="020B0502040204020203" pitchFamily="34" charset="0"/>
+      <p:regular r:id="rId25"/>
+      <p:bold r:id="rId26"/>
+      <p:italic r:id="rId27"/>
+      <p:boldItalic r:id="rId28"/>
+    </p:embeddedFont>
+    <p:embeddedFont>
+      <p:font typeface="Montserrat" panose="00000500000000000000" pitchFamily="50" charset="0"/>
+      <p:regular r:id="rId29"/>
+      <p:bold r:id="rId30"/>
+      <p:italic r:id="rId31"/>
+      <p:boldItalic r:id="rId32"/>
+    </p:embeddedFont>
+    <p:embeddedFont>
       <p:font typeface="Consolas" panose="020B0609020204030204" pitchFamily="49" charset="0"/>
-      <p:regular r:id="rId22"/>
-      <p:bold r:id="rId23"/>
-      <p:italic r:id="rId24"/>
-      <p:boldItalic r:id="rId25"/>
+      <p:regular r:id="rId33"/>
+      <p:bold r:id="rId34"/>
+      <p:italic r:id="rId35"/>
+      <p:boldItalic r:id="rId36"/>
     </p:embeddedFont>
     <p:embeddedFont>
       <p:font typeface="Microsoft YaHei" panose="020B0503020204020204" pitchFamily="34" charset="-122"/>
-      <p:regular r:id="rId26"/>
-      <p:bold r:id="rId27"/>
-    </p:embeddedFont>
-    <p:embeddedFont>
-      <p:font typeface="Segoe UI" panose="020B0502040204020203" pitchFamily="34" charset="0"/>
-      <p:regular r:id="rId28"/>
-      <p:bold r:id="rId29"/>
-      <p:italic r:id="rId30"/>
-      <p:boldItalic r:id="rId31"/>
-    </p:embeddedFont>
-    <p:embeddedFont>
-      <p:font typeface="Montserrat" panose="00000500000000000000" pitchFamily="50" charset="0"/>
-      <p:regular r:id="rId32"/>
-      <p:bold r:id="rId33"/>
-      <p:italic r:id="rId34"/>
-      <p:boldItalic r:id="rId35"/>
-    </p:embeddedFont>
-    <p:embeddedFont>
-      <p:font typeface="Sarala" panose="020B0604020202020204" charset="0"/>
-      <p:regular r:id="rId36"/>
-      <p:bold r:id="rId37"/>
+      <p:regular r:id="rId37"/>
+      <p:bold r:id="rId38"/>
     </p:embeddedFont>
   </p:embeddedFontLst>
   <p:defaultTextStyle>
@@ -1598,7 +1599,7 @@
     </p:spTree>
     <p:extLst>
       <p:ext uri="{BB962C8B-B14F-4D97-AF65-F5344CB8AC3E}">
-        <p14:creationId xmlns:p14="http://schemas.microsoft.com/office/powerpoint/2010/main" val="3497226163"/>
+        <p14:creationId xmlns:p14="http://schemas.microsoft.com/office/powerpoint/2010/main" val="1670496717"/>
       </p:ext>
     </p:extLst>
   </p:cSld>
@@ -1707,6 +1708,115 @@
     </p:spTree>
     <p:extLst>
       <p:ext uri="{BB962C8B-B14F-4D97-AF65-F5344CB8AC3E}">
+        <p14:creationId xmlns:p14="http://schemas.microsoft.com/office/powerpoint/2010/main" val="3497226163"/>
+      </p:ext>
+    </p:extLst>
+  </p:cSld>
+  <p:clrMapOvr>
+    <a:masterClrMapping/>
+  </p:clrMapOvr>
+</p:notes>
+</file>
+
+<file path=ppt/notesSlides/notesSlide18.xml><?xml version="1.0" encoding="utf-8"?>
+<p:notes xmlns:a="http://schemas.openxmlformats.org/drawingml/2006/main" xmlns:r="http://schemas.openxmlformats.org/officeDocument/2006/relationships" xmlns:p="http://schemas.openxmlformats.org/presentationml/2006/main" showMasterSp="0" showMasterPhAnim="0">
+  <p:cSld>
+    <p:spTree>
+      <p:nvGrpSpPr>
+        <p:cNvPr id="1" name="Shape 225"/>
+        <p:cNvGrpSpPr/>
+        <p:nvPr/>
+      </p:nvGrpSpPr>
+      <p:grpSpPr>
+        <a:xfrm>
+          <a:off x="0" y="0"/>
+          <a:ext cx="0" cy="0"/>
+          <a:chOff x="0" y="0"/>
+          <a:chExt cx="0" cy="0"/>
+        </a:xfrm>
+      </p:grpSpPr>
+      <p:sp>
+        <p:nvSpPr>
+          <p:cNvPr id="226" name="Google Shape;226;g70e3186832_0_7:notes"/>
+          <p:cNvSpPr>
+            <a:spLocks noGrp="1" noRot="1" noChangeAspect="1"/>
+          </p:cNvSpPr>
+          <p:nvPr>
+            <p:ph type="sldImg" idx="2"/>
+          </p:nvPr>
+        </p:nvSpPr>
+        <p:spPr>
+          <a:xfrm>
+            <a:off x="381000" y="685800"/>
+            <a:ext cx="6096000" cy="3429000"/>
+          </a:xfrm>
+          <a:custGeom>
+            <a:avLst/>
+            <a:gdLst/>
+            <a:ahLst/>
+            <a:cxnLst/>
+            <a:rect l="l" t="t" r="r" b="b"/>
+            <a:pathLst>
+              <a:path w="120000" h="120000" extrusionOk="0">
+                <a:moveTo>
+                  <a:pt x="0" y="0"/>
+                </a:moveTo>
+                <a:lnTo>
+                  <a:pt x="120000" y="0"/>
+                </a:lnTo>
+                <a:lnTo>
+                  <a:pt x="120000" y="120000"/>
+                </a:lnTo>
+                <a:lnTo>
+                  <a:pt x="0" y="120000"/>
+                </a:lnTo>
+                <a:close/>
+              </a:path>
+            </a:pathLst>
+          </a:custGeom>
+        </p:spPr>
+      </p:sp>
+      <p:sp>
+        <p:nvSpPr>
+          <p:cNvPr id="227" name="Google Shape;227;g70e3186832_0_7:notes"/>
+          <p:cNvSpPr txBox="1">
+            <a:spLocks noGrp="1"/>
+          </p:cNvSpPr>
+          <p:nvPr>
+            <p:ph type="body" idx="1"/>
+          </p:nvPr>
+        </p:nvSpPr>
+        <p:spPr>
+          <a:xfrm>
+            <a:off x="685800" y="4343400"/>
+            <a:ext cx="5486400" cy="4114800"/>
+          </a:xfrm>
+          <a:prstGeom prst="rect">
+            <a:avLst/>
+          </a:prstGeom>
+        </p:spPr>
+        <p:txBody>
+          <a:bodyPr spcFirstLastPara="1" wrap="square" lIns="91425" tIns="91425" rIns="91425" bIns="91425" anchor="t" anchorCtr="0">
+            <a:noAutofit/>
+          </a:bodyPr>
+          <a:lstStyle/>
+          <a:p>
+            <a:pPr marL="0" lvl="0" indent="0" algn="l" rtl="0">
+              <a:spcBef>
+                <a:spcPts val="0"/>
+              </a:spcBef>
+              <a:spcAft>
+                <a:spcPts val="0"/>
+              </a:spcAft>
+              <a:buNone/>
+            </a:pPr>
+            <a:endParaRPr/>
+          </a:p>
+        </p:txBody>
+      </p:sp>
+    </p:spTree>
+    <p:extLst>
+      <p:ext uri="{BB962C8B-B14F-4D97-AF65-F5344CB8AC3E}">
         <p14:creationId xmlns:p14="http://schemas.microsoft.com/office/powerpoint/2010/main" val="461361457"/>
       </p:ext>
     </p:extLst>
@@ -1717,7 +1827,7 @@
 </p:notes>
 </file>
 
-<file path=ppt/notesSlides/notesSlide18.xml><?xml version="1.0" encoding="utf-8"?>
+<file path=ppt/notesSlides/notesSlide19.xml><?xml version="1.0" encoding="utf-8"?>
 <p:notes xmlns:a="http://schemas.openxmlformats.org/drawingml/2006/main" xmlns:r="http://schemas.openxmlformats.org/officeDocument/2006/relationships" xmlns:p="http://schemas.openxmlformats.org/presentationml/2006/main" showMasterSp="0" showMasterPhAnim="0">
   <p:cSld>
     <p:spTree>
@@ -16561,7 +16671,7 @@
                 <a:hlinkClick r:id="rId2">
                   <a:extLst>
                     <a:ext uri="{A12FA001-AC4F-418D-AE19-62706E023703}">
-                      <ahyp:hlinkClr xmlns="" xmlns:mc="http://schemas.openxmlformats.org/markup-compatibility/2006" xmlns:mv="urn:schemas-microsoft-com:mac:vml" xmlns:c="http://schemas.openxmlformats.org/drawingml/2006/chart" xmlns:dgm="http://schemas.openxmlformats.org/drawingml/2006/diagram" xmlns:o="urn:schemas-microsoft-com:office:office" xmlns:v="urn:schemas-microsoft-com:vml" xmlns:pvml="urn:schemas-microsoft-com:office:powerpoint" xmlns:com="http://schemas.openxmlformats.org/drawingml/2006/compatibility" xmlns:p14="http://schemas.microsoft.com/office/powerpoint/2010/main" xmlns:p15="http://schemas.microsoft.com/office/powerpoint/2012/main" xmlns:ahyp="http://schemas.microsoft.com/office/drawing/2018/hyperlinkcolor" val="tx"/>
+                      <ahyp:hlinkClr xmlns:ahyp="http://schemas.microsoft.com/office/drawing/2018/hyperlinkcolor" xmlns:p15="http://schemas.microsoft.com/office/powerpoint/2012/main" xmlns:p14="http://schemas.microsoft.com/office/powerpoint/2010/main" xmlns:com="http://schemas.openxmlformats.org/drawingml/2006/compatibility" xmlns:pvml="urn:schemas-microsoft-com:office:powerpoint" xmlns:v="urn:schemas-microsoft-com:vml" xmlns:o="urn:schemas-microsoft-com:office:office" xmlns:dgm="http://schemas.openxmlformats.org/drawingml/2006/diagram" xmlns:c="http://schemas.openxmlformats.org/drawingml/2006/chart" xmlns:mv="urn:schemas-microsoft-com:mac:vml" xmlns:mc="http://schemas.openxmlformats.org/markup-compatibility/2006" xmlns="" val="tx"/>
                     </a:ext>
                   </a:extLst>
                 </a:hlinkClick>
@@ -16595,7 +16705,7 @@
                 <a:hlinkClick r:id="rId3">
                   <a:extLst>
                     <a:ext uri="{A12FA001-AC4F-418D-AE19-62706E023703}">
-                      <ahyp:hlinkClr xmlns="" xmlns:mc="http://schemas.openxmlformats.org/markup-compatibility/2006" xmlns:mv="urn:schemas-microsoft-com:mac:vml" xmlns:c="http://schemas.openxmlformats.org/drawingml/2006/chart" xmlns:dgm="http://schemas.openxmlformats.org/drawingml/2006/diagram" xmlns:o="urn:schemas-microsoft-com:office:office" xmlns:v="urn:schemas-microsoft-com:vml" xmlns:pvml="urn:schemas-microsoft-com:office:powerpoint" xmlns:com="http://schemas.openxmlformats.org/drawingml/2006/compatibility" xmlns:p14="http://schemas.microsoft.com/office/powerpoint/2010/main" xmlns:p15="http://schemas.microsoft.com/office/powerpoint/2012/main" xmlns:ahyp="http://schemas.microsoft.com/office/drawing/2018/hyperlinkcolor" val="tx"/>
+                      <ahyp:hlinkClr xmlns:ahyp="http://schemas.microsoft.com/office/drawing/2018/hyperlinkcolor" xmlns:p15="http://schemas.microsoft.com/office/powerpoint/2012/main" xmlns:p14="http://schemas.microsoft.com/office/powerpoint/2010/main" xmlns:com="http://schemas.openxmlformats.org/drawingml/2006/compatibility" xmlns:pvml="urn:schemas-microsoft-com:office:powerpoint" xmlns:v="urn:schemas-microsoft-com:vml" xmlns:o="urn:schemas-microsoft-com:office:office" xmlns:dgm="http://schemas.openxmlformats.org/drawingml/2006/diagram" xmlns:c="http://schemas.openxmlformats.org/drawingml/2006/chart" xmlns:mv="urn:schemas-microsoft-com:mac:vml" xmlns:mc="http://schemas.openxmlformats.org/markup-compatibility/2006" xmlns="" val="tx"/>
                     </a:ext>
                   </a:extLst>
                 </a:hlinkClick>
@@ -16629,7 +16739,7 @@
                 <a:hlinkClick r:id="rId4">
                   <a:extLst>
                     <a:ext uri="{A12FA001-AC4F-418D-AE19-62706E023703}">
-                      <ahyp:hlinkClr xmlns="" xmlns:mc="http://schemas.openxmlformats.org/markup-compatibility/2006" xmlns:mv="urn:schemas-microsoft-com:mac:vml" xmlns:c="http://schemas.openxmlformats.org/drawingml/2006/chart" xmlns:dgm="http://schemas.openxmlformats.org/drawingml/2006/diagram" xmlns:o="urn:schemas-microsoft-com:office:office" xmlns:v="urn:schemas-microsoft-com:vml" xmlns:pvml="urn:schemas-microsoft-com:office:powerpoint" xmlns:com="http://schemas.openxmlformats.org/drawingml/2006/compatibility" xmlns:p14="http://schemas.microsoft.com/office/powerpoint/2010/main" xmlns:p15="http://schemas.microsoft.com/office/powerpoint/2012/main" xmlns:ahyp="http://schemas.microsoft.com/office/drawing/2018/hyperlinkcolor" val="tx"/>
+                      <ahyp:hlinkClr xmlns:ahyp="http://schemas.microsoft.com/office/drawing/2018/hyperlinkcolor" xmlns:p15="http://schemas.microsoft.com/office/powerpoint/2012/main" xmlns:p14="http://schemas.microsoft.com/office/powerpoint/2010/main" xmlns:com="http://schemas.openxmlformats.org/drawingml/2006/compatibility" xmlns:pvml="urn:schemas-microsoft-com:office:powerpoint" xmlns:v="urn:schemas-microsoft-com:vml" xmlns:o="urn:schemas-microsoft-com:office:office" xmlns:dgm="http://schemas.openxmlformats.org/drawingml/2006/diagram" xmlns:c="http://schemas.openxmlformats.org/drawingml/2006/chart" xmlns:mv="urn:schemas-microsoft-com:mac:vml" xmlns:mc="http://schemas.openxmlformats.org/markup-compatibility/2006" xmlns="" val="tx"/>
                     </a:ext>
                   </a:extLst>
                 </a:hlinkClick>
@@ -16663,7 +16773,7 @@
                 <a:hlinkClick r:id="rId5">
                   <a:extLst>
                     <a:ext uri="{A12FA001-AC4F-418D-AE19-62706E023703}">
-                      <ahyp:hlinkClr xmlns="" xmlns:mc="http://schemas.openxmlformats.org/markup-compatibility/2006" xmlns:mv="urn:schemas-microsoft-com:mac:vml" xmlns:c="http://schemas.openxmlformats.org/drawingml/2006/chart" xmlns:dgm="http://schemas.openxmlformats.org/drawingml/2006/diagram" xmlns:o="urn:schemas-microsoft-com:office:office" xmlns:v="urn:schemas-microsoft-com:vml" xmlns:pvml="urn:schemas-microsoft-com:office:powerpoint" xmlns:com="http://schemas.openxmlformats.org/drawingml/2006/compatibility" xmlns:p14="http://schemas.microsoft.com/office/powerpoint/2010/main" xmlns:p15="http://schemas.microsoft.com/office/powerpoint/2012/main" xmlns:ahyp="http://schemas.microsoft.com/office/drawing/2018/hyperlinkcolor" val="tx"/>
+                      <ahyp:hlinkClr xmlns:ahyp="http://schemas.microsoft.com/office/drawing/2018/hyperlinkcolor" xmlns:p15="http://schemas.microsoft.com/office/powerpoint/2012/main" xmlns:p14="http://schemas.microsoft.com/office/powerpoint/2010/main" xmlns:com="http://schemas.openxmlformats.org/drawingml/2006/compatibility" xmlns:pvml="urn:schemas-microsoft-com:office:powerpoint" xmlns:v="urn:schemas-microsoft-com:vml" xmlns:o="urn:schemas-microsoft-com:office:office" xmlns:dgm="http://schemas.openxmlformats.org/drawingml/2006/diagram" xmlns:c="http://schemas.openxmlformats.org/drawingml/2006/chart" xmlns:mv="urn:schemas-microsoft-com:mac:vml" xmlns:mc="http://schemas.openxmlformats.org/markup-compatibility/2006" xmlns="" val="tx"/>
                     </a:ext>
                   </a:extLst>
                 </a:hlinkClick>
@@ -22378,10 +22488,6 @@
               </a:rPr>
               <a:t>print(list)</a:t>
             </a:r>
-            <a:endParaRPr lang="en-US" sz="1800" dirty="0">
-              <a:latin typeface="Consolas" panose="020B0609020204030204" pitchFamily="49" charset="0"/>
-              <a:cs typeface="Consolas" panose="020B0609020204030204" pitchFamily="49" charset="0"/>
-            </a:endParaRPr>
           </a:p>
         </p:txBody>
       </p:sp>
@@ -22575,10 +22681,6 @@
               </a:rPr>
               <a:t>print(List)</a:t>
             </a:r>
-            <a:endParaRPr lang="en-US" sz="1800" dirty="0">
-              <a:latin typeface="Consolas" panose="020B0609020204030204" pitchFamily="49" charset="0"/>
-              <a:cs typeface="Consolas" panose="020B0609020204030204" pitchFamily="49" charset="0"/>
-            </a:endParaRPr>
           </a:p>
         </p:txBody>
       </p:sp>
@@ -22761,10 +22863,6 @@
               </a:rPr>
               <a:t>print(matrix)</a:t>
             </a:r>
-            <a:endParaRPr lang="en-US" sz="1800" dirty="0">
-              <a:latin typeface="Consolas" panose="020B0609020204030204" pitchFamily="49" charset="0"/>
-              <a:cs typeface="Consolas" panose="020B0609020204030204" pitchFamily="49" charset="0"/>
-            </a:endParaRPr>
           </a:p>
         </p:txBody>
       </p:sp>
@@ -23007,10 +23105,6 @@
               </a:rPr>
               <a:t>print(matrix)</a:t>
             </a:r>
-            <a:endParaRPr lang="en-US" sz="1800" dirty="0">
-              <a:latin typeface="Consolas" panose="020B0609020204030204" pitchFamily="49" charset="0"/>
-              <a:cs typeface="Consolas" panose="020B0609020204030204" pitchFamily="49" charset="0"/>
-            </a:endParaRPr>
           </a:p>
         </p:txBody>
       </p:sp>
@@ -23661,13 +23755,6 @@
               </a:rPr>
               <a:t>fruits = ["apple", "banana", "cherry", "kiwi", "mango"]</a:t>
             </a:r>
-            <a:r>
-              <a:rPr lang="en-US" dirty="0">
-                <a:latin typeface="Consolas" panose="020B0609020204030204" pitchFamily="49" charset="0"/>
-                <a:cs typeface="Consolas" panose="020B0609020204030204" pitchFamily="49" charset="0"/>
-              </a:rPr>
-              <a:t/>
-            </a:r>
             <a:br>
               <a:rPr lang="en-US" dirty="0">
                 <a:latin typeface="Consolas" panose="020B0609020204030204" pitchFamily="49" charset="0"/>
@@ -23700,13 +23787,6 @@
                 <a:cs typeface="Consolas" panose="020B0609020204030204" pitchFamily="49" charset="0"/>
               </a:rPr>
               <a:t> = [x for x in fruits if "a" in x]</a:t>
-            </a:r>
-            <a:r>
-              <a:rPr lang="en-US" dirty="0">
-                <a:latin typeface="Consolas" panose="020B0609020204030204" pitchFamily="49" charset="0"/>
-                <a:cs typeface="Consolas" panose="020B0609020204030204" pitchFamily="49" charset="0"/>
-              </a:rPr>
-              <a:t/>
             </a:r>
             <a:br>
               <a:rPr lang="en-US" dirty="0">
@@ -24489,6 +24569,633 @@
           </a:p>
         </p:txBody>
       </p:sp>
+      <p:graphicFrame>
+        <p:nvGraphicFramePr>
+          <p:cNvPr id="2" name="Table 1"/>
+          <p:cNvGraphicFramePr>
+            <a:graphicFrameLocks noGrp="1"/>
+          </p:cNvGraphicFramePr>
+          <p:nvPr>
+            <p:extLst>
+              <p:ext uri="{D42A27DB-BD31-4B8C-83A1-F6EECF244321}">
+                <p14:modId xmlns:p14="http://schemas.microsoft.com/office/powerpoint/2010/main" val="685876338"/>
+              </p:ext>
+            </p:extLst>
+          </p:nvPr>
+        </p:nvGraphicFramePr>
+        <p:xfrm>
+          <a:off x="1178960" y="1148333"/>
+          <a:ext cx="7294479" cy="3418394"/>
+        </p:xfrm>
+        <a:graphic>
+          <a:graphicData uri="http://schemas.openxmlformats.org/drawingml/2006/table">
+            <a:tbl>
+              <a:tblPr>
+                <a:tableStyleId>{5940675A-B579-460E-94D1-54222C63F5DA}</a:tableStyleId>
+              </a:tblPr>
+              <a:tblGrid>
+                <a:gridCol w="660000">
+                  <a:extLst>
+                    <a:ext uri="{9D8B030D-6E8A-4147-A177-3AD203B41FA5}">
+                      <a16:colId xmlns:a16="http://schemas.microsoft.com/office/drawing/2014/main" val="3796393645"/>
+                    </a:ext>
+                  </a:extLst>
+                </a:gridCol>
+                <a:gridCol w="3533298">
+                  <a:extLst>
+                    <a:ext uri="{9D8B030D-6E8A-4147-A177-3AD203B41FA5}">
+                      <a16:colId xmlns:a16="http://schemas.microsoft.com/office/drawing/2014/main" val="1919481843"/>
+                    </a:ext>
+                  </a:extLst>
+                </a:gridCol>
+                <a:gridCol w="3101181">
+                  <a:extLst>
+                    <a:ext uri="{9D8B030D-6E8A-4147-A177-3AD203B41FA5}">
+                      <a16:colId xmlns:a16="http://schemas.microsoft.com/office/drawing/2014/main" val="2521735877"/>
+                    </a:ext>
+                  </a:extLst>
+                </a:gridCol>
+              </a:tblGrid>
+              <a:tr h="321605">
+                <a:tc>
+                  <a:txBody>
+                    <a:bodyPr/>
+                    <a:lstStyle/>
+                    <a:p>
+                      <a:pPr algn="l" fontAlgn="base"/>
+                      <a:r>
+                        <a:rPr lang="en-US" sz="1100" b="1">
+                          <a:solidFill>
+                            <a:schemeClr val="bg1"/>
+                          </a:solidFill>
+                          <a:effectLst/>
+                        </a:rPr>
+                        <a:t>SR.NO.</a:t>
+                      </a:r>
+                    </a:p>
+                  </a:txBody>
+                  <a:tcPr marL="75850" marR="75850" marT="75850" marB="75850" anchor="ctr">
+                    <a:solidFill>
+                      <a:schemeClr val="accent2"/>
+                    </a:solidFill>
+                  </a:tcPr>
+                </a:tc>
+                <a:tc>
+                  <a:txBody>
+                    <a:bodyPr/>
+                    <a:lstStyle/>
+                    <a:p>
+                      <a:pPr algn="l" fontAlgn="base"/>
+                      <a:r>
+                        <a:rPr lang="en-US" sz="1100" b="1" dirty="0">
+                          <a:solidFill>
+                            <a:schemeClr val="bg1"/>
+                          </a:solidFill>
+                          <a:effectLst/>
+                        </a:rPr>
+                        <a:t>LIST</a:t>
+                      </a:r>
+                    </a:p>
+                  </a:txBody>
+                  <a:tcPr marL="75850" marR="75850" marT="75850" marB="75850" anchor="ctr">
+                    <a:solidFill>
+                      <a:schemeClr val="accent2"/>
+                    </a:solidFill>
+                  </a:tcPr>
+                </a:tc>
+                <a:tc>
+                  <a:txBody>
+                    <a:bodyPr/>
+                    <a:lstStyle/>
+                    <a:p>
+                      <a:pPr algn="l" fontAlgn="base"/>
+                      <a:r>
+                        <a:rPr lang="en-US" sz="1100" b="1" dirty="0">
+                          <a:solidFill>
+                            <a:schemeClr val="bg1"/>
+                          </a:solidFill>
+                          <a:effectLst/>
+                        </a:rPr>
+                        <a:t>TUPLE</a:t>
+                      </a:r>
+                    </a:p>
+                  </a:txBody>
+                  <a:tcPr marL="75850" marR="75850" marT="75850" marB="75850" anchor="ctr">
+                    <a:solidFill>
+                      <a:schemeClr val="accent2"/>
+                    </a:solidFill>
+                  </a:tcPr>
+                </a:tc>
+                <a:extLst>
+                  <a:ext uri="{0D108BD9-81ED-4DB2-BD59-A6C34878D82A}">
+                    <a16:rowId xmlns:a16="http://schemas.microsoft.com/office/drawing/2014/main" val="2958793517"/>
+                  </a:ext>
+                </a:extLst>
+              </a:tr>
+              <a:tr h="364082">
+                <a:tc>
+                  <a:txBody>
+                    <a:bodyPr/>
+                    <a:lstStyle/>
+                    <a:p>
+                      <a:pPr algn="l" fontAlgn="base"/>
+                      <a:r>
+                        <a:rPr lang="en-US" sz="1000">
+                          <a:effectLst/>
+                        </a:rPr>
+                        <a:t>1</a:t>
+                      </a:r>
+                      <a:endParaRPr lang="en-US" sz="1000" b="0">
+                        <a:effectLst/>
+                      </a:endParaRPr>
+                    </a:p>
+                  </a:txBody>
+                  <a:tcPr marL="75850" marR="75850" marT="106190" marB="106190" anchor="ctr"/>
+                </a:tc>
+                <a:tc>
+                  <a:txBody>
+                    <a:bodyPr/>
+                    <a:lstStyle/>
+                    <a:p>
+                      <a:pPr algn="l" fontAlgn="base"/>
+                      <a:r>
+                        <a:rPr lang="en-US" sz="1000">
+                          <a:effectLst/>
+                        </a:rPr>
+                        <a:t>Lists are mutable</a:t>
+                      </a:r>
+                      <a:endParaRPr lang="en-US" sz="1000" b="0">
+                        <a:effectLst/>
+                      </a:endParaRPr>
+                    </a:p>
+                  </a:txBody>
+                  <a:tcPr marL="75850" marR="75850" marT="106190" marB="106190" anchor="ctr"/>
+                </a:tc>
+                <a:tc>
+                  <a:txBody>
+                    <a:bodyPr/>
+                    <a:lstStyle/>
+                    <a:p>
+                      <a:pPr algn="l" fontAlgn="base"/>
+                      <a:r>
+                        <a:rPr lang="en-US" sz="1000">
+                          <a:effectLst/>
+                        </a:rPr>
+                        <a:t>Tuples are immutable</a:t>
+                      </a:r>
+                      <a:endParaRPr lang="en-US" sz="1000" b="0">
+                        <a:effectLst/>
+                      </a:endParaRPr>
+                    </a:p>
+                  </a:txBody>
+                  <a:tcPr marL="75850" marR="75850" marT="106190" marB="106190" anchor="ctr"/>
+                </a:tc>
+                <a:extLst>
+                  <a:ext uri="{0D108BD9-81ED-4DB2-BD59-A6C34878D82A}">
+                    <a16:rowId xmlns:a16="http://schemas.microsoft.com/office/drawing/2014/main" val="3854319041"/>
+                  </a:ext>
+                </a:extLst>
+              </a:tr>
+              <a:tr h="515782">
+                <a:tc>
+                  <a:txBody>
+                    <a:bodyPr/>
+                    <a:lstStyle/>
+                    <a:p>
+                      <a:pPr algn="l" fontAlgn="base"/>
+                      <a:r>
+                        <a:rPr lang="en-US" sz="1000">
+                          <a:effectLst/>
+                        </a:rPr>
+                        <a:t>2</a:t>
+                      </a:r>
+                      <a:endParaRPr lang="en-US" sz="1000" b="0">
+                        <a:effectLst/>
+                      </a:endParaRPr>
+                    </a:p>
+                  </a:txBody>
+                  <a:tcPr marL="75850" marR="75850" marT="106190" marB="106190" anchor="ctr"/>
+                </a:tc>
+                <a:tc>
+                  <a:txBody>
+                    <a:bodyPr/>
+                    <a:lstStyle/>
+                    <a:p>
+                      <a:pPr algn="l" fontAlgn="base"/>
+                      <a:r>
+                        <a:rPr lang="en-US" sz="1000" dirty="0">
+                          <a:effectLst/>
+                        </a:rPr>
+                        <a:t>The implication of iterations is Time-consuming</a:t>
+                      </a:r>
+                      <a:endParaRPr lang="en-US" sz="1000" b="0" dirty="0">
+                        <a:effectLst/>
+                      </a:endParaRPr>
+                    </a:p>
+                  </a:txBody>
+                  <a:tcPr marL="75850" marR="75850" marT="106190" marB="106190" anchor="ctr"/>
+                </a:tc>
+                <a:tc>
+                  <a:txBody>
+                    <a:bodyPr/>
+                    <a:lstStyle/>
+                    <a:p>
+                      <a:pPr algn="l" fontAlgn="base"/>
+                      <a:r>
+                        <a:rPr lang="en-US" sz="1000">
+                          <a:effectLst/>
+                        </a:rPr>
+                        <a:t>The implication of iterations is comparatively Faster</a:t>
+                      </a:r>
+                      <a:endParaRPr lang="en-US" sz="1000" b="0">
+                        <a:effectLst/>
+                      </a:endParaRPr>
+                    </a:p>
+                  </a:txBody>
+                  <a:tcPr marL="75850" marR="75850" marT="106190" marB="106190" anchor="ctr"/>
+                </a:tc>
+                <a:extLst>
+                  <a:ext uri="{0D108BD9-81ED-4DB2-BD59-A6C34878D82A}">
+                    <a16:rowId xmlns:a16="http://schemas.microsoft.com/office/drawing/2014/main" val="2828040267"/>
+                  </a:ext>
+                </a:extLst>
+              </a:tr>
+              <a:tr h="667483">
+                <a:tc>
+                  <a:txBody>
+                    <a:bodyPr/>
+                    <a:lstStyle/>
+                    <a:p>
+                      <a:pPr algn="l" fontAlgn="base"/>
+                      <a:r>
+                        <a:rPr lang="en-US" sz="1000" dirty="0">
+                          <a:effectLst/>
+                        </a:rPr>
+                        <a:t>3</a:t>
+                      </a:r>
+                      <a:endParaRPr lang="en-US" sz="1000" b="0" dirty="0">
+                        <a:effectLst/>
+                      </a:endParaRPr>
+                    </a:p>
+                  </a:txBody>
+                  <a:tcPr marL="75850" marR="75850" marT="106190" marB="106190" anchor="ctr"/>
+                </a:tc>
+                <a:tc>
+                  <a:txBody>
+                    <a:bodyPr/>
+                    <a:lstStyle/>
+                    <a:p>
+                      <a:pPr algn="l" fontAlgn="base"/>
+                      <a:r>
+                        <a:rPr lang="en-US" sz="1000">
+                          <a:effectLst/>
+                        </a:rPr>
+                        <a:t>The list is better for performing operations, such as insertion and deletion.</a:t>
+                      </a:r>
+                      <a:endParaRPr lang="en-US" sz="1000" b="0">
+                        <a:effectLst/>
+                      </a:endParaRPr>
+                    </a:p>
+                  </a:txBody>
+                  <a:tcPr marL="75850" marR="75850" marT="106190" marB="106190" anchor="ctr"/>
+                </a:tc>
+                <a:tc>
+                  <a:txBody>
+                    <a:bodyPr/>
+                    <a:lstStyle/>
+                    <a:p>
+                      <a:pPr algn="l" fontAlgn="base"/>
+                      <a:r>
+                        <a:rPr lang="en-US" sz="1000">
+                          <a:effectLst/>
+                        </a:rPr>
+                        <a:t>Tuple data type is appropriate for accessing the elements</a:t>
+                      </a:r>
+                      <a:endParaRPr lang="en-US" sz="1000" b="0">
+                        <a:effectLst/>
+                      </a:endParaRPr>
+                    </a:p>
+                  </a:txBody>
+                  <a:tcPr marL="75850" marR="75850" marT="106190" marB="106190" anchor="ctr"/>
+                </a:tc>
+                <a:extLst>
+                  <a:ext uri="{0D108BD9-81ED-4DB2-BD59-A6C34878D82A}">
+                    <a16:rowId xmlns:a16="http://schemas.microsoft.com/office/drawing/2014/main" val="2984464806"/>
+                  </a:ext>
+                </a:extLst>
+              </a:tr>
+              <a:tr h="515782">
+                <a:tc>
+                  <a:txBody>
+                    <a:bodyPr/>
+                    <a:lstStyle/>
+                    <a:p>
+                      <a:pPr algn="l" fontAlgn="base"/>
+                      <a:r>
+                        <a:rPr lang="en-US" sz="1000">
+                          <a:effectLst/>
+                        </a:rPr>
+                        <a:t>4</a:t>
+                      </a:r>
+                      <a:endParaRPr lang="en-US" sz="1000" b="0">
+                        <a:effectLst/>
+                      </a:endParaRPr>
+                    </a:p>
+                  </a:txBody>
+                  <a:tcPr marL="75850" marR="75850" marT="106190" marB="106190" anchor="ctr"/>
+                </a:tc>
+                <a:tc>
+                  <a:txBody>
+                    <a:bodyPr/>
+                    <a:lstStyle/>
+                    <a:p>
+                      <a:pPr algn="l" fontAlgn="base"/>
+                      <a:r>
+                        <a:rPr lang="en-US" sz="1000">
+                          <a:effectLst/>
+                        </a:rPr>
+                        <a:t>Lists consume more memory</a:t>
+                      </a:r>
+                      <a:endParaRPr lang="en-US" sz="1000" b="0">
+                        <a:effectLst/>
+                      </a:endParaRPr>
+                    </a:p>
+                  </a:txBody>
+                  <a:tcPr marL="75850" marR="75850" marT="106190" marB="106190" anchor="ctr"/>
+                </a:tc>
+                <a:tc>
+                  <a:txBody>
+                    <a:bodyPr/>
+                    <a:lstStyle/>
+                    <a:p>
+                      <a:pPr algn="l" fontAlgn="base"/>
+                      <a:r>
+                        <a:rPr lang="en-US" sz="1000">
+                          <a:effectLst/>
+                        </a:rPr>
+                        <a:t>Tuple consumes less memory as compared to the list</a:t>
+                      </a:r>
+                      <a:endParaRPr lang="en-US" sz="1000" b="0">
+                        <a:effectLst/>
+                      </a:endParaRPr>
+                    </a:p>
+                  </a:txBody>
+                  <a:tcPr marL="75850" marR="75850" marT="106190" marB="106190" anchor="ctr"/>
+                </a:tc>
+                <a:extLst>
+                  <a:ext uri="{0D108BD9-81ED-4DB2-BD59-A6C34878D82A}">
+                    <a16:rowId xmlns:a16="http://schemas.microsoft.com/office/drawing/2014/main" val="1561892628"/>
+                  </a:ext>
+                </a:extLst>
+              </a:tr>
+              <a:tr h="515782">
+                <a:tc>
+                  <a:txBody>
+                    <a:bodyPr/>
+                    <a:lstStyle/>
+                    <a:p>
+                      <a:pPr algn="l" fontAlgn="base"/>
+                      <a:r>
+                        <a:rPr lang="en-US" sz="1000">
+                          <a:effectLst/>
+                        </a:rPr>
+                        <a:t>5</a:t>
+                      </a:r>
+                      <a:endParaRPr lang="en-US" sz="1000" b="0">
+                        <a:effectLst/>
+                      </a:endParaRPr>
+                    </a:p>
+                  </a:txBody>
+                  <a:tcPr marL="75850" marR="75850" marT="106190" marB="106190" anchor="ctr"/>
+                </a:tc>
+                <a:tc>
+                  <a:txBody>
+                    <a:bodyPr/>
+                    <a:lstStyle/>
+                    <a:p>
+                      <a:pPr algn="l" fontAlgn="base"/>
+                      <a:r>
+                        <a:rPr lang="en-US" sz="1000">
+                          <a:effectLst/>
+                        </a:rPr>
+                        <a:t>Lists have several built-in methods</a:t>
+                      </a:r>
+                      <a:endParaRPr lang="en-US" sz="1000" b="0">
+                        <a:effectLst/>
+                      </a:endParaRPr>
+                    </a:p>
+                  </a:txBody>
+                  <a:tcPr marL="75850" marR="75850" marT="106190" marB="106190" anchor="ctr"/>
+                </a:tc>
+                <a:tc>
+                  <a:txBody>
+                    <a:bodyPr/>
+                    <a:lstStyle/>
+                    <a:p>
+                      <a:pPr algn="l" fontAlgn="base"/>
+                      <a:r>
+                        <a:rPr lang="en-US" sz="1000">
+                          <a:effectLst/>
+                        </a:rPr>
+                        <a:t>Tuple does not have many built-in methods.</a:t>
+                      </a:r>
+                      <a:endParaRPr lang="en-US" sz="1000" b="0">
+                        <a:effectLst/>
+                      </a:endParaRPr>
+                    </a:p>
+                  </a:txBody>
+                  <a:tcPr marL="75850" marR="75850" marT="106190" marB="106190" anchor="ctr"/>
+                </a:tc>
+                <a:extLst>
+                  <a:ext uri="{0D108BD9-81ED-4DB2-BD59-A6C34878D82A}">
+                    <a16:rowId xmlns:a16="http://schemas.microsoft.com/office/drawing/2014/main" val="2592432784"/>
+                  </a:ext>
+                </a:extLst>
+              </a:tr>
+              <a:tr h="515782">
+                <a:tc>
+                  <a:txBody>
+                    <a:bodyPr/>
+                    <a:lstStyle/>
+                    <a:p>
+                      <a:pPr algn="l" fontAlgn="base"/>
+                      <a:r>
+                        <a:rPr lang="en-US" sz="1000">
+                          <a:effectLst/>
+                        </a:rPr>
+                        <a:t>6</a:t>
+                      </a:r>
+                      <a:endParaRPr lang="en-US" sz="1000" b="0">
+                        <a:effectLst/>
+                      </a:endParaRPr>
+                    </a:p>
+                  </a:txBody>
+                  <a:tcPr marL="75850" marR="75850" marT="106190" marB="106190" anchor="ctr"/>
+                </a:tc>
+                <a:tc>
+                  <a:txBody>
+                    <a:bodyPr/>
+                    <a:lstStyle/>
+                    <a:p>
+                      <a:pPr algn="l" fontAlgn="base"/>
+                      <a:r>
+                        <a:rPr lang="en-US" sz="1000">
+                          <a:effectLst/>
+                        </a:rPr>
+                        <a:t>The unexpected changes and errors are more likely to occur</a:t>
+                      </a:r>
+                      <a:endParaRPr lang="en-US" sz="1000" b="0">
+                        <a:effectLst/>
+                      </a:endParaRPr>
+                    </a:p>
+                  </a:txBody>
+                  <a:tcPr marL="75850" marR="75850" marT="106190" marB="106190" anchor="ctr"/>
+                </a:tc>
+                <a:tc>
+                  <a:txBody>
+                    <a:bodyPr/>
+                    <a:lstStyle/>
+                    <a:p>
+                      <a:pPr algn="l" fontAlgn="base"/>
+                      <a:r>
+                        <a:rPr lang="en-US" sz="1000" dirty="0">
+                          <a:effectLst/>
+                        </a:rPr>
+                        <a:t>In tuple, it is hard to take place.</a:t>
+                      </a:r>
+                      <a:endParaRPr lang="en-US" sz="1000" b="0" dirty="0">
+                        <a:effectLst/>
+                      </a:endParaRPr>
+                    </a:p>
+                  </a:txBody>
+                  <a:tcPr marL="75850" marR="75850" marT="106190" marB="106190" anchor="ctr"/>
+                </a:tc>
+                <a:extLst>
+                  <a:ext uri="{0D108BD9-81ED-4DB2-BD59-A6C34878D82A}">
+                    <a16:rowId xmlns:a16="http://schemas.microsoft.com/office/drawing/2014/main" val="171784500"/>
+                  </a:ext>
+                </a:extLst>
+              </a:tr>
+            </a:tbl>
+          </a:graphicData>
+        </a:graphic>
+      </p:graphicFrame>
+    </p:spTree>
+    <p:extLst>
+      <p:ext uri="{BB962C8B-B14F-4D97-AF65-F5344CB8AC3E}">
+        <p14:creationId xmlns:p14="http://schemas.microsoft.com/office/powerpoint/2010/main" val="444641315"/>
+      </p:ext>
+    </p:extLst>
+  </p:cSld>
+  <p:clrMapOvr>
+    <a:masterClrMapping/>
+  </p:clrMapOvr>
+  <p:timing>
+    <p:tnLst>
+      <p:par>
+        <p:cTn id="1" dur="indefinite" restart="never" nodeType="tmRoot"/>
+      </p:par>
+    </p:tnLst>
+  </p:timing>
+</p:sld>
+</file>
+
+<file path=ppt/slides/slide16.xml><?xml version="1.0" encoding="utf-8"?>
+<p:sld xmlns:a="http://schemas.openxmlformats.org/drawingml/2006/main" xmlns:r="http://schemas.openxmlformats.org/officeDocument/2006/relationships" xmlns:p="http://schemas.openxmlformats.org/presentationml/2006/main">
+  <p:cSld>
+    <p:spTree>
+      <p:nvGrpSpPr>
+        <p:cNvPr id="1" name="Shape 228"/>
+        <p:cNvGrpSpPr/>
+        <p:nvPr/>
+      </p:nvGrpSpPr>
+      <p:grpSpPr>
+        <a:xfrm>
+          <a:off x="0" y="0"/>
+          <a:ext cx="0" cy="0"/>
+          <a:chOff x="0" y="0"/>
+          <a:chExt cx="0" cy="0"/>
+        </a:xfrm>
+      </p:grpSpPr>
+      <p:sp>
+        <p:nvSpPr>
+          <p:cNvPr id="229" name="Google Shape;229;p26"/>
+          <p:cNvSpPr txBox="1">
+            <a:spLocks noGrp="1"/>
+          </p:cNvSpPr>
+          <p:nvPr>
+            <p:ph type="title" idx="4294967295"/>
+          </p:nvPr>
+        </p:nvSpPr>
+        <p:spPr>
+          <a:xfrm>
+            <a:off x="566928" y="368134"/>
+            <a:ext cx="8538556" cy="798300"/>
+          </a:xfrm>
+          <a:prstGeom prst="rect">
+            <a:avLst/>
+          </a:prstGeom>
+        </p:spPr>
+        <p:txBody>
+          <a:bodyPr spcFirstLastPara="1" wrap="square" lIns="91425" tIns="91425" rIns="91425" bIns="91425" anchor="ctr" anchorCtr="0">
+            <a:noAutofit/>
+          </a:bodyPr>
+          <a:lstStyle/>
+          <a:p>
+            <a:pPr lvl="0"/>
+            <a:r>
+              <a:rPr lang="en-US" sz="2400" dirty="0">
+                <a:solidFill>
+                  <a:srgbClr val="2C363A"/>
+                </a:solidFill>
+              </a:rPr>
+              <a:t>Understanding of tuples and differences with python list</a:t>
+            </a:r>
+          </a:p>
+        </p:txBody>
+      </p:sp>
+      <p:sp>
+        <p:nvSpPr>
+          <p:cNvPr id="230" name="Google Shape;230;p26"/>
+          <p:cNvSpPr txBox="1">
+            <a:spLocks noGrp="1"/>
+          </p:cNvSpPr>
+          <p:nvPr>
+            <p:ph type="sldNum" idx="12"/>
+          </p:nvPr>
+        </p:nvSpPr>
+        <p:spPr>
+          <a:xfrm>
+            <a:off x="8556784" y="4749851"/>
+            <a:ext cx="548700" cy="393600"/>
+          </a:xfrm>
+          <a:prstGeom prst="rect">
+            <a:avLst/>
+          </a:prstGeom>
+        </p:spPr>
+        <p:txBody>
+          <a:bodyPr spcFirstLastPara="1" wrap="square" lIns="91425" tIns="91425" rIns="91425" bIns="91425" anchor="t" anchorCtr="0">
+            <a:noAutofit/>
+          </a:bodyPr>
+          <a:lstStyle/>
+          <a:p>
+            <a:pPr marL="0" lvl="0" indent="0" algn="r" rtl="0">
+              <a:spcBef>
+                <a:spcPts val="0"/>
+              </a:spcBef>
+              <a:spcAft>
+                <a:spcPts val="0"/>
+              </a:spcAft>
+              <a:buNone/>
+            </a:pPr>
+            <a:fld id="{00000000-1234-1234-1234-123412341234}" type="slidenum">
+              <a:rPr lang="en"/>
+              <a:t>16</a:t>
+            </a:fld>
+            <a:endParaRPr/>
+          </a:p>
+        </p:txBody>
+      </p:sp>
       <p:sp>
         <p:nvSpPr>
           <p:cNvPr id="8" name="Rectangle 2"/>
@@ -24918,123 +25625,7 @@
     </p:spTree>
     <p:extLst>
       <p:ext uri="{BB962C8B-B14F-4D97-AF65-F5344CB8AC3E}">
-        <p14:creationId xmlns:p14="http://schemas.microsoft.com/office/powerpoint/2010/main" val="444641315"/>
-      </p:ext>
-    </p:extLst>
-  </p:cSld>
-  <p:clrMapOvr>
-    <a:masterClrMapping/>
-  </p:clrMapOvr>
-  <p:timing>
-    <p:tnLst>
-      <p:par>
-        <p:cTn id="1" dur="indefinite" restart="never" nodeType="tmRoot"/>
-      </p:par>
-    </p:tnLst>
-  </p:timing>
-</p:sld>
-</file>
-
-<file path=ppt/slides/slide16.xml><?xml version="1.0" encoding="utf-8"?>
-<p:sld xmlns:a="http://schemas.openxmlformats.org/drawingml/2006/main" xmlns:r="http://schemas.openxmlformats.org/officeDocument/2006/relationships" xmlns:p="http://schemas.openxmlformats.org/presentationml/2006/main">
-  <p:cSld>
-    <p:spTree>
-      <p:nvGrpSpPr>
-        <p:cNvPr id="1" name="Shape 228"/>
-        <p:cNvGrpSpPr/>
-        <p:nvPr/>
-      </p:nvGrpSpPr>
-      <p:grpSpPr>
-        <a:xfrm>
-          <a:off x="0" y="0"/>
-          <a:ext cx="0" cy="0"/>
-          <a:chOff x="0" y="0"/>
-          <a:chExt cx="0" cy="0"/>
-        </a:xfrm>
-      </p:grpSpPr>
-      <p:sp>
-        <p:nvSpPr>
-          <p:cNvPr id="229" name="Google Shape;229;p26"/>
-          <p:cNvSpPr txBox="1">
-            <a:spLocks noGrp="1"/>
-          </p:cNvSpPr>
-          <p:nvPr>
-            <p:ph type="title" idx="4294967295"/>
-          </p:nvPr>
-        </p:nvSpPr>
-        <p:spPr>
-          <a:xfrm>
-            <a:off x="854884" y="368134"/>
-            <a:ext cx="8250600" cy="798300"/>
-          </a:xfrm>
-          <a:prstGeom prst="rect">
-            <a:avLst/>
-          </a:prstGeom>
-        </p:spPr>
-        <p:txBody>
-          <a:bodyPr spcFirstLastPara="1" wrap="square" lIns="91425" tIns="91425" rIns="91425" bIns="91425" anchor="ctr" anchorCtr="0">
-            <a:noAutofit/>
-          </a:bodyPr>
-          <a:lstStyle/>
-          <a:p>
-            <a:pPr lvl="0"/>
-            <a:r>
-              <a:rPr lang="en-US" sz="2400" dirty="0">
-                <a:solidFill>
-                  <a:srgbClr val="2C363A"/>
-                </a:solidFill>
-              </a:rPr>
-              <a:t>Deep dive into sets, dictionaries and work with </a:t>
-            </a:r>
-          </a:p>
-        </p:txBody>
-      </p:sp>
-      <p:sp>
-        <p:nvSpPr>
-          <p:cNvPr id="230" name="Google Shape;230;p26"/>
-          <p:cNvSpPr txBox="1">
-            <a:spLocks noGrp="1"/>
-          </p:cNvSpPr>
-          <p:nvPr>
-            <p:ph type="sldNum" idx="12"/>
-          </p:nvPr>
-        </p:nvSpPr>
-        <p:spPr>
-          <a:xfrm>
-            <a:off x="8556784" y="4749851"/>
-            <a:ext cx="548700" cy="393600"/>
-          </a:xfrm>
-          <a:prstGeom prst="rect">
-            <a:avLst/>
-          </a:prstGeom>
-        </p:spPr>
-        <p:txBody>
-          <a:bodyPr spcFirstLastPara="1" wrap="square" lIns="91425" tIns="91425" rIns="91425" bIns="91425" anchor="t" anchorCtr="0">
-            <a:noAutofit/>
-          </a:bodyPr>
-          <a:lstStyle/>
-          <a:p>
-            <a:pPr marL="0" lvl="0" indent="0" algn="r" rtl="0">
-              <a:spcBef>
-                <a:spcPts val="0"/>
-              </a:spcBef>
-              <a:spcAft>
-                <a:spcPts val="0"/>
-              </a:spcAft>
-              <a:buNone/>
-            </a:pPr>
-            <a:fld id="{00000000-1234-1234-1234-123412341234}" type="slidenum">
-              <a:rPr lang="en"/>
-              <a:t>16</a:t>
-            </a:fld>
-            <a:endParaRPr/>
-          </a:p>
-        </p:txBody>
-      </p:sp>
-    </p:spTree>
-    <p:extLst>
-      <p:ext uri="{BB962C8B-B14F-4D97-AF65-F5344CB8AC3E}">
-        <p14:creationId xmlns:p14="http://schemas.microsoft.com/office/powerpoint/2010/main" val="3066850987"/>
+        <p14:creationId xmlns:p14="http://schemas.microsoft.com/office/powerpoint/2010/main" val="946787526"/>
       </p:ext>
     </p:extLst>
   </p:cSld>
@@ -25080,7 +25671,7 @@
         </p:nvSpPr>
         <p:spPr>
           <a:xfrm>
-            <a:off x="854884" y="168835"/>
+            <a:off x="854884" y="368134"/>
             <a:ext cx="8250600" cy="798300"/>
           </a:xfrm>
           <a:prstGeom prst="rect">
@@ -25093,19 +25684,15 @@
           </a:bodyPr>
           <a:lstStyle/>
           <a:p>
+            <a:pPr lvl="0"/>
             <a:r>
-              <a:rPr lang="en-US" sz="2400" dirty="0" smtClean="0">
+              <a:rPr lang="en-US" sz="2400" dirty="0">
                 <a:solidFill>
                   <a:srgbClr val="2C363A"/>
                 </a:solidFill>
               </a:rPr>
-              <a:t>Assignments</a:t>
+              <a:t>Deep dive into sets, dictionaries and work with </a:t>
             </a:r>
-            <a:endParaRPr sz="2400" dirty="0">
-              <a:solidFill>
-                <a:schemeClr val="accent2"/>
-              </a:solidFill>
-            </a:endParaRPr>
           </a:p>
         </p:txBody>
       </p:sp>
@@ -25154,7 +25741,7 @@
     </p:spTree>
     <p:extLst>
       <p:ext uri="{BB962C8B-B14F-4D97-AF65-F5344CB8AC3E}">
-        <p14:creationId xmlns:p14="http://schemas.microsoft.com/office/powerpoint/2010/main" val="4288457442"/>
+        <p14:creationId xmlns:p14="http://schemas.microsoft.com/office/powerpoint/2010/main" val="3066850987"/>
       </p:ext>
     </p:extLst>
   </p:cSld>
@@ -25200,7 +25787,7 @@
         </p:nvSpPr>
         <p:spPr>
           <a:xfrm>
-            <a:off x="306184" y="619039"/>
+            <a:off x="854884" y="168835"/>
             <a:ext cx="8250600" cy="798300"/>
           </a:xfrm>
           <a:prstGeom prst="rect">
@@ -25213,14 +25800,13 @@
           </a:bodyPr>
           <a:lstStyle/>
           <a:p>
-            <a:pPr lvl="0" algn="ctr"/>
             <a:r>
               <a:rPr lang="en-US" sz="2400" dirty="0" smtClean="0">
                 <a:solidFill>
                   <a:srgbClr val="2C363A"/>
                 </a:solidFill>
               </a:rPr>
-              <a:t>Code for the presentation can be found here</a:t>
+              <a:t>Assignments</a:t>
             </a:r>
             <a:endParaRPr sz="2400" dirty="0">
               <a:solidFill>
@@ -25272,62 +25858,10 @@
           </a:p>
         </p:txBody>
       </p:sp>
-      <p:sp>
-        <p:nvSpPr>
-          <p:cNvPr id="2" name="Rectangle 1"/>
-          <p:cNvSpPr/>
-          <p:nvPr/>
-        </p:nvSpPr>
-        <p:spPr>
-          <a:xfrm>
-            <a:off x="650452" y="2015526"/>
-            <a:ext cx="7906332" cy="1138773"/>
-          </a:xfrm>
-          <a:prstGeom prst="rect">
-            <a:avLst/>
-          </a:prstGeom>
-        </p:spPr>
-        <p:txBody>
-          <a:bodyPr wrap="none">
-            <a:spAutoFit/>
-          </a:bodyPr>
-          <a:lstStyle/>
-          <a:p>
-            <a:pPr algn="ctr"/>
-            <a:r>
-              <a:rPr lang="en-US" sz="2000" b="1" dirty="0" smtClean="0"/>
-              <a:t>Refer Readme.md of </a:t>
-            </a:r>
-            <a:r>
-              <a:rPr lang="en-US" sz="2000" b="1" dirty="0" err="1" smtClean="0"/>
-              <a:t>github</a:t>
-            </a:r>
-            <a:r>
-              <a:rPr lang="en-US" sz="2000" b="1" dirty="0" smtClean="0"/>
-              <a:t> repository for list of assignments:</a:t>
-            </a:r>
-          </a:p>
-          <a:p>
-            <a:pPr algn="ctr"/>
-            <a:endParaRPr lang="en-US" sz="2400" b="1" dirty="0" smtClean="0"/>
-          </a:p>
-          <a:p>
-            <a:pPr algn="ctr"/>
-            <a:r>
-              <a:rPr lang="en-US" sz="2400" b="1" dirty="0" smtClean="0"/>
-              <a:t>https</a:t>
-            </a:r>
-            <a:r>
-              <a:rPr lang="en-US" sz="2400" b="1" dirty="0"/>
-              <a:t>://github.com/tahirmirji/ai_with_python_keonics</a:t>
-            </a:r>
-          </a:p>
-        </p:txBody>
-      </p:sp>
     </p:spTree>
     <p:extLst>
       <p:ext uri="{BB962C8B-B14F-4D97-AF65-F5344CB8AC3E}">
-        <p14:creationId xmlns:p14="http://schemas.microsoft.com/office/powerpoint/2010/main" val="3319305882"/>
+        <p14:creationId xmlns:p14="http://schemas.microsoft.com/office/powerpoint/2010/main" val="4288457442"/>
       </p:ext>
     </p:extLst>
   </p:cSld>
@@ -25349,7 +25883,7 @@
   <p:cSld>
     <p:spTree>
       <p:nvGrpSpPr>
-        <p:cNvPr id="1" name=""/>
+        <p:cNvPr id="1" name="Shape 228"/>
         <p:cNvGrpSpPr/>
         <p:nvPr/>
       </p:nvGrpSpPr>
@@ -25363,17 +25897,69 @@
       </p:grpSpPr>
       <p:sp>
         <p:nvSpPr>
-          <p:cNvPr id="5" name="Slide Number Placeholder 4"/>
-          <p:cNvSpPr>
+          <p:cNvPr id="229" name="Google Shape;229;p26"/>
+          <p:cNvSpPr txBox="1">
+            <a:spLocks noGrp="1"/>
+          </p:cNvSpPr>
+          <p:nvPr>
+            <p:ph type="title" idx="4294967295"/>
+          </p:nvPr>
+        </p:nvSpPr>
+        <p:spPr>
+          <a:xfrm>
+            <a:off x="306184" y="619039"/>
+            <a:ext cx="8250600" cy="798300"/>
+          </a:xfrm>
+          <a:prstGeom prst="rect">
+            <a:avLst/>
+          </a:prstGeom>
+        </p:spPr>
+        <p:txBody>
+          <a:bodyPr spcFirstLastPara="1" wrap="square" lIns="91425" tIns="91425" rIns="91425" bIns="91425" anchor="ctr" anchorCtr="0">
+            <a:noAutofit/>
+          </a:bodyPr>
+          <a:lstStyle/>
+          <a:p>
+            <a:pPr lvl="0" algn="ctr"/>
+            <a:r>
+              <a:rPr lang="en-US" sz="2400" dirty="0" smtClean="0">
+                <a:solidFill>
+                  <a:srgbClr val="2C363A"/>
+                </a:solidFill>
+              </a:rPr>
+              <a:t>Code for the presentation can be found here</a:t>
+            </a:r>
+            <a:endParaRPr sz="2400" dirty="0">
+              <a:solidFill>
+                <a:schemeClr val="accent2"/>
+              </a:solidFill>
+            </a:endParaRPr>
+          </a:p>
+        </p:txBody>
+      </p:sp>
+      <p:sp>
+        <p:nvSpPr>
+          <p:cNvPr id="230" name="Google Shape;230;p26"/>
+          <p:cNvSpPr txBox="1">
             <a:spLocks noGrp="1"/>
           </p:cNvSpPr>
           <p:nvPr>
             <p:ph type="sldNum" idx="12"/>
           </p:nvPr>
         </p:nvSpPr>
-        <p:spPr/>
+        <p:spPr>
+          <a:xfrm>
+            <a:off x="8556784" y="4749851"/>
+            <a:ext cx="548700" cy="393600"/>
+          </a:xfrm>
+          <a:prstGeom prst="rect">
+            <a:avLst/>
+          </a:prstGeom>
+        </p:spPr>
         <p:txBody>
-          <a:bodyPr/>
+          <a:bodyPr spcFirstLastPara="1" wrap="square" lIns="91425" tIns="91425" rIns="91425" bIns="91425" anchor="t" anchorCtr="0">
+            <a:noAutofit/>
+          </a:bodyPr>
           <a:lstStyle/>
           <a:p>
             <a:pPr marL="0" lvl="0" indent="0" algn="r" rtl="0">
@@ -25386,64 +25972,69 @@
               <a:buNone/>
             </a:pPr>
             <a:fld id="{00000000-1234-1234-1234-123412341234}" type="slidenum">
-              <a:rPr lang="en" smtClean="0"/>
+              <a:rPr lang="en"/>
               <a:t>19</a:t>
             </a:fld>
-            <a:endParaRPr lang="en"/>
+            <a:endParaRPr/>
           </a:p>
         </p:txBody>
       </p:sp>
       <p:sp>
         <p:nvSpPr>
-          <p:cNvPr id="6" name="Oval 5"/>
+          <p:cNvPr id="2" name="Rectangle 1"/>
           <p:cNvSpPr/>
           <p:nvPr/>
         </p:nvSpPr>
         <p:spPr>
           <a:xfrm>
-            <a:off x="837282" y="-1156694"/>
-            <a:ext cx="7590621" cy="7590621"/>
+            <a:off x="650452" y="2015526"/>
+            <a:ext cx="7906332" cy="1138773"/>
           </a:xfrm>
-          <a:prstGeom prst="ellipse">
+          <a:prstGeom prst="rect">
             <a:avLst/>
           </a:prstGeom>
-          <a:ln>
-            <a:noFill/>
-          </a:ln>
         </p:spPr>
-        <p:style>
-          <a:lnRef idx="2">
-            <a:schemeClr val="accent1">
-              <a:shade val="50000"/>
-            </a:schemeClr>
-          </a:lnRef>
-          <a:fillRef idx="1">
-            <a:schemeClr val="accent1"/>
-          </a:fillRef>
-          <a:effectRef idx="0">
-            <a:schemeClr val="accent1"/>
-          </a:effectRef>
-          <a:fontRef idx="minor">
-            <a:schemeClr val="lt1"/>
-          </a:fontRef>
-        </p:style>
         <p:txBody>
-          <a:bodyPr rtlCol="0" anchor="ctr"/>
+          <a:bodyPr wrap="none">
+            <a:spAutoFit/>
+          </a:bodyPr>
           <a:lstStyle/>
           <a:p>
             <a:pPr algn="ctr"/>
             <a:r>
-              <a:rPr lang="en-US" sz="8000" dirty="0" smtClean="0"/>
-              <a:t>Thank You</a:t>
+              <a:rPr lang="en-US" sz="2000" b="1" dirty="0" smtClean="0"/>
+              <a:t>Refer Readme.md of </a:t>
             </a:r>
-            <a:endParaRPr lang="en-US" sz="8000" dirty="0"/>
+            <a:r>
+              <a:rPr lang="en-US" sz="2000" b="1" dirty="0" err="1" smtClean="0"/>
+              <a:t>github</a:t>
+            </a:r>
+            <a:r>
+              <a:rPr lang="en-US" sz="2000" b="1" dirty="0" smtClean="0"/>
+              <a:t> repository for list of assignments:</a:t>
+            </a:r>
+          </a:p>
+          <a:p>
+            <a:pPr algn="ctr"/>
+            <a:endParaRPr lang="en-US" sz="2400" b="1" dirty="0" smtClean="0"/>
+          </a:p>
+          <a:p>
+            <a:pPr algn="ctr"/>
+            <a:r>
+              <a:rPr lang="en-US" sz="2400" b="1" dirty="0" smtClean="0"/>
+              <a:t>https</a:t>
+            </a:r>
+            <a:r>
+              <a:rPr lang="en-US" sz="2400" b="1" dirty="0"/>
+              <a:t>://github.com/tahirmirji/ai_with_python_keonics</a:t>
+            </a:r>
           </a:p>
         </p:txBody>
       </p:sp>
     </p:spTree>
     <p:extLst>
       <p:ext uri="{BB962C8B-B14F-4D97-AF65-F5344CB8AC3E}">
-        <p14:creationId xmlns:p14="http://schemas.microsoft.com/office/powerpoint/2010/main" val="1594356354"/>
+        <p14:creationId xmlns:p14="http://schemas.microsoft.com/office/powerpoint/2010/main" val="3319305882"/>
       </p:ext>
     </p:extLst>
   </p:cSld>
@@ -25562,11 +26153,6 @@
               </a:rPr>
               <a:t>Working with python lists and built-in functions</a:t>
             </a:r>
-            <a:endParaRPr lang="en-US" b="1" dirty="0" smtClean="0">
-              <a:solidFill>
-                <a:srgbClr val="2C363A"/>
-              </a:solidFill>
-            </a:endParaRPr>
           </a:p>
           <a:p>
             <a:pPr marL="457200" lvl="0" indent="-317500">
@@ -25587,11 +26173,6 @@
               </a:rPr>
               <a:t>Construct list in a natural way with list comprehensions.</a:t>
             </a:r>
-            <a:endParaRPr lang="en-US" b="1" dirty="0" smtClean="0">
-              <a:solidFill>
-                <a:srgbClr val="2C363A"/>
-              </a:solidFill>
-            </a:endParaRPr>
           </a:p>
           <a:p>
             <a:pPr marL="457200" lvl="0" indent="-317500">
@@ -25612,11 +26193,6 @@
               </a:rPr>
               <a:t>Understanding of tuples and differences with python list</a:t>
             </a:r>
-            <a:endParaRPr lang="en-US" b="1" dirty="0" smtClean="0">
-              <a:solidFill>
-                <a:srgbClr val="2C363A"/>
-              </a:solidFill>
-            </a:endParaRPr>
           </a:p>
           <a:p>
             <a:pPr marL="457200" lvl="0" indent="-317500">
@@ -25677,11 +26253,6 @@
               </a:rPr>
               <a:t>Code Examples Github Link</a:t>
             </a:r>
-            <a:endParaRPr lang="en-US" b="1" dirty="0" smtClean="0">
-              <a:solidFill>
-                <a:srgbClr val="2C363A"/>
-              </a:solidFill>
-            </a:endParaRPr>
           </a:p>
           <a:p>
             <a:pPr marL="457200" lvl="0" indent="-317500">
@@ -25772,6 +26343,122 @@
         </p:txBody>
       </p:sp>
     </p:spTree>
+  </p:cSld>
+  <p:clrMapOvr>
+    <a:masterClrMapping/>
+  </p:clrMapOvr>
+  <p:timing>
+    <p:tnLst>
+      <p:par>
+        <p:cTn id="1" dur="indefinite" restart="never" nodeType="tmRoot"/>
+      </p:par>
+    </p:tnLst>
+  </p:timing>
+</p:sld>
+</file>
+
+<file path=ppt/slides/slide20.xml><?xml version="1.0" encoding="utf-8"?>
+<p:sld xmlns:a="http://schemas.openxmlformats.org/drawingml/2006/main" xmlns:r="http://schemas.openxmlformats.org/officeDocument/2006/relationships" xmlns:p="http://schemas.openxmlformats.org/presentationml/2006/main">
+  <p:cSld>
+    <p:spTree>
+      <p:nvGrpSpPr>
+        <p:cNvPr id="1" name=""/>
+        <p:cNvGrpSpPr/>
+        <p:nvPr/>
+      </p:nvGrpSpPr>
+      <p:grpSpPr>
+        <a:xfrm>
+          <a:off x="0" y="0"/>
+          <a:ext cx="0" cy="0"/>
+          <a:chOff x="0" y="0"/>
+          <a:chExt cx="0" cy="0"/>
+        </a:xfrm>
+      </p:grpSpPr>
+      <p:sp>
+        <p:nvSpPr>
+          <p:cNvPr id="5" name="Slide Number Placeholder 4"/>
+          <p:cNvSpPr>
+            <a:spLocks noGrp="1"/>
+          </p:cNvSpPr>
+          <p:nvPr>
+            <p:ph type="sldNum" idx="12"/>
+          </p:nvPr>
+        </p:nvSpPr>
+        <p:spPr/>
+        <p:txBody>
+          <a:bodyPr/>
+          <a:lstStyle/>
+          <a:p>
+            <a:pPr marL="0" lvl="0" indent="0" algn="r" rtl="0">
+              <a:spcBef>
+                <a:spcPts val="0"/>
+              </a:spcBef>
+              <a:spcAft>
+                <a:spcPts val="0"/>
+              </a:spcAft>
+              <a:buNone/>
+            </a:pPr>
+            <a:fld id="{00000000-1234-1234-1234-123412341234}" type="slidenum">
+              <a:rPr lang="en" smtClean="0"/>
+              <a:t>20</a:t>
+            </a:fld>
+            <a:endParaRPr lang="en"/>
+          </a:p>
+        </p:txBody>
+      </p:sp>
+      <p:sp>
+        <p:nvSpPr>
+          <p:cNvPr id="6" name="Oval 5"/>
+          <p:cNvSpPr/>
+          <p:nvPr/>
+        </p:nvSpPr>
+        <p:spPr>
+          <a:xfrm>
+            <a:off x="837282" y="-1156694"/>
+            <a:ext cx="7590621" cy="7590621"/>
+          </a:xfrm>
+          <a:prstGeom prst="ellipse">
+            <a:avLst/>
+          </a:prstGeom>
+          <a:ln>
+            <a:noFill/>
+          </a:ln>
+        </p:spPr>
+        <p:style>
+          <a:lnRef idx="2">
+            <a:schemeClr val="accent1">
+              <a:shade val="50000"/>
+            </a:schemeClr>
+          </a:lnRef>
+          <a:fillRef idx="1">
+            <a:schemeClr val="accent1"/>
+          </a:fillRef>
+          <a:effectRef idx="0">
+            <a:schemeClr val="accent1"/>
+          </a:effectRef>
+          <a:fontRef idx="minor">
+            <a:schemeClr val="lt1"/>
+          </a:fontRef>
+        </p:style>
+        <p:txBody>
+          <a:bodyPr rtlCol="0" anchor="ctr"/>
+          <a:lstStyle/>
+          <a:p>
+            <a:pPr algn="ctr"/>
+            <a:r>
+              <a:rPr lang="en-US" sz="8000" dirty="0" smtClean="0"/>
+              <a:t>Thank You</a:t>
+            </a:r>
+            <a:endParaRPr lang="en-US" sz="8000" dirty="0"/>
+          </a:p>
+        </p:txBody>
+      </p:sp>
+    </p:spTree>
+    <p:extLst>
+      <p:ext uri="{BB962C8B-B14F-4D97-AF65-F5344CB8AC3E}">
+        <p14:creationId xmlns:p14="http://schemas.microsoft.com/office/powerpoint/2010/main" val="1594356354"/>
+      </p:ext>
+    </p:extLst>
   </p:cSld>
   <p:clrMapOvr>
     <a:masterClrMapping/>
@@ -29801,14 +30488,7 @@
                 <a:latin typeface="Consolas" panose="020B0609020204030204" pitchFamily="49" charset="0"/>
                 <a:cs typeface="Consolas" panose="020B0609020204030204" pitchFamily="49" charset="0"/>
               </a:rPr>
-              <a:t> = [x for x in range(10</a:t>
-            </a:r>
-            <a:r>
-              <a:rPr lang="en-US" sz="1800" dirty="0">
-                <a:latin typeface="Consolas" panose="020B0609020204030204" pitchFamily="49" charset="0"/>
-                <a:cs typeface="Consolas" panose="020B0609020204030204" pitchFamily="49" charset="0"/>
-              </a:rPr>
-              <a:t>)]</a:t>
+              <a:t> = [x for x in range(10)]</a:t>
             </a:r>
           </a:p>
           <a:p>
@@ -29918,10 +30598,6 @@
               </a:rPr>
               <a:t> = [x if x != "banana" else "orange" for x in fruits]</a:t>
             </a:r>
-            <a:endParaRPr lang="en-US" sz="1800" dirty="0">
-              <a:latin typeface="Consolas" panose="020B0609020204030204" pitchFamily="49" charset="0"/>
-              <a:cs typeface="Consolas" panose="020B0609020204030204" pitchFamily="49" charset="0"/>
-            </a:endParaRPr>
           </a:p>
         </p:txBody>
       </p:sp>

--- a/module2/ppt/Advanced Concepts Using Datastructures.pptx
+++ b/module2/ppt/Advanced Concepts Using Datastructures.pptx
@@ -33,23 +33,23 @@
   <p:notesSz cx="6858000" cy="9144000"/>
   <p:embeddedFontLst>
     <p:embeddedFont>
-      <p:font typeface="Sarala" panose="020B0604020202020204" charset="0"/>
+      <p:font typeface="Segoe UI" panose="020B0502040204020203" pitchFamily="34" charset="0"/>
       <p:regular r:id="rId23"/>
       <p:bold r:id="rId24"/>
-    </p:embeddedFont>
-    <p:embeddedFont>
-      <p:font typeface="Segoe UI" panose="020B0502040204020203" pitchFamily="34" charset="0"/>
-      <p:regular r:id="rId25"/>
-      <p:bold r:id="rId26"/>
-      <p:italic r:id="rId27"/>
-      <p:boldItalic r:id="rId28"/>
+      <p:italic r:id="rId25"/>
+      <p:boldItalic r:id="rId26"/>
     </p:embeddedFont>
     <p:embeddedFont>
       <p:font typeface="Montserrat" panose="00000500000000000000" pitchFamily="50" charset="0"/>
-      <p:regular r:id="rId29"/>
-      <p:bold r:id="rId30"/>
-      <p:italic r:id="rId31"/>
-      <p:boldItalic r:id="rId32"/>
+      <p:regular r:id="rId27"/>
+      <p:bold r:id="rId28"/>
+      <p:italic r:id="rId29"/>
+      <p:boldItalic r:id="rId30"/>
+    </p:embeddedFont>
+    <p:embeddedFont>
+      <p:font typeface="Sarala" panose="020B0604020202020204" charset="0"/>
+      <p:regular r:id="rId31"/>
+      <p:bold r:id="rId32"/>
     </p:embeddedFont>
     <p:embeddedFont>
       <p:font typeface="Consolas" panose="020B0609020204030204" pitchFamily="49" charset="0"/>
@@ -16671,7 +16671,7 @@
                 <a:hlinkClick r:id="rId2">
                   <a:extLst>
                     <a:ext uri="{A12FA001-AC4F-418D-AE19-62706E023703}">
-                      <ahyp:hlinkClr xmlns:ahyp="http://schemas.microsoft.com/office/drawing/2018/hyperlinkcolor" xmlns:p15="http://schemas.microsoft.com/office/powerpoint/2012/main" xmlns:p14="http://schemas.microsoft.com/office/powerpoint/2010/main" xmlns:com="http://schemas.openxmlformats.org/drawingml/2006/compatibility" xmlns:pvml="urn:schemas-microsoft-com:office:powerpoint" xmlns:v="urn:schemas-microsoft-com:vml" xmlns:o="urn:schemas-microsoft-com:office:office" xmlns:dgm="http://schemas.openxmlformats.org/drawingml/2006/diagram" xmlns:c="http://schemas.openxmlformats.org/drawingml/2006/chart" xmlns:mv="urn:schemas-microsoft-com:mac:vml" xmlns:mc="http://schemas.openxmlformats.org/markup-compatibility/2006" xmlns="" val="tx"/>
+                      <ahyp:hlinkClr xmlns="" xmlns:mc="http://schemas.openxmlformats.org/markup-compatibility/2006" xmlns:mv="urn:schemas-microsoft-com:mac:vml" xmlns:c="http://schemas.openxmlformats.org/drawingml/2006/chart" xmlns:dgm="http://schemas.openxmlformats.org/drawingml/2006/diagram" xmlns:o="urn:schemas-microsoft-com:office:office" xmlns:v="urn:schemas-microsoft-com:vml" xmlns:pvml="urn:schemas-microsoft-com:office:powerpoint" xmlns:com="http://schemas.openxmlformats.org/drawingml/2006/compatibility" xmlns:p14="http://schemas.microsoft.com/office/powerpoint/2010/main" xmlns:p15="http://schemas.microsoft.com/office/powerpoint/2012/main" xmlns:ahyp="http://schemas.microsoft.com/office/drawing/2018/hyperlinkcolor" val="tx"/>
                     </a:ext>
                   </a:extLst>
                 </a:hlinkClick>
@@ -16705,7 +16705,7 @@
                 <a:hlinkClick r:id="rId3">
                   <a:extLst>
                     <a:ext uri="{A12FA001-AC4F-418D-AE19-62706E023703}">
-                      <ahyp:hlinkClr xmlns:ahyp="http://schemas.microsoft.com/office/drawing/2018/hyperlinkcolor" xmlns:p15="http://schemas.microsoft.com/office/powerpoint/2012/main" xmlns:p14="http://schemas.microsoft.com/office/powerpoint/2010/main" xmlns:com="http://schemas.openxmlformats.org/drawingml/2006/compatibility" xmlns:pvml="urn:schemas-microsoft-com:office:powerpoint" xmlns:v="urn:schemas-microsoft-com:vml" xmlns:o="urn:schemas-microsoft-com:office:office" xmlns:dgm="http://schemas.openxmlformats.org/drawingml/2006/diagram" xmlns:c="http://schemas.openxmlformats.org/drawingml/2006/chart" xmlns:mv="urn:schemas-microsoft-com:mac:vml" xmlns:mc="http://schemas.openxmlformats.org/markup-compatibility/2006" xmlns="" val="tx"/>
+                      <ahyp:hlinkClr xmlns="" xmlns:mc="http://schemas.openxmlformats.org/markup-compatibility/2006" xmlns:mv="urn:schemas-microsoft-com:mac:vml" xmlns:c="http://schemas.openxmlformats.org/drawingml/2006/chart" xmlns:dgm="http://schemas.openxmlformats.org/drawingml/2006/diagram" xmlns:o="urn:schemas-microsoft-com:office:office" xmlns:v="urn:schemas-microsoft-com:vml" xmlns:pvml="urn:schemas-microsoft-com:office:powerpoint" xmlns:com="http://schemas.openxmlformats.org/drawingml/2006/compatibility" xmlns:p14="http://schemas.microsoft.com/office/powerpoint/2010/main" xmlns:p15="http://schemas.microsoft.com/office/powerpoint/2012/main" xmlns:ahyp="http://schemas.microsoft.com/office/drawing/2018/hyperlinkcolor" val="tx"/>
                     </a:ext>
                   </a:extLst>
                 </a:hlinkClick>
@@ -16739,7 +16739,7 @@
                 <a:hlinkClick r:id="rId4">
                   <a:extLst>
                     <a:ext uri="{A12FA001-AC4F-418D-AE19-62706E023703}">
-                      <ahyp:hlinkClr xmlns:ahyp="http://schemas.microsoft.com/office/drawing/2018/hyperlinkcolor" xmlns:p15="http://schemas.microsoft.com/office/powerpoint/2012/main" xmlns:p14="http://schemas.microsoft.com/office/powerpoint/2010/main" xmlns:com="http://schemas.openxmlformats.org/drawingml/2006/compatibility" xmlns:pvml="urn:schemas-microsoft-com:office:powerpoint" xmlns:v="urn:schemas-microsoft-com:vml" xmlns:o="urn:schemas-microsoft-com:office:office" xmlns:dgm="http://schemas.openxmlformats.org/drawingml/2006/diagram" xmlns:c="http://schemas.openxmlformats.org/drawingml/2006/chart" xmlns:mv="urn:schemas-microsoft-com:mac:vml" xmlns:mc="http://schemas.openxmlformats.org/markup-compatibility/2006" xmlns="" val="tx"/>
+                      <ahyp:hlinkClr xmlns="" xmlns:mc="http://schemas.openxmlformats.org/markup-compatibility/2006" xmlns:mv="urn:schemas-microsoft-com:mac:vml" xmlns:c="http://schemas.openxmlformats.org/drawingml/2006/chart" xmlns:dgm="http://schemas.openxmlformats.org/drawingml/2006/diagram" xmlns:o="urn:schemas-microsoft-com:office:office" xmlns:v="urn:schemas-microsoft-com:vml" xmlns:pvml="urn:schemas-microsoft-com:office:powerpoint" xmlns:com="http://schemas.openxmlformats.org/drawingml/2006/compatibility" xmlns:p14="http://schemas.microsoft.com/office/powerpoint/2010/main" xmlns:p15="http://schemas.microsoft.com/office/powerpoint/2012/main" xmlns:ahyp="http://schemas.microsoft.com/office/drawing/2018/hyperlinkcolor" val="tx"/>
                     </a:ext>
                   </a:extLst>
                 </a:hlinkClick>
@@ -16773,7 +16773,7 @@
                 <a:hlinkClick r:id="rId5">
                   <a:extLst>
                     <a:ext uri="{A12FA001-AC4F-418D-AE19-62706E023703}">
-                      <ahyp:hlinkClr xmlns:ahyp="http://schemas.microsoft.com/office/drawing/2018/hyperlinkcolor" xmlns:p15="http://schemas.microsoft.com/office/powerpoint/2012/main" xmlns:p14="http://schemas.microsoft.com/office/powerpoint/2010/main" xmlns:com="http://schemas.openxmlformats.org/drawingml/2006/compatibility" xmlns:pvml="urn:schemas-microsoft-com:office:powerpoint" xmlns:v="urn:schemas-microsoft-com:vml" xmlns:o="urn:schemas-microsoft-com:office:office" xmlns:dgm="http://schemas.openxmlformats.org/drawingml/2006/diagram" xmlns:c="http://schemas.openxmlformats.org/drawingml/2006/chart" xmlns:mv="urn:schemas-microsoft-com:mac:vml" xmlns:mc="http://schemas.openxmlformats.org/markup-compatibility/2006" xmlns="" val="tx"/>
+                      <ahyp:hlinkClr xmlns="" xmlns:mc="http://schemas.openxmlformats.org/markup-compatibility/2006" xmlns:mv="urn:schemas-microsoft-com:mac:vml" xmlns:c="http://schemas.openxmlformats.org/drawingml/2006/chart" xmlns:dgm="http://schemas.openxmlformats.org/drawingml/2006/diagram" xmlns:o="urn:schemas-microsoft-com:office:office" xmlns:v="urn:schemas-microsoft-com:vml" xmlns:pvml="urn:schemas-microsoft-com:office:powerpoint" xmlns:com="http://schemas.openxmlformats.org/drawingml/2006/compatibility" xmlns:p14="http://schemas.microsoft.com/office/powerpoint/2010/main" xmlns:p15="http://schemas.microsoft.com/office/powerpoint/2012/main" xmlns:ahyp="http://schemas.microsoft.com/office/drawing/2018/hyperlinkcolor" val="tx"/>
                     </a:ext>
                   </a:extLst>
                 </a:hlinkClick>
@@ -24847,12 +24847,12 @@
                     <a:p>
                       <a:pPr algn="l" fontAlgn="base"/>
                       <a:r>
-                        <a:rPr lang="en-US" sz="1000">
+                        <a:rPr lang="en-US" sz="1000" dirty="0">
                           <a:effectLst/>
                         </a:rPr>
                         <a:t>The list is better for performing operations, such as insertion and deletion.</a:t>
                       </a:r>
-                      <a:endParaRPr lang="en-US" sz="1000" b="0">
+                      <a:endParaRPr lang="en-US" sz="1000" b="0" dirty="0">
                         <a:effectLst/>
                       </a:endParaRPr>
                     </a:p>

--- a/module2/ppt/Advanced Concepts Using Datastructures.pptx
+++ b/module2/ppt/Advanced Concepts Using Datastructures.pptx
@@ -5,7 +5,7 @@
     <p:sldMasterId id="2147483670" r:id="rId1"/>
   </p:sldMasterIdLst>
   <p:notesMasterIdLst>
-    <p:notesMasterId r:id="rId22"/>
+    <p:notesMasterId r:id="rId24"/>
   </p:notesMasterIdLst>
   <p:sldIdLst>
     <p:sldId id="256" r:id="rId2"/>
@@ -22,29 +22,29 @@
     <p:sldId id="342" r:id="rId13"/>
     <p:sldId id="337" r:id="rId14"/>
     <p:sldId id="334" r:id="rId15"/>
-    <p:sldId id="345" r:id="rId16"/>
-    <p:sldId id="346" r:id="rId17"/>
-    <p:sldId id="335" r:id="rId18"/>
-    <p:sldId id="271" r:id="rId19"/>
-    <p:sldId id="327" r:id="rId20"/>
-    <p:sldId id="308" r:id="rId21"/>
+    <p:sldId id="348" r:id="rId16"/>
+    <p:sldId id="345" r:id="rId17"/>
+    <p:sldId id="346" r:id="rId18"/>
+    <p:sldId id="347" r:id="rId19"/>
+    <p:sldId id="335" r:id="rId20"/>
+    <p:sldId id="271" r:id="rId21"/>
+    <p:sldId id="327" r:id="rId22"/>
+    <p:sldId id="308" r:id="rId23"/>
   </p:sldIdLst>
   <p:sldSz cx="9144000" cy="5143500" type="screen16x9"/>
   <p:notesSz cx="6858000" cy="9144000"/>
   <p:embeddedFontLst>
     <p:embeddedFont>
       <p:font typeface="Segoe UI" panose="020B0502040204020203" pitchFamily="34" charset="0"/>
-      <p:regular r:id="rId23"/>
-      <p:bold r:id="rId24"/>
-      <p:italic r:id="rId25"/>
-      <p:boldItalic r:id="rId26"/>
+      <p:regular r:id="rId25"/>
+      <p:bold r:id="rId26"/>
+      <p:italic r:id="rId27"/>
+      <p:boldItalic r:id="rId28"/>
     </p:embeddedFont>
     <p:embeddedFont>
-      <p:font typeface="Montserrat" panose="00000500000000000000" pitchFamily="50" charset="0"/>
-      <p:regular r:id="rId27"/>
-      <p:bold r:id="rId28"/>
-      <p:italic r:id="rId29"/>
-      <p:boldItalic r:id="rId30"/>
+      <p:font typeface="Microsoft YaHei" panose="020B0503020204020204" pitchFamily="34" charset="-122"/>
+      <p:regular r:id="rId29"/>
+      <p:bold r:id="rId30"/>
     </p:embeddedFont>
     <p:embeddedFont>
       <p:font typeface="Sarala" panose="020B0604020202020204" charset="0"/>
@@ -59,9 +59,11 @@
       <p:boldItalic r:id="rId36"/>
     </p:embeddedFont>
     <p:embeddedFont>
-      <p:font typeface="Microsoft YaHei" panose="020B0503020204020204" pitchFamily="34" charset="-122"/>
+      <p:font typeface="Montserrat" panose="00000500000000000000" pitchFamily="50" charset="0"/>
       <p:regular r:id="rId37"/>
       <p:bold r:id="rId38"/>
+      <p:italic r:id="rId39"/>
+      <p:boldItalic r:id="rId40"/>
     </p:embeddedFont>
   </p:embeddedFontLst>
   <p:defaultTextStyle>
@@ -1490,7 +1492,7 @@
     </p:spTree>
     <p:extLst>
       <p:ext uri="{BB962C8B-B14F-4D97-AF65-F5344CB8AC3E}">
-        <p14:creationId xmlns:p14="http://schemas.microsoft.com/office/powerpoint/2010/main" val="3231307430"/>
+        <p14:creationId xmlns:p14="http://schemas.microsoft.com/office/powerpoint/2010/main" val="4184157807"/>
       </p:ext>
     </p:extLst>
   </p:cSld>
@@ -1599,7 +1601,7 @@
     </p:spTree>
     <p:extLst>
       <p:ext uri="{BB962C8B-B14F-4D97-AF65-F5344CB8AC3E}">
-        <p14:creationId xmlns:p14="http://schemas.microsoft.com/office/powerpoint/2010/main" val="1670496717"/>
+        <p14:creationId xmlns:p14="http://schemas.microsoft.com/office/powerpoint/2010/main" val="3231307430"/>
       </p:ext>
     </p:extLst>
   </p:cSld>
@@ -1708,7 +1710,7 @@
     </p:spTree>
     <p:extLst>
       <p:ext uri="{BB962C8B-B14F-4D97-AF65-F5344CB8AC3E}">
-        <p14:creationId xmlns:p14="http://schemas.microsoft.com/office/powerpoint/2010/main" val="3497226163"/>
+        <p14:creationId xmlns:p14="http://schemas.microsoft.com/office/powerpoint/2010/main" val="1670496717"/>
       </p:ext>
     </p:extLst>
   </p:cSld>
@@ -1817,7 +1819,7 @@
     </p:spTree>
     <p:extLst>
       <p:ext uri="{BB962C8B-B14F-4D97-AF65-F5344CB8AC3E}">
-        <p14:creationId xmlns:p14="http://schemas.microsoft.com/office/powerpoint/2010/main" val="461361457"/>
+        <p14:creationId xmlns:p14="http://schemas.microsoft.com/office/powerpoint/2010/main" val="1265785561"/>
       </p:ext>
     </p:extLst>
   </p:cSld>
@@ -1926,7 +1928,7 @@
     </p:spTree>
     <p:extLst>
       <p:ext uri="{BB962C8B-B14F-4D97-AF65-F5344CB8AC3E}">
-        <p14:creationId xmlns:p14="http://schemas.microsoft.com/office/powerpoint/2010/main" val="3909951723"/>
+        <p14:creationId xmlns:p14="http://schemas.microsoft.com/office/powerpoint/2010/main" val="3497226163"/>
       </p:ext>
     </p:extLst>
   </p:cSld>
@@ -2033,6 +2035,224 @@
         </p:txBody>
       </p:sp>
     </p:spTree>
+  </p:cSld>
+  <p:clrMapOvr>
+    <a:masterClrMapping/>
+  </p:clrMapOvr>
+</p:notes>
+</file>
+
+<file path=ppt/notesSlides/notesSlide20.xml><?xml version="1.0" encoding="utf-8"?>
+<p:notes xmlns:a="http://schemas.openxmlformats.org/drawingml/2006/main" xmlns:r="http://schemas.openxmlformats.org/officeDocument/2006/relationships" xmlns:p="http://schemas.openxmlformats.org/presentationml/2006/main" showMasterSp="0" showMasterPhAnim="0">
+  <p:cSld>
+    <p:spTree>
+      <p:nvGrpSpPr>
+        <p:cNvPr id="1" name="Shape 225"/>
+        <p:cNvGrpSpPr/>
+        <p:nvPr/>
+      </p:nvGrpSpPr>
+      <p:grpSpPr>
+        <a:xfrm>
+          <a:off x="0" y="0"/>
+          <a:ext cx="0" cy="0"/>
+          <a:chOff x="0" y="0"/>
+          <a:chExt cx="0" cy="0"/>
+        </a:xfrm>
+      </p:grpSpPr>
+      <p:sp>
+        <p:nvSpPr>
+          <p:cNvPr id="226" name="Google Shape;226;g70e3186832_0_7:notes"/>
+          <p:cNvSpPr>
+            <a:spLocks noGrp="1" noRot="1" noChangeAspect="1"/>
+          </p:cNvSpPr>
+          <p:nvPr>
+            <p:ph type="sldImg" idx="2"/>
+          </p:nvPr>
+        </p:nvSpPr>
+        <p:spPr>
+          <a:xfrm>
+            <a:off x="381000" y="685800"/>
+            <a:ext cx="6096000" cy="3429000"/>
+          </a:xfrm>
+          <a:custGeom>
+            <a:avLst/>
+            <a:gdLst/>
+            <a:ahLst/>
+            <a:cxnLst/>
+            <a:rect l="l" t="t" r="r" b="b"/>
+            <a:pathLst>
+              <a:path w="120000" h="120000" extrusionOk="0">
+                <a:moveTo>
+                  <a:pt x="0" y="0"/>
+                </a:moveTo>
+                <a:lnTo>
+                  <a:pt x="120000" y="0"/>
+                </a:lnTo>
+                <a:lnTo>
+                  <a:pt x="120000" y="120000"/>
+                </a:lnTo>
+                <a:lnTo>
+                  <a:pt x="0" y="120000"/>
+                </a:lnTo>
+                <a:close/>
+              </a:path>
+            </a:pathLst>
+          </a:custGeom>
+        </p:spPr>
+      </p:sp>
+      <p:sp>
+        <p:nvSpPr>
+          <p:cNvPr id="227" name="Google Shape;227;g70e3186832_0_7:notes"/>
+          <p:cNvSpPr txBox="1">
+            <a:spLocks noGrp="1"/>
+          </p:cNvSpPr>
+          <p:nvPr>
+            <p:ph type="body" idx="1"/>
+          </p:nvPr>
+        </p:nvSpPr>
+        <p:spPr>
+          <a:xfrm>
+            <a:off x="685800" y="4343400"/>
+            <a:ext cx="5486400" cy="4114800"/>
+          </a:xfrm>
+          <a:prstGeom prst="rect">
+            <a:avLst/>
+          </a:prstGeom>
+        </p:spPr>
+        <p:txBody>
+          <a:bodyPr spcFirstLastPara="1" wrap="square" lIns="91425" tIns="91425" rIns="91425" bIns="91425" anchor="t" anchorCtr="0">
+            <a:noAutofit/>
+          </a:bodyPr>
+          <a:lstStyle/>
+          <a:p>
+            <a:pPr marL="0" lvl="0" indent="0" algn="l" rtl="0">
+              <a:spcBef>
+                <a:spcPts val="0"/>
+              </a:spcBef>
+              <a:spcAft>
+                <a:spcPts val="0"/>
+              </a:spcAft>
+              <a:buNone/>
+            </a:pPr>
+            <a:endParaRPr/>
+          </a:p>
+        </p:txBody>
+      </p:sp>
+    </p:spTree>
+    <p:extLst>
+      <p:ext uri="{BB962C8B-B14F-4D97-AF65-F5344CB8AC3E}">
+        <p14:creationId xmlns:p14="http://schemas.microsoft.com/office/powerpoint/2010/main" val="461361457"/>
+      </p:ext>
+    </p:extLst>
+  </p:cSld>
+  <p:clrMapOvr>
+    <a:masterClrMapping/>
+  </p:clrMapOvr>
+</p:notes>
+</file>
+
+<file path=ppt/notesSlides/notesSlide21.xml><?xml version="1.0" encoding="utf-8"?>
+<p:notes xmlns:a="http://schemas.openxmlformats.org/drawingml/2006/main" xmlns:r="http://schemas.openxmlformats.org/officeDocument/2006/relationships" xmlns:p="http://schemas.openxmlformats.org/presentationml/2006/main" showMasterSp="0" showMasterPhAnim="0">
+  <p:cSld>
+    <p:spTree>
+      <p:nvGrpSpPr>
+        <p:cNvPr id="1" name="Shape 225"/>
+        <p:cNvGrpSpPr/>
+        <p:nvPr/>
+      </p:nvGrpSpPr>
+      <p:grpSpPr>
+        <a:xfrm>
+          <a:off x="0" y="0"/>
+          <a:ext cx="0" cy="0"/>
+          <a:chOff x="0" y="0"/>
+          <a:chExt cx="0" cy="0"/>
+        </a:xfrm>
+      </p:grpSpPr>
+      <p:sp>
+        <p:nvSpPr>
+          <p:cNvPr id="226" name="Google Shape;226;g70e3186832_0_7:notes"/>
+          <p:cNvSpPr>
+            <a:spLocks noGrp="1" noRot="1" noChangeAspect="1"/>
+          </p:cNvSpPr>
+          <p:nvPr>
+            <p:ph type="sldImg" idx="2"/>
+          </p:nvPr>
+        </p:nvSpPr>
+        <p:spPr>
+          <a:xfrm>
+            <a:off x="381000" y="685800"/>
+            <a:ext cx="6096000" cy="3429000"/>
+          </a:xfrm>
+          <a:custGeom>
+            <a:avLst/>
+            <a:gdLst/>
+            <a:ahLst/>
+            <a:cxnLst/>
+            <a:rect l="l" t="t" r="r" b="b"/>
+            <a:pathLst>
+              <a:path w="120000" h="120000" extrusionOk="0">
+                <a:moveTo>
+                  <a:pt x="0" y="0"/>
+                </a:moveTo>
+                <a:lnTo>
+                  <a:pt x="120000" y="0"/>
+                </a:lnTo>
+                <a:lnTo>
+                  <a:pt x="120000" y="120000"/>
+                </a:lnTo>
+                <a:lnTo>
+                  <a:pt x="0" y="120000"/>
+                </a:lnTo>
+                <a:close/>
+              </a:path>
+            </a:pathLst>
+          </a:custGeom>
+        </p:spPr>
+      </p:sp>
+      <p:sp>
+        <p:nvSpPr>
+          <p:cNvPr id="227" name="Google Shape;227;g70e3186832_0_7:notes"/>
+          <p:cNvSpPr txBox="1">
+            <a:spLocks noGrp="1"/>
+          </p:cNvSpPr>
+          <p:nvPr>
+            <p:ph type="body" idx="1"/>
+          </p:nvPr>
+        </p:nvSpPr>
+        <p:spPr>
+          <a:xfrm>
+            <a:off x="685800" y="4343400"/>
+            <a:ext cx="5486400" cy="4114800"/>
+          </a:xfrm>
+          <a:prstGeom prst="rect">
+            <a:avLst/>
+          </a:prstGeom>
+        </p:spPr>
+        <p:txBody>
+          <a:bodyPr spcFirstLastPara="1" wrap="square" lIns="91425" tIns="91425" rIns="91425" bIns="91425" anchor="t" anchorCtr="0">
+            <a:noAutofit/>
+          </a:bodyPr>
+          <a:lstStyle/>
+          <a:p>
+            <a:pPr marL="0" lvl="0" indent="0" algn="l" rtl="0">
+              <a:spcBef>
+                <a:spcPts val="0"/>
+              </a:spcBef>
+              <a:spcAft>
+                <a:spcPts val="0"/>
+              </a:spcAft>
+              <a:buNone/>
+            </a:pPr>
+            <a:endParaRPr/>
+          </a:p>
+        </p:txBody>
+      </p:sp>
+    </p:spTree>
+    <p:extLst>
+      <p:ext uri="{BB962C8B-B14F-4D97-AF65-F5344CB8AC3E}">
+        <p14:creationId xmlns:p14="http://schemas.microsoft.com/office/powerpoint/2010/main" val="3909951723"/>
+      </p:ext>
+    </p:extLst>
   </p:cSld>
   <p:clrMapOvr>
     <a:masterClrMapping/>
@@ -16671,7 +16891,7 @@
                 <a:hlinkClick r:id="rId2">
                   <a:extLst>
                     <a:ext uri="{A12FA001-AC4F-418D-AE19-62706E023703}">
-                      <ahyp:hlinkClr xmlns="" xmlns:mc="http://schemas.openxmlformats.org/markup-compatibility/2006" xmlns:mv="urn:schemas-microsoft-com:mac:vml" xmlns:c="http://schemas.openxmlformats.org/drawingml/2006/chart" xmlns:dgm="http://schemas.openxmlformats.org/drawingml/2006/diagram" xmlns:o="urn:schemas-microsoft-com:office:office" xmlns:v="urn:schemas-microsoft-com:vml" xmlns:pvml="urn:schemas-microsoft-com:office:powerpoint" xmlns:com="http://schemas.openxmlformats.org/drawingml/2006/compatibility" xmlns:p14="http://schemas.microsoft.com/office/powerpoint/2010/main" xmlns:p15="http://schemas.microsoft.com/office/powerpoint/2012/main" xmlns:ahyp="http://schemas.microsoft.com/office/drawing/2018/hyperlinkcolor" val="tx"/>
+                      <ahyp:hlinkClr xmlns:ahyp="http://schemas.microsoft.com/office/drawing/2018/hyperlinkcolor" xmlns:p15="http://schemas.microsoft.com/office/powerpoint/2012/main" xmlns:p14="http://schemas.microsoft.com/office/powerpoint/2010/main" xmlns:com="http://schemas.openxmlformats.org/drawingml/2006/compatibility" xmlns:pvml="urn:schemas-microsoft-com:office:powerpoint" xmlns:v="urn:schemas-microsoft-com:vml" xmlns:o="urn:schemas-microsoft-com:office:office" xmlns:dgm="http://schemas.openxmlformats.org/drawingml/2006/diagram" xmlns:c="http://schemas.openxmlformats.org/drawingml/2006/chart" xmlns:mv="urn:schemas-microsoft-com:mac:vml" xmlns:mc="http://schemas.openxmlformats.org/markup-compatibility/2006" xmlns="" val="tx"/>
                     </a:ext>
                   </a:extLst>
                 </a:hlinkClick>
@@ -16705,7 +16925,7 @@
                 <a:hlinkClick r:id="rId3">
                   <a:extLst>
                     <a:ext uri="{A12FA001-AC4F-418D-AE19-62706E023703}">
-                      <ahyp:hlinkClr xmlns="" xmlns:mc="http://schemas.openxmlformats.org/markup-compatibility/2006" xmlns:mv="urn:schemas-microsoft-com:mac:vml" xmlns:c="http://schemas.openxmlformats.org/drawingml/2006/chart" xmlns:dgm="http://schemas.openxmlformats.org/drawingml/2006/diagram" xmlns:o="urn:schemas-microsoft-com:office:office" xmlns:v="urn:schemas-microsoft-com:vml" xmlns:pvml="urn:schemas-microsoft-com:office:powerpoint" xmlns:com="http://schemas.openxmlformats.org/drawingml/2006/compatibility" xmlns:p14="http://schemas.microsoft.com/office/powerpoint/2010/main" xmlns:p15="http://schemas.microsoft.com/office/powerpoint/2012/main" xmlns:ahyp="http://schemas.microsoft.com/office/drawing/2018/hyperlinkcolor" val="tx"/>
+                      <ahyp:hlinkClr xmlns:ahyp="http://schemas.microsoft.com/office/drawing/2018/hyperlinkcolor" xmlns:p15="http://schemas.microsoft.com/office/powerpoint/2012/main" xmlns:p14="http://schemas.microsoft.com/office/powerpoint/2010/main" xmlns:com="http://schemas.openxmlformats.org/drawingml/2006/compatibility" xmlns:pvml="urn:schemas-microsoft-com:office:powerpoint" xmlns:v="urn:schemas-microsoft-com:vml" xmlns:o="urn:schemas-microsoft-com:office:office" xmlns:dgm="http://schemas.openxmlformats.org/drawingml/2006/diagram" xmlns:c="http://schemas.openxmlformats.org/drawingml/2006/chart" xmlns:mv="urn:schemas-microsoft-com:mac:vml" xmlns:mc="http://schemas.openxmlformats.org/markup-compatibility/2006" xmlns="" val="tx"/>
                     </a:ext>
                   </a:extLst>
                 </a:hlinkClick>
@@ -16739,7 +16959,7 @@
                 <a:hlinkClick r:id="rId4">
                   <a:extLst>
                     <a:ext uri="{A12FA001-AC4F-418D-AE19-62706E023703}">
-                      <ahyp:hlinkClr xmlns="" xmlns:mc="http://schemas.openxmlformats.org/markup-compatibility/2006" xmlns:mv="urn:schemas-microsoft-com:mac:vml" xmlns:c="http://schemas.openxmlformats.org/drawingml/2006/chart" xmlns:dgm="http://schemas.openxmlformats.org/drawingml/2006/diagram" xmlns:o="urn:schemas-microsoft-com:office:office" xmlns:v="urn:schemas-microsoft-com:vml" xmlns:pvml="urn:schemas-microsoft-com:office:powerpoint" xmlns:com="http://schemas.openxmlformats.org/drawingml/2006/compatibility" xmlns:p14="http://schemas.microsoft.com/office/powerpoint/2010/main" xmlns:p15="http://schemas.microsoft.com/office/powerpoint/2012/main" xmlns:ahyp="http://schemas.microsoft.com/office/drawing/2018/hyperlinkcolor" val="tx"/>
+                      <ahyp:hlinkClr xmlns:ahyp="http://schemas.microsoft.com/office/drawing/2018/hyperlinkcolor" xmlns:p15="http://schemas.microsoft.com/office/powerpoint/2012/main" xmlns:p14="http://schemas.microsoft.com/office/powerpoint/2010/main" xmlns:com="http://schemas.openxmlformats.org/drawingml/2006/compatibility" xmlns:pvml="urn:schemas-microsoft-com:office:powerpoint" xmlns:v="urn:schemas-microsoft-com:vml" xmlns:o="urn:schemas-microsoft-com:office:office" xmlns:dgm="http://schemas.openxmlformats.org/drawingml/2006/diagram" xmlns:c="http://schemas.openxmlformats.org/drawingml/2006/chart" xmlns:mv="urn:schemas-microsoft-com:mac:vml" xmlns:mc="http://schemas.openxmlformats.org/markup-compatibility/2006" xmlns="" val="tx"/>
                     </a:ext>
                   </a:extLst>
                 </a:hlinkClick>
@@ -16773,7 +16993,7 @@
                 <a:hlinkClick r:id="rId5">
                   <a:extLst>
                     <a:ext uri="{A12FA001-AC4F-418D-AE19-62706E023703}">
-                      <ahyp:hlinkClr xmlns="" xmlns:mc="http://schemas.openxmlformats.org/markup-compatibility/2006" xmlns:mv="urn:schemas-microsoft-com:mac:vml" xmlns:c="http://schemas.openxmlformats.org/drawingml/2006/chart" xmlns:dgm="http://schemas.openxmlformats.org/drawingml/2006/diagram" xmlns:o="urn:schemas-microsoft-com:office:office" xmlns:v="urn:schemas-microsoft-com:vml" xmlns:pvml="urn:schemas-microsoft-com:office:powerpoint" xmlns:com="http://schemas.openxmlformats.org/drawingml/2006/compatibility" xmlns:p14="http://schemas.microsoft.com/office/powerpoint/2010/main" xmlns:p15="http://schemas.microsoft.com/office/powerpoint/2012/main" xmlns:ahyp="http://schemas.microsoft.com/office/drawing/2018/hyperlinkcolor" val="tx"/>
+                      <ahyp:hlinkClr xmlns:ahyp="http://schemas.microsoft.com/office/drawing/2018/hyperlinkcolor" xmlns:p15="http://schemas.microsoft.com/office/powerpoint/2012/main" xmlns:p14="http://schemas.microsoft.com/office/powerpoint/2010/main" xmlns:com="http://schemas.openxmlformats.org/drawingml/2006/compatibility" xmlns:pvml="urn:schemas-microsoft-com:office:powerpoint" xmlns:v="urn:schemas-microsoft-com:vml" xmlns:o="urn:schemas-microsoft-com:office:office" xmlns:dgm="http://schemas.openxmlformats.org/drawingml/2006/diagram" xmlns:c="http://schemas.openxmlformats.org/drawingml/2006/chart" xmlns:mv="urn:schemas-microsoft-com:mac:vml" xmlns:mc="http://schemas.openxmlformats.org/markup-compatibility/2006" xmlns="" val="tx"/>
                     </a:ext>
                   </a:extLst>
                 </a:hlinkClick>
@@ -23953,6 +24173,155 @@
       </p:sp>
       <p:sp>
         <p:nvSpPr>
+          <p:cNvPr id="3" name="Rectangle 2"/>
+          <p:cNvSpPr/>
+          <p:nvPr/>
+        </p:nvSpPr>
+        <p:spPr>
+          <a:xfrm>
+            <a:off x="566928" y="1203816"/>
+            <a:ext cx="8240188" cy="1287532"/>
+          </a:xfrm>
+          <a:prstGeom prst="rect">
+            <a:avLst/>
+          </a:prstGeom>
+        </p:spPr>
+        <p:txBody>
+          <a:bodyPr wrap="square">
+            <a:spAutoFit/>
+          </a:bodyPr>
+          <a:lstStyle/>
+          <a:p>
+            <a:pPr>
+              <a:lnSpc>
+                <a:spcPct val="150000"/>
+              </a:lnSpc>
+            </a:pPr>
+            <a:r>
+              <a:rPr lang="en-US" sz="1800" dirty="0"/>
+              <a:t>When choosing a collection type, it is useful to understand the properties of that type. Choosing the right type for a particular data set could mean retention of meaning, and, it could mean an increase in efficiency or security.</a:t>
+            </a:r>
+          </a:p>
+        </p:txBody>
+      </p:sp>
+    </p:spTree>
+    <p:extLst>
+      <p:ext uri="{BB962C8B-B14F-4D97-AF65-F5344CB8AC3E}">
+        <p14:creationId xmlns:p14="http://schemas.microsoft.com/office/powerpoint/2010/main" val="1066150048"/>
+      </p:ext>
+    </p:extLst>
+  </p:cSld>
+  <p:clrMapOvr>
+    <a:masterClrMapping/>
+  </p:clrMapOvr>
+  <p:timing>
+    <p:tnLst>
+      <p:par>
+        <p:cTn id="1" dur="indefinite" restart="never" nodeType="tmRoot"/>
+      </p:par>
+    </p:tnLst>
+  </p:timing>
+</p:sld>
+</file>
+
+<file path=ppt/slides/slide15.xml><?xml version="1.0" encoding="utf-8"?>
+<p:sld xmlns:a="http://schemas.openxmlformats.org/drawingml/2006/main" xmlns:r="http://schemas.openxmlformats.org/officeDocument/2006/relationships" xmlns:p="http://schemas.openxmlformats.org/presentationml/2006/main">
+  <p:cSld>
+    <p:spTree>
+      <p:nvGrpSpPr>
+        <p:cNvPr id="1" name="Shape 228"/>
+        <p:cNvGrpSpPr/>
+        <p:nvPr/>
+      </p:nvGrpSpPr>
+      <p:grpSpPr>
+        <a:xfrm>
+          <a:off x="0" y="0"/>
+          <a:ext cx="0" cy="0"/>
+          <a:chOff x="0" y="0"/>
+          <a:chExt cx="0" cy="0"/>
+        </a:xfrm>
+      </p:grpSpPr>
+      <p:sp>
+        <p:nvSpPr>
+          <p:cNvPr id="229" name="Google Shape;229;p26"/>
+          <p:cNvSpPr txBox="1">
+            <a:spLocks noGrp="1"/>
+          </p:cNvSpPr>
+          <p:nvPr>
+            <p:ph type="title" idx="4294967295"/>
+          </p:nvPr>
+        </p:nvSpPr>
+        <p:spPr>
+          <a:xfrm>
+            <a:off x="566928" y="368134"/>
+            <a:ext cx="8538556" cy="798300"/>
+          </a:xfrm>
+          <a:prstGeom prst="rect">
+            <a:avLst/>
+          </a:prstGeom>
+        </p:spPr>
+        <p:txBody>
+          <a:bodyPr spcFirstLastPara="1" wrap="square" lIns="91425" tIns="91425" rIns="91425" bIns="91425" anchor="ctr" anchorCtr="0">
+            <a:noAutofit/>
+          </a:bodyPr>
+          <a:lstStyle/>
+          <a:p>
+            <a:pPr lvl="0"/>
+            <a:r>
+              <a:rPr lang="en-US" sz="2400" dirty="0">
+                <a:solidFill>
+                  <a:srgbClr val="2C363A"/>
+                </a:solidFill>
+              </a:rPr>
+              <a:t>Understanding of tuples and differences with python list</a:t>
+            </a:r>
+          </a:p>
+        </p:txBody>
+      </p:sp>
+      <p:sp>
+        <p:nvSpPr>
+          <p:cNvPr id="230" name="Google Shape;230;p26"/>
+          <p:cNvSpPr txBox="1">
+            <a:spLocks noGrp="1"/>
+          </p:cNvSpPr>
+          <p:nvPr>
+            <p:ph type="sldNum" idx="12"/>
+          </p:nvPr>
+        </p:nvSpPr>
+        <p:spPr>
+          <a:xfrm>
+            <a:off x="8556784" y="4749851"/>
+            <a:ext cx="548700" cy="393600"/>
+          </a:xfrm>
+          <a:prstGeom prst="rect">
+            <a:avLst/>
+          </a:prstGeom>
+        </p:spPr>
+        <p:txBody>
+          <a:bodyPr spcFirstLastPara="1" wrap="square" lIns="91425" tIns="91425" rIns="91425" bIns="91425" anchor="t" anchorCtr="0">
+            <a:noAutofit/>
+          </a:bodyPr>
+          <a:lstStyle/>
+          <a:p>
+            <a:pPr marL="0" lvl="0" indent="0" algn="r" rtl="0">
+              <a:spcBef>
+                <a:spcPts val="0"/>
+              </a:spcBef>
+              <a:spcAft>
+                <a:spcPts val="0"/>
+              </a:spcAft>
+              <a:buNone/>
+            </a:pPr>
+            <a:fld id="{00000000-1234-1234-1234-123412341234}" type="slidenum">
+              <a:rPr lang="en"/>
+              <a:t>15</a:t>
+            </a:fld>
+            <a:endParaRPr/>
+          </a:p>
+        </p:txBody>
+      </p:sp>
+      <p:sp>
+        <p:nvSpPr>
           <p:cNvPr id="4" name="Rectangle 3"/>
           <p:cNvSpPr/>
           <p:nvPr/>
@@ -23991,7 +24360,23 @@
             </a:r>
             <a:r>
               <a:rPr lang="en-US" sz="1800" dirty="0"/>
-              <a:t> is also a sequence data type that can contain elements of different data types, but these are immutable in nature. In other words, a tuple is a collection of Python objects separated by commas. The tuple is faster than the list because of static in nature. </a:t>
+              <a:t> is also a sequence data type that can contain elements of different data types, but these are immutable in nature. In other words, a tuple is a collection of Python objects separated by commas. The tuple is faster than the </a:t>
+            </a:r>
+            <a:r>
+              <a:rPr lang="en-US" sz="1800" b="1" dirty="0" smtClean="0">
+                <a:solidFill>
+                  <a:schemeClr val="accent1"/>
+                </a:solidFill>
+              </a:rPr>
+              <a:t>List</a:t>
+            </a:r>
+            <a:r>
+              <a:rPr lang="en-US" sz="1800" dirty="0" smtClean="0"/>
+              <a:t> </a:t>
+            </a:r>
+            <a:r>
+              <a:rPr lang="en-US" sz="1800" dirty="0"/>
+              <a:t>because of static in nature. </a:t>
             </a:r>
             <a:endParaRPr lang="en-US" sz="1800" dirty="0" smtClean="0"/>
           </a:p>
@@ -24023,8 +24408,8 @@
         </p:nvSpPr>
         <p:spPr bwMode="auto">
           <a:xfrm>
-            <a:off x="786384" y="3128509"/>
-            <a:ext cx="6876288" cy="1246495"/>
+            <a:off x="800898" y="2869159"/>
+            <a:ext cx="4830645" cy="2077492"/>
           </a:xfrm>
           <a:prstGeom prst="rect">
             <a:avLst/>
@@ -24228,48 +24613,6 @@
                 <a:cs typeface="Consolas" panose="020B0609020204030204" pitchFamily="49" charset="0"/>
               </a:rPr>
               <a:t># Creating a Tuple</a:t>
-            </a:r>
-            <a:endParaRPr kumimoji="0" lang="en-US" altLang="en-US" sz="1800" b="0" i="0" u="none" strike="noStrike" cap="none" normalizeH="0" baseline="0" dirty="0" smtClean="0">
-              <a:ln>
-                <a:noFill/>
-              </a:ln>
-              <a:solidFill>
-                <a:schemeClr val="tx1"/>
-              </a:solidFill>
-              <a:effectLst/>
-              <a:latin typeface="+mn-lt"/>
-            </a:endParaRPr>
-          </a:p>
-          <a:p>
-            <a:pPr marL="0" marR="0" lvl="0" indent="0" algn="l" defTabSz="914400" rtl="0" eaLnBrk="0" fontAlgn="base" latinLnBrk="0" hangingPunct="0">
-              <a:lnSpc>
-                <a:spcPct val="150000"/>
-              </a:lnSpc>
-              <a:spcBef>
-                <a:spcPct val="0"/>
-              </a:spcBef>
-              <a:spcAft>
-                <a:spcPct val="0"/>
-              </a:spcAft>
-              <a:buClrTx/>
-              <a:buSzTx/>
-              <a:buFontTx/>
-              <a:buNone/>
-              <a:tabLst/>
-            </a:pPr>
-            <a:r>
-              <a:rPr kumimoji="0" lang="en-US" altLang="en-US" sz="1800" b="0" i="0" u="none" strike="noStrike" cap="none" normalizeH="0" baseline="0" dirty="0" smtClean="0">
-                <a:ln>
-                  <a:noFill/>
-                </a:ln>
-                <a:solidFill>
-                  <a:srgbClr val="008200"/>
-                </a:solidFill>
-                <a:effectLst/>
-                <a:latin typeface="+mn-lt"/>
-                <a:cs typeface="Consolas" panose="020B0609020204030204" pitchFamily="49" charset="0"/>
-              </a:rPr>
-              <a:t># with Mixed Datatype</a:t>
             </a:r>
             <a:endParaRPr kumimoji="0" lang="en-US" altLang="en-US" sz="1800" b="0" i="0" u="none" strike="noStrike" cap="none" normalizeH="0" baseline="0" dirty="0" smtClean="0">
               <a:ln>
@@ -24437,7 +24780,116 @@
                 <a:latin typeface="Consolas" panose="020B0609020204030204" pitchFamily="49" charset="0"/>
                 <a:cs typeface="Consolas" panose="020B0609020204030204" pitchFamily="49" charset="0"/>
               </a:rPr>
-              <a:t>, ‘Students’)</a:t>
+              <a:t>, ‘Students</a:t>
+            </a:r>
+            <a:r>
+              <a:rPr kumimoji="0" lang="en-US" altLang="en-US" sz="1800" b="0" i="0" u="none" strike="noStrike" cap="none" normalizeH="0" baseline="0" dirty="0" smtClean="0">
+                <a:ln>
+                  <a:noFill/>
+                </a:ln>
+                <a:solidFill>
+                  <a:srgbClr val="000000"/>
+                </a:solidFill>
+                <a:effectLst/>
+                <a:latin typeface="Consolas" panose="020B0609020204030204" pitchFamily="49" charset="0"/>
+                <a:cs typeface="Consolas" panose="020B0609020204030204" pitchFamily="49" charset="0"/>
+              </a:rPr>
+              <a:t>’)</a:t>
+            </a:r>
+          </a:p>
+          <a:p>
+            <a:pPr marL="0" marR="0" lvl="0" indent="0" algn="l" defTabSz="914400" rtl="0" eaLnBrk="0" fontAlgn="base" latinLnBrk="0" hangingPunct="0">
+              <a:lnSpc>
+                <a:spcPct val="150000"/>
+              </a:lnSpc>
+              <a:spcBef>
+                <a:spcPct val="0"/>
+              </a:spcBef>
+              <a:spcAft>
+                <a:spcPct val="0"/>
+              </a:spcAft>
+              <a:buClrTx/>
+              <a:buSzTx/>
+              <a:buFontTx/>
+              <a:buNone/>
+              <a:tabLst/>
+            </a:pPr>
+            <a:r>
+              <a:rPr lang="en-US" altLang="en-US" sz="1800" dirty="0">
+                <a:solidFill>
+                  <a:srgbClr val="000000"/>
+                </a:solidFill>
+                <a:latin typeface="Consolas" panose="020B0609020204030204" pitchFamily="49" charset="0"/>
+                <a:cs typeface="Consolas" panose="020B0609020204030204" pitchFamily="49" charset="0"/>
+              </a:rPr>
+              <a:t>p</a:t>
+            </a:r>
+            <a:r>
+              <a:rPr lang="en-US" altLang="en-US" sz="1800" dirty="0" smtClean="0">
+                <a:solidFill>
+                  <a:srgbClr val="000000"/>
+                </a:solidFill>
+                <a:latin typeface="Consolas" panose="020B0609020204030204" pitchFamily="49" charset="0"/>
+                <a:cs typeface="Consolas" panose="020B0609020204030204" pitchFamily="49" charset="0"/>
+              </a:rPr>
+              <a:t>rint(Tuple1)</a:t>
+            </a:r>
+          </a:p>
+          <a:p>
+            <a:pPr marL="0" marR="0" lvl="0" indent="0" algn="l" defTabSz="914400" rtl="0" eaLnBrk="0" fontAlgn="base" latinLnBrk="0" hangingPunct="0">
+              <a:lnSpc>
+                <a:spcPct val="150000"/>
+              </a:lnSpc>
+              <a:spcBef>
+                <a:spcPct val="0"/>
+              </a:spcBef>
+              <a:spcAft>
+                <a:spcPct val="0"/>
+              </a:spcAft>
+              <a:buClrTx/>
+              <a:buSzTx/>
+              <a:buFontTx/>
+              <a:buNone/>
+              <a:tabLst/>
+            </a:pPr>
+            <a:r>
+              <a:rPr kumimoji="0" lang="en-US" altLang="en-US" sz="1800" b="0" i="0" u="none" strike="noStrike" cap="none" normalizeH="0" baseline="0" dirty="0" smtClean="0">
+                <a:ln>
+                  <a:noFill/>
+                </a:ln>
+                <a:solidFill>
+                  <a:schemeClr val="tx1"/>
+                </a:solidFill>
+                <a:effectLst/>
+                <a:latin typeface="Consolas" panose="020B0609020204030204" pitchFamily="49" charset="0"/>
+                <a:cs typeface="Consolas" panose="020B0609020204030204" pitchFamily="49" charset="0"/>
+              </a:rPr>
+              <a:t>List1=[1,2,’Hello’]</a:t>
+            </a:r>
+          </a:p>
+          <a:p>
+            <a:pPr marL="0" marR="0" lvl="0" indent="0" algn="l" defTabSz="914400" rtl="0" eaLnBrk="0" fontAlgn="base" latinLnBrk="0" hangingPunct="0">
+              <a:lnSpc>
+                <a:spcPct val="150000"/>
+              </a:lnSpc>
+              <a:spcBef>
+                <a:spcPct val="0"/>
+              </a:spcBef>
+              <a:spcAft>
+                <a:spcPct val="0"/>
+              </a:spcAft>
+              <a:buClrTx/>
+              <a:buSzTx/>
+              <a:buFontTx/>
+              <a:buNone/>
+              <a:tabLst/>
+            </a:pPr>
+            <a:r>
+              <a:rPr lang="en-US" altLang="en-US" sz="1800" dirty="0" smtClean="0">
+                <a:latin typeface="Consolas" panose="020B0609020204030204" pitchFamily="49" charset="0"/>
+                <a:cs typeface="Consolas" panose="020B0609020204030204" pitchFamily="49" charset="0"/>
+              </a:rPr>
+              <a:t>print(List1)</a:t>
             </a:r>
             <a:endParaRPr kumimoji="0" lang="en-US" altLang="en-US" sz="1800" b="0" i="0" u="none" strike="noStrike" cap="none" normalizeH="0" baseline="0" dirty="0" smtClean="0">
               <a:ln>
@@ -24456,7 +24908,7 @@
     </p:spTree>
     <p:extLst>
       <p:ext uri="{BB962C8B-B14F-4D97-AF65-F5344CB8AC3E}">
-        <p14:creationId xmlns:p14="http://schemas.microsoft.com/office/powerpoint/2010/main" val="1066150048"/>
+        <p14:creationId xmlns:p14="http://schemas.microsoft.com/office/powerpoint/2010/main" val="1545570559"/>
       </p:ext>
     </p:extLst>
   </p:cSld>
@@ -24473,7 +24925,7 @@
 </p:sld>
 </file>
 
-<file path=ppt/slides/slide15.xml><?xml version="1.0" encoding="utf-8"?>
+<file path=ppt/slides/slide16.xml><?xml version="1.0" encoding="utf-8"?>
 <p:sld xmlns:a="http://schemas.openxmlformats.org/drawingml/2006/main" xmlns:r="http://schemas.openxmlformats.org/officeDocument/2006/relationships" xmlns:p="http://schemas.openxmlformats.org/presentationml/2006/main">
   <p:cSld>
     <p:spTree>
@@ -24563,7 +25015,7 @@
             </a:pPr>
             <a:fld id="{00000000-1234-1234-1234-123412341234}" type="slidenum">
               <a:rPr lang="en"/>
-              <a:t>15</a:t>
+              <a:t>16</a:t>
             </a:fld>
             <a:endParaRPr/>
           </a:p>
@@ -25100,7 +25552,7 @@
 </p:sld>
 </file>
 
-<file path=ppt/slides/slide16.xml><?xml version="1.0" encoding="utf-8"?>
+<file path=ppt/slides/slide17.xml><?xml version="1.0" encoding="utf-8"?>
 <p:sld xmlns:a="http://schemas.openxmlformats.org/drawingml/2006/main" xmlns:r="http://schemas.openxmlformats.org/officeDocument/2006/relationships" xmlns:p="http://schemas.openxmlformats.org/presentationml/2006/main">
   <p:cSld>
     <p:spTree>
@@ -25190,7 +25642,7 @@
             </a:pPr>
             <a:fld id="{00000000-1234-1234-1234-123412341234}" type="slidenum">
               <a:rPr lang="en"/>
-              <a:t>16</a:t>
+              <a:t>17</a:t>
             </a:fld>
             <a:endParaRPr/>
           </a:p>
@@ -25206,8 +25658,8 @@
         </p:nvSpPr>
         <p:spPr bwMode="auto">
           <a:xfrm>
-            <a:off x="904286" y="1457071"/>
-            <a:ext cx="3931920" cy="1246495"/>
+            <a:off x="759433" y="1296149"/>
+            <a:ext cx="4759051" cy="3323987"/>
           </a:xfrm>
           <a:prstGeom prst="rect">
             <a:avLst/>
@@ -25382,239 +25834,222 @@
             </a:lvl9pPr>
           </a:lstStyle>
           <a:p>
-            <a:pPr marL="0" marR="0" lvl="0" indent="0" algn="l" defTabSz="914400" rtl="0" eaLnBrk="0" fontAlgn="base" latinLnBrk="0" hangingPunct="0">
+            <a:pPr lvl="0">
               <a:lnSpc>
                 <a:spcPct val="150000"/>
               </a:lnSpc>
-              <a:spcBef>
-                <a:spcPct val="0"/>
-              </a:spcBef>
-              <a:spcAft>
-                <a:spcPct val="0"/>
-              </a:spcAft>
               <a:buClrTx/>
-              <a:buSzTx/>
-              <a:buFontTx/>
-              <a:buNone/>
-              <a:tabLst/>
             </a:pPr>
             <a:r>
-              <a:rPr kumimoji="0" lang="en-US" altLang="en-US" sz="1800" b="0" i="0" u="none" strike="noStrike" cap="none" normalizeH="0" baseline="0" dirty="0" smtClean="0">
-                <a:ln>
-                  <a:noFill/>
-                </a:ln>
+              <a:rPr lang="en-US" altLang="en-US" sz="1800" b="1" dirty="0" smtClean="0">
                 <a:solidFill>
-                  <a:srgbClr val="008200"/>
+                  <a:schemeClr val="accent1"/>
                 </a:solidFill>
-                <a:effectLst/>
-                <a:latin typeface="+mn-lt"/>
-                <a:cs typeface="Consolas" panose="020B0609020204030204" pitchFamily="49" charset="0"/>
-              </a:rPr>
-              <a:t># Creating a Tuple</a:t>
-            </a:r>
-            <a:endParaRPr kumimoji="0" lang="en-US" altLang="en-US" sz="1800" b="0" i="0" u="none" strike="noStrike" cap="none" normalizeH="0" baseline="0" dirty="0" smtClean="0">
-              <a:ln>
-                <a:noFill/>
-              </a:ln>
-              <a:solidFill>
-                <a:schemeClr val="tx1"/>
-              </a:solidFill>
-              <a:effectLst/>
-              <a:latin typeface="+mn-lt"/>
-            </a:endParaRPr>
-          </a:p>
-          <a:p>
-            <a:pPr marL="0" marR="0" lvl="0" indent="0" algn="l" defTabSz="914400" rtl="0" eaLnBrk="0" fontAlgn="base" latinLnBrk="0" hangingPunct="0">
-              <a:lnSpc>
-                <a:spcPct val="150000"/>
-              </a:lnSpc>
-              <a:spcBef>
-                <a:spcPct val="0"/>
-              </a:spcBef>
-              <a:spcAft>
-                <a:spcPct val="0"/>
-              </a:spcAft>
-              <a:buClrTx/>
-              <a:buSzTx/>
-              <a:buFontTx/>
-              <a:buNone/>
-              <a:tabLst/>
-            </a:pPr>
-            <a:r>
-              <a:rPr kumimoji="0" lang="en-US" altLang="en-US" sz="1800" b="0" i="0" u="none" strike="noStrike" cap="none" normalizeH="0" baseline="0" dirty="0" smtClean="0">
-                <a:ln>
-                  <a:noFill/>
-                </a:ln>
-                <a:solidFill>
-                  <a:srgbClr val="008200"/>
-                </a:solidFill>
-                <a:effectLst/>
-                <a:latin typeface="+mn-lt"/>
-                <a:cs typeface="Consolas" panose="020B0609020204030204" pitchFamily="49" charset="0"/>
-              </a:rPr>
-              <a:t># with repetition</a:t>
-            </a:r>
-            <a:endParaRPr kumimoji="0" lang="en-US" altLang="en-US" sz="1800" b="0" i="0" u="none" strike="noStrike" cap="none" normalizeH="0" baseline="0" dirty="0" smtClean="0">
-              <a:ln>
-                <a:noFill/>
-              </a:ln>
-              <a:solidFill>
-                <a:schemeClr val="tx1"/>
-              </a:solidFill>
-              <a:effectLst/>
-              <a:latin typeface="+mn-lt"/>
-            </a:endParaRPr>
-          </a:p>
-          <a:p>
-            <a:pPr marL="0" marR="0" lvl="0" indent="0" algn="l" defTabSz="914400" rtl="0" eaLnBrk="0" fontAlgn="base" latinLnBrk="0" hangingPunct="0">
-              <a:lnSpc>
-                <a:spcPct val="150000"/>
-              </a:lnSpc>
-              <a:spcBef>
-                <a:spcPct val="0"/>
-              </a:spcBef>
-              <a:spcAft>
-                <a:spcPct val="0"/>
-              </a:spcAft>
-              <a:buClrTx/>
-              <a:buSzTx/>
-              <a:buFontTx/>
-              <a:buNone/>
-              <a:tabLst/>
-            </a:pPr>
-            <a:r>
-              <a:rPr kumimoji="0" lang="en-US" altLang="en-US" sz="1800" b="0" i="0" u="none" strike="noStrike" cap="none" normalizeH="0" baseline="0" dirty="0" smtClean="0">
-                <a:ln>
-                  <a:noFill/>
-                </a:ln>
-                <a:solidFill>
-                  <a:srgbClr val="000000"/>
-                </a:solidFill>
-                <a:effectLst/>
                 <a:latin typeface="Consolas" panose="020B0609020204030204" pitchFamily="49" charset="0"/>
                 <a:cs typeface="Consolas" panose="020B0609020204030204" pitchFamily="49" charset="0"/>
               </a:rPr>
-              <a:t>Tuple1 </a:t>
+              <a:t>Difference in memory usage:</a:t>
             </a:r>
+          </a:p>
+          <a:p>
+            <a:pPr lvl="0">
+              <a:lnSpc>
+                <a:spcPct val="150000"/>
+              </a:lnSpc>
+              <a:buClrTx/>
+            </a:pPr>
             <a:r>
-              <a:rPr kumimoji="0" lang="en-US" altLang="en-US" sz="1800" b="1" i="0" u="none" strike="noStrike" cap="none" normalizeH="0" baseline="0" dirty="0" smtClean="0">
-                <a:ln>
-                  <a:noFill/>
-                </a:ln>
-                <a:solidFill>
-                  <a:srgbClr val="006699"/>
-                </a:solidFill>
-                <a:effectLst/>
+              <a:rPr lang="en-US" altLang="en-US" sz="1800" dirty="0" smtClean="0">
                 <a:latin typeface="Consolas" panose="020B0609020204030204" pitchFamily="49" charset="0"/>
                 <a:cs typeface="Consolas" panose="020B0609020204030204" pitchFamily="49" charset="0"/>
               </a:rPr>
-              <a:t>=</a:t>
+              <a:t>import </a:t>
             </a:r>
             <a:r>
-              <a:rPr kumimoji="0" lang="en-US" altLang="en-US" sz="1800" b="0" i="0" u="none" strike="noStrike" cap="none" normalizeH="0" baseline="0" dirty="0" smtClean="0">
-                <a:ln>
-                  <a:noFill/>
-                </a:ln>
-                <a:solidFill>
-                  <a:srgbClr val="273239"/>
-                </a:solidFill>
-                <a:effectLst/>
+              <a:rPr lang="en-US" altLang="en-US" sz="1800" b="1" dirty="0">
                 <a:latin typeface="Consolas" panose="020B0609020204030204" pitchFamily="49" charset="0"/>
                 <a:cs typeface="Consolas" panose="020B0609020204030204" pitchFamily="49" charset="0"/>
               </a:rPr>
-              <a:t> </a:t>
+              <a:t>sys</a:t>
+            </a:r>
+          </a:p>
+          <a:p>
+            <a:pPr lvl="0">
+              <a:lnSpc>
+                <a:spcPct val="150000"/>
+              </a:lnSpc>
+              <a:buClrTx/>
+            </a:pPr>
+            <a:r>
+              <a:rPr lang="en-US" altLang="en-US" sz="1800" dirty="0" err="1">
+                <a:latin typeface="Consolas" panose="020B0609020204030204" pitchFamily="49" charset="0"/>
+                <a:cs typeface="Consolas" panose="020B0609020204030204" pitchFamily="49" charset="0"/>
+              </a:rPr>
+              <a:t>a_list</a:t>
             </a:r>
             <a:r>
-              <a:rPr kumimoji="0" lang="en-US" altLang="en-US" sz="1800" b="0" i="0" u="none" strike="noStrike" cap="none" normalizeH="0" baseline="0" dirty="0" smtClean="0">
-                <a:ln>
-                  <a:noFill/>
-                </a:ln>
-                <a:solidFill>
-                  <a:srgbClr val="000000"/>
-                </a:solidFill>
-                <a:effectLst/>
+              <a:rPr lang="en-US" altLang="en-US" sz="1800" dirty="0">
+                <a:latin typeface="Consolas" panose="020B0609020204030204" pitchFamily="49" charset="0"/>
+                <a:cs typeface="Consolas" panose="020B0609020204030204" pitchFamily="49" charset="0"/>
+              </a:rPr>
+              <a:t> = list()</a:t>
+            </a:r>
+          </a:p>
+          <a:p>
+            <a:pPr lvl="0">
+              <a:lnSpc>
+                <a:spcPct val="150000"/>
+              </a:lnSpc>
+              <a:buClrTx/>
+            </a:pPr>
+            <a:r>
+              <a:rPr lang="en-US" altLang="en-US" sz="1800" dirty="0" err="1">
+                <a:latin typeface="Consolas" panose="020B0609020204030204" pitchFamily="49" charset="0"/>
+                <a:cs typeface="Consolas" panose="020B0609020204030204" pitchFamily="49" charset="0"/>
+              </a:rPr>
+              <a:t>a_tuple</a:t>
+            </a:r>
+            <a:r>
+              <a:rPr lang="en-US" altLang="en-US" sz="1800" dirty="0">
+                <a:latin typeface="Consolas" panose="020B0609020204030204" pitchFamily="49" charset="0"/>
+                <a:cs typeface="Consolas" panose="020B0609020204030204" pitchFamily="49" charset="0"/>
+              </a:rPr>
+              <a:t> = tuple()</a:t>
+            </a:r>
+          </a:p>
+          <a:p>
+            <a:pPr lvl="0">
+              <a:lnSpc>
+                <a:spcPct val="150000"/>
+              </a:lnSpc>
+              <a:buClrTx/>
+            </a:pPr>
+            <a:r>
+              <a:rPr lang="en-US" altLang="en-US" sz="1800" dirty="0" err="1">
+                <a:latin typeface="Consolas" panose="020B0609020204030204" pitchFamily="49" charset="0"/>
+                <a:cs typeface="Consolas" panose="020B0609020204030204" pitchFamily="49" charset="0"/>
+              </a:rPr>
+              <a:t>a_list</a:t>
+            </a:r>
+            <a:r>
+              <a:rPr lang="en-US" altLang="en-US" sz="1800" dirty="0">
+                <a:latin typeface="Consolas" panose="020B0609020204030204" pitchFamily="49" charset="0"/>
+                <a:cs typeface="Consolas" panose="020B0609020204030204" pitchFamily="49" charset="0"/>
+              </a:rPr>
+              <a:t> = [1,2,3,4,5]</a:t>
+            </a:r>
+          </a:p>
+          <a:p>
+            <a:pPr lvl="0">
+              <a:lnSpc>
+                <a:spcPct val="150000"/>
+              </a:lnSpc>
+              <a:buClrTx/>
+            </a:pPr>
+            <a:r>
+              <a:rPr lang="en-US" altLang="en-US" sz="1800" dirty="0" err="1">
+                <a:latin typeface="Consolas" panose="020B0609020204030204" pitchFamily="49" charset="0"/>
+                <a:cs typeface="Consolas" panose="020B0609020204030204" pitchFamily="49" charset="0"/>
+              </a:rPr>
+              <a:t>a_tuple</a:t>
+            </a:r>
+            <a:r>
+              <a:rPr lang="en-US" altLang="en-US" sz="1800" dirty="0">
+                <a:latin typeface="Consolas" panose="020B0609020204030204" pitchFamily="49" charset="0"/>
+                <a:cs typeface="Consolas" panose="020B0609020204030204" pitchFamily="49" charset="0"/>
+              </a:rPr>
+              <a:t> = (1,2,3,4,5)</a:t>
+            </a:r>
+          </a:p>
+          <a:p>
+            <a:pPr lvl="0">
+              <a:lnSpc>
+                <a:spcPct val="150000"/>
+              </a:lnSpc>
+              <a:buClrTx/>
+            </a:pPr>
+            <a:r>
+              <a:rPr lang="en-US" altLang="en-US" sz="1800" dirty="0">
+                <a:latin typeface="Consolas" panose="020B0609020204030204" pitchFamily="49" charset="0"/>
+                <a:cs typeface="Consolas" panose="020B0609020204030204" pitchFamily="49" charset="0"/>
+              </a:rPr>
+              <a:t>print(</a:t>
+            </a:r>
+            <a:r>
+              <a:rPr lang="en-US" altLang="en-US" sz="1800" b="1" dirty="0" err="1">
+                <a:latin typeface="Consolas" panose="020B0609020204030204" pitchFamily="49" charset="0"/>
+                <a:cs typeface="Consolas" panose="020B0609020204030204" pitchFamily="49" charset="0"/>
+              </a:rPr>
+              <a:t>sys.getsizeof</a:t>
+            </a:r>
+            <a:r>
+              <a:rPr lang="en-US" altLang="en-US" sz="1800" dirty="0">
                 <a:latin typeface="Consolas" panose="020B0609020204030204" pitchFamily="49" charset="0"/>
                 <a:cs typeface="Consolas" panose="020B0609020204030204" pitchFamily="49" charset="0"/>
               </a:rPr>
               <a:t>(</a:t>
             </a:r>
             <a:r>
-              <a:rPr kumimoji="0" lang="en-US" altLang="en-US" sz="1800" b="0" i="0" u="none" strike="noStrike" cap="none" normalizeH="0" baseline="0" dirty="0" smtClean="0">
-                <a:ln>
-                  <a:noFill/>
-                </a:ln>
-                <a:solidFill>
-                  <a:srgbClr val="0000FF"/>
-                </a:solidFill>
-                <a:effectLst/>
+              <a:rPr lang="en-US" altLang="en-US" sz="1800" dirty="0" err="1">
                 <a:latin typeface="Consolas" panose="020B0609020204030204" pitchFamily="49" charset="0"/>
                 <a:cs typeface="Consolas" panose="020B0609020204030204" pitchFamily="49" charset="0"/>
               </a:rPr>
-              <a:t>'Geeks'</a:t>
+              <a:t>a_list</a:t>
             </a:r>
             <a:r>
-              <a:rPr kumimoji="0" lang="en-US" altLang="en-US" sz="1800" b="0" i="0" u="none" strike="noStrike" cap="none" normalizeH="0" baseline="0" dirty="0" smtClean="0">
-                <a:ln>
-                  <a:noFill/>
-                </a:ln>
-                <a:solidFill>
-                  <a:srgbClr val="000000"/>
-                </a:solidFill>
-                <a:effectLst/>
+              <a:rPr lang="en-US" altLang="en-US" sz="1800" dirty="0">
                 <a:latin typeface="Consolas" panose="020B0609020204030204" pitchFamily="49" charset="0"/>
                 <a:cs typeface="Consolas" panose="020B0609020204030204" pitchFamily="49" charset="0"/>
               </a:rPr>
-              <a:t>,) </a:t>
+              <a:t>),"Bytes")</a:t>
             </a:r>
+          </a:p>
+          <a:p>
+            <a:pPr lvl="0">
+              <a:lnSpc>
+                <a:spcPct val="150000"/>
+              </a:lnSpc>
+              <a:buClrTx/>
+            </a:pPr>
             <a:r>
-              <a:rPr kumimoji="0" lang="en-US" altLang="en-US" sz="1800" b="1" i="0" u="none" strike="noStrike" cap="none" normalizeH="0" baseline="0" dirty="0" smtClean="0">
-                <a:ln>
-                  <a:noFill/>
-                </a:ln>
-                <a:solidFill>
-                  <a:srgbClr val="006699"/>
-                </a:solidFill>
-                <a:effectLst/>
+              <a:rPr lang="en-US" altLang="en-US" sz="1800" dirty="0">
                 <a:latin typeface="Consolas" panose="020B0609020204030204" pitchFamily="49" charset="0"/>
                 <a:cs typeface="Consolas" panose="020B0609020204030204" pitchFamily="49" charset="0"/>
               </a:rPr>
-              <a:t>*</a:t>
+              <a:t>print(</a:t>
             </a:r>
             <a:r>
-              <a:rPr kumimoji="0" lang="en-US" altLang="en-US" sz="1800" b="0" i="0" u="none" strike="noStrike" cap="none" normalizeH="0" baseline="0" dirty="0" smtClean="0">
-                <a:ln>
-                  <a:noFill/>
-                </a:ln>
-                <a:solidFill>
-                  <a:srgbClr val="273239"/>
-                </a:solidFill>
-                <a:effectLst/>
+              <a:rPr lang="en-US" altLang="en-US" sz="1800" b="1" dirty="0" err="1">
                 <a:latin typeface="Consolas" panose="020B0609020204030204" pitchFamily="49" charset="0"/>
                 <a:cs typeface="Consolas" panose="020B0609020204030204" pitchFamily="49" charset="0"/>
               </a:rPr>
-              <a:t> </a:t>
+              <a:t>sys.getsizeof</a:t>
             </a:r>
             <a:r>
-              <a:rPr kumimoji="0" lang="en-US" altLang="en-US" sz="1800" b="0" i="0" u="none" strike="noStrike" cap="none" normalizeH="0" baseline="0" dirty="0" smtClean="0">
-                <a:ln>
-                  <a:noFill/>
-                </a:ln>
-                <a:solidFill>
-                  <a:srgbClr val="009900"/>
-                </a:solidFill>
-                <a:effectLst/>
+              <a:rPr lang="en-US" altLang="en-US" sz="1800" dirty="0">
                 <a:latin typeface="Consolas" panose="020B0609020204030204" pitchFamily="49" charset="0"/>
                 <a:cs typeface="Consolas" panose="020B0609020204030204" pitchFamily="49" charset="0"/>
               </a:rPr>
-              <a:t>3</a:t>
+              <a:t>(</a:t>
+            </a:r>
+            <a:r>
+              <a:rPr lang="en-US" altLang="en-US" sz="1800" dirty="0" err="1">
+                <a:latin typeface="Consolas" panose="020B0609020204030204" pitchFamily="49" charset="0"/>
+                <a:cs typeface="Consolas" panose="020B0609020204030204" pitchFamily="49" charset="0"/>
+              </a:rPr>
+              <a:t>a_tuple</a:t>
+            </a:r>
+            <a:r>
+              <a:rPr lang="en-US" altLang="en-US" sz="1800" dirty="0">
+                <a:latin typeface="Consolas" panose="020B0609020204030204" pitchFamily="49" charset="0"/>
+                <a:cs typeface="Consolas" panose="020B0609020204030204" pitchFamily="49" charset="0"/>
+              </a:rPr>
+              <a:t>),"Bytes")</a:t>
             </a:r>
             <a:endParaRPr kumimoji="0" lang="en-US" altLang="en-US" sz="1800" b="0" i="0" u="none" strike="noStrike" cap="none" normalizeH="0" baseline="0" dirty="0" smtClean="0">
               <a:ln>
                 <a:noFill/>
               </a:ln>
-              <a:solidFill>
-                <a:schemeClr val="tx1"/>
-              </a:solidFill>
               <a:effectLst/>
               <a:latin typeface="Consolas" panose="020B0609020204030204" pitchFamily="49" charset="0"/>
               <a:cs typeface="Consolas" panose="020B0609020204030204" pitchFamily="49" charset="0"/>
@@ -25626,122 +26061,6 @@
     <p:extLst>
       <p:ext uri="{BB962C8B-B14F-4D97-AF65-F5344CB8AC3E}">
         <p14:creationId xmlns:p14="http://schemas.microsoft.com/office/powerpoint/2010/main" val="946787526"/>
-      </p:ext>
-    </p:extLst>
-  </p:cSld>
-  <p:clrMapOvr>
-    <a:masterClrMapping/>
-  </p:clrMapOvr>
-  <p:timing>
-    <p:tnLst>
-      <p:par>
-        <p:cTn id="1" dur="indefinite" restart="never" nodeType="tmRoot"/>
-      </p:par>
-    </p:tnLst>
-  </p:timing>
-</p:sld>
-</file>
-
-<file path=ppt/slides/slide17.xml><?xml version="1.0" encoding="utf-8"?>
-<p:sld xmlns:a="http://schemas.openxmlformats.org/drawingml/2006/main" xmlns:r="http://schemas.openxmlformats.org/officeDocument/2006/relationships" xmlns:p="http://schemas.openxmlformats.org/presentationml/2006/main">
-  <p:cSld>
-    <p:spTree>
-      <p:nvGrpSpPr>
-        <p:cNvPr id="1" name="Shape 228"/>
-        <p:cNvGrpSpPr/>
-        <p:nvPr/>
-      </p:nvGrpSpPr>
-      <p:grpSpPr>
-        <a:xfrm>
-          <a:off x="0" y="0"/>
-          <a:ext cx="0" cy="0"/>
-          <a:chOff x="0" y="0"/>
-          <a:chExt cx="0" cy="0"/>
-        </a:xfrm>
-      </p:grpSpPr>
-      <p:sp>
-        <p:nvSpPr>
-          <p:cNvPr id="229" name="Google Shape;229;p26"/>
-          <p:cNvSpPr txBox="1">
-            <a:spLocks noGrp="1"/>
-          </p:cNvSpPr>
-          <p:nvPr>
-            <p:ph type="title" idx="4294967295"/>
-          </p:nvPr>
-        </p:nvSpPr>
-        <p:spPr>
-          <a:xfrm>
-            <a:off x="854884" y="368134"/>
-            <a:ext cx="8250600" cy="798300"/>
-          </a:xfrm>
-          <a:prstGeom prst="rect">
-            <a:avLst/>
-          </a:prstGeom>
-        </p:spPr>
-        <p:txBody>
-          <a:bodyPr spcFirstLastPara="1" wrap="square" lIns="91425" tIns="91425" rIns="91425" bIns="91425" anchor="ctr" anchorCtr="0">
-            <a:noAutofit/>
-          </a:bodyPr>
-          <a:lstStyle/>
-          <a:p>
-            <a:pPr lvl="0"/>
-            <a:r>
-              <a:rPr lang="en-US" sz="2400" dirty="0">
-                <a:solidFill>
-                  <a:srgbClr val="2C363A"/>
-                </a:solidFill>
-              </a:rPr>
-              <a:t>Deep dive into sets, dictionaries and work with </a:t>
-            </a:r>
-          </a:p>
-        </p:txBody>
-      </p:sp>
-      <p:sp>
-        <p:nvSpPr>
-          <p:cNvPr id="230" name="Google Shape;230;p26"/>
-          <p:cNvSpPr txBox="1">
-            <a:spLocks noGrp="1"/>
-          </p:cNvSpPr>
-          <p:nvPr>
-            <p:ph type="sldNum" idx="12"/>
-          </p:nvPr>
-        </p:nvSpPr>
-        <p:spPr>
-          <a:xfrm>
-            <a:off x="8556784" y="4749851"/>
-            <a:ext cx="548700" cy="393600"/>
-          </a:xfrm>
-          <a:prstGeom prst="rect">
-            <a:avLst/>
-          </a:prstGeom>
-        </p:spPr>
-        <p:txBody>
-          <a:bodyPr spcFirstLastPara="1" wrap="square" lIns="91425" tIns="91425" rIns="91425" bIns="91425" anchor="t" anchorCtr="0">
-            <a:noAutofit/>
-          </a:bodyPr>
-          <a:lstStyle/>
-          <a:p>
-            <a:pPr marL="0" lvl="0" indent="0" algn="r" rtl="0">
-              <a:spcBef>
-                <a:spcPts val="0"/>
-              </a:spcBef>
-              <a:spcAft>
-                <a:spcPts val="0"/>
-              </a:spcAft>
-              <a:buNone/>
-            </a:pPr>
-            <a:fld id="{00000000-1234-1234-1234-123412341234}" type="slidenum">
-              <a:rPr lang="en"/>
-              <a:t>17</a:t>
-            </a:fld>
-            <a:endParaRPr/>
-          </a:p>
-        </p:txBody>
-      </p:sp>
-    </p:spTree>
-    <p:extLst>
-      <p:ext uri="{BB962C8B-B14F-4D97-AF65-F5344CB8AC3E}">
-        <p14:creationId xmlns:p14="http://schemas.microsoft.com/office/powerpoint/2010/main" val="3066850987"/>
       </p:ext>
     </p:extLst>
   </p:cSld>
@@ -25787,8 +26106,8 @@
         </p:nvSpPr>
         <p:spPr>
           <a:xfrm>
-            <a:off x="854884" y="168835"/>
-            <a:ext cx="8250600" cy="798300"/>
+            <a:off x="566928" y="368134"/>
+            <a:ext cx="8538556" cy="798300"/>
           </a:xfrm>
           <a:prstGeom prst="rect">
             <a:avLst/>
@@ -25800,19 +26119,23 @@
           </a:bodyPr>
           <a:lstStyle/>
           <a:p>
+            <a:pPr lvl="0"/>
             <a:r>
               <a:rPr lang="en-US" sz="2400" dirty="0" smtClean="0">
                 <a:solidFill>
                   <a:srgbClr val="2C363A"/>
                 </a:solidFill>
               </a:rPr>
-              <a:t>Assignments</a:t>
+              <a:t>Conclusion </a:t>
             </a:r>
-            <a:endParaRPr sz="2400" dirty="0">
-              <a:solidFill>
-                <a:schemeClr val="accent2"/>
-              </a:solidFill>
-            </a:endParaRPr>
+            <a:r>
+              <a:rPr lang="en-US" sz="2400" dirty="0">
+                <a:solidFill>
+                  <a:srgbClr val="2C363A"/>
+                </a:solidFill>
+              </a:rPr>
+              <a:t>of tuples and differences with python list</a:t>
+            </a:r>
           </a:p>
         </p:txBody>
       </p:sp>
@@ -25858,10 +26181,63 @@
           </a:p>
         </p:txBody>
       </p:sp>
+      <p:sp>
+        <p:nvSpPr>
+          <p:cNvPr id="3" name="Rectangle 2"/>
+          <p:cNvSpPr/>
+          <p:nvPr/>
+        </p:nvSpPr>
+        <p:spPr>
+          <a:xfrm>
+            <a:off x="740229" y="1166434"/>
+            <a:ext cx="7816555" cy="1754326"/>
+          </a:xfrm>
+          <a:prstGeom prst="rect">
+            <a:avLst/>
+          </a:prstGeom>
+        </p:spPr>
+        <p:txBody>
+          <a:bodyPr wrap="square">
+            <a:spAutoFit/>
+          </a:bodyPr>
+          <a:lstStyle/>
+          <a:p>
+            <a:pPr>
+              <a:lnSpc>
+                <a:spcPct val="150000"/>
+              </a:lnSpc>
+            </a:pPr>
+            <a:r>
+              <a:rPr lang="en-US" sz="1800" dirty="0"/>
+              <a:t>A list has a variable size while a tuple has a fixed size. Operations on tuples can be executed faster compared to operations on lists</a:t>
+            </a:r>
+            <a:r>
+              <a:rPr lang="en-US" sz="1800" dirty="0" smtClean="0"/>
+              <a:t>.</a:t>
+            </a:r>
+          </a:p>
+          <a:p>
+            <a:pPr>
+              <a:lnSpc>
+                <a:spcPct val="150000"/>
+              </a:lnSpc>
+            </a:pPr>
+            <a:endParaRPr lang="en-US" sz="1800" dirty="0"/>
+          </a:p>
+          <a:p>
+            <a:pPr>
+              <a:lnSpc>
+                <a:spcPct val="150000"/>
+              </a:lnSpc>
+            </a:pPr>
+            <a:endParaRPr lang="en-US" sz="1800" dirty="0"/>
+          </a:p>
+        </p:txBody>
+      </p:sp>
     </p:spTree>
     <p:extLst>
       <p:ext uri="{BB962C8B-B14F-4D97-AF65-F5344CB8AC3E}">
-        <p14:creationId xmlns:p14="http://schemas.microsoft.com/office/powerpoint/2010/main" val="4288457442"/>
+        <p14:creationId xmlns:p14="http://schemas.microsoft.com/office/powerpoint/2010/main" val="3634144203"/>
       </p:ext>
     </p:extLst>
   </p:cSld>
@@ -25907,7 +26283,7 @@
         </p:nvSpPr>
         <p:spPr>
           <a:xfrm>
-            <a:off x="306184" y="619039"/>
+            <a:off x="854884" y="368134"/>
             <a:ext cx="8250600" cy="798300"/>
           </a:xfrm>
           <a:prstGeom prst="rect">
@@ -25920,20 +26296,15 @@
           </a:bodyPr>
           <a:lstStyle/>
           <a:p>
-            <a:pPr lvl="0" algn="ctr"/>
+            <a:pPr lvl="0"/>
             <a:r>
-              <a:rPr lang="en-US" sz="2400" dirty="0" smtClean="0">
+              <a:rPr lang="en-US" sz="2400" dirty="0">
                 <a:solidFill>
                   <a:srgbClr val="2C363A"/>
                 </a:solidFill>
               </a:rPr>
-              <a:t>Code for the presentation can be found here</a:t>
+              <a:t>Deep dive into sets, dictionaries and work with </a:t>
             </a:r>
-            <a:endParaRPr sz="2400" dirty="0">
-              <a:solidFill>
-                <a:schemeClr val="accent2"/>
-              </a:solidFill>
-            </a:endParaRPr>
           </a:p>
         </p:txBody>
       </p:sp>
@@ -25979,62 +26350,10 @@
           </a:p>
         </p:txBody>
       </p:sp>
-      <p:sp>
-        <p:nvSpPr>
-          <p:cNvPr id="2" name="Rectangle 1"/>
-          <p:cNvSpPr/>
-          <p:nvPr/>
-        </p:nvSpPr>
-        <p:spPr>
-          <a:xfrm>
-            <a:off x="650452" y="2015526"/>
-            <a:ext cx="7906332" cy="1138773"/>
-          </a:xfrm>
-          <a:prstGeom prst="rect">
-            <a:avLst/>
-          </a:prstGeom>
-        </p:spPr>
-        <p:txBody>
-          <a:bodyPr wrap="none">
-            <a:spAutoFit/>
-          </a:bodyPr>
-          <a:lstStyle/>
-          <a:p>
-            <a:pPr algn="ctr"/>
-            <a:r>
-              <a:rPr lang="en-US" sz="2000" b="1" dirty="0" smtClean="0"/>
-              <a:t>Refer Readme.md of </a:t>
-            </a:r>
-            <a:r>
-              <a:rPr lang="en-US" sz="2000" b="1" dirty="0" err="1" smtClean="0"/>
-              <a:t>github</a:t>
-            </a:r>
-            <a:r>
-              <a:rPr lang="en-US" sz="2000" b="1" dirty="0" smtClean="0"/>
-              <a:t> repository for list of assignments:</a:t>
-            </a:r>
-          </a:p>
-          <a:p>
-            <a:pPr algn="ctr"/>
-            <a:endParaRPr lang="en-US" sz="2400" b="1" dirty="0" smtClean="0"/>
-          </a:p>
-          <a:p>
-            <a:pPr algn="ctr"/>
-            <a:r>
-              <a:rPr lang="en-US" sz="2400" b="1" dirty="0" smtClean="0"/>
-              <a:t>https</a:t>
-            </a:r>
-            <a:r>
-              <a:rPr lang="en-US" sz="2400" b="1" dirty="0"/>
-              <a:t>://github.com/tahirmirji/ai_with_python_keonics</a:t>
-            </a:r>
-          </a:p>
-        </p:txBody>
-      </p:sp>
     </p:spTree>
     <p:extLst>
       <p:ext uri="{BB962C8B-B14F-4D97-AF65-F5344CB8AC3E}">
-        <p14:creationId xmlns:p14="http://schemas.microsoft.com/office/powerpoint/2010/main" val="3319305882"/>
+        <p14:creationId xmlns:p14="http://schemas.microsoft.com/office/powerpoint/2010/main" val="3066850987"/>
       </p:ext>
     </p:extLst>
   </p:cSld>
@@ -26362,6 +26681,299 @@
   <p:cSld>
     <p:spTree>
       <p:nvGrpSpPr>
+        <p:cNvPr id="1" name="Shape 228"/>
+        <p:cNvGrpSpPr/>
+        <p:nvPr/>
+      </p:nvGrpSpPr>
+      <p:grpSpPr>
+        <a:xfrm>
+          <a:off x="0" y="0"/>
+          <a:ext cx="0" cy="0"/>
+          <a:chOff x="0" y="0"/>
+          <a:chExt cx="0" cy="0"/>
+        </a:xfrm>
+      </p:grpSpPr>
+      <p:sp>
+        <p:nvSpPr>
+          <p:cNvPr id="229" name="Google Shape;229;p26"/>
+          <p:cNvSpPr txBox="1">
+            <a:spLocks noGrp="1"/>
+          </p:cNvSpPr>
+          <p:nvPr>
+            <p:ph type="title" idx="4294967295"/>
+          </p:nvPr>
+        </p:nvSpPr>
+        <p:spPr>
+          <a:xfrm>
+            <a:off x="854884" y="168835"/>
+            <a:ext cx="8250600" cy="798300"/>
+          </a:xfrm>
+          <a:prstGeom prst="rect">
+            <a:avLst/>
+          </a:prstGeom>
+        </p:spPr>
+        <p:txBody>
+          <a:bodyPr spcFirstLastPara="1" wrap="square" lIns="91425" tIns="91425" rIns="91425" bIns="91425" anchor="ctr" anchorCtr="0">
+            <a:noAutofit/>
+          </a:bodyPr>
+          <a:lstStyle/>
+          <a:p>
+            <a:r>
+              <a:rPr lang="en-US" sz="2400" dirty="0" smtClean="0">
+                <a:solidFill>
+                  <a:srgbClr val="2C363A"/>
+                </a:solidFill>
+              </a:rPr>
+              <a:t>Assignments</a:t>
+            </a:r>
+            <a:endParaRPr sz="2400" dirty="0">
+              <a:solidFill>
+                <a:schemeClr val="accent2"/>
+              </a:solidFill>
+            </a:endParaRPr>
+          </a:p>
+        </p:txBody>
+      </p:sp>
+      <p:sp>
+        <p:nvSpPr>
+          <p:cNvPr id="230" name="Google Shape;230;p26"/>
+          <p:cNvSpPr txBox="1">
+            <a:spLocks noGrp="1"/>
+          </p:cNvSpPr>
+          <p:nvPr>
+            <p:ph type="sldNum" idx="12"/>
+          </p:nvPr>
+        </p:nvSpPr>
+        <p:spPr>
+          <a:xfrm>
+            <a:off x="8556784" y="4749851"/>
+            <a:ext cx="548700" cy="393600"/>
+          </a:xfrm>
+          <a:prstGeom prst="rect">
+            <a:avLst/>
+          </a:prstGeom>
+        </p:spPr>
+        <p:txBody>
+          <a:bodyPr spcFirstLastPara="1" wrap="square" lIns="91425" tIns="91425" rIns="91425" bIns="91425" anchor="t" anchorCtr="0">
+            <a:noAutofit/>
+          </a:bodyPr>
+          <a:lstStyle/>
+          <a:p>
+            <a:pPr marL="0" lvl="0" indent="0" algn="r" rtl="0">
+              <a:spcBef>
+                <a:spcPts val="0"/>
+              </a:spcBef>
+              <a:spcAft>
+                <a:spcPts val="0"/>
+              </a:spcAft>
+              <a:buNone/>
+            </a:pPr>
+            <a:fld id="{00000000-1234-1234-1234-123412341234}" type="slidenum">
+              <a:rPr lang="en"/>
+              <a:t>20</a:t>
+            </a:fld>
+            <a:endParaRPr/>
+          </a:p>
+        </p:txBody>
+      </p:sp>
+    </p:spTree>
+    <p:extLst>
+      <p:ext uri="{BB962C8B-B14F-4D97-AF65-F5344CB8AC3E}">
+        <p14:creationId xmlns:p14="http://schemas.microsoft.com/office/powerpoint/2010/main" val="4288457442"/>
+      </p:ext>
+    </p:extLst>
+  </p:cSld>
+  <p:clrMapOvr>
+    <a:masterClrMapping/>
+  </p:clrMapOvr>
+  <p:timing>
+    <p:tnLst>
+      <p:par>
+        <p:cTn id="1" dur="indefinite" restart="never" nodeType="tmRoot"/>
+      </p:par>
+    </p:tnLst>
+  </p:timing>
+</p:sld>
+</file>
+
+<file path=ppt/slides/slide21.xml><?xml version="1.0" encoding="utf-8"?>
+<p:sld xmlns:a="http://schemas.openxmlformats.org/drawingml/2006/main" xmlns:r="http://schemas.openxmlformats.org/officeDocument/2006/relationships" xmlns:p="http://schemas.openxmlformats.org/presentationml/2006/main">
+  <p:cSld>
+    <p:spTree>
+      <p:nvGrpSpPr>
+        <p:cNvPr id="1" name="Shape 228"/>
+        <p:cNvGrpSpPr/>
+        <p:nvPr/>
+      </p:nvGrpSpPr>
+      <p:grpSpPr>
+        <a:xfrm>
+          <a:off x="0" y="0"/>
+          <a:ext cx="0" cy="0"/>
+          <a:chOff x="0" y="0"/>
+          <a:chExt cx="0" cy="0"/>
+        </a:xfrm>
+      </p:grpSpPr>
+      <p:sp>
+        <p:nvSpPr>
+          <p:cNvPr id="229" name="Google Shape;229;p26"/>
+          <p:cNvSpPr txBox="1">
+            <a:spLocks noGrp="1"/>
+          </p:cNvSpPr>
+          <p:nvPr>
+            <p:ph type="title" idx="4294967295"/>
+          </p:nvPr>
+        </p:nvSpPr>
+        <p:spPr>
+          <a:xfrm>
+            <a:off x="306184" y="619039"/>
+            <a:ext cx="8250600" cy="798300"/>
+          </a:xfrm>
+          <a:prstGeom prst="rect">
+            <a:avLst/>
+          </a:prstGeom>
+        </p:spPr>
+        <p:txBody>
+          <a:bodyPr spcFirstLastPara="1" wrap="square" lIns="91425" tIns="91425" rIns="91425" bIns="91425" anchor="ctr" anchorCtr="0">
+            <a:noAutofit/>
+          </a:bodyPr>
+          <a:lstStyle/>
+          <a:p>
+            <a:pPr lvl="0" algn="ctr"/>
+            <a:r>
+              <a:rPr lang="en-US" sz="2400" dirty="0" smtClean="0">
+                <a:solidFill>
+                  <a:srgbClr val="2C363A"/>
+                </a:solidFill>
+              </a:rPr>
+              <a:t>Code for the presentation can be found here</a:t>
+            </a:r>
+            <a:endParaRPr sz="2400" dirty="0">
+              <a:solidFill>
+                <a:schemeClr val="accent2"/>
+              </a:solidFill>
+            </a:endParaRPr>
+          </a:p>
+        </p:txBody>
+      </p:sp>
+      <p:sp>
+        <p:nvSpPr>
+          <p:cNvPr id="230" name="Google Shape;230;p26"/>
+          <p:cNvSpPr txBox="1">
+            <a:spLocks noGrp="1"/>
+          </p:cNvSpPr>
+          <p:nvPr>
+            <p:ph type="sldNum" idx="12"/>
+          </p:nvPr>
+        </p:nvSpPr>
+        <p:spPr>
+          <a:xfrm>
+            <a:off x="8556784" y="4749851"/>
+            <a:ext cx="548700" cy="393600"/>
+          </a:xfrm>
+          <a:prstGeom prst="rect">
+            <a:avLst/>
+          </a:prstGeom>
+        </p:spPr>
+        <p:txBody>
+          <a:bodyPr spcFirstLastPara="1" wrap="square" lIns="91425" tIns="91425" rIns="91425" bIns="91425" anchor="t" anchorCtr="0">
+            <a:noAutofit/>
+          </a:bodyPr>
+          <a:lstStyle/>
+          <a:p>
+            <a:pPr marL="0" lvl="0" indent="0" algn="r" rtl="0">
+              <a:spcBef>
+                <a:spcPts val="0"/>
+              </a:spcBef>
+              <a:spcAft>
+                <a:spcPts val="0"/>
+              </a:spcAft>
+              <a:buNone/>
+            </a:pPr>
+            <a:fld id="{00000000-1234-1234-1234-123412341234}" type="slidenum">
+              <a:rPr lang="en"/>
+              <a:t>21</a:t>
+            </a:fld>
+            <a:endParaRPr/>
+          </a:p>
+        </p:txBody>
+      </p:sp>
+      <p:sp>
+        <p:nvSpPr>
+          <p:cNvPr id="2" name="Rectangle 1"/>
+          <p:cNvSpPr/>
+          <p:nvPr/>
+        </p:nvSpPr>
+        <p:spPr>
+          <a:xfrm>
+            <a:off x="650452" y="2015526"/>
+            <a:ext cx="7906332" cy="1138773"/>
+          </a:xfrm>
+          <a:prstGeom prst="rect">
+            <a:avLst/>
+          </a:prstGeom>
+        </p:spPr>
+        <p:txBody>
+          <a:bodyPr wrap="none">
+            <a:spAutoFit/>
+          </a:bodyPr>
+          <a:lstStyle/>
+          <a:p>
+            <a:pPr algn="ctr"/>
+            <a:r>
+              <a:rPr lang="en-US" sz="2000" b="1" dirty="0" smtClean="0"/>
+              <a:t>Refer Readme.md of </a:t>
+            </a:r>
+            <a:r>
+              <a:rPr lang="en-US" sz="2000" b="1" dirty="0" err="1" smtClean="0"/>
+              <a:t>github</a:t>
+            </a:r>
+            <a:r>
+              <a:rPr lang="en-US" sz="2000" b="1" dirty="0" smtClean="0"/>
+              <a:t> repository for list of assignments:</a:t>
+            </a:r>
+          </a:p>
+          <a:p>
+            <a:pPr algn="ctr"/>
+            <a:endParaRPr lang="en-US" sz="2400" b="1" dirty="0" smtClean="0"/>
+          </a:p>
+          <a:p>
+            <a:pPr algn="ctr"/>
+            <a:r>
+              <a:rPr lang="en-US" sz="2400" b="1" dirty="0" smtClean="0"/>
+              <a:t>https</a:t>
+            </a:r>
+            <a:r>
+              <a:rPr lang="en-US" sz="2400" b="1" dirty="0"/>
+              <a:t>://github.com/tahirmirji/ai_with_python_keonics</a:t>
+            </a:r>
+          </a:p>
+        </p:txBody>
+      </p:sp>
+    </p:spTree>
+    <p:extLst>
+      <p:ext uri="{BB962C8B-B14F-4D97-AF65-F5344CB8AC3E}">
+        <p14:creationId xmlns:p14="http://schemas.microsoft.com/office/powerpoint/2010/main" val="3319305882"/>
+      </p:ext>
+    </p:extLst>
+  </p:cSld>
+  <p:clrMapOvr>
+    <a:masterClrMapping/>
+  </p:clrMapOvr>
+  <p:timing>
+    <p:tnLst>
+      <p:par>
+        <p:cTn id="1" dur="indefinite" restart="never" nodeType="tmRoot"/>
+      </p:par>
+    </p:tnLst>
+  </p:timing>
+</p:sld>
+</file>
+
+<file path=ppt/slides/slide22.xml><?xml version="1.0" encoding="utf-8"?>
+<p:sld xmlns:a="http://schemas.openxmlformats.org/drawingml/2006/main" xmlns:r="http://schemas.openxmlformats.org/officeDocument/2006/relationships" xmlns:p="http://schemas.openxmlformats.org/presentationml/2006/main">
+  <p:cSld>
+    <p:spTree>
+      <p:nvGrpSpPr>
         <p:cNvPr id="1" name=""/>
         <p:cNvGrpSpPr/>
         <p:nvPr/>
@@ -26400,7 +27012,7 @@
             </a:pPr>
             <a:fld id="{00000000-1234-1234-1234-123412341234}" type="slidenum">
               <a:rPr lang="en" smtClean="0"/>
-              <a:t>20</a:t>
+              <a:t>22</a:t>
             </a:fld>
             <a:endParaRPr lang="en"/>
           </a:p>

--- a/module2/ppt/Advanced Concepts Using Datastructures.pptx
+++ b/module2/ppt/Advanced Concepts Using Datastructures.pptx
@@ -5,7 +5,7 @@
     <p:sldMasterId id="2147483670" r:id="rId1"/>
   </p:sldMasterIdLst>
   <p:notesMasterIdLst>
-    <p:notesMasterId r:id="rId24"/>
+    <p:notesMasterId r:id="rId42"/>
   </p:notesMasterIdLst>
   <p:sldIdLst>
     <p:sldId id="256" r:id="rId2"/>
@@ -27,43 +27,61 @@
     <p:sldId id="346" r:id="rId18"/>
     <p:sldId id="347" r:id="rId19"/>
     <p:sldId id="335" r:id="rId20"/>
-    <p:sldId id="271" r:id="rId21"/>
-    <p:sldId id="327" r:id="rId22"/>
-    <p:sldId id="308" r:id="rId23"/>
+    <p:sldId id="349" r:id="rId21"/>
+    <p:sldId id="351" r:id="rId22"/>
+    <p:sldId id="352" r:id="rId23"/>
+    <p:sldId id="353" r:id="rId24"/>
+    <p:sldId id="354" r:id="rId25"/>
+    <p:sldId id="350" r:id="rId26"/>
+    <p:sldId id="356" r:id="rId27"/>
+    <p:sldId id="357" r:id="rId28"/>
+    <p:sldId id="355" r:id="rId29"/>
+    <p:sldId id="359" r:id="rId30"/>
+    <p:sldId id="360" r:id="rId31"/>
+    <p:sldId id="363" r:id="rId32"/>
+    <p:sldId id="364" r:id="rId33"/>
+    <p:sldId id="362" r:id="rId34"/>
+    <p:sldId id="358" r:id="rId35"/>
+    <p:sldId id="365" r:id="rId36"/>
+    <p:sldId id="366" r:id="rId37"/>
+    <p:sldId id="367" r:id="rId38"/>
+    <p:sldId id="271" r:id="rId39"/>
+    <p:sldId id="327" r:id="rId40"/>
+    <p:sldId id="308" r:id="rId41"/>
   </p:sldIdLst>
   <p:sldSz cx="9144000" cy="5143500" type="screen16x9"/>
   <p:notesSz cx="6858000" cy="9144000"/>
   <p:embeddedFontLst>
     <p:embeddedFont>
+      <p:font typeface="Consolas" panose="020B0609020204030204" pitchFamily="49" charset="0"/>
+      <p:regular r:id="rId43"/>
+      <p:bold r:id="rId44"/>
+      <p:italic r:id="rId45"/>
+      <p:boldItalic r:id="rId46"/>
+    </p:embeddedFont>
+    <p:embeddedFont>
+      <p:font typeface="Montserrat" panose="00000500000000000000" pitchFamily="50" charset="0"/>
+      <p:regular r:id="rId47"/>
+      <p:bold r:id="rId48"/>
+      <p:italic r:id="rId49"/>
+      <p:boldItalic r:id="rId50"/>
+    </p:embeddedFont>
+    <p:embeddedFont>
+      <p:font typeface="Sarala" panose="020B0604020202020204" charset="0"/>
+      <p:regular r:id="rId51"/>
+      <p:bold r:id="rId52"/>
+    </p:embeddedFont>
+    <p:embeddedFont>
       <p:font typeface="Segoe UI" panose="020B0502040204020203" pitchFamily="34" charset="0"/>
-      <p:regular r:id="rId25"/>
-      <p:bold r:id="rId26"/>
-      <p:italic r:id="rId27"/>
-      <p:boldItalic r:id="rId28"/>
+      <p:regular r:id="rId53"/>
+      <p:bold r:id="rId54"/>
+      <p:italic r:id="rId55"/>
+      <p:boldItalic r:id="rId56"/>
     </p:embeddedFont>
     <p:embeddedFont>
       <p:font typeface="Microsoft YaHei" panose="020B0503020204020204" pitchFamily="34" charset="-122"/>
-      <p:regular r:id="rId29"/>
-      <p:bold r:id="rId30"/>
-    </p:embeddedFont>
-    <p:embeddedFont>
-      <p:font typeface="Sarala" panose="020B0604020202020204" charset="0"/>
-      <p:regular r:id="rId31"/>
-      <p:bold r:id="rId32"/>
-    </p:embeddedFont>
-    <p:embeddedFont>
-      <p:font typeface="Consolas" panose="020B0609020204030204" pitchFamily="49" charset="0"/>
-      <p:regular r:id="rId33"/>
-      <p:bold r:id="rId34"/>
-      <p:italic r:id="rId35"/>
-      <p:boldItalic r:id="rId36"/>
-    </p:embeddedFont>
-    <p:embeddedFont>
-      <p:font typeface="Montserrat" panose="00000500000000000000" pitchFamily="50" charset="0"/>
-      <p:regular r:id="rId37"/>
-      <p:bold r:id="rId38"/>
-      <p:italic r:id="rId39"/>
-      <p:boldItalic r:id="rId40"/>
+      <p:regular r:id="rId57"/>
+      <p:bold r:id="rId58"/>
     </p:embeddedFont>
   </p:embeddedFontLst>
   <p:defaultTextStyle>
@@ -2141,7 +2159,7 @@
     </p:spTree>
     <p:extLst>
       <p:ext uri="{BB962C8B-B14F-4D97-AF65-F5344CB8AC3E}">
-        <p14:creationId xmlns:p14="http://schemas.microsoft.com/office/powerpoint/2010/main" val="461361457"/>
+        <p14:creationId xmlns:p14="http://schemas.microsoft.com/office/powerpoint/2010/main" val="1260082005"/>
       </p:ext>
     </p:extLst>
   </p:cSld>
@@ -2250,7 +2268,879 @@
     </p:spTree>
     <p:extLst>
       <p:ext uri="{BB962C8B-B14F-4D97-AF65-F5344CB8AC3E}">
-        <p14:creationId xmlns:p14="http://schemas.microsoft.com/office/powerpoint/2010/main" val="3909951723"/>
+        <p14:creationId xmlns:p14="http://schemas.microsoft.com/office/powerpoint/2010/main" val="2755474445"/>
+      </p:ext>
+    </p:extLst>
+  </p:cSld>
+  <p:clrMapOvr>
+    <a:masterClrMapping/>
+  </p:clrMapOvr>
+</p:notes>
+</file>
+
+<file path=ppt/notesSlides/notesSlide22.xml><?xml version="1.0" encoding="utf-8"?>
+<p:notes xmlns:a="http://schemas.openxmlformats.org/drawingml/2006/main" xmlns:r="http://schemas.openxmlformats.org/officeDocument/2006/relationships" xmlns:p="http://schemas.openxmlformats.org/presentationml/2006/main" showMasterSp="0" showMasterPhAnim="0">
+  <p:cSld>
+    <p:spTree>
+      <p:nvGrpSpPr>
+        <p:cNvPr id="1" name="Shape 225"/>
+        <p:cNvGrpSpPr/>
+        <p:nvPr/>
+      </p:nvGrpSpPr>
+      <p:grpSpPr>
+        <a:xfrm>
+          <a:off x="0" y="0"/>
+          <a:ext cx="0" cy="0"/>
+          <a:chOff x="0" y="0"/>
+          <a:chExt cx="0" cy="0"/>
+        </a:xfrm>
+      </p:grpSpPr>
+      <p:sp>
+        <p:nvSpPr>
+          <p:cNvPr id="226" name="Google Shape;226;g70e3186832_0_7:notes"/>
+          <p:cNvSpPr>
+            <a:spLocks noGrp="1" noRot="1" noChangeAspect="1"/>
+          </p:cNvSpPr>
+          <p:nvPr>
+            <p:ph type="sldImg" idx="2"/>
+          </p:nvPr>
+        </p:nvSpPr>
+        <p:spPr>
+          <a:xfrm>
+            <a:off x="381000" y="685800"/>
+            <a:ext cx="6096000" cy="3429000"/>
+          </a:xfrm>
+          <a:custGeom>
+            <a:avLst/>
+            <a:gdLst/>
+            <a:ahLst/>
+            <a:cxnLst/>
+            <a:rect l="l" t="t" r="r" b="b"/>
+            <a:pathLst>
+              <a:path w="120000" h="120000" extrusionOk="0">
+                <a:moveTo>
+                  <a:pt x="0" y="0"/>
+                </a:moveTo>
+                <a:lnTo>
+                  <a:pt x="120000" y="0"/>
+                </a:lnTo>
+                <a:lnTo>
+                  <a:pt x="120000" y="120000"/>
+                </a:lnTo>
+                <a:lnTo>
+                  <a:pt x="0" y="120000"/>
+                </a:lnTo>
+                <a:close/>
+              </a:path>
+            </a:pathLst>
+          </a:custGeom>
+        </p:spPr>
+      </p:sp>
+      <p:sp>
+        <p:nvSpPr>
+          <p:cNvPr id="227" name="Google Shape;227;g70e3186832_0_7:notes"/>
+          <p:cNvSpPr txBox="1">
+            <a:spLocks noGrp="1"/>
+          </p:cNvSpPr>
+          <p:nvPr>
+            <p:ph type="body" idx="1"/>
+          </p:nvPr>
+        </p:nvSpPr>
+        <p:spPr>
+          <a:xfrm>
+            <a:off x="685800" y="4343400"/>
+            <a:ext cx="5486400" cy="4114800"/>
+          </a:xfrm>
+          <a:prstGeom prst="rect">
+            <a:avLst/>
+          </a:prstGeom>
+        </p:spPr>
+        <p:txBody>
+          <a:bodyPr spcFirstLastPara="1" wrap="square" lIns="91425" tIns="91425" rIns="91425" bIns="91425" anchor="t" anchorCtr="0">
+            <a:noAutofit/>
+          </a:bodyPr>
+          <a:lstStyle/>
+          <a:p>
+            <a:pPr marL="0" lvl="0" indent="0" algn="l" rtl="0">
+              <a:spcBef>
+                <a:spcPts val="0"/>
+              </a:spcBef>
+              <a:spcAft>
+                <a:spcPts val="0"/>
+              </a:spcAft>
+              <a:buNone/>
+            </a:pPr>
+            <a:endParaRPr/>
+          </a:p>
+        </p:txBody>
+      </p:sp>
+    </p:spTree>
+    <p:extLst>
+      <p:ext uri="{BB962C8B-B14F-4D97-AF65-F5344CB8AC3E}">
+        <p14:creationId xmlns:p14="http://schemas.microsoft.com/office/powerpoint/2010/main" val="2031053762"/>
+      </p:ext>
+    </p:extLst>
+  </p:cSld>
+  <p:clrMapOvr>
+    <a:masterClrMapping/>
+  </p:clrMapOvr>
+</p:notes>
+</file>
+
+<file path=ppt/notesSlides/notesSlide23.xml><?xml version="1.0" encoding="utf-8"?>
+<p:notes xmlns:a="http://schemas.openxmlformats.org/drawingml/2006/main" xmlns:r="http://schemas.openxmlformats.org/officeDocument/2006/relationships" xmlns:p="http://schemas.openxmlformats.org/presentationml/2006/main" showMasterSp="0" showMasterPhAnim="0">
+  <p:cSld>
+    <p:spTree>
+      <p:nvGrpSpPr>
+        <p:cNvPr id="1" name="Shape 225"/>
+        <p:cNvGrpSpPr/>
+        <p:nvPr/>
+      </p:nvGrpSpPr>
+      <p:grpSpPr>
+        <a:xfrm>
+          <a:off x="0" y="0"/>
+          <a:ext cx="0" cy="0"/>
+          <a:chOff x="0" y="0"/>
+          <a:chExt cx="0" cy="0"/>
+        </a:xfrm>
+      </p:grpSpPr>
+      <p:sp>
+        <p:nvSpPr>
+          <p:cNvPr id="226" name="Google Shape;226;g70e3186832_0_7:notes"/>
+          <p:cNvSpPr>
+            <a:spLocks noGrp="1" noRot="1" noChangeAspect="1"/>
+          </p:cNvSpPr>
+          <p:nvPr>
+            <p:ph type="sldImg" idx="2"/>
+          </p:nvPr>
+        </p:nvSpPr>
+        <p:spPr>
+          <a:xfrm>
+            <a:off x="381000" y="685800"/>
+            <a:ext cx="6096000" cy="3429000"/>
+          </a:xfrm>
+          <a:custGeom>
+            <a:avLst/>
+            <a:gdLst/>
+            <a:ahLst/>
+            <a:cxnLst/>
+            <a:rect l="l" t="t" r="r" b="b"/>
+            <a:pathLst>
+              <a:path w="120000" h="120000" extrusionOk="0">
+                <a:moveTo>
+                  <a:pt x="0" y="0"/>
+                </a:moveTo>
+                <a:lnTo>
+                  <a:pt x="120000" y="0"/>
+                </a:lnTo>
+                <a:lnTo>
+                  <a:pt x="120000" y="120000"/>
+                </a:lnTo>
+                <a:lnTo>
+                  <a:pt x="0" y="120000"/>
+                </a:lnTo>
+                <a:close/>
+              </a:path>
+            </a:pathLst>
+          </a:custGeom>
+        </p:spPr>
+      </p:sp>
+      <p:sp>
+        <p:nvSpPr>
+          <p:cNvPr id="227" name="Google Shape;227;g70e3186832_0_7:notes"/>
+          <p:cNvSpPr txBox="1">
+            <a:spLocks noGrp="1"/>
+          </p:cNvSpPr>
+          <p:nvPr>
+            <p:ph type="body" idx="1"/>
+          </p:nvPr>
+        </p:nvSpPr>
+        <p:spPr>
+          <a:xfrm>
+            <a:off x="685800" y="4343400"/>
+            <a:ext cx="5486400" cy="4114800"/>
+          </a:xfrm>
+          <a:prstGeom prst="rect">
+            <a:avLst/>
+          </a:prstGeom>
+        </p:spPr>
+        <p:txBody>
+          <a:bodyPr spcFirstLastPara="1" wrap="square" lIns="91425" tIns="91425" rIns="91425" bIns="91425" anchor="t" anchorCtr="0">
+            <a:noAutofit/>
+          </a:bodyPr>
+          <a:lstStyle/>
+          <a:p>
+            <a:pPr marL="0" lvl="0" indent="0" algn="l" rtl="0">
+              <a:spcBef>
+                <a:spcPts val="0"/>
+              </a:spcBef>
+              <a:spcAft>
+                <a:spcPts val="0"/>
+              </a:spcAft>
+              <a:buNone/>
+            </a:pPr>
+            <a:endParaRPr/>
+          </a:p>
+        </p:txBody>
+      </p:sp>
+    </p:spTree>
+    <p:extLst>
+      <p:ext uri="{BB962C8B-B14F-4D97-AF65-F5344CB8AC3E}">
+        <p14:creationId xmlns:p14="http://schemas.microsoft.com/office/powerpoint/2010/main" val="3506377674"/>
+      </p:ext>
+    </p:extLst>
+  </p:cSld>
+  <p:clrMapOvr>
+    <a:masterClrMapping/>
+  </p:clrMapOvr>
+</p:notes>
+</file>
+
+<file path=ppt/notesSlides/notesSlide24.xml><?xml version="1.0" encoding="utf-8"?>
+<p:notes xmlns:a="http://schemas.openxmlformats.org/drawingml/2006/main" xmlns:r="http://schemas.openxmlformats.org/officeDocument/2006/relationships" xmlns:p="http://schemas.openxmlformats.org/presentationml/2006/main" showMasterSp="0" showMasterPhAnim="0">
+  <p:cSld>
+    <p:spTree>
+      <p:nvGrpSpPr>
+        <p:cNvPr id="1" name="Shape 225"/>
+        <p:cNvGrpSpPr/>
+        <p:nvPr/>
+      </p:nvGrpSpPr>
+      <p:grpSpPr>
+        <a:xfrm>
+          <a:off x="0" y="0"/>
+          <a:ext cx="0" cy="0"/>
+          <a:chOff x="0" y="0"/>
+          <a:chExt cx="0" cy="0"/>
+        </a:xfrm>
+      </p:grpSpPr>
+      <p:sp>
+        <p:nvSpPr>
+          <p:cNvPr id="226" name="Google Shape;226;g70e3186832_0_7:notes"/>
+          <p:cNvSpPr>
+            <a:spLocks noGrp="1" noRot="1" noChangeAspect="1"/>
+          </p:cNvSpPr>
+          <p:nvPr>
+            <p:ph type="sldImg" idx="2"/>
+          </p:nvPr>
+        </p:nvSpPr>
+        <p:spPr>
+          <a:xfrm>
+            <a:off x="381000" y="685800"/>
+            <a:ext cx="6096000" cy="3429000"/>
+          </a:xfrm>
+          <a:custGeom>
+            <a:avLst/>
+            <a:gdLst/>
+            <a:ahLst/>
+            <a:cxnLst/>
+            <a:rect l="l" t="t" r="r" b="b"/>
+            <a:pathLst>
+              <a:path w="120000" h="120000" extrusionOk="0">
+                <a:moveTo>
+                  <a:pt x="0" y="0"/>
+                </a:moveTo>
+                <a:lnTo>
+                  <a:pt x="120000" y="0"/>
+                </a:lnTo>
+                <a:lnTo>
+                  <a:pt x="120000" y="120000"/>
+                </a:lnTo>
+                <a:lnTo>
+                  <a:pt x="0" y="120000"/>
+                </a:lnTo>
+                <a:close/>
+              </a:path>
+            </a:pathLst>
+          </a:custGeom>
+        </p:spPr>
+      </p:sp>
+      <p:sp>
+        <p:nvSpPr>
+          <p:cNvPr id="227" name="Google Shape;227;g70e3186832_0_7:notes"/>
+          <p:cNvSpPr txBox="1">
+            <a:spLocks noGrp="1"/>
+          </p:cNvSpPr>
+          <p:nvPr>
+            <p:ph type="body" idx="1"/>
+          </p:nvPr>
+        </p:nvSpPr>
+        <p:spPr>
+          <a:xfrm>
+            <a:off x="685800" y="4343400"/>
+            <a:ext cx="5486400" cy="4114800"/>
+          </a:xfrm>
+          <a:prstGeom prst="rect">
+            <a:avLst/>
+          </a:prstGeom>
+        </p:spPr>
+        <p:txBody>
+          <a:bodyPr spcFirstLastPara="1" wrap="square" lIns="91425" tIns="91425" rIns="91425" bIns="91425" anchor="t" anchorCtr="0">
+            <a:noAutofit/>
+          </a:bodyPr>
+          <a:lstStyle/>
+          <a:p>
+            <a:pPr marL="0" lvl="0" indent="0" algn="l" rtl="0">
+              <a:spcBef>
+                <a:spcPts val="0"/>
+              </a:spcBef>
+              <a:spcAft>
+                <a:spcPts val="0"/>
+              </a:spcAft>
+              <a:buNone/>
+            </a:pPr>
+            <a:endParaRPr/>
+          </a:p>
+        </p:txBody>
+      </p:sp>
+    </p:spTree>
+    <p:extLst>
+      <p:ext uri="{BB962C8B-B14F-4D97-AF65-F5344CB8AC3E}">
+        <p14:creationId xmlns:p14="http://schemas.microsoft.com/office/powerpoint/2010/main" val="704959514"/>
+      </p:ext>
+    </p:extLst>
+  </p:cSld>
+  <p:clrMapOvr>
+    <a:masterClrMapping/>
+  </p:clrMapOvr>
+</p:notes>
+</file>
+
+<file path=ppt/notesSlides/notesSlide25.xml><?xml version="1.0" encoding="utf-8"?>
+<p:notes xmlns:a="http://schemas.openxmlformats.org/drawingml/2006/main" xmlns:r="http://schemas.openxmlformats.org/officeDocument/2006/relationships" xmlns:p="http://schemas.openxmlformats.org/presentationml/2006/main" showMasterSp="0" showMasterPhAnim="0">
+  <p:cSld>
+    <p:spTree>
+      <p:nvGrpSpPr>
+        <p:cNvPr id="1" name="Shape 225"/>
+        <p:cNvGrpSpPr/>
+        <p:nvPr/>
+      </p:nvGrpSpPr>
+      <p:grpSpPr>
+        <a:xfrm>
+          <a:off x="0" y="0"/>
+          <a:ext cx="0" cy="0"/>
+          <a:chOff x="0" y="0"/>
+          <a:chExt cx="0" cy="0"/>
+        </a:xfrm>
+      </p:grpSpPr>
+      <p:sp>
+        <p:nvSpPr>
+          <p:cNvPr id="226" name="Google Shape;226;g70e3186832_0_7:notes"/>
+          <p:cNvSpPr>
+            <a:spLocks noGrp="1" noRot="1" noChangeAspect="1"/>
+          </p:cNvSpPr>
+          <p:nvPr>
+            <p:ph type="sldImg" idx="2"/>
+          </p:nvPr>
+        </p:nvSpPr>
+        <p:spPr>
+          <a:xfrm>
+            <a:off x="381000" y="685800"/>
+            <a:ext cx="6096000" cy="3429000"/>
+          </a:xfrm>
+          <a:custGeom>
+            <a:avLst/>
+            <a:gdLst/>
+            <a:ahLst/>
+            <a:cxnLst/>
+            <a:rect l="l" t="t" r="r" b="b"/>
+            <a:pathLst>
+              <a:path w="120000" h="120000" extrusionOk="0">
+                <a:moveTo>
+                  <a:pt x="0" y="0"/>
+                </a:moveTo>
+                <a:lnTo>
+                  <a:pt x="120000" y="0"/>
+                </a:lnTo>
+                <a:lnTo>
+                  <a:pt x="120000" y="120000"/>
+                </a:lnTo>
+                <a:lnTo>
+                  <a:pt x="0" y="120000"/>
+                </a:lnTo>
+                <a:close/>
+              </a:path>
+            </a:pathLst>
+          </a:custGeom>
+        </p:spPr>
+      </p:sp>
+      <p:sp>
+        <p:nvSpPr>
+          <p:cNvPr id="227" name="Google Shape;227;g70e3186832_0_7:notes"/>
+          <p:cNvSpPr txBox="1">
+            <a:spLocks noGrp="1"/>
+          </p:cNvSpPr>
+          <p:nvPr>
+            <p:ph type="body" idx="1"/>
+          </p:nvPr>
+        </p:nvSpPr>
+        <p:spPr>
+          <a:xfrm>
+            <a:off x="685800" y="4343400"/>
+            <a:ext cx="5486400" cy="4114800"/>
+          </a:xfrm>
+          <a:prstGeom prst="rect">
+            <a:avLst/>
+          </a:prstGeom>
+        </p:spPr>
+        <p:txBody>
+          <a:bodyPr spcFirstLastPara="1" wrap="square" lIns="91425" tIns="91425" rIns="91425" bIns="91425" anchor="t" anchorCtr="0">
+            <a:noAutofit/>
+          </a:bodyPr>
+          <a:lstStyle/>
+          <a:p>
+            <a:pPr marL="0" lvl="0" indent="0" algn="l" rtl="0">
+              <a:spcBef>
+                <a:spcPts val="0"/>
+              </a:spcBef>
+              <a:spcAft>
+                <a:spcPts val="0"/>
+              </a:spcAft>
+              <a:buNone/>
+            </a:pPr>
+            <a:endParaRPr/>
+          </a:p>
+        </p:txBody>
+      </p:sp>
+    </p:spTree>
+    <p:extLst>
+      <p:ext uri="{BB962C8B-B14F-4D97-AF65-F5344CB8AC3E}">
+        <p14:creationId xmlns:p14="http://schemas.microsoft.com/office/powerpoint/2010/main" val="114731872"/>
+      </p:ext>
+    </p:extLst>
+  </p:cSld>
+  <p:clrMapOvr>
+    <a:masterClrMapping/>
+  </p:clrMapOvr>
+</p:notes>
+</file>
+
+<file path=ppt/notesSlides/notesSlide26.xml><?xml version="1.0" encoding="utf-8"?>
+<p:notes xmlns:a="http://schemas.openxmlformats.org/drawingml/2006/main" xmlns:r="http://schemas.openxmlformats.org/officeDocument/2006/relationships" xmlns:p="http://schemas.openxmlformats.org/presentationml/2006/main" showMasterSp="0" showMasterPhAnim="0">
+  <p:cSld>
+    <p:spTree>
+      <p:nvGrpSpPr>
+        <p:cNvPr id="1" name="Shape 225"/>
+        <p:cNvGrpSpPr/>
+        <p:nvPr/>
+      </p:nvGrpSpPr>
+      <p:grpSpPr>
+        <a:xfrm>
+          <a:off x="0" y="0"/>
+          <a:ext cx="0" cy="0"/>
+          <a:chOff x="0" y="0"/>
+          <a:chExt cx="0" cy="0"/>
+        </a:xfrm>
+      </p:grpSpPr>
+      <p:sp>
+        <p:nvSpPr>
+          <p:cNvPr id="226" name="Google Shape;226;g70e3186832_0_7:notes"/>
+          <p:cNvSpPr>
+            <a:spLocks noGrp="1" noRot="1" noChangeAspect="1"/>
+          </p:cNvSpPr>
+          <p:nvPr>
+            <p:ph type="sldImg" idx="2"/>
+          </p:nvPr>
+        </p:nvSpPr>
+        <p:spPr>
+          <a:xfrm>
+            <a:off x="381000" y="685800"/>
+            <a:ext cx="6096000" cy="3429000"/>
+          </a:xfrm>
+          <a:custGeom>
+            <a:avLst/>
+            <a:gdLst/>
+            <a:ahLst/>
+            <a:cxnLst/>
+            <a:rect l="l" t="t" r="r" b="b"/>
+            <a:pathLst>
+              <a:path w="120000" h="120000" extrusionOk="0">
+                <a:moveTo>
+                  <a:pt x="0" y="0"/>
+                </a:moveTo>
+                <a:lnTo>
+                  <a:pt x="120000" y="0"/>
+                </a:lnTo>
+                <a:lnTo>
+                  <a:pt x="120000" y="120000"/>
+                </a:lnTo>
+                <a:lnTo>
+                  <a:pt x="0" y="120000"/>
+                </a:lnTo>
+                <a:close/>
+              </a:path>
+            </a:pathLst>
+          </a:custGeom>
+        </p:spPr>
+      </p:sp>
+      <p:sp>
+        <p:nvSpPr>
+          <p:cNvPr id="227" name="Google Shape;227;g70e3186832_0_7:notes"/>
+          <p:cNvSpPr txBox="1">
+            <a:spLocks noGrp="1"/>
+          </p:cNvSpPr>
+          <p:nvPr>
+            <p:ph type="body" idx="1"/>
+          </p:nvPr>
+        </p:nvSpPr>
+        <p:spPr>
+          <a:xfrm>
+            <a:off x="685800" y="4343400"/>
+            <a:ext cx="5486400" cy="4114800"/>
+          </a:xfrm>
+          <a:prstGeom prst="rect">
+            <a:avLst/>
+          </a:prstGeom>
+        </p:spPr>
+        <p:txBody>
+          <a:bodyPr spcFirstLastPara="1" wrap="square" lIns="91425" tIns="91425" rIns="91425" bIns="91425" anchor="t" anchorCtr="0">
+            <a:noAutofit/>
+          </a:bodyPr>
+          <a:lstStyle/>
+          <a:p>
+            <a:pPr marL="0" lvl="0" indent="0" algn="l" rtl="0">
+              <a:spcBef>
+                <a:spcPts val="0"/>
+              </a:spcBef>
+              <a:spcAft>
+                <a:spcPts val="0"/>
+              </a:spcAft>
+              <a:buNone/>
+            </a:pPr>
+            <a:endParaRPr/>
+          </a:p>
+        </p:txBody>
+      </p:sp>
+    </p:spTree>
+    <p:extLst>
+      <p:ext uri="{BB962C8B-B14F-4D97-AF65-F5344CB8AC3E}">
+        <p14:creationId xmlns:p14="http://schemas.microsoft.com/office/powerpoint/2010/main" val="3411443950"/>
+      </p:ext>
+    </p:extLst>
+  </p:cSld>
+  <p:clrMapOvr>
+    <a:masterClrMapping/>
+  </p:clrMapOvr>
+</p:notes>
+</file>
+
+<file path=ppt/notesSlides/notesSlide27.xml><?xml version="1.0" encoding="utf-8"?>
+<p:notes xmlns:a="http://schemas.openxmlformats.org/drawingml/2006/main" xmlns:r="http://schemas.openxmlformats.org/officeDocument/2006/relationships" xmlns:p="http://schemas.openxmlformats.org/presentationml/2006/main" showMasterSp="0" showMasterPhAnim="0">
+  <p:cSld>
+    <p:spTree>
+      <p:nvGrpSpPr>
+        <p:cNvPr id="1" name="Shape 225"/>
+        <p:cNvGrpSpPr/>
+        <p:nvPr/>
+      </p:nvGrpSpPr>
+      <p:grpSpPr>
+        <a:xfrm>
+          <a:off x="0" y="0"/>
+          <a:ext cx="0" cy="0"/>
+          <a:chOff x="0" y="0"/>
+          <a:chExt cx="0" cy="0"/>
+        </a:xfrm>
+      </p:grpSpPr>
+      <p:sp>
+        <p:nvSpPr>
+          <p:cNvPr id="226" name="Google Shape;226;g70e3186832_0_7:notes"/>
+          <p:cNvSpPr>
+            <a:spLocks noGrp="1" noRot="1" noChangeAspect="1"/>
+          </p:cNvSpPr>
+          <p:nvPr>
+            <p:ph type="sldImg" idx="2"/>
+          </p:nvPr>
+        </p:nvSpPr>
+        <p:spPr>
+          <a:xfrm>
+            <a:off x="381000" y="685800"/>
+            <a:ext cx="6096000" cy="3429000"/>
+          </a:xfrm>
+          <a:custGeom>
+            <a:avLst/>
+            <a:gdLst/>
+            <a:ahLst/>
+            <a:cxnLst/>
+            <a:rect l="l" t="t" r="r" b="b"/>
+            <a:pathLst>
+              <a:path w="120000" h="120000" extrusionOk="0">
+                <a:moveTo>
+                  <a:pt x="0" y="0"/>
+                </a:moveTo>
+                <a:lnTo>
+                  <a:pt x="120000" y="0"/>
+                </a:lnTo>
+                <a:lnTo>
+                  <a:pt x="120000" y="120000"/>
+                </a:lnTo>
+                <a:lnTo>
+                  <a:pt x="0" y="120000"/>
+                </a:lnTo>
+                <a:close/>
+              </a:path>
+            </a:pathLst>
+          </a:custGeom>
+        </p:spPr>
+      </p:sp>
+      <p:sp>
+        <p:nvSpPr>
+          <p:cNvPr id="227" name="Google Shape;227;g70e3186832_0_7:notes"/>
+          <p:cNvSpPr txBox="1">
+            <a:spLocks noGrp="1"/>
+          </p:cNvSpPr>
+          <p:nvPr>
+            <p:ph type="body" idx="1"/>
+          </p:nvPr>
+        </p:nvSpPr>
+        <p:spPr>
+          <a:xfrm>
+            <a:off x="685800" y="4343400"/>
+            <a:ext cx="5486400" cy="4114800"/>
+          </a:xfrm>
+          <a:prstGeom prst="rect">
+            <a:avLst/>
+          </a:prstGeom>
+        </p:spPr>
+        <p:txBody>
+          <a:bodyPr spcFirstLastPara="1" wrap="square" lIns="91425" tIns="91425" rIns="91425" bIns="91425" anchor="t" anchorCtr="0">
+            <a:noAutofit/>
+          </a:bodyPr>
+          <a:lstStyle/>
+          <a:p>
+            <a:pPr marL="0" lvl="0" indent="0" algn="l" rtl="0">
+              <a:spcBef>
+                <a:spcPts val="0"/>
+              </a:spcBef>
+              <a:spcAft>
+                <a:spcPts val="0"/>
+              </a:spcAft>
+              <a:buNone/>
+            </a:pPr>
+            <a:endParaRPr/>
+          </a:p>
+        </p:txBody>
+      </p:sp>
+    </p:spTree>
+    <p:extLst>
+      <p:ext uri="{BB962C8B-B14F-4D97-AF65-F5344CB8AC3E}">
+        <p14:creationId xmlns:p14="http://schemas.microsoft.com/office/powerpoint/2010/main" val="4037951483"/>
+      </p:ext>
+    </p:extLst>
+  </p:cSld>
+  <p:clrMapOvr>
+    <a:masterClrMapping/>
+  </p:clrMapOvr>
+</p:notes>
+</file>
+
+<file path=ppt/notesSlides/notesSlide28.xml><?xml version="1.0" encoding="utf-8"?>
+<p:notes xmlns:a="http://schemas.openxmlformats.org/drawingml/2006/main" xmlns:r="http://schemas.openxmlformats.org/officeDocument/2006/relationships" xmlns:p="http://schemas.openxmlformats.org/presentationml/2006/main" showMasterSp="0" showMasterPhAnim="0">
+  <p:cSld>
+    <p:spTree>
+      <p:nvGrpSpPr>
+        <p:cNvPr id="1" name="Shape 225"/>
+        <p:cNvGrpSpPr/>
+        <p:nvPr/>
+      </p:nvGrpSpPr>
+      <p:grpSpPr>
+        <a:xfrm>
+          <a:off x="0" y="0"/>
+          <a:ext cx="0" cy="0"/>
+          <a:chOff x="0" y="0"/>
+          <a:chExt cx="0" cy="0"/>
+        </a:xfrm>
+      </p:grpSpPr>
+      <p:sp>
+        <p:nvSpPr>
+          <p:cNvPr id="226" name="Google Shape;226;g70e3186832_0_7:notes"/>
+          <p:cNvSpPr>
+            <a:spLocks noGrp="1" noRot="1" noChangeAspect="1"/>
+          </p:cNvSpPr>
+          <p:nvPr>
+            <p:ph type="sldImg" idx="2"/>
+          </p:nvPr>
+        </p:nvSpPr>
+        <p:spPr>
+          <a:xfrm>
+            <a:off x="381000" y="685800"/>
+            <a:ext cx="6096000" cy="3429000"/>
+          </a:xfrm>
+          <a:custGeom>
+            <a:avLst/>
+            <a:gdLst/>
+            <a:ahLst/>
+            <a:cxnLst/>
+            <a:rect l="l" t="t" r="r" b="b"/>
+            <a:pathLst>
+              <a:path w="120000" h="120000" extrusionOk="0">
+                <a:moveTo>
+                  <a:pt x="0" y="0"/>
+                </a:moveTo>
+                <a:lnTo>
+                  <a:pt x="120000" y="0"/>
+                </a:lnTo>
+                <a:lnTo>
+                  <a:pt x="120000" y="120000"/>
+                </a:lnTo>
+                <a:lnTo>
+                  <a:pt x="0" y="120000"/>
+                </a:lnTo>
+                <a:close/>
+              </a:path>
+            </a:pathLst>
+          </a:custGeom>
+        </p:spPr>
+      </p:sp>
+      <p:sp>
+        <p:nvSpPr>
+          <p:cNvPr id="227" name="Google Shape;227;g70e3186832_0_7:notes"/>
+          <p:cNvSpPr txBox="1">
+            <a:spLocks noGrp="1"/>
+          </p:cNvSpPr>
+          <p:nvPr>
+            <p:ph type="body" idx="1"/>
+          </p:nvPr>
+        </p:nvSpPr>
+        <p:spPr>
+          <a:xfrm>
+            <a:off x="685800" y="4343400"/>
+            <a:ext cx="5486400" cy="4114800"/>
+          </a:xfrm>
+          <a:prstGeom prst="rect">
+            <a:avLst/>
+          </a:prstGeom>
+        </p:spPr>
+        <p:txBody>
+          <a:bodyPr spcFirstLastPara="1" wrap="square" lIns="91425" tIns="91425" rIns="91425" bIns="91425" anchor="t" anchorCtr="0">
+            <a:noAutofit/>
+          </a:bodyPr>
+          <a:lstStyle/>
+          <a:p>
+            <a:pPr marL="0" lvl="0" indent="0" algn="l" rtl="0">
+              <a:spcBef>
+                <a:spcPts val="0"/>
+              </a:spcBef>
+              <a:spcAft>
+                <a:spcPts val="0"/>
+              </a:spcAft>
+              <a:buNone/>
+            </a:pPr>
+            <a:endParaRPr/>
+          </a:p>
+        </p:txBody>
+      </p:sp>
+    </p:spTree>
+    <p:extLst>
+      <p:ext uri="{BB962C8B-B14F-4D97-AF65-F5344CB8AC3E}">
+        <p14:creationId xmlns:p14="http://schemas.microsoft.com/office/powerpoint/2010/main" val="3153255293"/>
+      </p:ext>
+    </p:extLst>
+  </p:cSld>
+  <p:clrMapOvr>
+    <a:masterClrMapping/>
+  </p:clrMapOvr>
+</p:notes>
+</file>
+
+<file path=ppt/notesSlides/notesSlide29.xml><?xml version="1.0" encoding="utf-8"?>
+<p:notes xmlns:a="http://schemas.openxmlformats.org/drawingml/2006/main" xmlns:r="http://schemas.openxmlformats.org/officeDocument/2006/relationships" xmlns:p="http://schemas.openxmlformats.org/presentationml/2006/main" showMasterSp="0" showMasterPhAnim="0">
+  <p:cSld>
+    <p:spTree>
+      <p:nvGrpSpPr>
+        <p:cNvPr id="1" name="Shape 225"/>
+        <p:cNvGrpSpPr/>
+        <p:nvPr/>
+      </p:nvGrpSpPr>
+      <p:grpSpPr>
+        <a:xfrm>
+          <a:off x="0" y="0"/>
+          <a:ext cx="0" cy="0"/>
+          <a:chOff x="0" y="0"/>
+          <a:chExt cx="0" cy="0"/>
+        </a:xfrm>
+      </p:grpSpPr>
+      <p:sp>
+        <p:nvSpPr>
+          <p:cNvPr id="226" name="Google Shape;226;g70e3186832_0_7:notes"/>
+          <p:cNvSpPr>
+            <a:spLocks noGrp="1" noRot="1" noChangeAspect="1"/>
+          </p:cNvSpPr>
+          <p:nvPr>
+            <p:ph type="sldImg" idx="2"/>
+          </p:nvPr>
+        </p:nvSpPr>
+        <p:spPr>
+          <a:xfrm>
+            <a:off x="381000" y="685800"/>
+            <a:ext cx="6096000" cy="3429000"/>
+          </a:xfrm>
+          <a:custGeom>
+            <a:avLst/>
+            <a:gdLst/>
+            <a:ahLst/>
+            <a:cxnLst/>
+            <a:rect l="l" t="t" r="r" b="b"/>
+            <a:pathLst>
+              <a:path w="120000" h="120000" extrusionOk="0">
+                <a:moveTo>
+                  <a:pt x="0" y="0"/>
+                </a:moveTo>
+                <a:lnTo>
+                  <a:pt x="120000" y="0"/>
+                </a:lnTo>
+                <a:lnTo>
+                  <a:pt x="120000" y="120000"/>
+                </a:lnTo>
+                <a:lnTo>
+                  <a:pt x="0" y="120000"/>
+                </a:lnTo>
+                <a:close/>
+              </a:path>
+            </a:pathLst>
+          </a:custGeom>
+        </p:spPr>
+      </p:sp>
+      <p:sp>
+        <p:nvSpPr>
+          <p:cNvPr id="227" name="Google Shape;227;g70e3186832_0_7:notes"/>
+          <p:cNvSpPr txBox="1">
+            <a:spLocks noGrp="1"/>
+          </p:cNvSpPr>
+          <p:nvPr>
+            <p:ph type="body" idx="1"/>
+          </p:nvPr>
+        </p:nvSpPr>
+        <p:spPr>
+          <a:xfrm>
+            <a:off x="685800" y="4343400"/>
+            <a:ext cx="5486400" cy="4114800"/>
+          </a:xfrm>
+          <a:prstGeom prst="rect">
+            <a:avLst/>
+          </a:prstGeom>
+        </p:spPr>
+        <p:txBody>
+          <a:bodyPr spcFirstLastPara="1" wrap="square" lIns="91425" tIns="91425" rIns="91425" bIns="91425" anchor="t" anchorCtr="0">
+            <a:noAutofit/>
+          </a:bodyPr>
+          <a:lstStyle/>
+          <a:p>
+            <a:pPr marL="0" lvl="0" indent="0" algn="l" rtl="0">
+              <a:spcBef>
+                <a:spcPts val="0"/>
+              </a:spcBef>
+              <a:spcAft>
+                <a:spcPts val="0"/>
+              </a:spcAft>
+              <a:buNone/>
+            </a:pPr>
+            <a:endParaRPr/>
+          </a:p>
+        </p:txBody>
+      </p:sp>
+    </p:spTree>
+    <p:extLst>
+      <p:ext uri="{BB962C8B-B14F-4D97-AF65-F5344CB8AC3E}">
+        <p14:creationId xmlns:p14="http://schemas.microsoft.com/office/powerpoint/2010/main" val="1626269191"/>
       </p:ext>
     </p:extLst>
   </p:cSld>
@@ -2357,6 +3247,1096 @@
         </p:txBody>
       </p:sp>
     </p:spTree>
+  </p:cSld>
+  <p:clrMapOvr>
+    <a:masterClrMapping/>
+  </p:clrMapOvr>
+</p:notes>
+</file>
+
+<file path=ppt/notesSlides/notesSlide30.xml><?xml version="1.0" encoding="utf-8"?>
+<p:notes xmlns:a="http://schemas.openxmlformats.org/drawingml/2006/main" xmlns:r="http://schemas.openxmlformats.org/officeDocument/2006/relationships" xmlns:p="http://schemas.openxmlformats.org/presentationml/2006/main" showMasterSp="0" showMasterPhAnim="0">
+  <p:cSld>
+    <p:spTree>
+      <p:nvGrpSpPr>
+        <p:cNvPr id="1" name="Shape 225"/>
+        <p:cNvGrpSpPr/>
+        <p:nvPr/>
+      </p:nvGrpSpPr>
+      <p:grpSpPr>
+        <a:xfrm>
+          <a:off x="0" y="0"/>
+          <a:ext cx="0" cy="0"/>
+          <a:chOff x="0" y="0"/>
+          <a:chExt cx="0" cy="0"/>
+        </a:xfrm>
+      </p:grpSpPr>
+      <p:sp>
+        <p:nvSpPr>
+          <p:cNvPr id="226" name="Google Shape;226;g70e3186832_0_7:notes"/>
+          <p:cNvSpPr>
+            <a:spLocks noGrp="1" noRot="1" noChangeAspect="1"/>
+          </p:cNvSpPr>
+          <p:nvPr>
+            <p:ph type="sldImg" idx="2"/>
+          </p:nvPr>
+        </p:nvSpPr>
+        <p:spPr>
+          <a:xfrm>
+            <a:off x="381000" y="685800"/>
+            <a:ext cx="6096000" cy="3429000"/>
+          </a:xfrm>
+          <a:custGeom>
+            <a:avLst/>
+            <a:gdLst/>
+            <a:ahLst/>
+            <a:cxnLst/>
+            <a:rect l="l" t="t" r="r" b="b"/>
+            <a:pathLst>
+              <a:path w="120000" h="120000" extrusionOk="0">
+                <a:moveTo>
+                  <a:pt x="0" y="0"/>
+                </a:moveTo>
+                <a:lnTo>
+                  <a:pt x="120000" y="0"/>
+                </a:lnTo>
+                <a:lnTo>
+                  <a:pt x="120000" y="120000"/>
+                </a:lnTo>
+                <a:lnTo>
+                  <a:pt x="0" y="120000"/>
+                </a:lnTo>
+                <a:close/>
+              </a:path>
+            </a:pathLst>
+          </a:custGeom>
+        </p:spPr>
+      </p:sp>
+      <p:sp>
+        <p:nvSpPr>
+          <p:cNvPr id="227" name="Google Shape;227;g70e3186832_0_7:notes"/>
+          <p:cNvSpPr txBox="1">
+            <a:spLocks noGrp="1"/>
+          </p:cNvSpPr>
+          <p:nvPr>
+            <p:ph type="body" idx="1"/>
+          </p:nvPr>
+        </p:nvSpPr>
+        <p:spPr>
+          <a:xfrm>
+            <a:off x="685800" y="4343400"/>
+            <a:ext cx="5486400" cy="4114800"/>
+          </a:xfrm>
+          <a:prstGeom prst="rect">
+            <a:avLst/>
+          </a:prstGeom>
+        </p:spPr>
+        <p:txBody>
+          <a:bodyPr spcFirstLastPara="1" wrap="square" lIns="91425" tIns="91425" rIns="91425" bIns="91425" anchor="t" anchorCtr="0">
+            <a:noAutofit/>
+          </a:bodyPr>
+          <a:lstStyle/>
+          <a:p>
+            <a:pPr marL="0" lvl="0" indent="0" algn="l" rtl="0">
+              <a:spcBef>
+                <a:spcPts val="0"/>
+              </a:spcBef>
+              <a:spcAft>
+                <a:spcPts val="0"/>
+              </a:spcAft>
+              <a:buNone/>
+            </a:pPr>
+            <a:endParaRPr/>
+          </a:p>
+        </p:txBody>
+      </p:sp>
+    </p:spTree>
+    <p:extLst>
+      <p:ext uri="{BB962C8B-B14F-4D97-AF65-F5344CB8AC3E}">
+        <p14:creationId xmlns:p14="http://schemas.microsoft.com/office/powerpoint/2010/main" val="599773592"/>
+      </p:ext>
+    </p:extLst>
+  </p:cSld>
+  <p:clrMapOvr>
+    <a:masterClrMapping/>
+  </p:clrMapOvr>
+</p:notes>
+</file>
+
+<file path=ppt/notesSlides/notesSlide31.xml><?xml version="1.0" encoding="utf-8"?>
+<p:notes xmlns:a="http://schemas.openxmlformats.org/drawingml/2006/main" xmlns:r="http://schemas.openxmlformats.org/officeDocument/2006/relationships" xmlns:p="http://schemas.openxmlformats.org/presentationml/2006/main" showMasterSp="0" showMasterPhAnim="0">
+  <p:cSld>
+    <p:spTree>
+      <p:nvGrpSpPr>
+        <p:cNvPr id="1" name="Shape 225"/>
+        <p:cNvGrpSpPr/>
+        <p:nvPr/>
+      </p:nvGrpSpPr>
+      <p:grpSpPr>
+        <a:xfrm>
+          <a:off x="0" y="0"/>
+          <a:ext cx="0" cy="0"/>
+          <a:chOff x="0" y="0"/>
+          <a:chExt cx="0" cy="0"/>
+        </a:xfrm>
+      </p:grpSpPr>
+      <p:sp>
+        <p:nvSpPr>
+          <p:cNvPr id="226" name="Google Shape;226;g70e3186832_0_7:notes"/>
+          <p:cNvSpPr>
+            <a:spLocks noGrp="1" noRot="1" noChangeAspect="1"/>
+          </p:cNvSpPr>
+          <p:nvPr>
+            <p:ph type="sldImg" idx="2"/>
+          </p:nvPr>
+        </p:nvSpPr>
+        <p:spPr>
+          <a:xfrm>
+            <a:off x="381000" y="685800"/>
+            <a:ext cx="6096000" cy="3429000"/>
+          </a:xfrm>
+          <a:custGeom>
+            <a:avLst/>
+            <a:gdLst/>
+            <a:ahLst/>
+            <a:cxnLst/>
+            <a:rect l="l" t="t" r="r" b="b"/>
+            <a:pathLst>
+              <a:path w="120000" h="120000" extrusionOk="0">
+                <a:moveTo>
+                  <a:pt x="0" y="0"/>
+                </a:moveTo>
+                <a:lnTo>
+                  <a:pt x="120000" y="0"/>
+                </a:lnTo>
+                <a:lnTo>
+                  <a:pt x="120000" y="120000"/>
+                </a:lnTo>
+                <a:lnTo>
+                  <a:pt x="0" y="120000"/>
+                </a:lnTo>
+                <a:close/>
+              </a:path>
+            </a:pathLst>
+          </a:custGeom>
+        </p:spPr>
+      </p:sp>
+      <p:sp>
+        <p:nvSpPr>
+          <p:cNvPr id="227" name="Google Shape;227;g70e3186832_0_7:notes"/>
+          <p:cNvSpPr txBox="1">
+            <a:spLocks noGrp="1"/>
+          </p:cNvSpPr>
+          <p:nvPr>
+            <p:ph type="body" idx="1"/>
+          </p:nvPr>
+        </p:nvSpPr>
+        <p:spPr>
+          <a:xfrm>
+            <a:off x="685800" y="4343400"/>
+            <a:ext cx="5486400" cy="4114800"/>
+          </a:xfrm>
+          <a:prstGeom prst="rect">
+            <a:avLst/>
+          </a:prstGeom>
+        </p:spPr>
+        <p:txBody>
+          <a:bodyPr spcFirstLastPara="1" wrap="square" lIns="91425" tIns="91425" rIns="91425" bIns="91425" anchor="t" anchorCtr="0">
+            <a:noAutofit/>
+          </a:bodyPr>
+          <a:lstStyle/>
+          <a:p>
+            <a:pPr marL="0" lvl="0" indent="0" algn="l" rtl="0">
+              <a:spcBef>
+                <a:spcPts val="0"/>
+              </a:spcBef>
+              <a:spcAft>
+                <a:spcPts val="0"/>
+              </a:spcAft>
+              <a:buNone/>
+            </a:pPr>
+            <a:endParaRPr/>
+          </a:p>
+        </p:txBody>
+      </p:sp>
+    </p:spTree>
+    <p:extLst>
+      <p:ext uri="{BB962C8B-B14F-4D97-AF65-F5344CB8AC3E}">
+        <p14:creationId xmlns:p14="http://schemas.microsoft.com/office/powerpoint/2010/main" val="1452679401"/>
+      </p:ext>
+    </p:extLst>
+  </p:cSld>
+  <p:clrMapOvr>
+    <a:masterClrMapping/>
+  </p:clrMapOvr>
+</p:notes>
+</file>
+
+<file path=ppt/notesSlides/notesSlide32.xml><?xml version="1.0" encoding="utf-8"?>
+<p:notes xmlns:a="http://schemas.openxmlformats.org/drawingml/2006/main" xmlns:r="http://schemas.openxmlformats.org/officeDocument/2006/relationships" xmlns:p="http://schemas.openxmlformats.org/presentationml/2006/main" showMasterSp="0" showMasterPhAnim="0">
+  <p:cSld>
+    <p:spTree>
+      <p:nvGrpSpPr>
+        <p:cNvPr id="1" name="Shape 225"/>
+        <p:cNvGrpSpPr/>
+        <p:nvPr/>
+      </p:nvGrpSpPr>
+      <p:grpSpPr>
+        <a:xfrm>
+          <a:off x="0" y="0"/>
+          <a:ext cx="0" cy="0"/>
+          <a:chOff x="0" y="0"/>
+          <a:chExt cx="0" cy="0"/>
+        </a:xfrm>
+      </p:grpSpPr>
+      <p:sp>
+        <p:nvSpPr>
+          <p:cNvPr id="226" name="Google Shape;226;g70e3186832_0_7:notes"/>
+          <p:cNvSpPr>
+            <a:spLocks noGrp="1" noRot="1" noChangeAspect="1"/>
+          </p:cNvSpPr>
+          <p:nvPr>
+            <p:ph type="sldImg" idx="2"/>
+          </p:nvPr>
+        </p:nvSpPr>
+        <p:spPr>
+          <a:xfrm>
+            <a:off x="381000" y="685800"/>
+            <a:ext cx="6096000" cy="3429000"/>
+          </a:xfrm>
+          <a:custGeom>
+            <a:avLst/>
+            <a:gdLst/>
+            <a:ahLst/>
+            <a:cxnLst/>
+            <a:rect l="l" t="t" r="r" b="b"/>
+            <a:pathLst>
+              <a:path w="120000" h="120000" extrusionOk="0">
+                <a:moveTo>
+                  <a:pt x="0" y="0"/>
+                </a:moveTo>
+                <a:lnTo>
+                  <a:pt x="120000" y="0"/>
+                </a:lnTo>
+                <a:lnTo>
+                  <a:pt x="120000" y="120000"/>
+                </a:lnTo>
+                <a:lnTo>
+                  <a:pt x="0" y="120000"/>
+                </a:lnTo>
+                <a:close/>
+              </a:path>
+            </a:pathLst>
+          </a:custGeom>
+        </p:spPr>
+      </p:sp>
+      <p:sp>
+        <p:nvSpPr>
+          <p:cNvPr id="227" name="Google Shape;227;g70e3186832_0_7:notes"/>
+          <p:cNvSpPr txBox="1">
+            <a:spLocks noGrp="1"/>
+          </p:cNvSpPr>
+          <p:nvPr>
+            <p:ph type="body" idx="1"/>
+          </p:nvPr>
+        </p:nvSpPr>
+        <p:spPr>
+          <a:xfrm>
+            <a:off x="685800" y="4343400"/>
+            <a:ext cx="5486400" cy="4114800"/>
+          </a:xfrm>
+          <a:prstGeom prst="rect">
+            <a:avLst/>
+          </a:prstGeom>
+        </p:spPr>
+        <p:txBody>
+          <a:bodyPr spcFirstLastPara="1" wrap="square" lIns="91425" tIns="91425" rIns="91425" bIns="91425" anchor="t" anchorCtr="0">
+            <a:noAutofit/>
+          </a:bodyPr>
+          <a:lstStyle/>
+          <a:p>
+            <a:pPr marL="0" lvl="0" indent="0" algn="l" rtl="0">
+              <a:spcBef>
+                <a:spcPts val="0"/>
+              </a:spcBef>
+              <a:spcAft>
+                <a:spcPts val="0"/>
+              </a:spcAft>
+              <a:buNone/>
+            </a:pPr>
+            <a:endParaRPr/>
+          </a:p>
+        </p:txBody>
+      </p:sp>
+    </p:spTree>
+    <p:extLst>
+      <p:ext uri="{BB962C8B-B14F-4D97-AF65-F5344CB8AC3E}">
+        <p14:creationId xmlns:p14="http://schemas.microsoft.com/office/powerpoint/2010/main" val="117770327"/>
+      </p:ext>
+    </p:extLst>
+  </p:cSld>
+  <p:clrMapOvr>
+    <a:masterClrMapping/>
+  </p:clrMapOvr>
+</p:notes>
+</file>
+
+<file path=ppt/notesSlides/notesSlide33.xml><?xml version="1.0" encoding="utf-8"?>
+<p:notes xmlns:a="http://schemas.openxmlformats.org/drawingml/2006/main" xmlns:r="http://schemas.openxmlformats.org/officeDocument/2006/relationships" xmlns:p="http://schemas.openxmlformats.org/presentationml/2006/main" showMasterSp="0" showMasterPhAnim="0">
+  <p:cSld>
+    <p:spTree>
+      <p:nvGrpSpPr>
+        <p:cNvPr id="1" name="Shape 225"/>
+        <p:cNvGrpSpPr/>
+        <p:nvPr/>
+      </p:nvGrpSpPr>
+      <p:grpSpPr>
+        <a:xfrm>
+          <a:off x="0" y="0"/>
+          <a:ext cx="0" cy="0"/>
+          <a:chOff x="0" y="0"/>
+          <a:chExt cx="0" cy="0"/>
+        </a:xfrm>
+      </p:grpSpPr>
+      <p:sp>
+        <p:nvSpPr>
+          <p:cNvPr id="226" name="Google Shape;226;g70e3186832_0_7:notes"/>
+          <p:cNvSpPr>
+            <a:spLocks noGrp="1" noRot="1" noChangeAspect="1"/>
+          </p:cNvSpPr>
+          <p:nvPr>
+            <p:ph type="sldImg" idx="2"/>
+          </p:nvPr>
+        </p:nvSpPr>
+        <p:spPr>
+          <a:xfrm>
+            <a:off x="381000" y="685800"/>
+            <a:ext cx="6096000" cy="3429000"/>
+          </a:xfrm>
+          <a:custGeom>
+            <a:avLst/>
+            <a:gdLst/>
+            <a:ahLst/>
+            <a:cxnLst/>
+            <a:rect l="l" t="t" r="r" b="b"/>
+            <a:pathLst>
+              <a:path w="120000" h="120000" extrusionOk="0">
+                <a:moveTo>
+                  <a:pt x="0" y="0"/>
+                </a:moveTo>
+                <a:lnTo>
+                  <a:pt x="120000" y="0"/>
+                </a:lnTo>
+                <a:lnTo>
+                  <a:pt x="120000" y="120000"/>
+                </a:lnTo>
+                <a:lnTo>
+                  <a:pt x="0" y="120000"/>
+                </a:lnTo>
+                <a:close/>
+              </a:path>
+            </a:pathLst>
+          </a:custGeom>
+        </p:spPr>
+      </p:sp>
+      <p:sp>
+        <p:nvSpPr>
+          <p:cNvPr id="227" name="Google Shape;227;g70e3186832_0_7:notes"/>
+          <p:cNvSpPr txBox="1">
+            <a:spLocks noGrp="1"/>
+          </p:cNvSpPr>
+          <p:nvPr>
+            <p:ph type="body" idx="1"/>
+          </p:nvPr>
+        </p:nvSpPr>
+        <p:spPr>
+          <a:xfrm>
+            <a:off x="685800" y="4343400"/>
+            <a:ext cx="5486400" cy="4114800"/>
+          </a:xfrm>
+          <a:prstGeom prst="rect">
+            <a:avLst/>
+          </a:prstGeom>
+        </p:spPr>
+        <p:txBody>
+          <a:bodyPr spcFirstLastPara="1" wrap="square" lIns="91425" tIns="91425" rIns="91425" bIns="91425" anchor="t" anchorCtr="0">
+            <a:noAutofit/>
+          </a:bodyPr>
+          <a:lstStyle/>
+          <a:p>
+            <a:pPr marL="0" lvl="0" indent="0" algn="l" rtl="0">
+              <a:spcBef>
+                <a:spcPts val="0"/>
+              </a:spcBef>
+              <a:spcAft>
+                <a:spcPts val="0"/>
+              </a:spcAft>
+              <a:buNone/>
+            </a:pPr>
+            <a:endParaRPr/>
+          </a:p>
+        </p:txBody>
+      </p:sp>
+    </p:spTree>
+    <p:extLst>
+      <p:ext uri="{BB962C8B-B14F-4D97-AF65-F5344CB8AC3E}">
+        <p14:creationId xmlns:p14="http://schemas.microsoft.com/office/powerpoint/2010/main" val="1618954973"/>
+      </p:ext>
+    </p:extLst>
+  </p:cSld>
+  <p:clrMapOvr>
+    <a:masterClrMapping/>
+  </p:clrMapOvr>
+</p:notes>
+</file>
+
+<file path=ppt/notesSlides/notesSlide34.xml><?xml version="1.0" encoding="utf-8"?>
+<p:notes xmlns:a="http://schemas.openxmlformats.org/drawingml/2006/main" xmlns:r="http://schemas.openxmlformats.org/officeDocument/2006/relationships" xmlns:p="http://schemas.openxmlformats.org/presentationml/2006/main" showMasterSp="0" showMasterPhAnim="0">
+  <p:cSld>
+    <p:spTree>
+      <p:nvGrpSpPr>
+        <p:cNvPr id="1" name="Shape 225"/>
+        <p:cNvGrpSpPr/>
+        <p:nvPr/>
+      </p:nvGrpSpPr>
+      <p:grpSpPr>
+        <a:xfrm>
+          <a:off x="0" y="0"/>
+          <a:ext cx="0" cy="0"/>
+          <a:chOff x="0" y="0"/>
+          <a:chExt cx="0" cy="0"/>
+        </a:xfrm>
+      </p:grpSpPr>
+      <p:sp>
+        <p:nvSpPr>
+          <p:cNvPr id="226" name="Google Shape;226;g70e3186832_0_7:notes"/>
+          <p:cNvSpPr>
+            <a:spLocks noGrp="1" noRot="1" noChangeAspect="1"/>
+          </p:cNvSpPr>
+          <p:nvPr>
+            <p:ph type="sldImg" idx="2"/>
+          </p:nvPr>
+        </p:nvSpPr>
+        <p:spPr>
+          <a:xfrm>
+            <a:off x="381000" y="685800"/>
+            <a:ext cx="6096000" cy="3429000"/>
+          </a:xfrm>
+          <a:custGeom>
+            <a:avLst/>
+            <a:gdLst/>
+            <a:ahLst/>
+            <a:cxnLst/>
+            <a:rect l="l" t="t" r="r" b="b"/>
+            <a:pathLst>
+              <a:path w="120000" h="120000" extrusionOk="0">
+                <a:moveTo>
+                  <a:pt x="0" y="0"/>
+                </a:moveTo>
+                <a:lnTo>
+                  <a:pt x="120000" y="0"/>
+                </a:lnTo>
+                <a:lnTo>
+                  <a:pt x="120000" y="120000"/>
+                </a:lnTo>
+                <a:lnTo>
+                  <a:pt x="0" y="120000"/>
+                </a:lnTo>
+                <a:close/>
+              </a:path>
+            </a:pathLst>
+          </a:custGeom>
+        </p:spPr>
+      </p:sp>
+      <p:sp>
+        <p:nvSpPr>
+          <p:cNvPr id="227" name="Google Shape;227;g70e3186832_0_7:notes"/>
+          <p:cNvSpPr txBox="1">
+            <a:spLocks noGrp="1"/>
+          </p:cNvSpPr>
+          <p:nvPr>
+            <p:ph type="body" idx="1"/>
+          </p:nvPr>
+        </p:nvSpPr>
+        <p:spPr>
+          <a:xfrm>
+            <a:off x="685800" y="4343400"/>
+            <a:ext cx="5486400" cy="4114800"/>
+          </a:xfrm>
+          <a:prstGeom prst="rect">
+            <a:avLst/>
+          </a:prstGeom>
+        </p:spPr>
+        <p:txBody>
+          <a:bodyPr spcFirstLastPara="1" wrap="square" lIns="91425" tIns="91425" rIns="91425" bIns="91425" anchor="t" anchorCtr="0">
+            <a:noAutofit/>
+          </a:bodyPr>
+          <a:lstStyle/>
+          <a:p>
+            <a:pPr marL="0" lvl="0" indent="0" algn="l" rtl="0">
+              <a:spcBef>
+                <a:spcPts val="0"/>
+              </a:spcBef>
+              <a:spcAft>
+                <a:spcPts val="0"/>
+              </a:spcAft>
+              <a:buNone/>
+            </a:pPr>
+            <a:endParaRPr/>
+          </a:p>
+        </p:txBody>
+      </p:sp>
+    </p:spTree>
+    <p:extLst>
+      <p:ext uri="{BB962C8B-B14F-4D97-AF65-F5344CB8AC3E}">
+        <p14:creationId xmlns:p14="http://schemas.microsoft.com/office/powerpoint/2010/main" val="1712390502"/>
+      </p:ext>
+    </p:extLst>
+  </p:cSld>
+  <p:clrMapOvr>
+    <a:masterClrMapping/>
+  </p:clrMapOvr>
+</p:notes>
+</file>
+
+<file path=ppt/notesSlides/notesSlide35.xml><?xml version="1.0" encoding="utf-8"?>
+<p:notes xmlns:a="http://schemas.openxmlformats.org/drawingml/2006/main" xmlns:r="http://schemas.openxmlformats.org/officeDocument/2006/relationships" xmlns:p="http://schemas.openxmlformats.org/presentationml/2006/main" showMasterSp="0" showMasterPhAnim="0">
+  <p:cSld>
+    <p:spTree>
+      <p:nvGrpSpPr>
+        <p:cNvPr id="1" name="Shape 225"/>
+        <p:cNvGrpSpPr/>
+        <p:nvPr/>
+      </p:nvGrpSpPr>
+      <p:grpSpPr>
+        <a:xfrm>
+          <a:off x="0" y="0"/>
+          <a:ext cx="0" cy="0"/>
+          <a:chOff x="0" y="0"/>
+          <a:chExt cx="0" cy="0"/>
+        </a:xfrm>
+      </p:grpSpPr>
+      <p:sp>
+        <p:nvSpPr>
+          <p:cNvPr id="226" name="Google Shape;226;g70e3186832_0_7:notes"/>
+          <p:cNvSpPr>
+            <a:spLocks noGrp="1" noRot="1" noChangeAspect="1"/>
+          </p:cNvSpPr>
+          <p:nvPr>
+            <p:ph type="sldImg" idx="2"/>
+          </p:nvPr>
+        </p:nvSpPr>
+        <p:spPr>
+          <a:xfrm>
+            <a:off x="381000" y="685800"/>
+            <a:ext cx="6096000" cy="3429000"/>
+          </a:xfrm>
+          <a:custGeom>
+            <a:avLst/>
+            <a:gdLst/>
+            <a:ahLst/>
+            <a:cxnLst/>
+            <a:rect l="l" t="t" r="r" b="b"/>
+            <a:pathLst>
+              <a:path w="120000" h="120000" extrusionOk="0">
+                <a:moveTo>
+                  <a:pt x="0" y="0"/>
+                </a:moveTo>
+                <a:lnTo>
+                  <a:pt x="120000" y="0"/>
+                </a:lnTo>
+                <a:lnTo>
+                  <a:pt x="120000" y="120000"/>
+                </a:lnTo>
+                <a:lnTo>
+                  <a:pt x="0" y="120000"/>
+                </a:lnTo>
+                <a:close/>
+              </a:path>
+            </a:pathLst>
+          </a:custGeom>
+        </p:spPr>
+      </p:sp>
+      <p:sp>
+        <p:nvSpPr>
+          <p:cNvPr id="227" name="Google Shape;227;g70e3186832_0_7:notes"/>
+          <p:cNvSpPr txBox="1">
+            <a:spLocks noGrp="1"/>
+          </p:cNvSpPr>
+          <p:nvPr>
+            <p:ph type="body" idx="1"/>
+          </p:nvPr>
+        </p:nvSpPr>
+        <p:spPr>
+          <a:xfrm>
+            <a:off x="685800" y="4343400"/>
+            <a:ext cx="5486400" cy="4114800"/>
+          </a:xfrm>
+          <a:prstGeom prst="rect">
+            <a:avLst/>
+          </a:prstGeom>
+        </p:spPr>
+        <p:txBody>
+          <a:bodyPr spcFirstLastPara="1" wrap="square" lIns="91425" tIns="91425" rIns="91425" bIns="91425" anchor="t" anchorCtr="0">
+            <a:noAutofit/>
+          </a:bodyPr>
+          <a:lstStyle/>
+          <a:p>
+            <a:pPr marL="0" lvl="0" indent="0" algn="l" rtl="0">
+              <a:spcBef>
+                <a:spcPts val="0"/>
+              </a:spcBef>
+              <a:spcAft>
+                <a:spcPts val="0"/>
+              </a:spcAft>
+              <a:buNone/>
+            </a:pPr>
+            <a:endParaRPr/>
+          </a:p>
+        </p:txBody>
+      </p:sp>
+    </p:spTree>
+    <p:extLst>
+      <p:ext uri="{BB962C8B-B14F-4D97-AF65-F5344CB8AC3E}">
+        <p14:creationId xmlns:p14="http://schemas.microsoft.com/office/powerpoint/2010/main" val="4080219359"/>
+      </p:ext>
+    </p:extLst>
+  </p:cSld>
+  <p:clrMapOvr>
+    <a:masterClrMapping/>
+  </p:clrMapOvr>
+</p:notes>
+</file>
+
+<file path=ppt/notesSlides/notesSlide36.xml><?xml version="1.0" encoding="utf-8"?>
+<p:notes xmlns:a="http://schemas.openxmlformats.org/drawingml/2006/main" xmlns:r="http://schemas.openxmlformats.org/officeDocument/2006/relationships" xmlns:p="http://schemas.openxmlformats.org/presentationml/2006/main" showMasterSp="0" showMasterPhAnim="0">
+  <p:cSld>
+    <p:spTree>
+      <p:nvGrpSpPr>
+        <p:cNvPr id="1" name="Shape 225"/>
+        <p:cNvGrpSpPr/>
+        <p:nvPr/>
+      </p:nvGrpSpPr>
+      <p:grpSpPr>
+        <a:xfrm>
+          <a:off x="0" y="0"/>
+          <a:ext cx="0" cy="0"/>
+          <a:chOff x="0" y="0"/>
+          <a:chExt cx="0" cy="0"/>
+        </a:xfrm>
+      </p:grpSpPr>
+      <p:sp>
+        <p:nvSpPr>
+          <p:cNvPr id="226" name="Google Shape;226;g70e3186832_0_7:notes"/>
+          <p:cNvSpPr>
+            <a:spLocks noGrp="1" noRot="1" noChangeAspect="1"/>
+          </p:cNvSpPr>
+          <p:nvPr>
+            <p:ph type="sldImg" idx="2"/>
+          </p:nvPr>
+        </p:nvSpPr>
+        <p:spPr>
+          <a:xfrm>
+            <a:off x="381000" y="685800"/>
+            <a:ext cx="6096000" cy="3429000"/>
+          </a:xfrm>
+          <a:custGeom>
+            <a:avLst/>
+            <a:gdLst/>
+            <a:ahLst/>
+            <a:cxnLst/>
+            <a:rect l="l" t="t" r="r" b="b"/>
+            <a:pathLst>
+              <a:path w="120000" h="120000" extrusionOk="0">
+                <a:moveTo>
+                  <a:pt x="0" y="0"/>
+                </a:moveTo>
+                <a:lnTo>
+                  <a:pt x="120000" y="0"/>
+                </a:lnTo>
+                <a:lnTo>
+                  <a:pt x="120000" y="120000"/>
+                </a:lnTo>
+                <a:lnTo>
+                  <a:pt x="0" y="120000"/>
+                </a:lnTo>
+                <a:close/>
+              </a:path>
+            </a:pathLst>
+          </a:custGeom>
+        </p:spPr>
+      </p:sp>
+      <p:sp>
+        <p:nvSpPr>
+          <p:cNvPr id="227" name="Google Shape;227;g70e3186832_0_7:notes"/>
+          <p:cNvSpPr txBox="1">
+            <a:spLocks noGrp="1"/>
+          </p:cNvSpPr>
+          <p:nvPr>
+            <p:ph type="body" idx="1"/>
+          </p:nvPr>
+        </p:nvSpPr>
+        <p:spPr>
+          <a:xfrm>
+            <a:off x="685800" y="4343400"/>
+            <a:ext cx="5486400" cy="4114800"/>
+          </a:xfrm>
+          <a:prstGeom prst="rect">
+            <a:avLst/>
+          </a:prstGeom>
+        </p:spPr>
+        <p:txBody>
+          <a:bodyPr spcFirstLastPara="1" wrap="square" lIns="91425" tIns="91425" rIns="91425" bIns="91425" anchor="t" anchorCtr="0">
+            <a:noAutofit/>
+          </a:bodyPr>
+          <a:lstStyle/>
+          <a:p>
+            <a:pPr marL="0" lvl="0" indent="0" algn="l" rtl="0">
+              <a:spcBef>
+                <a:spcPts val="0"/>
+              </a:spcBef>
+              <a:spcAft>
+                <a:spcPts val="0"/>
+              </a:spcAft>
+              <a:buNone/>
+            </a:pPr>
+            <a:endParaRPr/>
+          </a:p>
+        </p:txBody>
+      </p:sp>
+    </p:spTree>
+    <p:extLst>
+      <p:ext uri="{BB962C8B-B14F-4D97-AF65-F5344CB8AC3E}">
+        <p14:creationId xmlns:p14="http://schemas.microsoft.com/office/powerpoint/2010/main" val="1900411147"/>
+      </p:ext>
+    </p:extLst>
+  </p:cSld>
+  <p:clrMapOvr>
+    <a:masterClrMapping/>
+  </p:clrMapOvr>
+</p:notes>
+</file>
+
+<file path=ppt/notesSlides/notesSlide37.xml><?xml version="1.0" encoding="utf-8"?>
+<p:notes xmlns:a="http://schemas.openxmlformats.org/drawingml/2006/main" xmlns:r="http://schemas.openxmlformats.org/officeDocument/2006/relationships" xmlns:p="http://schemas.openxmlformats.org/presentationml/2006/main" showMasterSp="0" showMasterPhAnim="0">
+  <p:cSld>
+    <p:spTree>
+      <p:nvGrpSpPr>
+        <p:cNvPr id="1" name="Shape 225"/>
+        <p:cNvGrpSpPr/>
+        <p:nvPr/>
+      </p:nvGrpSpPr>
+      <p:grpSpPr>
+        <a:xfrm>
+          <a:off x="0" y="0"/>
+          <a:ext cx="0" cy="0"/>
+          <a:chOff x="0" y="0"/>
+          <a:chExt cx="0" cy="0"/>
+        </a:xfrm>
+      </p:grpSpPr>
+      <p:sp>
+        <p:nvSpPr>
+          <p:cNvPr id="226" name="Google Shape;226;g70e3186832_0_7:notes"/>
+          <p:cNvSpPr>
+            <a:spLocks noGrp="1" noRot="1" noChangeAspect="1"/>
+          </p:cNvSpPr>
+          <p:nvPr>
+            <p:ph type="sldImg" idx="2"/>
+          </p:nvPr>
+        </p:nvSpPr>
+        <p:spPr>
+          <a:xfrm>
+            <a:off x="381000" y="685800"/>
+            <a:ext cx="6096000" cy="3429000"/>
+          </a:xfrm>
+          <a:custGeom>
+            <a:avLst/>
+            <a:gdLst/>
+            <a:ahLst/>
+            <a:cxnLst/>
+            <a:rect l="l" t="t" r="r" b="b"/>
+            <a:pathLst>
+              <a:path w="120000" h="120000" extrusionOk="0">
+                <a:moveTo>
+                  <a:pt x="0" y="0"/>
+                </a:moveTo>
+                <a:lnTo>
+                  <a:pt x="120000" y="0"/>
+                </a:lnTo>
+                <a:lnTo>
+                  <a:pt x="120000" y="120000"/>
+                </a:lnTo>
+                <a:lnTo>
+                  <a:pt x="0" y="120000"/>
+                </a:lnTo>
+                <a:close/>
+              </a:path>
+            </a:pathLst>
+          </a:custGeom>
+        </p:spPr>
+      </p:sp>
+      <p:sp>
+        <p:nvSpPr>
+          <p:cNvPr id="227" name="Google Shape;227;g70e3186832_0_7:notes"/>
+          <p:cNvSpPr txBox="1">
+            <a:spLocks noGrp="1"/>
+          </p:cNvSpPr>
+          <p:nvPr>
+            <p:ph type="body" idx="1"/>
+          </p:nvPr>
+        </p:nvSpPr>
+        <p:spPr>
+          <a:xfrm>
+            <a:off x="685800" y="4343400"/>
+            <a:ext cx="5486400" cy="4114800"/>
+          </a:xfrm>
+          <a:prstGeom prst="rect">
+            <a:avLst/>
+          </a:prstGeom>
+        </p:spPr>
+        <p:txBody>
+          <a:bodyPr spcFirstLastPara="1" wrap="square" lIns="91425" tIns="91425" rIns="91425" bIns="91425" anchor="t" anchorCtr="0">
+            <a:noAutofit/>
+          </a:bodyPr>
+          <a:lstStyle/>
+          <a:p>
+            <a:pPr marL="0" lvl="0" indent="0" algn="l" rtl="0">
+              <a:spcBef>
+                <a:spcPts val="0"/>
+              </a:spcBef>
+              <a:spcAft>
+                <a:spcPts val="0"/>
+              </a:spcAft>
+              <a:buNone/>
+            </a:pPr>
+            <a:endParaRPr/>
+          </a:p>
+        </p:txBody>
+      </p:sp>
+    </p:spTree>
+    <p:extLst>
+      <p:ext uri="{BB962C8B-B14F-4D97-AF65-F5344CB8AC3E}">
+        <p14:creationId xmlns:p14="http://schemas.microsoft.com/office/powerpoint/2010/main" val="3269320166"/>
+      </p:ext>
+    </p:extLst>
+  </p:cSld>
+  <p:clrMapOvr>
+    <a:masterClrMapping/>
+  </p:clrMapOvr>
+</p:notes>
+</file>
+
+<file path=ppt/notesSlides/notesSlide38.xml><?xml version="1.0" encoding="utf-8"?>
+<p:notes xmlns:a="http://schemas.openxmlformats.org/drawingml/2006/main" xmlns:r="http://schemas.openxmlformats.org/officeDocument/2006/relationships" xmlns:p="http://schemas.openxmlformats.org/presentationml/2006/main" showMasterSp="0" showMasterPhAnim="0">
+  <p:cSld>
+    <p:spTree>
+      <p:nvGrpSpPr>
+        <p:cNvPr id="1" name="Shape 225"/>
+        <p:cNvGrpSpPr/>
+        <p:nvPr/>
+      </p:nvGrpSpPr>
+      <p:grpSpPr>
+        <a:xfrm>
+          <a:off x="0" y="0"/>
+          <a:ext cx="0" cy="0"/>
+          <a:chOff x="0" y="0"/>
+          <a:chExt cx="0" cy="0"/>
+        </a:xfrm>
+      </p:grpSpPr>
+      <p:sp>
+        <p:nvSpPr>
+          <p:cNvPr id="226" name="Google Shape;226;g70e3186832_0_7:notes"/>
+          <p:cNvSpPr>
+            <a:spLocks noGrp="1" noRot="1" noChangeAspect="1"/>
+          </p:cNvSpPr>
+          <p:nvPr>
+            <p:ph type="sldImg" idx="2"/>
+          </p:nvPr>
+        </p:nvSpPr>
+        <p:spPr>
+          <a:xfrm>
+            <a:off x="381000" y="685800"/>
+            <a:ext cx="6096000" cy="3429000"/>
+          </a:xfrm>
+          <a:custGeom>
+            <a:avLst/>
+            <a:gdLst/>
+            <a:ahLst/>
+            <a:cxnLst/>
+            <a:rect l="l" t="t" r="r" b="b"/>
+            <a:pathLst>
+              <a:path w="120000" h="120000" extrusionOk="0">
+                <a:moveTo>
+                  <a:pt x="0" y="0"/>
+                </a:moveTo>
+                <a:lnTo>
+                  <a:pt x="120000" y="0"/>
+                </a:lnTo>
+                <a:lnTo>
+                  <a:pt x="120000" y="120000"/>
+                </a:lnTo>
+                <a:lnTo>
+                  <a:pt x="0" y="120000"/>
+                </a:lnTo>
+                <a:close/>
+              </a:path>
+            </a:pathLst>
+          </a:custGeom>
+        </p:spPr>
+      </p:sp>
+      <p:sp>
+        <p:nvSpPr>
+          <p:cNvPr id="227" name="Google Shape;227;g70e3186832_0_7:notes"/>
+          <p:cNvSpPr txBox="1">
+            <a:spLocks noGrp="1"/>
+          </p:cNvSpPr>
+          <p:nvPr>
+            <p:ph type="body" idx="1"/>
+          </p:nvPr>
+        </p:nvSpPr>
+        <p:spPr>
+          <a:xfrm>
+            <a:off x="685800" y="4343400"/>
+            <a:ext cx="5486400" cy="4114800"/>
+          </a:xfrm>
+          <a:prstGeom prst="rect">
+            <a:avLst/>
+          </a:prstGeom>
+        </p:spPr>
+        <p:txBody>
+          <a:bodyPr spcFirstLastPara="1" wrap="square" lIns="91425" tIns="91425" rIns="91425" bIns="91425" anchor="t" anchorCtr="0">
+            <a:noAutofit/>
+          </a:bodyPr>
+          <a:lstStyle/>
+          <a:p>
+            <a:pPr marL="0" lvl="0" indent="0" algn="l" rtl="0">
+              <a:spcBef>
+                <a:spcPts val="0"/>
+              </a:spcBef>
+              <a:spcAft>
+                <a:spcPts val="0"/>
+              </a:spcAft>
+              <a:buNone/>
+            </a:pPr>
+            <a:endParaRPr/>
+          </a:p>
+        </p:txBody>
+      </p:sp>
+    </p:spTree>
+    <p:extLst>
+      <p:ext uri="{BB962C8B-B14F-4D97-AF65-F5344CB8AC3E}">
+        <p14:creationId xmlns:p14="http://schemas.microsoft.com/office/powerpoint/2010/main" val="461361457"/>
+      </p:ext>
+    </p:extLst>
+  </p:cSld>
+  <p:clrMapOvr>
+    <a:masterClrMapping/>
+  </p:clrMapOvr>
+</p:notes>
+</file>
+
+<file path=ppt/notesSlides/notesSlide39.xml><?xml version="1.0" encoding="utf-8"?>
+<p:notes xmlns:a="http://schemas.openxmlformats.org/drawingml/2006/main" xmlns:r="http://schemas.openxmlformats.org/officeDocument/2006/relationships" xmlns:p="http://schemas.openxmlformats.org/presentationml/2006/main" showMasterSp="0" showMasterPhAnim="0">
+  <p:cSld>
+    <p:spTree>
+      <p:nvGrpSpPr>
+        <p:cNvPr id="1" name="Shape 225"/>
+        <p:cNvGrpSpPr/>
+        <p:nvPr/>
+      </p:nvGrpSpPr>
+      <p:grpSpPr>
+        <a:xfrm>
+          <a:off x="0" y="0"/>
+          <a:ext cx="0" cy="0"/>
+          <a:chOff x="0" y="0"/>
+          <a:chExt cx="0" cy="0"/>
+        </a:xfrm>
+      </p:grpSpPr>
+      <p:sp>
+        <p:nvSpPr>
+          <p:cNvPr id="226" name="Google Shape;226;g70e3186832_0_7:notes"/>
+          <p:cNvSpPr>
+            <a:spLocks noGrp="1" noRot="1" noChangeAspect="1"/>
+          </p:cNvSpPr>
+          <p:nvPr>
+            <p:ph type="sldImg" idx="2"/>
+          </p:nvPr>
+        </p:nvSpPr>
+        <p:spPr>
+          <a:xfrm>
+            <a:off x="381000" y="685800"/>
+            <a:ext cx="6096000" cy="3429000"/>
+          </a:xfrm>
+          <a:custGeom>
+            <a:avLst/>
+            <a:gdLst/>
+            <a:ahLst/>
+            <a:cxnLst/>
+            <a:rect l="l" t="t" r="r" b="b"/>
+            <a:pathLst>
+              <a:path w="120000" h="120000" extrusionOk="0">
+                <a:moveTo>
+                  <a:pt x="0" y="0"/>
+                </a:moveTo>
+                <a:lnTo>
+                  <a:pt x="120000" y="0"/>
+                </a:lnTo>
+                <a:lnTo>
+                  <a:pt x="120000" y="120000"/>
+                </a:lnTo>
+                <a:lnTo>
+                  <a:pt x="0" y="120000"/>
+                </a:lnTo>
+                <a:close/>
+              </a:path>
+            </a:pathLst>
+          </a:custGeom>
+        </p:spPr>
+      </p:sp>
+      <p:sp>
+        <p:nvSpPr>
+          <p:cNvPr id="227" name="Google Shape;227;g70e3186832_0_7:notes"/>
+          <p:cNvSpPr txBox="1">
+            <a:spLocks noGrp="1"/>
+          </p:cNvSpPr>
+          <p:nvPr>
+            <p:ph type="body" idx="1"/>
+          </p:nvPr>
+        </p:nvSpPr>
+        <p:spPr>
+          <a:xfrm>
+            <a:off x="685800" y="4343400"/>
+            <a:ext cx="5486400" cy="4114800"/>
+          </a:xfrm>
+          <a:prstGeom prst="rect">
+            <a:avLst/>
+          </a:prstGeom>
+        </p:spPr>
+        <p:txBody>
+          <a:bodyPr spcFirstLastPara="1" wrap="square" lIns="91425" tIns="91425" rIns="91425" bIns="91425" anchor="t" anchorCtr="0">
+            <a:noAutofit/>
+          </a:bodyPr>
+          <a:lstStyle/>
+          <a:p>
+            <a:pPr marL="0" lvl="0" indent="0" algn="l" rtl="0">
+              <a:spcBef>
+                <a:spcPts val="0"/>
+              </a:spcBef>
+              <a:spcAft>
+                <a:spcPts val="0"/>
+              </a:spcAft>
+              <a:buNone/>
+            </a:pPr>
+            <a:endParaRPr/>
+          </a:p>
+        </p:txBody>
+      </p:sp>
+    </p:spTree>
+    <p:extLst>
+      <p:ext uri="{BB962C8B-B14F-4D97-AF65-F5344CB8AC3E}">
+        <p14:creationId xmlns:p14="http://schemas.microsoft.com/office/powerpoint/2010/main" val="3909951723"/>
+      </p:ext>
+    </p:extLst>
   </p:cSld>
   <p:clrMapOvr>
     <a:masterClrMapping/>
@@ -16891,7 +18871,7 @@
                 <a:hlinkClick r:id="rId2">
                   <a:extLst>
                     <a:ext uri="{A12FA001-AC4F-418D-AE19-62706E023703}">
-                      <ahyp:hlinkClr xmlns:ahyp="http://schemas.microsoft.com/office/drawing/2018/hyperlinkcolor" xmlns:p15="http://schemas.microsoft.com/office/powerpoint/2012/main" xmlns:p14="http://schemas.microsoft.com/office/powerpoint/2010/main" xmlns:com="http://schemas.openxmlformats.org/drawingml/2006/compatibility" xmlns:pvml="urn:schemas-microsoft-com:office:powerpoint" xmlns:v="urn:schemas-microsoft-com:vml" xmlns:o="urn:schemas-microsoft-com:office:office" xmlns:dgm="http://schemas.openxmlformats.org/drawingml/2006/diagram" xmlns:c="http://schemas.openxmlformats.org/drawingml/2006/chart" xmlns:mv="urn:schemas-microsoft-com:mac:vml" xmlns:mc="http://schemas.openxmlformats.org/markup-compatibility/2006" xmlns="" val="tx"/>
+                      <ahyp:hlinkClr xmlns="" xmlns:mc="http://schemas.openxmlformats.org/markup-compatibility/2006" xmlns:mv="urn:schemas-microsoft-com:mac:vml" xmlns:c="http://schemas.openxmlformats.org/drawingml/2006/chart" xmlns:dgm="http://schemas.openxmlformats.org/drawingml/2006/diagram" xmlns:o="urn:schemas-microsoft-com:office:office" xmlns:v="urn:schemas-microsoft-com:vml" xmlns:pvml="urn:schemas-microsoft-com:office:powerpoint" xmlns:com="http://schemas.openxmlformats.org/drawingml/2006/compatibility" xmlns:p14="http://schemas.microsoft.com/office/powerpoint/2010/main" xmlns:p15="http://schemas.microsoft.com/office/powerpoint/2012/main" xmlns:ahyp="http://schemas.microsoft.com/office/drawing/2018/hyperlinkcolor" val="tx"/>
                     </a:ext>
                   </a:extLst>
                 </a:hlinkClick>
@@ -16925,7 +18905,7 @@
                 <a:hlinkClick r:id="rId3">
                   <a:extLst>
                     <a:ext uri="{A12FA001-AC4F-418D-AE19-62706E023703}">
-                      <ahyp:hlinkClr xmlns:ahyp="http://schemas.microsoft.com/office/drawing/2018/hyperlinkcolor" xmlns:p15="http://schemas.microsoft.com/office/powerpoint/2012/main" xmlns:p14="http://schemas.microsoft.com/office/powerpoint/2010/main" xmlns:com="http://schemas.openxmlformats.org/drawingml/2006/compatibility" xmlns:pvml="urn:schemas-microsoft-com:office:powerpoint" xmlns:v="urn:schemas-microsoft-com:vml" xmlns:o="urn:schemas-microsoft-com:office:office" xmlns:dgm="http://schemas.openxmlformats.org/drawingml/2006/diagram" xmlns:c="http://schemas.openxmlformats.org/drawingml/2006/chart" xmlns:mv="urn:schemas-microsoft-com:mac:vml" xmlns:mc="http://schemas.openxmlformats.org/markup-compatibility/2006" xmlns="" val="tx"/>
+                      <ahyp:hlinkClr xmlns="" xmlns:mc="http://schemas.openxmlformats.org/markup-compatibility/2006" xmlns:mv="urn:schemas-microsoft-com:mac:vml" xmlns:c="http://schemas.openxmlformats.org/drawingml/2006/chart" xmlns:dgm="http://schemas.openxmlformats.org/drawingml/2006/diagram" xmlns:o="urn:schemas-microsoft-com:office:office" xmlns:v="urn:schemas-microsoft-com:vml" xmlns:pvml="urn:schemas-microsoft-com:office:powerpoint" xmlns:com="http://schemas.openxmlformats.org/drawingml/2006/compatibility" xmlns:p14="http://schemas.microsoft.com/office/powerpoint/2010/main" xmlns:p15="http://schemas.microsoft.com/office/powerpoint/2012/main" xmlns:ahyp="http://schemas.microsoft.com/office/drawing/2018/hyperlinkcolor" val="tx"/>
                     </a:ext>
                   </a:extLst>
                 </a:hlinkClick>
@@ -16959,7 +18939,7 @@
                 <a:hlinkClick r:id="rId4">
                   <a:extLst>
                     <a:ext uri="{A12FA001-AC4F-418D-AE19-62706E023703}">
-                      <ahyp:hlinkClr xmlns:ahyp="http://schemas.microsoft.com/office/drawing/2018/hyperlinkcolor" xmlns:p15="http://schemas.microsoft.com/office/powerpoint/2012/main" xmlns:p14="http://schemas.microsoft.com/office/powerpoint/2010/main" xmlns:com="http://schemas.openxmlformats.org/drawingml/2006/compatibility" xmlns:pvml="urn:schemas-microsoft-com:office:powerpoint" xmlns:v="urn:schemas-microsoft-com:vml" xmlns:o="urn:schemas-microsoft-com:office:office" xmlns:dgm="http://schemas.openxmlformats.org/drawingml/2006/diagram" xmlns:c="http://schemas.openxmlformats.org/drawingml/2006/chart" xmlns:mv="urn:schemas-microsoft-com:mac:vml" xmlns:mc="http://schemas.openxmlformats.org/markup-compatibility/2006" xmlns="" val="tx"/>
+                      <ahyp:hlinkClr xmlns="" xmlns:mc="http://schemas.openxmlformats.org/markup-compatibility/2006" xmlns:mv="urn:schemas-microsoft-com:mac:vml" xmlns:c="http://schemas.openxmlformats.org/drawingml/2006/chart" xmlns:dgm="http://schemas.openxmlformats.org/drawingml/2006/diagram" xmlns:o="urn:schemas-microsoft-com:office:office" xmlns:v="urn:schemas-microsoft-com:vml" xmlns:pvml="urn:schemas-microsoft-com:office:powerpoint" xmlns:com="http://schemas.openxmlformats.org/drawingml/2006/compatibility" xmlns:p14="http://schemas.microsoft.com/office/powerpoint/2010/main" xmlns:p15="http://schemas.microsoft.com/office/powerpoint/2012/main" xmlns:ahyp="http://schemas.microsoft.com/office/drawing/2018/hyperlinkcolor" val="tx"/>
                     </a:ext>
                   </a:extLst>
                 </a:hlinkClick>
@@ -16993,7 +18973,7 @@
                 <a:hlinkClick r:id="rId5">
                   <a:extLst>
                     <a:ext uri="{A12FA001-AC4F-418D-AE19-62706E023703}">
-                      <ahyp:hlinkClr xmlns:ahyp="http://schemas.microsoft.com/office/drawing/2018/hyperlinkcolor" xmlns:p15="http://schemas.microsoft.com/office/powerpoint/2012/main" xmlns:p14="http://schemas.microsoft.com/office/powerpoint/2010/main" xmlns:com="http://schemas.openxmlformats.org/drawingml/2006/compatibility" xmlns:pvml="urn:schemas-microsoft-com:office:powerpoint" xmlns:v="urn:schemas-microsoft-com:vml" xmlns:o="urn:schemas-microsoft-com:office:office" xmlns:dgm="http://schemas.openxmlformats.org/drawingml/2006/diagram" xmlns:c="http://schemas.openxmlformats.org/drawingml/2006/chart" xmlns:mv="urn:schemas-microsoft-com:mac:vml" xmlns:mc="http://schemas.openxmlformats.org/markup-compatibility/2006" xmlns="" val="tx"/>
+                      <ahyp:hlinkClr xmlns="" xmlns:mc="http://schemas.openxmlformats.org/markup-compatibility/2006" xmlns:mv="urn:schemas-microsoft-com:mac:vml" xmlns:c="http://schemas.openxmlformats.org/drawingml/2006/chart" xmlns:dgm="http://schemas.openxmlformats.org/drawingml/2006/diagram" xmlns:o="urn:schemas-microsoft-com:office:office" xmlns:v="urn:schemas-microsoft-com:vml" xmlns:pvml="urn:schemas-microsoft-com:office:powerpoint" xmlns:com="http://schemas.openxmlformats.org/drawingml/2006/compatibility" xmlns:p14="http://schemas.microsoft.com/office/powerpoint/2010/main" xmlns:p15="http://schemas.microsoft.com/office/powerpoint/2012/main" xmlns:ahyp="http://schemas.microsoft.com/office/drawing/2018/hyperlinkcolor" val="tx"/>
                     </a:ext>
                   </a:extLst>
                 </a:hlinkClick>
@@ -24180,7 +26160,7 @@
         <p:spPr>
           <a:xfrm>
             <a:off x="566928" y="1203816"/>
-            <a:ext cx="8240188" cy="1287532"/>
+            <a:ext cx="8240188" cy="1703030"/>
           </a:xfrm>
           <a:prstGeom prst="rect">
             <a:avLst/>
@@ -24192,14 +26172,37 @@
           </a:bodyPr>
           <a:lstStyle/>
           <a:p>
-            <a:pPr>
+            <a:pPr marL="285750" indent="-285750">
               <a:lnSpc>
                 <a:spcPct val="150000"/>
               </a:lnSpc>
+              <a:buFont typeface="Arial" panose="020B0604020202020204" pitchFamily="34" charset="0"/>
+              <a:buChar char="•"/>
             </a:pPr>
             <a:r>
               <a:rPr lang="en-US" sz="1800" dirty="0"/>
-              <a:t>When choosing a collection type, it is useful to understand the properties of that type. Choosing the right type for a particular data set could mean retention of meaning, and, it could mean an increase in efficiency or security.</a:t>
+              <a:t>When choosing a collection type, it is useful to understand the properties of that </a:t>
+            </a:r>
+            <a:r>
+              <a:rPr lang="en-US" sz="1800" dirty="0" smtClean="0"/>
+              <a:t>type.</a:t>
+            </a:r>
+          </a:p>
+          <a:p>
+            <a:pPr marL="285750" indent="-285750">
+              <a:lnSpc>
+                <a:spcPct val="150000"/>
+              </a:lnSpc>
+              <a:buFont typeface="Arial" panose="020B0604020202020204" pitchFamily="34" charset="0"/>
+              <a:buChar char="•"/>
+            </a:pPr>
+            <a:r>
+              <a:rPr lang="en-US" sz="1800" dirty="0" smtClean="0"/>
+              <a:t>Choosing </a:t>
+            </a:r>
+            <a:r>
+              <a:rPr lang="en-US" sz="1800" dirty="0"/>
+              <a:t>the right type for a particular data set could mean retention of meaning, and, it could mean an increase in efficiency or security.</a:t>
             </a:r>
           </a:p>
         </p:txBody>
@@ -24780,21 +26783,7 @@
                 <a:latin typeface="Consolas" panose="020B0609020204030204" pitchFamily="49" charset="0"/>
                 <a:cs typeface="Consolas" panose="020B0609020204030204" pitchFamily="49" charset="0"/>
               </a:rPr>
-              <a:t>, ‘Students</a:t>
-            </a:r>
-            <a:r>
-              <a:rPr kumimoji="0" lang="en-US" altLang="en-US" sz="1800" b="0" i="0" u="none" strike="noStrike" cap="none" normalizeH="0" baseline="0" dirty="0" smtClean="0">
-                <a:ln>
-                  <a:noFill/>
-                </a:ln>
-                <a:solidFill>
-                  <a:srgbClr val="000000"/>
-                </a:solidFill>
-                <a:effectLst/>
-                <a:latin typeface="Consolas" panose="020B0609020204030204" pitchFamily="49" charset="0"/>
-                <a:cs typeface="Consolas" panose="020B0609020204030204" pitchFamily="49" charset="0"/>
-              </a:rPr>
-              <a:t>’)</a:t>
+              <a:t>, ‘Students’)</a:t>
             </a:r>
           </a:p>
           <a:p>
@@ -24954,7 +26943,7 @@
         </p:nvSpPr>
         <p:spPr>
           <a:xfrm>
-            <a:off x="566928" y="368134"/>
+            <a:off x="556921" y="201880"/>
             <a:ext cx="8538556" cy="798300"/>
           </a:xfrm>
           <a:prstGeom prst="rect">
@@ -25030,14 +27019,14 @@
           <p:nvPr>
             <p:extLst>
               <p:ext uri="{D42A27DB-BD31-4B8C-83A1-F6EECF244321}">
-                <p14:modId xmlns:p14="http://schemas.microsoft.com/office/powerpoint/2010/main" val="685876338"/>
+                <p14:modId xmlns:p14="http://schemas.microsoft.com/office/powerpoint/2010/main" val="2902457771"/>
               </p:ext>
             </p:extLst>
           </p:nvPr>
         </p:nvGraphicFramePr>
         <p:xfrm>
-          <a:off x="1178960" y="1148333"/>
-          <a:ext cx="7294479" cy="3418394"/>
+          <a:off x="701040" y="760994"/>
+          <a:ext cx="7578436" cy="4228043"/>
         </p:xfrm>
         <a:graphic>
           <a:graphicData uri="http://schemas.openxmlformats.org/drawingml/2006/table">
@@ -25046,14 +27035,14 @@
                 <a:tableStyleId>{5940675A-B579-460E-94D1-54222C63F5DA}</a:tableStyleId>
               </a:tblPr>
               <a:tblGrid>
-                <a:gridCol w="660000">
+                <a:gridCol w="731520">
                   <a:extLst>
                     <a:ext uri="{9D8B030D-6E8A-4147-A177-3AD203B41FA5}">
                       <a16:colId xmlns:a16="http://schemas.microsoft.com/office/drawing/2014/main" val="3796393645"/>
                     </a:ext>
                   </a:extLst>
                 </a:gridCol>
-                <a:gridCol w="3533298">
+                <a:gridCol w="3745735">
                   <a:extLst>
                     <a:ext uri="{9D8B030D-6E8A-4147-A177-3AD203B41FA5}">
                       <a16:colId xmlns:a16="http://schemas.microsoft.com/office/drawing/2014/main" val="1919481843"/>
@@ -25076,7 +27065,7 @@
                     <a:p>
                       <a:pPr algn="l" fontAlgn="base"/>
                       <a:r>
-                        <a:rPr lang="en-US" sz="1100" b="1">
+                        <a:rPr lang="en-US" sz="1400" b="1">
                           <a:solidFill>
                             <a:schemeClr val="bg1"/>
                           </a:solidFill>
@@ -25097,9 +27086,9 @@
                     <a:bodyPr/>
                     <a:lstStyle/>
                     <a:p>
-                      <a:pPr algn="l" fontAlgn="base"/>
+                      <a:pPr algn="ctr" fontAlgn="base"/>
                       <a:r>
-                        <a:rPr lang="en-US" sz="1100" b="1" dirty="0">
+                        <a:rPr lang="en-US" sz="1400" b="1" dirty="0">
                           <a:solidFill>
                             <a:schemeClr val="bg1"/>
                           </a:solidFill>
@@ -25120,9 +27109,9 @@
                     <a:bodyPr/>
                     <a:lstStyle/>
                     <a:p>
-                      <a:pPr algn="l" fontAlgn="base"/>
+                      <a:pPr algn="ctr" fontAlgn="base"/>
                       <a:r>
-                        <a:rPr lang="en-US" sz="1100" b="1" dirty="0">
+                        <a:rPr lang="en-US" sz="1400" b="1" dirty="0">
                           <a:solidFill>
                             <a:schemeClr val="bg1"/>
                           </a:solidFill>
@@ -25152,12 +27141,12 @@
                     <a:p>
                       <a:pPr algn="l" fontAlgn="base"/>
                       <a:r>
-                        <a:rPr lang="en-US" sz="1000">
+                        <a:rPr lang="en-US" sz="1400">
                           <a:effectLst/>
                         </a:rPr>
                         <a:t>1</a:t>
                       </a:r>
-                      <a:endParaRPr lang="en-US" sz="1000" b="0">
+                      <a:endParaRPr lang="en-US" sz="1400" b="0">
                         <a:effectLst/>
                       </a:endParaRPr>
                     </a:p>
@@ -25171,12 +27160,12 @@
                     <a:p>
                       <a:pPr algn="l" fontAlgn="base"/>
                       <a:r>
-                        <a:rPr lang="en-US" sz="1000">
+                        <a:rPr lang="en-US" sz="1400">
                           <a:effectLst/>
                         </a:rPr>
                         <a:t>Lists are mutable</a:t>
                       </a:r>
-                      <a:endParaRPr lang="en-US" sz="1000" b="0">
+                      <a:endParaRPr lang="en-US" sz="1400" b="0">
                         <a:effectLst/>
                       </a:endParaRPr>
                     </a:p>
@@ -25190,12 +27179,12 @@
                     <a:p>
                       <a:pPr algn="l" fontAlgn="base"/>
                       <a:r>
-                        <a:rPr lang="en-US" sz="1000">
+                        <a:rPr lang="en-US" sz="1400">
                           <a:effectLst/>
                         </a:rPr>
                         <a:t>Tuples are immutable</a:t>
                       </a:r>
-                      <a:endParaRPr lang="en-US" sz="1000" b="0">
+                      <a:endParaRPr lang="en-US" sz="1400" b="0">
                         <a:effectLst/>
                       </a:endParaRPr>
                     </a:p>
@@ -25216,12 +27205,12 @@
                     <a:p>
                       <a:pPr algn="l" fontAlgn="base"/>
                       <a:r>
-                        <a:rPr lang="en-US" sz="1000">
+                        <a:rPr lang="en-US" sz="1400">
                           <a:effectLst/>
                         </a:rPr>
                         <a:t>2</a:t>
                       </a:r>
-                      <a:endParaRPr lang="en-US" sz="1000" b="0">
+                      <a:endParaRPr lang="en-US" sz="1400" b="0">
                         <a:effectLst/>
                       </a:endParaRPr>
                     </a:p>
@@ -25235,12 +27224,12 @@
                     <a:p>
                       <a:pPr algn="l" fontAlgn="base"/>
                       <a:r>
-                        <a:rPr lang="en-US" sz="1000" dirty="0">
+                        <a:rPr lang="en-US" sz="1400" dirty="0">
                           <a:effectLst/>
                         </a:rPr>
                         <a:t>The implication of iterations is Time-consuming</a:t>
                       </a:r>
-                      <a:endParaRPr lang="en-US" sz="1000" b="0" dirty="0">
+                      <a:endParaRPr lang="en-US" sz="1400" b="0" dirty="0">
                         <a:effectLst/>
                       </a:endParaRPr>
                     </a:p>
@@ -25254,12 +27243,12 @@
                     <a:p>
                       <a:pPr algn="l" fontAlgn="base"/>
                       <a:r>
-                        <a:rPr lang="en-US" sz="1000">
+                        <a:rPr lang="en-US" sz="1400">
                           <a:effectLst/>
                         </a:rPr>
                         <a:t>The implication of iterations is comparatively Faster</a:t>
                       </a:r>
-                      <a:endParaRPr lang="en-US" sz="1000" b="0">
+                      <a:endParaRPr lang="en-US" sz="1400" b="0">
                         <a:effectLst/>
                       </a:endParaRPr>
                     </a:p>
@@ -25280,12 +27269,12 @@
                     <a:p>
                       <a:pPr algn="l" fontAlgn="base"/>
                       <a:r>
-                        <a:rPr lang="en-US" sz="1000" dirty="0">
+                        <a:rPr lang="en-US" sz="1400" dirty="0">
                           <a:effectLst/>
                         </a:rPr>
                         <a:t>3</a:t>
                       </a:r>
-                      <a:endParaRPr lang="en-US" sz="1000" b="0" dirty="0">
+                      <a:endParaRPr lang="en-US" sz="1400" b="0" dirty="0">
                         <a:effectLst/>
                       </a:endParaRPr>
                     </a:p>
@@ -25299,12 +27288,12 @@
                     <a:p>
                       <a:pPr algn="l" fontAlgn="base"/>
                       <a:r>
-                        <a:rPr lang="en-US" sz="1000" dirty="0">
+                        <a:rPr lang="en-US" sz="1400" dirty="0">
                           <a:effectLst/>
                         </a:rPr>
                         <a:t>The list is better for performing operations, such as insertion and deletion.</a:t>
                       </a:r>
-                      <a:endParaRPr lang="en-US" sz="1000" b="0" dirty="0">
+                      <a:endParaRPr lang="en-US" sz="1400" b="0" dirty="0">
                         <a:effectLst/>
                       </a:endParaRPr>
                     </a:p>
@@ -25318,12 +27307,12 @@
                     <a:p>
                       <a:pPr algn="l" fontAlgn="base"/>
                       <a:r>
-                        <a:rPr lang="en-US" sz="1000">
+                        <a:rPr lang="en-US" sz="1400">
                           <a:effectLst/>
                         </a:rPr>
                         <a:t>Tuple data type is appropriate for accessing the elements</a:t>
                       </a:r>
-                      <a:endParaRPr lang="en-US" sz="1000" b="0">
+                      <a:endParaRPr lang="en-US" sz="1400" b="0">
                         <a:effectLst/>
                       </a:endParaRPr>
                     </a:p>
@@ -25344,12 +27333,12 @@
                     <a:p>
                       <a:pPr algn="l" fontAlgn="base"/>
                       <a:r>
-                        <a:rPr lang="en-US" sz="1000">
+                        <a:rPr lang="en-US" sz="1400">
                           <a:effectLst/>
                         </a:rPr>
                         <a:t>4</a:t>
                       </a:r>
-                      <a:endParaRPr lang="en-US" sz="1000" b="0">
+                      <a:endParaRPr lang="en-US" sz="1400" b="0">
                         <a:effectLst/>
                       </a:endParaRPr>
                     </a:p>
@@ -25363,12 +27352,12 @@
                     <a:p>
                       <a:pPr algn="l" fontAlgn="base"/>
                       <a:r>
-                        <a:rPr lang="en-US" sz="1000">
+                        <a:rPr lang="en-US" sz="1400">
                           <a:effectLst/>
                         </a:rPr>
                         <a:t>Lists consume more memory</a:t>
                       </a:r>
-                      <a:endParaRPr lang="en-US" sz="1000" b="0">
+                      <a:endParaRPr lang="en-US" sz="1400" b="0">
                         <a:effectLst/>
                       </a:endParaRPr>
                     </a:p>
@@ -25382,12 +27371,12 @@
                     <a:p>
                       <a:pPr algn="l" fontAlgn="base"/>
                       <a:r>
-                        <a:rPr lang="en-US" sz="1000">
+                        <a:rPr lang="en-US" sz="1400">
                           <a:effectLst/>
                         </a:rPr>
                         <a:t>Tuple consumes less memory as compared to the list</a:t>
                       </a:r>
-                      <a:endParaRPr lang="en-US" sz="1000" b="0">
+                      <a:endParaRPr lang="en-US" sz="1400" b="0">
                         <a:effectLst/>
                       </a:endParaRPr>
                     </a:p>
@@ -25408,12 +27397,12 @@
                     <a:p>
                       <a:pPr algn="l" fontAlgn="base"/>
                       <a:r>
-                        <a:rPr lang="en-US" sz="1000">
+                        <a:rPr lang="en-US" sz="1400">
                           <a:effectLst/>
                         </a:rPr>
                         <a:t>5</a:t>
                       </a:r>
-                      <a:endParaRPr lang="en-US" sz="1000" b="0">
+                      <a:endParaRPr lang="en-US" sz="1400" b="0">
                         <a:effectLst/>
                       </a:endParaRPr>
                     </a:p>
@@ -25427,12 +27416,12 @@
                     <a:p>
                       <a:pPr algn="l" fontAlgn="base"/>
                       <a:r>
-                        <a:rPr lang="en-US" sz="1000">
+                        <a:rPr lang="en-US" sz="1400">
                           <a:effectLst/>
                         </a:rPr>
                         <a:t>Lists have several built-in methods</a:t>
                       </a:r>
-                      <a:endParaRPr lang="en-US" sz="1000" b="0">
+                      <a:endParaRPr lang="en-US" sz="1400" b="0">
                         <a:effectLst/>
                       </a:endParaRPr>
                     </a:p>
@@ -25446,12 +27435,12 @@
                     <a:p>
                       <a:pPr algn="l" fontAlgn="base"/>
                       <a:r>
-                        <a:rPr lang="en-US" sz="1000">
+                        <a:rPr lang="en-US" sz="1400">
                           <a:effectLst/>
                         </a:rPr>
                         <a:t>Tuple does not have many built-in methods.</a:t>
                       </a:r>
-                      <a:endParaRPr lang="en-US" sz="1000" b="0">
+                      <a:endParaRPr lang="en-US" sz="1400" b="0">
                         <a:effectLst/>
                       </a:endParaRPr>
                     </a:p>
@@ -25472,12 +27461,12 @@
                     <a:p>
                       <a:pPr algn="l" fontAlgn="base"/>
                       <a:r>
-                        <a:rPr lang="en-US" sz="1000">
+                        <a:rPr lang="en-US" sz="1400">
                           <a:effectLst/>
                         </a:rPr>
                         <a:t>6</a:t>
                       </a:r>
-                      <a:endParaRPr lang="en-US" sz="1000" b="0">
+                      <a:endParaRPr lang="en-US" sz="1400" b="0">
                         <a:effectLst/>
                       </a:endParaRPr>
                     </a:p>
@@ -25491,12 +27480,12 @@
                     <a:p>
                       <a:pPr algn="l" fontAlgn="base"/>
                       <a:r>
-                        <a:rPr lang="en-US" sz="1000">
+                        <a:rPr lang="en-US" sz="1400">
                           <a:effectLst/>
                         </a:rPr>
                         <a:t>The unexpected changes and errors are more likely to occur</a:t>
                       </a:r>
-                      <a:endParaRPr lang="en-US" sz="1000" b="0">
+                      <a:endParaRPr lang="en-US" sz="1400" b="0">
                         <a:effectLst/>
                       </a:endParaRPr>
                     </a:p>
@@ -25510,12 +27499,12 @@
                     <a:p>
                       <a:pPr algn="l" fontAlgn="base"/>
                       <a:r>
-                        <a:rPr lang="en-US" sz="1000" dirty="0">
+                        <a:rPr lang="en-US" sz="1400" dirty="0">
                           <a:effectLst/>
                         </a:rPr>
                         <a:t>In tuple, it is hard to take place.</a:t>
                       </a:r>
-                      <a:endParaRPr lang="en-US" sz="1000" b="0" dirty="0">
+                      <a:endParaRPr lang="en-US" sz="1400" b="0" dirty="0">
                         <a:effectLst/>
                       </a:endParaRPr>
                     </a:p>
@@ -25659,7 +27648,7 @@
         <p:spPr bwMode="auto">
           <a:xfrm>
             <a:off x="759433" y="1296149"/>
-            <a:ext cx="4759051" cy="3323987"/>
+            <a:ext cx="7632727" cy="3323987"/>
           </a:xfrm>
           <a:prstGeom prst="rect">
             <a:avLst/>
@@ -26134,7 +28123,39 @@
                   <a:srgbClr val="2C363A"/>
                 </a:solidFill>
               </a:rPr>
-              <a:t>of tuples and differences with python list</a:t>
+              <a:t>of </a:t>
+            </a:r>
+            <a:r>
+              <a:rPr lang="en-US" sz="2400" dirty="0" smtClean="0">
+                <a:solidFill>
+                  <a:srgbClr val="2C363A"/>
+                </a:solidFill>
+              </a:rPr>
+              <a:t>differences </a:t>
+            </a:r>
+            <a:r>
+              <a:rPr lang="en-US" sz="2400" dirty="0">
+                <a:solidFill>
+                  <a:srgbClr val="2C363A"/>
+                </a:solidFill>
+              </a:rPr>
+              <a:t>with </a:t>
+            </a:r>
+            <a:r>
+              <a:rPr lang="en-US" sz="2400" dirty="0">
+                <a:solidFill>
+                  <a:srgbClr val="2C363A"/>
+                </a:solidFill>
+              </a:rPr>
+              <a:t>python tuples and </a:t>
+            </a:r>
+            <a:r>
+              <a:rPr lang="en-US" sz="2400" dirty="0">
+                <a:solidFill>
+                  <a:srgbClr val="2C363A"/>
+                </a:solidFill>
+              </a:rPr>
+              <a:t>list</a:t>
             </a:r>
           </a:p>
         </p:txBody>
@@ -26189,8 +28210,8 @@
         </p:nvSpPr>
         <p:spPr>
           <a:xfrm>
-            <a:off x="740229" y="1166434"/>
-            <a:ext cx="7816555" cy="1754326"/>
+            <a:off x="566929" y="1144148"/>
+            <a:ext cx="7662672" cy="923330"/>
           </a:xfrm>
           <a:prstGeom prst="rect">
             <a:avLst/>
@@ -26202,7 +28223,7 @@
           </a:bodyPr>
           <a:lstStyle/>
           <a:p>
-            <a:pPr>
+            <a:pPr algn="just">
               <a:lnSpc>
                 <a:spcPct val="150000"/>
               </a:lnSpc>
@@ -26215,25 +28236,49 @@
               <a:rPr lang="en-US" sz="1800" dirty="0" smtClean="0"/>
               <a:t>.</a:t>
             </a:r>
-          </a:p>
-          <a:p>
-            <a:pPr>
-              <a:lnSpc>
-                <a:spcPct val="150000"/>
-              </a:lnSpc>
-            </a:pPr>
-            <a:endParaRPr lang="en-US" sz="1800" dirty="0"/>
-          </a:p>
-          <a:p>
-            <a:pPr>
-              <a:lnSpc>
-                <a:spcPct val="150000"/>
-              </a:lnSpc>
-            </a:pPr>
             <a:endParaRPr lang="en-US" sz="1800" dirty="0"/>
           </a:p>
         </p:txBody>
       </p:sp>
+      <p:pic>
+        <p:nvPicPr>
+          <p:cNvPr id="1026" name="Picture 2" descr="15 Examples to Master Python Lists vs Sets vs Tuples | by Soner Yıldırım |  Towards Data Science"/>
+          <p:cNvPicPr>
+            <a:picLocks noChangeAspect="1" noChangeArrowheads="1"/>
+          </p:cNvPicPr>
+          <p:nvPr/>
+        </p:nvPicPr>
+        <p:blipFill rotWithShape="1">
+          <a:blip r:embed="rId3">
+            <a:extLst>
+              <a:ext uri="{28A0092B-C50C-407E-A947-70E740481C1C}">
+                <a14:useLocalDpi xmlns:a14="http://schemas.microsoft.com/office/drawing/2010/main" val="0"/>
+              </a:ext>
+            </a:extLst>
+          </a:blip>
+          <a:srcRect b="28315"/>
+          <a:stretch/>
+        </p:blipFill>
+        <p:spPr bwMode="auto">
+          <a:xfrm>
+            <a:off x="721941" y="2231136"/>
+            <a:ext cx="7507659" cy="2518715"/>
+          </a:xfrm>
+          <a:prstGeom prst="rect">
+            <a:avLst/>
+          </a:prstGeom>
+          <a:noFill/>
+          <a:extLst>
+            <a:ext uri="{909E8E84-426E-40DD-AFC4-6F175D3DCCD1}">
+              <a14:hiddenFill xmlns:a14="http://schemas.microsoft.com/office/drawing/2010/main">
+                <a:solidFill>
+                  <a:srgbClr val="FFFFFF"/>
+                </a:solidFill>
+              </a14:hiddenFill>
+            </a:ext>
+          </a:extLst>
+        </p:spPr>
+      </p:pic>
     </p:spTree>
     <p:extLst>
       <p:ext uri="{BB962C8B-B14F-4D97-AF65-F5344CB8AC3E}">
@@ -26283,7 +28328,7 @@
         </p:nvSpPr>
         <p:spPr>
           <a:xfrm>
-            <a:off x="854884" y="368134"/>
+            <a:off x="753284" y="388454"/>
             <a:ext cx="8250600" cy="798300"/>
           </a:xfrm>
           <a:prstGeom prst="rect">
@@ -26305,6 +28350,19 @@
               </a:rPr>
               <a:t>Deep dive into sets, dictionaries and work with </a:t>
             </a:r>
+            <a:r>
+              <a:rPr lang="en-US" sz="2400" dirty="0" smtClean="0">
+                <a:solidFill>
+                  <a:srgbClr val="2C363A"/>
+                </a:solidFill>
+              </a:rPr>
+              <a:t>loops</a:t>
+            </a:r>
+            <a:endParaRPr lang="en-US" sz="2400" dirty="0">
+              <a:solidFill>
+                <a:srgbClr val="2C363A"/>
+              </a:solidFill>
+            </a:endParaRPr>
           </a:p>
         </p:txBody>
       </p:sp>
@@ -26347,6 +28405,126 @@
               <a:t>19</a:t>
             </a:fld>
             <a:endParaRPr/>
+          </a:p>
+        </p:txBody>
+      </p:sp>
+      <p:sp>
+        <p:nvSpPr>
+          <p:cNvPr id="3" name="Rectangle 2"/>
+          <p:cNvSpPr/>
+          <p:nvPr/>
+        </p:nvSpPr>
+        <p:spPr>
+          <a:xfrm>
+            <a:off x="734996" y="1077026"/>
+            <a:ext cx="7803500" cy="3970318"/>
+          </a:xfrm>
+          <a:prstGeom prst="rect">
+            <a:avLst/>
+          </a:prstGeom>
+        </p:spPr>
+        <p:txBody>
+          <a:bodyPr wrap="square">
+            <a:spAutoFit/>
+          </a:bodyPr>
+          <a:lstStyle/>
+          <a:p>
+            <a:pPr algn="just">
+              <a:lnSpc>
+                <a:spcPct val="150000"/>
+              </a:lnSpc>
+            </a:pPr>
+            <a:r>
+              <a:rPr lang="en-US" sz="1800" dirty="0"/>
+              <a:t>The major advantage of using a </a:t>
+            </a:r>
+            <a:r>
+              <a:rPr lang="en-US" sz="1800" b="1" dirty="0"/>
+              <a:t>set</a:t>
+            </a:r>
+            <a:r>
+              <a:rPr lang="en-US" sz="1800" dirty="0"/>
+              <a:t>, as opposed to a list, is that it has a highly optimized method for checking whether a specific element is contained in the set. This is based on a data structure known as a hash table. Since sets are unordered, we cannot access items using indexes like we do in lists</a:t>
+            </a:r>
+            <a:r>
+              <a:rPr lang="en-US" sz="1800" dirty="0" smtClean="0"/>
+              <a:t>.</a:t>
+            </a:r>
+          </a:p>
+          <a:p>
+            <a:pPr algn="just">
+              <a:lnSpc>
+                <a:spcPct val="150000"/>
+              </a:lnSpc>
+            </a:pPr>
+            <a:r>
+              <a:rPr lang="en-US" sz="1800" b="1" dirty="0" smtClean="0">
+                <a:solidFill>
+                  <a:schemeClr val="accent2"/>
+                </a:solidFill>
+              </a:rPr>
+              <a:t>Methods for Sets</a:t>
+            </a:r>
+            <a:endParaRPr lang="en-US" sz="1800" b="1" dirty="0">
+              <a:solidFill>
+                <a:schemeClr val="accent2"/>
+              </a:solidFill>
+            </a:endParaRPr>
+          </a:p>
+          <a:p>
+            <a:pPr marL="285750" indent="-285750" algn="just">
+              <a:buFont typeface="Arial" panose="020B0604020202020204" pitchFamily="34" charset="0"/>
+              <a:buChar char="•"/>
+            </a:pPr>
+            <a:r>
+              <a:rPr lang="en-US" sz="1800" dirty="0"/>
+              <a:t>Adding </a:t>
+            </a:r>
+            <a:r>
+              <a:rPr lang="en-US" sz="1800" dirty="0" smtClean="0"/>
+              <a:t>elements</a:t>
+            </a:r>
+          </a:p>
+          <a:p>
+            <a:pPr marL="285750" indent="-285750" algn="just">
+              <a:buFont typeface="Arial" panose="020B0604020202020204" pitchFamily="34" charset="0"/>
+              <a:buChar char="•"/>
+            </a:pPr>
+            <a:r>
+              <a:rPr lang="en-US" sz="1800" dirty="0" smtClean="0"/>
+              <a:t>Union</a:t>
+            </a:r>
+          </a:p>
+          <a:p>
+            <a:pPr marL="285750" indent="-285750" algn="just">
+              <a:buFont typeface="Arial" panose="020B0604020202020204" pitchFamily="34" charset="0"/>
+              <a:buChar char="•"/>
+            </a:pPr>
+            <a:r>
+              <a:rPr lang="en-US" sz="1800" dirty="0" smtClean="0"/>
+              <a:t>Intersection</a:t>
+            </a:r>
+          </a:p>
+          <a:p>
+            <a:pPr marL="285750" indent="-285750" algn="just">
+              <a:buFont typeface="Arial" panose="020B0604020202020204" pitchFamily="34" charset="0"/>
+              <a:buChar char="•"/>
+            </a:pPr>
+            <a:r>
+              <a:rPr lang="en-US" sz="1800" dirty="0" smtClean="0"/>
+              <a:t>Difference</a:t>
+            </a:r>
+          </a:p>
+          <a:p>
+            <a:pPr marL="285750" indent="-285750" algn="just">
+              <a:buFont typeface="Arial" panose="020B0604020202020204" pitchFamily="34" charset="0"/>
+              <a:buChar char="•"/>
+            </a:pPr>
+            <a:r>
+              <a:rPr lang="en-US" sz="1800" dirty="0"/>
+              <a:t>Clearing sets</a:t>
+            </a:r>
+            <a:endParaRPr lang="en-US" sz="1800" dirty="0" smtClean="0"/>
           </a:p>
         </p:txBody>
       </p:sp>
@@ -26705,7 +28883,7 @@
         </p:nvSpPr>
         <p:spPr>
           <a:xfrm>
-            <a:off x="854884" y="168835"/>
+            <a:off x="753284" y="388454"/>
             <a:ext cx="8250600" cy="798300"/>
           </a:xfrm>
           <a:prstGeom prst="rect">
@@ -26718,17 +28896,18 @@
           </a:bodyPr>
           <a:lstStyle/>
           <a:p>
+            <a:pPr lvl="0"/>
             <a:r>
               <a:rPr lang="en-US" sz="2400" dirty="0" smtClean="0">
                 <a:solidFill>
                   <a:srgbClr val="2C363A"/>
                 </a:solidFill>
               </a:rPr>
-              <a:t>Assignments</a:t>
-            </a:r>
-            <a:endParaRPr sz="2400" dirty="0">
+              <a:t>Adding Elements</a:t>
+            </a:r>
+            <a:endParaRPr lang="en-US" sz="2400" dirty="0">
               <a:solidFill>
-                <a:schemeClr val="accent2"/>
+                <a:srgbClr val="2C363A"/>
               </a:solidFill>
             </a:endParaRPr>
           </a:p>
@@ -26776,10 +28955,248 @@
           </a:p>
         </p:txBody>
       </p:sp>
+      <p:sp>
+        <p:nvSpPr>
+          <p:cNvPr id="3" name="Rectangle 2"/>
+          <p:cNvSpPr/>
+          <p:nvPr/>
+        </p:nvSpPr>
+        <p:spPr>
+          <a:xfrm>
+            <a:off x="4968336" y="225536"/>
+            <a:ext cx="4033548" cy="4524315"/>
+          </a:xfrm>
+          <a:prstGeom prst="rect">
+            <a:avLst/>
+          </a:prstGeom>
+        </p:spPr>
+        <p:style>
+          <a:lnRef idx="2">
+            <a:schemeClr val="accent2"/>
+          </a:lnRef>
+          <a:fillRef idx="1">
+            <a:schemeClr val="lt1"/>
+          </a:fillRef>
+          <a:effectRef idx="0">
+            <a:schemeClr val="accent2"/>
+          </a:effectRef>
+          <a:fontRef idx="minor">
+            <a:schemeClr val="dk1"/>
+          </a:fontRef>
+        </p:style>
+        <p:txBody>
+          <a:bodyPr wrap="square">
+            <a:spAutoFit/>
+          </a:bodyPr>
+          <a:lstStyle/>
+          <a:p>
+            <a:r>
+              <a:rPr lang="en-US" sz="1600" dirty="0"/>
+              <a:t># Creating a Set</a:t>
+            </a:r>
+          </a:p>
+          <a:p>
+            <a:r>
+              <a:rPr lang="en-US" sz="1600" dirty="0"/>
+              <a:t>people = {"Jay", "</a:t>
+            </a:r>
+            <a:r>
+              <a:rPr lang="en-US" sz="1600" dirty="0" err="1"/>
+              <a:t>Idrish</a:t>
+            </a:r>
+            <a:r>
+              <a:rPr lang="en-US" sz="1600" dirty="0"/>
+              <a:t>", "Archi"}</a:t>
+            </a:r>
+          </a:p>
+          <a:p>
+            <a:r>
+              <a:rPr lang="en-US" sz="1600" dirty="0"/>
+              <a:t> </a:t>
+            </a:r>
+          </a:p>
+          <a:p>
+            <a:r>
+              <a:rPr lang="en-US" sz="1600" dirty="0"/>
+              <a:t>print("People:", end = " ")</a:t>
+            </a:r>
+          </a:p>
+          <a:p>
+            <a:r>
+              <a:rPr lang="en-US" sz="1600" dirty="0"/>
+              <a:t>print(people)</a:t>
+            </a:r>
+          </a:p>
+          <a:p>
+            <a:r>
+              <a:rPr lang="en-US" sz="1600" dirty="0"/>
+              <a:t> </a:t>
+            </a:r>
+          </a:p>
+          <a:p>
+            <a:r>
+              <a:rPr lang="en-US" sz="1600" dirty="0"/>
+              <a:t># This will add </a:t>
+            </a:r>
+            <a:r>
+              <a:rPr lang="en-US" sz="1600" dirty="0" err="1"/>
+              <a:t>Daxit</a:t>
+            </a:r>
+            <a:endParaRPr lang="en-US" sz="1600" dirty="0"/>
+          </a:p>
+          <a:p>
+            <a:r>
+              <a:rPr lang="en-US" sz="1600" dirty="0"/>
+              <a:t># in the set</a:t>
+            </a:r>
+          </a:p>
+          <a:p>
+            <a:r>
+              <a:rPr lang="en-US" sz="1600" dirty="0" err="1"/>
+              <a:t>people.add</a:t>
+            </a:r>
+            <a:r>
+              <a:rPr lang="en-US" sz="1600" dirty="0"/>
+              <a:t>("</a:t>
+            </a:r>
+            <a:r>
+              <a:rPr lang="en-US" sz="1600" dirty="0" err="1"/>
+              <a:t>Daxit</a:t>
+            </a:r>
+            <a:r>
+              <a:rPr lang="en-US" sz="1600" dirty="0"/>
+              <a:t>")</a:t>
+            </a:r>
+          </a:p>
+          <a:p>
+            <a:r>
+              <a:rPr lang="en-US" sz="1600" dirty="0"/>
+              <a:t> </a:t>
+            </a:r>
+          </a:p>
+          <a:p>
+            <a:r>
+              <a:rPr lang="en-US" sz="1600" dirty="0"/>
+              <a:t># Adding elements to the</a:t>
+            </a:r>
+          </a:p>
+          <a:p>
+            <a:r>
+              <a:rPr lang="en-US" sz="1600" dirty="0"/>
+              <a:t># set using iterator</a:t>
+            </a:r>
+          </a:p>
+          <a:p>
+            <a:r>
+              <a:rPr lang="en-US" sz="1600" dirty="0"/>
+              <a:t>for </a:t>
+            </a:r>
+            <a:r>
+              <a:rPr lang="en-US" sz="1600" dirty="0" err="1"/>
+              <a:t>i</a:t>
+            </a:r>
+            <a:r>
+              <a:rPr lang="en-US" sz="1600" dirty="0"/>
+              <a:t> in range(1, 6):</a:t>
+            </a:r>
+          </a:p>
+          <a:p>
+            <a:r>
+              <a:rPr lang="en-US" sz="1600" dirty="0"/>
+              <a:t>    </a:t>
+            </a:r>
+            <a:r>
+              <a:rPr lang="en-US" sz="1600" dirty="0" err="1"/>
+              <a:t>people.add</a:t>
+            </a:r>
+            <a:r>
+              <a:rPr lang="en-US" sz="1600" dirty="0"/>
+              <a:t>(</a:t>
+            </a:r>
+            <a:r>
+              <a:rPr lang="en-US" sz="1600" dirty="0" err="1"/>
+              <a:t>i</a:t>
+            </a:r>
+            <a:r>
+              <a:rPr lang="en-US" sz="1600" dirty="0"/>
+              <a:t>)</a:t>
+            </a:r>
+          </a:p>
+          <a:p>
+            <a:r>
+              <a:rPr lang="en-US" sz="1600" dirty="0"/>
+              <a:t> </a:t>
+            </a:r>
+          </a:p>
+          <a:p>
+            <a:r>
+              <a:rPr lang="en-US" sz="1600" dirty="0"/>
+              <a:t>print("\</a:t>
+            </a:r>
+            <a:r>
+              <a:rPr lang="en-US" sz="1600" dirty="0" err="1"/>
+              <a:t>nSet</a:t>
+            </a:r>
+            <a:r>
+              <a:rPr lang="en-US" sz="1600" dirty="0"/>
+              <a:t> after adding element:", end = " ")</a:t>
+            </a:r>
+          </a:p>
+          <a:p>
+            <a:r>
+              <a:rPr lang="en-US" sz="1600" dirty="0"/>
+              <a:t>print(people)</a:t>
+            </a:r>
+          </a:p>
+        </p:txBody>
+      </p:sp>
+      <p:sp>
+        <p:nvSpPr>
+          <p:cNvPr id="5" name="Rectangle 4"/>
+          <p:cNvSpPr/>
+          <p:nvPr/>
+        </p:nvSpPr>
+        <p:spPr>
+          <a:xfrm>
+            <a:off x="621792" y="1232921"/>
+            <a:ext cx="4348544" cy="1703030"/>
+          </a:xfrm>
+          <a:prstGeom prst="rect">
+            <a:avLst/>
+          </a:prstGeom>
+        </p:spPr>
+        <p:txBody>
+          <a:bodyPr wrap="square">
+            <a:spAutoFit/>
+          </a:bodyPr>
+          <a:lstStyle/>
+          <a:p>
+            <a:pPr marL="285750" indent="-285750" algn="just">
+              <a:lnSpc>
+                <a:spcPct val="150000"/>
+              </a:lnSpc>
+              <a:buFont typeface="Arial" panose="020B0604020202020204" pitchFamily="34" charset="0"/>
+              <a:buChar char="•"/>
+            </a:pPr>
+            <a:r>
+              <a:rPr lang="en-US" sz="1800" dirty="0"/>
+              <a:t>Insertion in set is done through </a:t>
+            </a:r>
+            <a:r>
+              <a:rPr lang="en-US" sz="1800" dirty="0" err="1"/>
+              <a:t>set.add</a:t>
+            </a:r>
+            <a:r>
+              <a:rPr lang="en-US" sz="1800" dirty="0"/>
+              <a:t>() function, where an appropriate record value is created to store in the hash table.</a:t>
+            </a:r>
+          </a:p>
+        </p:txBody>
+      </p:sp>
     </p:spTree>
     <p:extLst>
       <p:ext uri="{BB962C8B-B14F-4D97-AF65-F5344CB8AC3E}">
-        <p14:creationId xmlns:p14="http://schemas.microsoft.com/office/powerpoint/2010/main" val="4288457442"/>
+        <p14:creationId xmlns:p14="http://schemas.microsoft.com/office/powerpoint/2010/main" val="525740507"/>
       </p:ext>
     </p:extLst>
   </p:cSld>
@@ -26825,7 +29242,7 @@
         </p:nvSpPr>
         <p:spPr>
           <a:xfrm>
-            <a:off x="306184" y="619039"/>
+            <a:off x="753284" y="388454"/>
             <a:ext cx="8250600" cy="798300"/>
           </a:xfrm>
           <a:prstGeom prst="rect">
@@ -26838,18 +29255,18 @@
           </a:bodyPr>
           <a:lstStyle/>
           <a:p>
-            <a:pPr lvl="0" algn="ctr"/>
-            <a:r>
-              <a:rPr lang="en-US" sz="2400" dirty="0" smtClean="0">
+            <a:pPr lvl="0"/>
+            <a:r>
+              <a:rPr lang="en-US" sz="2400" dirty="0">
                 <a:solidFill>
                   <a:srgbClr val="2C363A"/>
                 </a:solidFill>
               </a:rPr>
-              <a:t>Code for the presentation can be found here</a:t>
-            </a:r>
-            <a:endParaRPr sz="2400" dirty="0">
+              <a:t>Union</a:t>
+            </a:r>
+            <a:endParaRPr lang="en-US" sz="2400" dirty="0">
               <a:solidFill>
-                <a:schemeClr val="accent2"/>
+                <a:srgbClr val="2C363A"/>
               </a:solidFill>
             </a:endParaRPr>
           </a:p>
@@ -26899,52 +29316,228 @@
       </p:sp>
       <p:sp>
         <p:nvSpPr>
-          <p:cNvPr id="2" name="Rectangle 1"/>
+          <p:cNvPr id="3" name="Rectangle 2"/>
           <p:cNvSpPr/>
           <p:nvPr/>
         </p:nvSpPr>
         <p:spPr>
           <a:xfrm>
-            <a:off x="650452" y="2015526"/>
-            <a:ext cx="7906332" cy="1138773"/>
+            <a:off x="4968336" y="225536"/>
+            <a:ext cx="4033548" cy="4524315"/>
+          </a:xfrm>
+          <a:prstGeom prst="rect">
+            <a:avLst/>
+          </a:prstGeom>
+        </p:spPr>
+        <p:style>
+          <a:lnRef idx="2">
+            <a:schemeClr val="accent2"/>
+          </a:lnRef>
+          <a:fillRef idx="1">
+            <a:schemeClr val="lt1"/>
+          </a:fillRef>
+          <a:effectRef idx="0">
+            <a:schemeClr val="accent2"/>
+          </a:effectRef>
+          <a:fontRef idx="minor">
+            <a:schemeClr val="dk1"/>
+          </a:fontRef>
+        </p:style>
+        <p:txBody>
+          <a:bodyPr wrap="square">
+            <a:spAutoFit/>
+          </a:bodyPr>
+          <a:lstStyle/>
+          <a:p>
+            <a:r>
+              <a:rPr lang="en-US" sz="1600" dirty="0"/>
+              <a:t> </a:t>
+            </a:r>
+          </a:p>
+          <a:p>
+            <a:r>
+              <a:rPr lang="en-US" sz="1600" dirty="0"/>
+              <a:t>people = {"Jay", "</a:t>
+            </a:r>
+            <a:r>
+              <a:rPr lang="en-US" sz="1600" dirty="0" err="1"/>
+              <a:t>Idrish</a:t>
+            </a:r>
+            <a:r>
+              <a:rPr lang="en-US" sz="1600" dirty="0"/>
+              <a:t>", "</a:t>
+            </a:r>
+            <a:r>
+              <a:rPr lang="en-US" sz="1600" dirty="0" err="1"/>
+              <a:t>Archil</a:t>
+            </a:r>
+            <a:r>
+              <a:rPr lang="en-US" sz="1600" dirty="0"/>
+              <a:t>"}</a:t>
+            </a:r>
+          </a:p>
+          <a:p>
+            <a:r>
+              <a:rPr lang="en-US" sz="1600" dirty="0"/>
+              <a:t>vampires = {"Karan", "Arjun"}</a:t>
+            </a:r>
+          </a:p>
+          <a:p>
+            <a:r>
+              <a:rPr lang="en-US" sz="1600" dirty="0" err="1"/>
+              <a:t>dracula</a:t>
+            </a:r>
+            <a:r>
+              <a:rPr lang="en-US" sz="1600" dirty="0"/>
+              <a:t> = {"</a:t>
+            </a:r>
+            <a:r>
+              <a:rPr lang="en-US" sz="1600" dirty="0" err="1"/>
+              <a:t>Deepanshu</a:t>
+            </a:r>
+            <a:r>
+              <a:rPr lang="en-US" sz="1600" dirty="0"/>
+              <a:t>", "Raju"}</a:t>
+            </a:r>
+          </a:p>
+          <a:p>
+            <a:r>
+              <a:rPr lang="en-US" sz="1600" dirty="0"/>
+              <a:t> </a:t>
+            </a:r>
+          </a:p>
+          <a:p>
+            <a:r>
+              <a:rPr lang="en-US" sz="1600" dirty="0"/>
+              <a:t># Union using union()</a:t>
+            </a:r>
+          </a:p>
+          <a:p>
+            <a:r>
+              <a:rPr lang="en-US" sz="1600" dirty="0"/>
+              <a:t># function</a:t>
+            </a:r>
+          </a:p>
+          <a:p>
+            <a:r>
+              <a:rPr lang="en-US" sz="1600" dirty="0"/>
+              <a:t>population = </a:t>
+            </a:r>
+            <a:r>
+              <a:rPr lang="en-US" sz="1600" dirty="0" err="1"/>
+              <a:t>people.union</a:t>
+            </a:r>
+            <a:r>
+              <a:rPr lang="en-US" sz="1600" dirty="0"/>
+              <a:t>(vampires)</a:t>
+            </a:r>
+          </a:p>
+          <a:p>
+            <a:r>
+              <a:rPr lang="en-US" sz="1600" dirty="0"/>
+              <a:t> </a:t>
+            </a:r>
+          </a:p>
+          <a:p>
+            <a:r>
+              <a:rPr lang="en-US" sz="1600" dirty="0"/>
+              <a:t>print("Union using union() function")</a:t>
+            </a:r>
+          </a:p>
+          <a:p>
+            <a:r>
+              <a:rPr lang="en-US" sz="1600" dirty="0"/>
+              <a:t>print(population)</a:t>
+            </a:r>
+          </a:p>
+          <a:p>
+            <a:r>
+              <a:rPr lang="en-US" sz="1600" dirty="0"/>
+              <a:t> </a:t>
+            </a:r>
+          </a:p>
+          <a:p>
+            <a:r>
+              <a:rPr lang="en-US" sz="1600" dirty="0"/>
+              <a:t># Union using "|"</a:t>
+            </a:r>
+          </a:p>
+          <a:p>
+            <a:r>
+              <a:rPr lang="en-US" sz="1600" dirty="0"/>
+              <a:t># operator</a:t>
+            </a:r>
+          </a:p>
+          <a:p>
+            <a:r>
+              <a:rPr lang="en-US" sz="1600" dirty="0"/>
+              <a:t>population = </a:t>
+            </a:r>
+            <a:r>
+              <a:rPr lang="en-US" sz="1600" dirty="0" err="1"/>
+              <a:t>people|dracula</a:t>
+            </a:r>
+            <a:endParaRPr lang="en-US" sz="1600" dirty="0"/>
+          </a:p>
+          <a:p>
+            <a:r>
+              <a:rPr lang="en-US" sz="1600" dirty="0"/>
+              <a:t> </a:t>
+            </a:r>
+          </a:p>
+          <a:p>
+            <a:r>
+              <a:rPr lang="en-US" sz="1600" dirty="0"/>
+              <a:t>print("\</a:t>
+            </a:r>
+            <a:r>
+              <a:rPr lang="en-US" sz="1600" dirty="0" err="1"/>
+              <a:t>nUnion</a:t>
+            </a:r>
+            <a:r>
+              <a:rPr lang="en-US" sz="1600" dirty="0"/>
+              <a:t> using '|' operator")</a:t>
+            </a:r>
+          </a:p>
+          <a:p>
+            <a:r>
+              <a:rPr lang="en-US" sz="1600" dirty="0"/>
+              <a:t>print(population)</a:t>
+            </a:r>
+          </a:p>
+        </p:txBody>
+      </p:sp>
+      <p:sp>
+        <p:nvSpPr>
+          <p:cNvPr id="5" name="Rectangle 4"/>
+          <p:cNvSpPr/>
+          <p:nvPr/>
+        </p:nvSpPr>
+        <p:spPr>
+          <a:xfrm>
+            <a:off x="621792" y="1232921"/>
+            <a:ext cx="4114800" cy="3000821"/>
           </a:xfrm>
           <a:prstGeom prst="rect">
             <a:avLst/>
           </a:prstGeom>
         </p:spPr>
         <p:txBody>
-          <a:bodyPr wrap="none">
+          <a:bodyPr wrap="square">
             <a:spAutoFit/>
           </a:bodyPr>
           <a:lstStyle/>
           <a:p>
-            <a:pPr algn="ctr"/>
-            <a:r>
-              <a:rPr lang="en-US" sz="2000" b="1" dirty="0" smtClean="0"/>
-              <a:t>Refer Readme.md of </a:t>
-            </a:r>
-            <a:r>
-              <a:rPr lang="en-US" sz="2000" b="1" dirty="0" err="1" smtClean="0"/>
-              <a:t>github</a:t>
-            </a:r>
-            <a:r>
-              <a:rPr lang="en-US" sz="2000" b="1" dirty="0" smtClean="0"/>
-              <a:t> repository for list of assignments:</a:t>
-            </a:r>
-          </a:p>
-          <a:p>
-            <a:pPr algn="ctr"/>
-            <a:endParaRPr lang="en-US" sz="2400" b="1" dirty="0" smtClean="0"/>
-          </a:p>
-          <a:p>
-            <a:pPr algn="ctr"/>
-            <a:r>
-              <a:rPr lang="en-US" sz="2400" b="1" dirty="0" smtClean="0"/>
-              <a:t>https</a:t>
-            </a:r>
-            <a:r>
-              <a:rPr lang="en-US" sz="2400" b="1" dirty="0"/>
-              <a:t>://github.com/tahirmirji/ai_with_python_keonics</a:t>
+            <a:pPr marL="285750" indent="-285750" algn="just">
+              <a:lnSpc>
+                <a:spcPct val="150000"/>
+              </a:lnSpc>
+              <a:buFont typeface="Arial" panose="020B0604020202020204" pitchFamily="34" charset="0"/>
+              <a:buChar char="•"/>
+            </a:pPr>
+            <a:r>
+              <a:rPr lang="en-US" sz="1800" dirty="0"/>
+              <a:t>Two sets can be merged using union() function or | operator. Both Hash Table values are accessed and traversed with merge operation perform on them to combine the elements, at the same time duplicates are removed.</a:t>
             </a:r>
           </a:p>
         </p:txBody>
@@ -26952,7 +29545,7 @@
     </p:spTree>
     <p:extLst>
       <p:ext uri="{BB962C8B-B14F-4D97-AF65-F5344CB8AC3E}">
-        <p14:creationId xmlns:p14="http://schemas.microsoft.com/office/powerpoint/2010/main" val="3319305882"/>
+        <p14:creationId xmlns:p14="http://schemas.microsoft.com/office/powerpoint/2010/main" val="471632148"/>
       </p:ext>
     </p:extLst>
   </p:cSld>
@@ -26974,7 +29567,7 @@
   <p:cSld>
     <p:spTree>
       <p:nvGrpSpPr>
-        <p:cNvPr id="1" name=""/>
+        <p:cNvPr id="1" name="Shape 228"/>
         <p:cNvGrpSpPr/>
         <p:nvPr/>
       </p:nvGrpSpPr>
@@ -26988,17 +29581,69 @@
       </p:grpSpPr>
       <p:sp>
         <p:nvSpPr>
-          <p:cNvPr id="5" name="Slide Number Placeholder 4"/>
-          <p:cNvSpPr>
+          <p:cNvPr id="229" name="Google Shape;229;p26"/>
+          <p:cNvSpPr txBox="1">
+            <a:spLocks noGrp="1"/>
+          </p:cNvSpPr>
+          <p:nvPr>
+            <p:ph type="title" idx="4294967295"/>
+          </p:nvPr>
+        </p:nvSpPr>
+        <p:spPr>
+          <a:xfrm>
+            <a:off x="753284" y="388454"/>
+            <a:ext cx="8250600" cy="798300"/>
+          </a:xfrm>
+          <a:prstGeom prst="rect">
+            <a:avLst/>
+          </a:prstGeom>
+        </p:spPr>
+        <p:txBody>
+          <a:bodyPr spcFirstLastPara="1" wrap="square" lIns="91425" tIns="91425" rIns="91425" bIns="91425" anchor="ctr" anchorCtr="0">
+            <a:noAutofit/>
+          </a:bodyPr>
+          <a:lstStyle/>
+          <a:p>
+            <a:pPr lvl="0"/>
+            <a:r>
+              <a:rPr lang="en-US" sz="2400" dirty="0">
+                <a:solidFill>
+                  <a:srgbClr val="2C363A"/>
+                </a:solidFill>
+              </a:rPr>
+              <a:t>Intersection</a:t>
+            </a:r>
+            <a:endParaRPr lang="en-US" sz="2400" dirty="0">
+              <a:solidFill>
+                <a:srgbClr val="2C363A"/>
+              </a:solidFill>
+            </a:endParaRPr>
+          </a:p>
+        </p:txBody>
+      </p:sp>
+      <p:sp>
+        <p:nvSpPr>
+          <p:cNvPr id="230" name="Google Shape;230;p26"/>
+          <p:cNvSpPr txBox="1">
             <a:spLocks noGrp="1"/>
           </p:cNvSpPr>
           <p:nvPr>
             <p:ph type="sldNum" idx="12"/>
           </p:nvPr>
         </p:nvSpPr>
-        <p:spPr/>
+        <p:spPr>
+          <a:xfrm>
+            <a:off x="8556784" y="4749851"/>
+            <a:ext cx="548700" cy="393600"/>
+          </a:xfrm>
+          <a:prstGeom prst="rect">
+            <a:avLst/>
+          </a:prstGeom>
+        </p:spPr>
         <p:txBody>
-          <a:bodyPr/>
+          <a:bodyPr spcFirstLastPara="1" wrap="square" lIns="91425" tIns="91425" rIns="91425" bIns="91425" anchor="t" anchorCtr="0">
+            <a:noAutofit/>
+          </a:bodyPr>
           <a:lstStyle/>
           <a:p>
             <a:pPr marL="0" lvl="0" indent="0" algn="r" rtl="0">
@@ -27011,64 +29656,2495 @@
               <a:buNone/>
             </a:pPr>
             <a:fld id="{00000000-1234-1234-1234-123412341234}" type="slidenum">
-              <a:rPr lang="en" smtClean="0"/>
+              <a:rPr lang="en"/>
               <a:t>22</a:t>
             </a:fld>
-            <a:endParaRPr lang="en"/>
+            <a:endParaRPr/>
           </a:p>
         </p:txBody>
       </p:sp>
       <p:sp>
         <p:nvSpPr>
-          <p:cNvPr id="6" name="Oval 5"/>
+          <p:cNvPr id="3" name="Rectangle 2"/>
           <p:cNvSpPr/>
           <p:nvPr/>
         </p:nvSpPr>
         <p:spPr>
           <a:xfrm>
-            <a:off x="837282" y="-1156694"/>
-            <a:ext cx="7590621" cy="7590621"/>
+            <a:off x="4864608" y="97520"/>
+            <a:ext cx="4265292" cy="5016758"/>
           </a:xfrm>
-          <a:prstGeom prst="ellipse">
+          <a:prstGeom prst="rect">
             <a:avLst/>
           </a:prstGeom>
-          <a:ln>
-            <a:noFill/>
-          </a:ln>
         </p:spPr>
         <p:style>
           <a:lnRef idx="2">
-            <a:schemeClr val="accent1">
-              <a:shade val="50000"/>
-            </a:schemeClr>
+            <a:schemeClr val="accent2"/>
           </a:lnRef>
           <a:fillRef idx="1">
-            <a:schemeClr val="accent1"/>
+            <a:schemeClr val="lt1"/>
           </a:fillRef>
           <a:effectRef idx="0">
-            <a:schemeClr val="accent1"/>
+            <a:schemeClr val="accent2"/>
           </a:effectRef>
           <a:fontRef idx="minor">
-            <a:schemeClr val="lt1"/>
+            <a:schemeClr val="dk1"/>
           </a:fontRef>
         </p:style>
         <p:txBody>
-          <a:bodyPr rtlCol="0" anchor="ctr"/>
+          <a:bodyPr wrap="square">
+            <a:spAutoFit/>
+          </a:bodyPr>
           <a:lstStyle/>
           <a:p>
-            <a:pPr algn="ctr"/>
-            <a:r>
-              <a:rPr lang="en-US" sz="8000" dirty="0" smtClean="0"/>
-              <a:t>Thank You</a:t>
-            </a:r>
-            <a:endParaRPr lang="en-US" sz="8000" dirty="0"/>
+            <a:r>
+              <a:rPr lang="en-US" sz="1600" dirty="0"/>
+              <a:t>set1 = set()</a:t>
+            </a:r>
+          </a:p>
+          <a:p>
+            <a:r>
+              <a:rPr lang="en-US" sz="1600" dirty="0"/>
+              <a:t>set2 = set()</a:t>
+            </a:r>
+          </a:p>
+          <a:p>
+            <a:r>
+              <a:rPr lang="en-US" sz="1600" dirty="0"/>
+              <a:t> </a:t>
+            </a:r>
+            <a:r>
+              <a:rPr lang="en-US" sz="1600" dirty="0" smtClean="0"/>
+              <a:t>for </a:t>
+            </a:r>
+            <a:r>
+              <a:rPr lang="en-US" sz="1600" dirty="0" err="1"/>
+              <a:t>i</a:t>
+            </a:r>
+            <a:r>
+              <a:rPr lang="en-US" sz="1600" dirty="0"/>
+              <a:t> in range(5):</a:t>
+            </a:r>
+          </a:p>
+          <a:p>
+            <a:r>
+              <a:rPr lang="en-US" sz="1600" dirty="0"/>
+              <a:t>    set1.add(</a:t>
+            </a:r>
+            <a:r>
+              <a:rPr lang="en-US" sz="1600" dirty="0" err="1"/>
+              <a:t>i</a:t>
+            </a:r>
+            <a:r>
+              <a:rPr lang="en-US" sz="1600" dirty="0"/>
+              <a:t>)</a:t>
+            </a:r>
+          </a:p>
+          <a:p>
+            <a:r>
+              <a:rPr lang="en-US" sz="1600" dirty="0"/>
+              <a:t> </a:t>
+            </a:r>
+          </a:p>
+          <a:p>
+            <a:r>
+              <a:rPr lang="en-US" sz="1600" dirty="0"/>
+              <a:t>for </a:t>
+            </a:r>
+            <a:r>
+              <a:rPr lang="en-US" sz="1600" dirty="0" err="1"/>
+              <a:t>i</a:t>
+            </a:r>
+            <a:r>
+              <a:rPr lang="en-US" sz="1600" dirty="0"/>
+              <a:t> in range(3,9):</a:t>
+            </a:r>
+          </a:p>
+          <a:p>
+            <a:r>
+              <a:rPr lang="en-US" sz="1600" dirty="0"/>
+              <a:t>    set2.add(</a:t>
+            </a:r>
+            <a:r>
+              <a:rPr lang="en-US" sz="1600" dirty="0" err="1"/>
+              <a:t>i</a:t>
+            </a:r>
+            <a:r>
+              <a:rPr lang="en-US" sz="1600" dirty="0"/>
+              <a:t>)</a:t>
+            </a:r>
+          </a:p>
+          <a:p>
+            <a:r>
+              <a:rPr lang="en-US" sz="1600" dirty="0"/>
+              <a:t> </a:t>
+            </a:r>
+          </a:p>
+          <a:p>
+            <a:r>
+              <a:rPr lang="en-US" sz="1600" dirty="0" smtClean="0"/>
+              <a:t># </a:t>
+            </a:r>
+            <a:r>
+              <a:rPr lang="en-US" sz="1600" dirty="0"/>
+              <a:t>intersection() function</a:t>
+            </a:r>
+          </a:p>
+          <a:p>
+            <a:r>
+              <a:rPr lang="en-US" sz="1600" dirty="0"/>
+              <a:t>set3 = set1.intersection(set2)</a:t>
+            </a:r>
+          </a:p>
+          <a:p>
+            <a:r>
+              <a:rPr lang="en-US" sz="1600" dirty="0"/>
+              <a:t> </a:t>
+            </a:r>
+          </a:p>
+          <a:p>
+            <a:r>
+              <a:rPr lang="en-US" sz="1600" dirty="0"/>
+              <a:t>print("Intersection using intersection() function")</a:t>
+            </a:r>
+          </a:p>
+          <a:p>
+            <a:r>
+              <a:rPr lang="en-US" sz="1600" dirty="0"/>
+              <a:t>print(set3)</a:t>
+            </a:r>
+          </a:p>
+          <a:p>
+            <a:r>
+              <a:rPr lang="en-US" sz="1600" dirty="0"/>
+              <a:t> </a:t>
+            </a:r>
+            <a:r>
+              <a:rPr lang="en-US" sz="1600" dirty="0" smtClean="0"/>
+              <a:t># </a:t>
+            </a:r>
+            <a:r>
+              <a:rPr lang="en-US" sz="1600" dirty="0"/>
+              <a:t>Intersection using</a:t>
+            </a:r>
+          </a:p>
+          <a:p>
+            <a:r>
+              <a:rPr lang="en-US" sz="1600" dirty="0"/>
+              <a:t># "&amp;" operator</a:t>
+            </a:r>
+          </a:p>
+          <a:p>
+            <a:r>
+              <a:rPr lang="en-US" sz="1600" dirty="0"/>
+              <a:t>set3 = set1 &amp; set2</a:t>
+            </a:r>
+          </a:p>
+          <a:p>
+            <a:r>
+              <a:rPr lang="en-US" sz="1600" dirty="0"/>
+              <a:t> </a:t>
+            </a:r>
+          </a:p>
+          <a:p>
+            <a:r>
+              <a:rPr lang="en-US" sz="1600" dirty="0"/>
+              <a:t>print("\</a:t>
+            </a:r>
+            <a:r>
+              <a:rPr lang="en-US" sz="1600" dirty="0" err="1"/>
+              <a:t>nIntersection</a:t>
+            </a:r>
+            <a:r>
+              <a:rPr lang="en-US" sz="1600" dirty="0"/>
+              <a:t> using '&amp;' operator")</a:t>
+            </a:r>
+          </a:p>
+          <a:p>
+            <a:r>
+              <a:rPr lang="en-US" sz="1600" dirty="0"/>
+              <a:t>print(set3)</a:t>
+            </a:r>
+          </a:p>
+        </p:txBody>
+      </p:sp>
+      <p:sp>
+        <p:nvSpPr>
+          <p:cNvPr id="5" name="Rectangle 4"/>
+          <p:cNvSpPr/>
+          <p:nvPr/>
+        </p:nvSpPr>
+        <p:spPr>
+          <a:xfrm>
+            <a:off x="621792" y="1232921"/>
+            <a:ext cx="4114800" cy="2534027"/>
+          </a:xfrm>
+          <a:prstGeom prst="rect">
+            <a:avLst/>
+          </a:prstGeom>
+        </p:spPr>
+        <p:txBody>
+          <a:bodyPr wrap="square">
+            <a:spAutoFit/>
+          </a:bodyPr>
+          <a:lstStyle/>
+          <a:p>
+            <a:pPr marL="285750" indent="-285750" algn="just">
+              <a:lnSpc>
+                <a:spcPct val="150000"/>
+              </a:lnSpc>
+              <a:buFont typeface="Arial" panose="020B0604020202020204" pitchFamily="34" charset="0"/>
+              <a:buChar char="•"/>
+            </a:pPr>
+            <a:r>
+              <a:rPr lang="en-US" sz="1800" dirty="0"/>
+              <a:t>This can be done through intersection() or &amp; operator. Common Elements are selected. They are similar to iteration over the Hash lists and combining the same values on both the Table.</a:t>
+            </a:r>
           </a:p>
         </p:txBody>
       </p:sp>
     </p:spTree>
     <p:extLst>
       <p:ext uri="{BB962C8B-B14F-4D97-AF65-F5344CB8AC3E}">
-        <p14:creationId xmlns:p14="http://schemas.microsoft.com/office/powerpoint/2010/main" val="1594356354"/>
+        <p14:creationId xmlns:p14="http://schemas.microsoft.com/office/powerpoint/2010/main" val="708185822"/>
+      </p:ext>
+    </p:extLst>
+  </p:cSld>
+  <p:clrMapOvr>
+    <a:masterClrMapping/>
+  </p:clrMapOvr>
+  <p:timing>
+    <p:tnLst>
+      <p:par>
+        <p:cTn id="1" dur="indefinite" restart="never" nodeType="tmRoot"/>
+      </p:par>
+    </p:tnLst>
+  </p:timing>
+</p:sld>
+</file>
+
+<file path=ppt/slides/slide23.xml><?xml version="1.0" encoding="utf-8"?>
+<p:sld xmlns:a="http://schemas.openxmlformats.org/drawingml/2006/main" xmlns:r="http://schemas.openxmlformats.org/officeDocument/2006/relationships" xmlns:p="http://schemas.openxmlformats.org/presentationml/2006/main">
+  <p:cSld>
+    <p:spTree>
+      <p:nvGrpSpPr>
+        <p:cNvPr id="1" name="Shape 228"/>
+        <p:cNvGrpSpPr/>
+        <p:nvPr/>
+      </p:nvGrpSpPr>
+      <p:grpSpPr>
+        <a:xfrm>
+          <a:off x="0" y="0"/>
+          <a:ext cx="0" cy="0"/>
+          <a:chOff x="0" y="0"/>
+          <a:chExt cx="0" cy="0"/>
+        </a:xfrm>
+      </p:grpSpPr>
+      <p:sp>
+        <p:nvSpPr>
+          <p:cNvPr id="229" name="Google Shape;229;p26"/>
+          <p:cNvSpPr txBox="1">
+            <a:spLocks noGrp="1"/>
+          </p:cNvSpPr>
+          <p:nvPr>
+            <p:ph type="title" idx="4294967295"/>
+          </p:nvPr>
+        </p:nvSpPr>
+        <p:spPr>
+          <a:xfrm>
+            <a:off x="753284" y="388454"/>
+            <a:ext cx="8250600" cy="798300"/>
+          </a:xfrm>
+          <a:prstGeom prst="rect">
+            <a:avLst/>
+          </a:prstGeom>
+        </p:spPr>
+        <p:txBody>
+          <a:bodyPr spcFirstLastPara="1" wrap="square" lIns="91425" tIns="91425" rIns="91425" bIns="91425" anchor="ctr" anchorCtr="0">
+            <a:noAutofit/>
+          </a:bodyPr>
+          <a:lstStyle/>
+          <a:p>
+            <a:pPr lvl="0"/>
+            <a:r>
+              <a:rPr lang="en-US" sz="2400" dirty="0">
+                <a:solidFill>
+                  <a:srgbClr val="2C363A"/>
+                </a:solidFill>
+              </a:rPr>
+              <a:t>Difference</a:t>
+            </a:r>
+            <a:endParaRPr lang="en-US" sz="2400" dirty="0">
+              <a:solidFill>
+                <a:srgbClr val="2C363A"/>
+              </a:solidFill>
+            </a:endParaRPr>
+          </a:p>
+        </p:txBody>
+      </p:sp>
+      <p:sp>
+        <p:nvSpPr>
+          <p:cNvPr id="230" name="Google Shape;230;p26"/>
+          <p:cNvSpPr txBox="1">
+            <a:spLocks noGrp="1"/>
+          </p:cNvSpPr>
+          <p:nvPr>
+            <p:ph type="sldNum" idx="12"/>
+          </p:nvPr>
+        </p:nvSpPr>
+        <p:spPr>
+          <a:xfrm>
+            <a:off x="8556784" y="4749851"/>
+            <a:ext cx="548700" cy="393600"/>
+          </a:xfrm>
+          <a:prstGeom prst="rect">
+            <a:avLst/>
+          </a:prstGeom>
+        </p:spPr>
+        <p:txBody>
+          <a:bodyPr spcFirstLastPara="1" wrap="square" lIns="91425" tIns="91425" rIns="91425" bIns="91425" anchor="t" anchorCtr="0">
+            <a:noAutofit/>
+          </a:bodyPr>
+          <a:lstStyle/>
+          <a:p>
+            <a:pPr marL="0" lvl="0" indent="0" algn="r" rtl="0">
+              <a:spcBef>
+                <a:spcPts val="0"/>
+              </a:spcBef>
+              <a:spcAft>
+                <a:spcPts val="0"/>
+              </a:spcAft>
+              <a:buNone/>
+            </a:pPr>
+            <a:fld id="{00000000-1234-1234-1234-123412341234}" type="slidenum">
+              <a:rPr lang="en"/>
+              <a:t>23</a:t>
+            </a:fld>
+            <a:endParaRPr/>
+          </a:p>
+        </p:txBody>
+      </p:sp>
+      <p:sp>
+        <p:nvSpPr>
+          <p:cNvPr id="3" name="Rectangle 2"/>
+          <p:cNvSpPr/>
+          <p:nvPr/>
+        </p:nvSpPr>
+        <p:spPr>
+          <a:xfrm>
+            <a:off x="4370832" y="97520"/>
+            <a:ext cx="4759068" cy="5016758"/>
+          </a:xfrm>
+          <a:prstGeom prst="rect">
+            <a:avLst/>
+          </a:prstGeom>
+        </p:spPr>
+        <p:style>
+          <a:lnRef idx="2">
+            <a:schemeClr val="accent2"/>
+          </a:lnRef>
+          <a:fillRef idx="1">
+            <a:schemeClr val="lt1"/>
+          </a:fillRef>
+          <a:effectRef idx="0">
+            <a:schemeClr val="accent2"/>
+          </a:effectRef>
+          <a:fontRef idx="minor">
+            <a:schemeClr val="dk1"/>
+          </a:fontRef>
+        </p:style>
+        <p:txBody>
+          <a:bodyPr wrap="square">
+            <a:spAutoFit/>
+          </a:bodyPr>
+          <a:lstStyle/>
+          <a:p>
+            <a:r>
+              <a:rPr lang="en-US" sz="1600" dirty="0"/>
+              <a:t>set1 = set()</a:t>
+            </a:r>
+          </a:p>
+          <a:p>
+            <a:r>
+              <a:rPr lang="en-US" sz="1600" dirty="0"/>
+              <a:t>set2 = set()</a:t>
+            </a:r>
+          </a:p>
+          <a:p>
+            <a:r>
+              <a:rPr lang="en-US" sz="1600" dirty="0"/>
+              <a:t> </a:t>
+            </a:r>
+            <a:r>
+              <a:rPr lang="en-US" sz="1600" dirty="0" smtClean="0"/>
+              <a:t>for </a:t>
+            </a:r>
+            <a:r>
+              <a:rPr lang="en-US" sz="1600" dirty="0" err="1"/>
+              <a:t>i</a:t>
+            </a:r>
+            <a:r>
+              <a:rPr lang="en-US" sz="1600" dirty="0"/>
+              <a:t> in range(5):</a:t>
+            </a:r>
+          </a:p>
+          <a:p>
+            <a:r>
+              <a:rPr lang="en-US" sz="1600" dirty="0"/>
+              <a:t>    set1.add(</a:t>
+            </a:r>
+            <a:r>
+              <a:rPr lang="en-US" sz="1600" dirty="0" err="1"/>
+              <a:t>i</a:t>
+            </a:r>
+            <a:r>
+              <a:rPr lang="en-US" sz="1600" dirty="0"/>
+              <a:t>)</a:t>
+            </a:r>
+          </a:p>
+          <a:p>
+            <a:r>
+              <a:rPr lang="en-US" sz="1600" dirty="0"/>
+              <a:t> </a:t>
+            </a:r>
+          </a:p>
+          <a:p>
+            <a:r>
+              <a:rPr lang="en-US" sz="1600" dirty="0"/>
+              <a:t>for </a:t>
+            </a:r>
+            <a:r>
+              <a:rPr lang="en-US" sz="1600" dirty="0" err="1"/>
+              <a:t>i</a:t>
+            </a:r>
+            <a:r>
+              <a:rPr lang="en-US" sz="1600" dirty="0"/>
+              <a:t> in range(3,9):</a:t>
+            </a:r>
+          </a:p>
+          <a:p>
+            <a:r>
+              <a:rPr lang="en-US" sz="1600" dirty="0"/>
+              <a:t>    set2.add(</a:t>
+            </a:r>
+            <a:r>
+              <a:rPr lang="en-US" sz="1600" dirty="0" err="1"/>
+              <a:t>i</a:t>
+            </a:r>
+            <a:r>
+              <a:rPr lang="en-US" sz="1600" dirty="0"/>
+              <a:t>)</a:t>
+            </a:r>
+          </a:p>
+          <a:p>
+            <a:r>
+              <a:rPr lang="en-US" sz="1600" dirty="0" smtClean="0"/>
+              <a:t># </a:t>
+            </a:r>
+            <a:r>
+              <a:rPr lang="en-US" sz="1600" dirty="0"/>
+              <a:t>Difference of two sets</a:t>
+            </a:r>
+          </a:p>
+          <a:p>
+            <a:r>
+              <a:rPr lang="en-US" sz="1600" dirty="0"/>
+              <a:t># using difference() function</a:t>
+            </a:r>
+          </a:p>
+          <a:p>
+            <a:r>
+              <a:rPr lang="en-US" sz="1600" dirty="0"/>
+              <a:t>set3 = set1.difference(set2)</a:t>
+            </a:r>
+          </a:p>
+          <a:p>
+            <a:r>
+              <a:rPr lang="en-US" sz="1600" dirty="0"/>
+              <a:t> </a:t>
+            </a:r>
+          </a:p>
+          <a:p>
+            <a:r>
+              <a:rPr lang="en-US" sz="1600" dirty="0"/>
+              <a:t>print(" Difference of two sets using difference() function")</a:t>
+            </a:r>
+          </a:p>
+          <a:p>
+            <a:r>
+              <a:rPr lang="en-US" sz="1600" dirty="0"/>
+              <a:t>print(set3)</a:t>
+            </a:r>
+          </a:p>
+          <a:p>
+            <a:r>
+              <a:rPr lang="en-US" sz="1600" dirty="0" smtClean="0"/>
+              <a:t># </a:t>
+            </a:r>
+            <a:r>
+              <a:rPr lang="en-US" sz="1600" dirty="0"/>
+              <a:t>Difference of two sets</a:t>
+            </a:r>
+          </a:p>
+          <a:p>
+            <a:r>
+              <a:rPr lang="en-US" sz="1600" dirty="0"/>
+              <a:t># using '-' operator</a:t>
+            </a:r>
+          </a:p>
+          <a:p>
+            <a:r>
+              <a:rPr lang="en-US" sz="1600" dirty="0"/>
+              <a:t>set3 = set1 - set2</a:t>
+            </a:r>
+          </a:p>
+          <a:p>
+            <a:r>
+              <a:rPr lang="en-US" sz="1600" dirty="0"/>
+              <a:t> </a:t>
+            </a:r>
+          </a:p>
+          <a:p>
+            <a:r>
+              <a:rPr lang="en-US" sz="1600" dirty="0"/>
+              <a:t>print("\</a:t>
+            </a:r>
+            <a:r>
+              <a:rPr lang="en-US" sz="1600" dirty="0" err="1"/>
+              <a:t>nDifference</a:t>
+            </a:r>
+            <a:r>
+              <a:rPr lang="en-US" sz="1600" dirty="0"/>
+              <a:t> of two sets using '-' operator")</a:t>
+            </a:r>
+          </a:p>
+          <a:p>
+            <a:r>
+              <a:rPr lang="en-US" sz="1600" dirty="0"/>
+              <a:t>print(set3)</a:t>
+            </a:r>
+          </a:p>
+        </p:txBody>
+      </p:sp>
+      <p:sp>
+        <p:nvSpPr>
+          <p:cNvPr id="5" name="Rectangle 4"/>
+          <p:cNvSpPr/>
+          <p:nvPr/>
+        </p:nvSpPr>
+        <p:spPr>
+          <a:xfrm>
+            <a:off x="621792" y="1232921"/>
+            <a:ext cx="3218688" cy="1338828"/>
+          </a:xfrm>
+          <a:prstGeom prst="rect">
+            <a:avLst/>
+          </a:prstGeom>
+        </p:spPr>
+        <p:txBody>
+          <a:bodyPr wrap="square">
+            <a:spAutoFit/>
+          </a:bodyPr>
+          <a:lstStyle/>
+          <a:p>
+            <a:pPr marL="285750" indent="-285750" algn="just">
+              <a:lnSpc>
+                <a:spcPct val="150000"/>
+              </a:lnSpc>
+              <a:buFont typeface="Arial" panose="020B0604020202020204" pitchFamily="34" charset="0"/>
+              <a:buChar char="•"/>
+            </a:pPr>
+            <a:r>
+              <a:rPr lang="en-US" sz="1800" dirty="0"/>
+              <a:t>To find difference in between sets. Similar to find difference in linked list.</a:t>
+            </a:r>
+          </a:p>
+        </p:txBody>
+      </p:sp>
+    </p:spTree>
+    <p:extLst>
+      <p:ext uri="{BB962C8B-B14F-4D97-AF65-F5344CB8AC3E}">
+        <p14:creationId xmlns:p14="http://schemas.microsoft.com/office/powerpoint/2010/main" val="3744689885"/>
+      </p:ext>
+    </p:extLst>
+  </p:cSld>
+  <p:clrMapOvr>
+    <a:masterClrMapping/>
+  </p:clrMapOvr>
+  <p:timing>
+    <p:tnLst>
+      <p:par>
+        <p:cTn id="1" dur="indefinite" restart="never" nodeType="tmRoot"/>
+      </p:par>
+    </p:tnLst>
+  </p:timing>
+</p:sld>
+</file>
+
+<file path=ppt/slides/slide24.xml><?xml version="1.0" encoding="utf-8"?>
+<p:sld xmlns:a="http://schemas.openxmlformats.org/drawingml/2006/main" xmlns:r="http://schemas.openxmlformats.org/officeDocument/2006/relationships" xmlns:p="http://schemas.openxmlformats.org/presentationml/2006/main">
+  <p:cSld>
+    <p:spTree>
+      <p:nvGrpSpPr>
+        <p:cNvPr id="1" name="Shape 228"/>
+        <p:cNvGrpSpPr/>
+        <p:nvPr/>
+      </p:nvGrpSpPr>
+      <p:grpSpPr>
+        <a:xfrm>
+          <a:off x="0" y="0"/>
+          <a:ext cx="0" cy="0"/>
+          <a:chOff x="0" y="0"/>
+          <a:chExt cx="0" cy="0"/>
+        </a:xfrm>
+      </p:grpSpPr>
+      <p:sp>
+        <p:nvSpPr>
+          <p:cNvPr id="229" name="Google Shape;229;p26"/>
+          <p:cNvSpPr txBox="1">
+            <a:spLocks noGrp="1"/>
+          </p:cNvSpPr>
+          <p:nvPr>
+            <p:ph type="title" idx="4294967295"/>
+          </p:nvPr>
+        </p:nvSpPr>
+        <p:spPr>
+          <a:xfrm>
+            <a:off x="753284" y="388454"/>
+            <a:ext cx="8250600" cy="798300"/>
+          </a:xfrm>
+          <a:prstGeom prst="rect">
+            <a:avLst/>
+          </a:prstGeom>
+        </p:spPr>
+        <p:txBody>
+          <a:bodyPr spcFirstLastPara="1" wrap="square" lIns="91425" tIns="91425" rIns="91425" bIns="91425" anchor="ctr" anchorCtr="0">
+            <a:noAutofit/>
+          </a:bodyPr>
+          <a:lstStyle/>
+          <a:p>
+            <a:pPr lvl="0"/>
+            <a:r>
+              <a:rPr lang="en-US" sz="2400" dirty="0">
+                <a:solidFill>
+                  <a:srgbClr val="2C363A"/>
+                </a:solidFill>
+              </a:rPr>
+              <a:t>Clearing sets</a:t>
+            </a:r>
+          </a:p>
+        </p:txBody>
+      </p:sp>
+      <p:sp>
+        <p:nvSpPr>
+          <p:cNvPr id="230" name="Google Shape;230;p26"/>
+          <p:cNvSpPr txBox="1">
+            <a:spLocks noGrp="1"/>
+          </p:cNvSpPr>
+          <p:nvPr>
+            <p:ph type="sldNum" idx="12"/>
+          </p:nvPr>
+        </p:nvSpPr>
+        <p:spPr>
+          <a:xfrm>
+            <a:off x="8556784" y="4749851"/>
+            <a:ext cx="548700" cy="393600"/>
+          </a:xfrm>
+          <a:prstGeom prst="rect">
+            <a:avLst/>
+          </a:prstGeom>
+        </p:spPr>
+        <p:txBody>
+          <a:bodyPr spcFirstLastPara="1" wrap="square" lIns="91425" tIns="91425" rIns="91425" bIns="91425" anchor="t" anchorCtr="0">
+            <a:noAutofit/>
+          </a:bodyPr>
+          <a:lstStyle/>
+          <a:p>
+            <a:pPr marL="0" lvl="0" indent="0" algn="r" rtl="0">
+              <a:spcBef>
+                <a:spcPts val="0"/>
+              </a:spcBef>
+              <a:spcAft>
+                <a:spcPts val="0"/>
+              </a:spcAft>
+              <a:buNone/>
+            </a:pPr>
+            <a:fld id="{00000000-1234-1234-1234-123412341234}" type="slidenum">
+              <a:rPr lang="en"/>
+              <a:t>24</a:t>
+            </a:fld>
+            <a:endParaRPr/>
+          </a:p>
+        </p:txBody>
+      </p:sp>
+      <p:sp>
+        <p:nvSpPr>
+          <p:cNvPr id="3" name="Rectangle 2"/>
+          <p:cNvSpPr/>
+          <p:nvPr/>
+        </p:nvSpPr>
+        <p:spPr>
+          <a:xfrm>
+            <a:off x="4346416" y="787604"/>
+            <a:ext cx="4759068" cy="2800767"/>
+          </a:xfrm>
+          <a:prstGeom prst="rect">
+            <a:avLst/>
+          </a:prstGeom>
+        </p:spPr>
+        <p:style>
+          <a:lnRef idx="2">
+            <a:schemeClr val="accent2"/>
+          </a:lnRef>
+          <a:fillRef idx="1">
+            <a:schemeClr val="lt1"/>
+          </a:fillRef>
+          <a:effectRef idx="0">
+            <a:schemeClr val="accent2"/>
+          </a:effectRef>
+          <a:fontRef idx="minor">
+            <a:schemeClr val="dk1"/>
+          </a:fontRef>
+        </p:style>
+        <p:txBody>
+          <a:bodyPr wrap="square">
+            <a:spAutoFit/>
+          </a:bodyPr>
+          <a:lstStyle/>
+          <a:p>
+            <a:r>
+              <a:rPr lang="en-US" sz="1600" dirty="0"/>
+              <a:t>set1 = {1,2,3,4,5,6}</a:t>
+            </a:r>
+          </a:p>
+          <a:p>
+            <a:r>
+              <a:rPr lang="en-US" sz="1600" dirty="0"/>
+              <a:t> </a:t>
+            </a:r>
+          </a:p>
+          <a:p>
+            <a:r>
+              <a:rPr lang="en-US" sz="1600" dirty="0"/>
+              <a:t>print("Initial set")</a:t>
+            </a:r>
+          </a:p>
+          <a:p>
+            <a:r>
+              <a:rPr lang="en-US" sz="1600" dirty="0"/>
+              <a:t>print(set1)</a:t>
+            </a:r>
+          </a:p>
+          <a:p>
+            <a:r>
+              <a:rPr lang="en-US" sz="1600" dirty="0"/>
+              <a:t> </a:t>
+            </a:r>
+          </a:p>
+          <a:p>
+            <a:r>
+              <a:rPr lang="en-US" sz="1600" dirty="0"/>
+              <a:t># This method will remove</a:t>
+            </a:r>
+          </a:p>
+          <a:p>
+            <a:r>
+              <a:rPr lang="en-US" sz="1600" dirty="0"/>
+              <a:t># all the elements of the set</a:t>
+            </a:r>
+          </a:p>
+          <a:p>
+            <a:r>
+              <a:rPr lang="en-US" sz="1600" dirty="0"/>
+              <a:t>set1.clear()</a:t>
+            </a:r>
+          </a:p>
+          <a:p>
+            <a:r>
+              <a:rPr lang="en-US" sz="1600" dirty="0"/>
+              <a:t> </a:t>
+            </a:r>
+          </a:p>
+          <a:p>
+            <a:r>
+              <a:rPr lang="en-US" sz="1600" dirty="0"/>
+              <a:t>print("\</a:t>
+            </a:r>
+            <a:r>
+              <a:rPr lang="en-US" sz="1600" dirty="0" err="1"/>
+              <a:t>nSet</a:t>
+            </a:r>
+            <a:r>
+              <a:rPr lang="en-US" sz="1600" dirty="0"/>
+              <a:t> after using clear() function")</a:t>
+            </a:r>
+          </a:p>
+          <a:p>
+            <a:r>
+              <a:rPr lang="en-US" sz="1600" dirty="0"/>
+              <a:t>print(set1)</a:t>
+            </a:r>
+          </a:p>
+        </p:txBody>
+      </p:sp>
+      <p:sp>
+        <p:nvSpPr>
+          <p:cNvPr id="5" name="Rectangle 4"/>
+          <p:cNvSpPr/>
+          <p:nvPr/>
+        </p:nvSpPr>
+        <p:spPr>
+          <a:xfrm>
+            <a:off x="621792" y="1232921"/>
+            <a:ext cx="3218688" cy="872034"/>
+          </a:xfrm>
+          <a:prstGeom prst="rect">
+            <a:avLst/>
+          </a:prstGeom>
+        </p:spPr>
+        <p:txBody>
+          <a:bodyPr wrap="square">
+            <a:spAutoFit/>
+          </a:bodyPr>
+          <a:lstStyle/>
+          <a:p>
+            <a:pPr marL="285750" indent="-285750" algn="just">
+              <a:lnSpc>
+                <a:spcPct val="150000"/>
+              </a:lnSpc>
+              <a:buFont typeface="Arial" panose="020B0604020202020204" pitchFamily="34" charset="0"/>
+              <a:buChar char="•"/>
+            </a:pPr>
+            <a:r>
+              <a:rPr lang="en-US" sz="1800" dirty="0"/>
+              <a:t>Clear() method empties the whole set.</a:t>
+            </a:r>
+          </a:p>
+        </p:txBody>
+      </p:sp>
+    </p:spTree>
+    <p:extLst>
+      <p:ext uri="{BB962C8B-B14F-4D97-AF65-F5344CB8AC3E}">
+        <p14:creationId xmlns:p14="http://schemas.microsoft.com/office/powerpoint/2010/main" val="3146219932"/>
+      </p:ext>
+    </p:extLst>
+  </p:cSld>
+  <p:clrMapOvr>
+    <a:masterClrMapping/>
+  </p:clrMapOvr>
+  <p:timing>
+    <p:tnLst>
+      <p:par>
+        <p:cTn id="1" dur="indefinite" restart="never" nodeType="tmRoot"/>
+      </p:par>
+    </p:tnLst>
+  </p:timing>
+</p:sld>
+</file>
+
+<file path=ppt/slides/slide25.xml><?xml version="1.0" encoding="utf-8"?>
+<p:sld xmlns:a="http://schemas.openxmlformats.org/drawingml/2006/main" xmlns:r="http://schemas.openxmlformats.org/officeDocument/2006/relationships" xmlns:p="http://schemas.openxmlformats.org/presentationml/2006/main">
+  <p:cSld>
+    <p:spTree>
+      <p:nvGrpSpPr>
+        <p:cNvPr id="1" name="Shape 228"/>
+        <p:cNvGrpSpPr/>
+        <p:nvPr/>
+      </p:nvGrpSpPr>
+      <p:grpSpPr>
+        <a:xfrm>
+          <a:off x="0" y="0"/>
+          <a:ext cx="0" cy="0"/>
+          <a:chOff x="0" y="0"/>
+          <a:chExt cx="0" cy="0"/>
+        </a:xfrm>
+      </p:grpSpPr>
+      <p:sp>
+        <p:nvSpPr>
+          <p:cNvPr id="229" name="Google Shape;229;p26"/>
+          <p:cNvSpPr txBox="1">
+            <a:spLocks noGrp="1"/>
+          </p:cNvSpPr>
+          <p:nvPr>
+            <p:ph type="title" idx="4294967295"/>
+          </p:nvPr>
+        </p:nvSpPr>
+        <p:spPr>
+          <a:xfrm>
+            <a:off x="621792" y="205574"/>
+            <a:ext cx="8250600" cy="798300"/>
+          </a:xfrm>
+          <a:prstGeom prst="rect">
+            <a:avLst/>
+          </a:prstGeom>
+        </p:spPr>
+        <p:txBody>
+          <a:bodyPr spcFirstLastPara="1" wrap="square" lIns="91425" tIns="91425" rIns="91425" bIns="91425" anchor="ctr" anchorCtr="0">
+            <a:noAutofit/>
+          </a:bodyPr>
+          <a:lstStyle/>
+          <a:p>
+            <a:pPr lvl="0"/>
+            <a:r>
+              <a:rPr lang="en-US" sz="2400" dirty="0">
+                <a:solidFill>
+                  <a:srgbClr val="2C363A"/>
+                </a:solidFill>
+              </a:rPr>
+              <a:t>However, there are two major pitfalls in Python sets: </a:t>
+            </a:r>
+            <a:endParaRPr lang="en-US" sz="2400" dirty="0">
+              <a:solidFill>
+                <a:srgbClr val="2C363A"/>
+              </a:solidFill>
+            </a:endParaRPr>
+          </a:p>
+        </p:txBody>
+      </p:sp>
+      <p:sp>
+        <p:nvSpPr>
+          <p:cNvPr id="230" name="Google Shape;230;p26"/>
+          <p:cNvSpPr txBox="1">
+            <a:spLocks noGrp="1"/>
+          </p:cNvSpPr>
+          <p:nvPr>
+            <p:ph type="sldNum" idx="12"/>
+          </p:nvPr>
+        </p:nvSpPr>
+        <p:spPr>
+          <a:xfrm>
+            <a:off x="8556784" y="4749851"/>
+            <a:ext cx="548700" cy="393600"/>
+          </a:xfrm>
+          <a:prstGeom prst="rect">
+            <a:avLst/>
+          </a:prstGeom>
+        </p:spPr>
+        <p:txBody>
+          <a:bodyPr spcFirstLastPara="1" wrap="square" lIns="91425" tIns="91425" rIns="91425" bIns="91425" anchor="t" anchorCtr="0">
+            <a:noAutofit/>
+          </a:bodyPr>
+          <a:lstStyle/>
+          <a:p>
+            <a:pPr marL="0" lvl="0" indent="0" algn="r" rtl="0">
+              <a:spcBef>
+                <a:spcPts val="0"/>
+              </a:spcBef>
+              <a:spcAft>
+                <a:spcPts val="0"/>
+              </a:spcAft>
+              <a:buNone/>
+            </a:pPr>
+            <a:fld id="{00000000-1234-1234-1234-123412341234}" type="slidenum">
+              <a:rPr lang="en"/>
+              <a:t>25</a:t>
+            </a:fld>
+            <a:endParaRPr/>
+          </a:p>
+        </p:txBody>
+      </p:sp>
+      <p:sp>
+        <p:nvSpPr>
+          <p:cNvPr id="5" name="Rectangle 4"/>
+          <p:cNvSpPr/>
+          <p:nvPr/>
+        </p:nvSpPr>
+        <p:spPr>
+          <a:xfrm>
+            <a:off x="621792" y="1232921"/>
+            <a:ext cx="7934992" cy="923330"/>
+          </a:xfrm>
+          <a:prstGeom prst="rect">
+            <a:avLst/>
+          </a:prstGeom>
+        </p:spPr>
+        <p:txBody>
+          <a:bodyPr wrap="square">
+            <a:spAutoFit/>
+          </a:bodyPr>
+          <a:lstStyle/>
+          <a:p>
+            <a:pPr marL="342900" indent="-342900" algn="just">
+              <a:lnSpc>
+                <a:spcPct val="150000"/>
+              </a:lnSpc>
+              <a:buFont typeface="+mj-lt"/>
+              <a:buAutoNum type="arabicPeriod"/>
+            </a:pPr>
+            <a:r>
+              <a:rPr lang="en-US" sz="1800" dirty="0"/>
+              <a:t>The set doesn’t maintain elements in any particular order.</a:t>
+            </a:r>
+          </a:p>
+          <a:p>
+            <a:pPr marL="342900" indent="-342900" algn="just">
+              <a:lnSpc>
+                <a:spcPct val="150000"/>
+              </a:lnSpc>
+              <a:buFont typeface="+mj-lt"/>
+              <a:buAutoNum type="arabicPeriod"/>
+            </a:pPr>
+            <a:r>
+              <a:rPr lang="en-US" sz="1800" dirty="0"/>
+              <a:t>Only instances of immutable types can be added to a Python set.</a:t>
+            </a:r>
+          </a:p>
+        </p:txBody>
+      </p:sp>
+    </p:spTree>
+    <p:extLst>
+      <p:ext uri="{BB962C8B-B14F-4D97-AF65-F5344CB8AC3E}">
+        <p14:creationId xmlns:p14="http://schemas.microsoft.com/office/powerpoint/2010/main" val="2177557602"/>
+      </p:ext>
+    </p:extLst>
+  </p:cSld>
+  <p:clrMapOvr>
+    <a:masterClrMapping/>
+  </p:clrMapOvr>
+  <p:timing>
+    <p:tnLst>
+      <p:par>
+        <p:cTn id="1" dur="indefinite" restart="never" nodeType="tmRoot"/>
+      </p:par>
+    </p:tnLst>
+  </p:timing>
+</p:sld>
+</file>
+
+<file path=ppt/slides/slide26.xml><?xml version="1.0" encoding="utf-8"?>
+<p:sld xmlns:a="http://schemas.openxmlformats.org/drawingml/2006/main" xmlns:r="http://schemas.openxmlformats.org/officeDocument/2006/relationships" xmlns:p="http://schemas.openxmlformats.org/presentationml/2006/main">
+  <p:cSld>
+    <p:spTree>
+      <p:nvGrpSpPr>
+        <p:cNvPr id="1" name="Shape 228"/>
+        <p:cNvGrpSpPr/>
+        <p:nvPr/>
+      </p:nvGrpSpPr>
+      <p:grpSpPr>
+        <a:xfrm>
+          <a:off x="0" y="0"/>
+          <a:ext cx="0" cy="0"/>
+          <a:chOff x="0" y="0"/>
+          <a:chExt cx="0" cy="0"/>
+        </a:xfrm>
+      </p:grpSpPr>
+      <p:sp>
+        <p:nvSpPr>
+          <p:cNvPr id="229" name="Google Shape;229;p26"/>
+          <p:cNvSpPr txBox="1">
+            <a:spLocks noGrp="1"/>
+          </p:cNvSpPr>
+          <p:nvPr>
+            <p:ph type="title" idx="4294967295"/>
+          </p:nvPr>
+        </p:nvSpPr>
+        <p:spPr>
+          <a:xfrm>
+            <a:off x="621792" y="205574"/>
+            <a:ext cx="8250600" cy="798300"/>
+          </a:xfrm>
+          <a:prstGeom prst="rect">
+            <a:avLst/>
+          </a:prstGeom>
+        </p:spPr>
+        <p:txBody>
+          <a:bodyPr spcFirstLastPara="1" wrap="square" lIns="91425" tIns="91425" rIns="91425" bIns="91425" anchor="ctr" anchorCtr="0">
+            <a:noAutofit/>
+          </a:bodyPr>
+          <a:lstStyle/>
+          <a:p>
+            <a:pPr lvl="0"/>
+            <a:r>
+              <a:rPr lang="en-US" sz="2400" dirty="0">
+                <a:solidFill>
+                  <a:srgbClr val="2C363A"/>
+                </a:solidFill>
+              </a:rPr>
+              <a:t>Operators for Sets</a:t>
+            </a:r>
+            <a:endParaRPr lang="en-US" sz="2400" dirty="0">
+              <a:solidFill>
+                <a:srgbClr val="2C363A"/>
+              </a:solidFill>
+            </a:endParaRPr>
+          </a:p>
+        </p:txBody>
+      </p:sp>
+      <p:sp>
+        <p:nvSpPr>
+          <p:cNvPr id="230" name="Google Shape;230;p26"/>
+          <p:cNvSpPr txBox="1">
+            <a:spLocks noGrp="1"/>
+          </p:cNvSpPr>
+          <p:nvPr>
+            <p:ph type="sldNum" idx="12"/>
+          </p:nvPr>
+        </p:nvSpPr>
+        <p:spPr>
+          <a:xfrm>
+            <a:off x="8556784" y="4749851"/>
+            <a:ext cx="548700" cy="393600"/>
+          </a:xfrm>
+          <a:prstGeom prst="rect">
+            <a:avLst/>
+          </a:prstGeom>
+        </p:spPr>
+        <p:txBody>
+          <a:bodyPr spcFirstLastPara="1" wrap="square" lIns="91425" tIns="91425" rIns="91425" bIns="91425" anchor="t" anchorCtr="0">
+            <a:noAutofit/>
+          </a:bodyPr>
+          <a:lstStyle/>
+          <a:p>
+            <a:pPr marL="0" lvl="0" indent="0" algn="r" rtl="0">
+              <a:spcBef>
+                <a:spcPts val="0"/>
+              </a:spcBef>
+              <a:spcAft>
+                <a:spcPts val="0"/>
+              </a:spcAft>
+              <a:buNone/>
+            </a:pPr>
+            <a:fld id="{00000000-1234-1234-1234-123412341234}" type="slidenum">
+              <a:rPr lang="en"/>
+              <a:t>26</a:t>
+            </a:fld>
+            <a:endParaRPr/>
+          </a:p>
+        </p:txBody>
+      </p:sp>
+      <p:graphicFrame>
+        <p:nvGraphicFramePr>
+          <p:cNvPr id="6" name="Table 5"/>
+          <p:cNvGraphicFramePr>
+            <a:graphicFrameLocks noGrp="1"/>
+          </p:cNvGraphicFramePr>
+          <p:nvPr>
+            <p:extLst>
+              <p:ext uri="{D42A27DB-BD31-4B8C-83A1-F6EECF244321}">
+                <p14:modId xmlns:p14="http://schemas.microsoft.com/office/powerpoint/2010/main" val="467026152"/>
+              </p:ext>
+            </p:extLst>
+          </p:nvPr>
+        </p:nvGraphicFramePr>
+        <p:xfrm>
+          <a:off x="621792" y="1153364"/>
+          <a:ext cx="7697248" cy="2958832"/>
+        </p:xfrm>
+        <a:graphic>
+          <a:graphicData uri="http://schemas.openxmlformats.org/drawingml/2006/table">
+            <a:tbl>
+              <a:tblPr>
+                <a:tableStyleId>{616DA210-FB5B-4158-B5E0-FEB733F419BA}</a:tableStyleId>
+              </a:tblPr>
+              <a:tblGrid>
+                <a:gridCol w="3848624">
+                  <a:extLst>
+                    <a:ext uri="{9D8B030D-6E8A-4147-A177-3AD203B41FA5}">
+                      <a16:colId xmlns:a16="http://schemas.microsoft.com/office/drawing/2014/main" val="1138322689"/>
+                    </a:ext>
+                  </a:extLst>
+                </a:gridCol>
+                <a:gridCol w="3848624">
+                  <a:extLst>
+                    <a:ext uri="{9D8B030D-6E8A-4147-A177-3AD203B41FA5}">
+                      <a16:colId xmlns:a16="http://schemas.microsoft.com/office/drawing/2014/main" val="3438406667"/>
+                    </a:ext>
+                  </a:extLst>
+                </a:gridCol>
+              </a:tblGrid>
+              <a:tr h="234235">
+                <a:tc>
+                  <a:txBody>
+                    <a:bodyPr/>
+                    <a:lstStyle/>
+                    <a:p>
+                      <a:pPr algn="ctr" fontAlgn="base"/>
+                      <a:r>
+                        <a:rPr lang="en-US" sz="1800" b="1">
+                          <a:solidFill>
+                            <a:schemeClr val="accent2"/>
+                          </a:solidFill>
+                          <a:effectLst/>
+                        </a:rPr>
+                        <a:t>Operators</a:t>
+                      </a:r>
+                    </a:p>
+                  </a:txBody>
+                  <a:tcPr marL="55244" marR="55244" marT="55244" marB="55244" anchor="ctr"/>
+                </a:tc>
+                <a:tc>
+                  <a:txBody>
+                    <a:bodyPr/>
+                    <a:lstStyle/>
+                    <a:p>
+                      <a:pPr algn="ctr" fontAlgn="base"/>
+                      <a:r>
+                        <a:rPr lang="en-US" sz="1800" b="1" dirty="0">
+                          <a:solidFill>
+                            <a:schemeClr val="accent2"/>
+                          </a:solidFill>
+                          <a:effectLst/>
+                        </a:rPr>
+                        <a:t>Notes</a:t>
+                      </a:r>
+                    </a:p>
+                  </a:txBody>
+                  <a:tcPr marL="55244" marR="55244" marT="55244" marB="55244" anchor="ctr"/>
+                </a:tc>
+                <a:extLst>
+                  <a:ext uri="{0D108BD9-81ED-4DB2-BD59-A6C34878D82A}">
+                    <a16:rowId xmlns:a16="http://schemas.microsoft.com/office/drawing/2014/main" val="830955025"/>
+                  </a:ext>
+                </a:extLst>
+              </a:tr>
+              <a:tr h="265172">
+                <a:tc>
+                  <a:txBody>
+                    <a:bodyPr/>
+                    <a:lstStyle/>
+                    <a:p>
+                      <a:pPr algn="l" fontAlgn="base"/>
+                      <a:r>
+                        <a:rPr lang="en-US" sz="1800">
+                          <a:effectLst/>
+                        </a:rPr>
+                        <a:t>key in s</a:t>
+                      </a:r>
+                      <a:endParaRPr lang="en-US" sz="1800" b="0">
+                        <a:effectLst/>
+                      </a:endParaRPr>
+                    </a:p>
+                  </a:txBody>
+                  <a:tcPr marL="55244" marR="55244" marT="77342" marB="77342" anchor="ctr"/>
+                </a:tc>
+                <a:tc>
+                  <a:txBody>
+                    <a:bodyPr/>
+                    <a:lstStyle/>
+                    <a:p>
+                      <a:pPr algn="l" fontAlgn="base"/>
+                      <a:r>
+                        <a:rPr lang="en-US" sz="1800" dirty="0">
+                          <a:effectLst/>
+                        </a:rPr>
+                        <a:t>containment check</a:t>
+                      </a:r>
+                      <a:endParaRPr lang="en-US" sz="1800" b="0" dirty="0">
+                        <a:effectLst/>
+                      </a:endParaRPr>
+                    </a:p>
+                  </a:txBody>
+                  <a:tcPr marL="55244" marR="55244" marT="77342" marB="77342" anchor="ctr"/>
+                </a:tc>
+                <a:extLst>
+                  <a:ext uri="{0D108BD9-81ED-4DB2-BD59-A6C34878D82A}">
+                    <a16:rowId xmlns:a16="http://schemas.microsoft.com/office/drawing/2014/main" val="1541609069"/>
+                  </a:ext>
+                </a:extLst>
+              </a:tr>
+              <a:tr h="265172">
+                <a:tc>
+                  <a:txBody>
+                    <a:bodyPr/>
+                    <a:lstStyle/>
+                    <a:p>
+                      <a:pPr algn="l" fontAlgn="base"/>
+                      <a:r>
+                        <a:rPr lang="en-US" sz="1800">
+                          <a:effectLst/>
+                        </a:rPr>
+                        <a:t>key not in s</a:t>
+                      </a:r>
+                      <a:endParaRPr lang="en-US" sz="1800" b="0">
+                        <a:effectLst/>
+                      </a:endParaRPr>
+                    </a:p>
+                  </a:txBody>
+                  <a:tcPr marL="55244" marR="55244" marT="77342" marB="77342" anchor="ctr"/>
+                </a:tc>
+                <a:tc>
+                  <a:txBody>
+                    <a:bodyPr/>
+                    <a:lstStyle/>
+                    <a:p>
+                      <a:pPr algn="l" fontAlgn="base"/>
+                      <a:r>
+                        <a:rPr lang="en-US" sz="1800">
+                          <a:effectLst/>
+                        </a:rPr>
+                        <a:t>non-containment check</a:t>
+                      </a:r>
+                      <a:endParaRPr lang="en-US" sz="1800" b="0">
+                        <a:effectLst/>
+                      </a:endParaRPr>
+                    </a:p>
+                  </a:txBody>
+                  <a:tcPr marL="55244" marR="55244" marT="77342" marB="77342" anchor="ctr"/>
+                </a:tc>
+                <a:extLst>
+                  <a:ext uri="{0D108BD9-81ED-4DB2-BD59-A6C34878D82A}">
+                    <a16:rowId xmlns:a16="http://schemas.microsoft.com/office/drawing/2014/main" val="4188506254"/>
+                  </a:ext>
+                </a:extLst>
+              </a:tr>
+              <a:tr h="265172">
+                <a:tc>
+                  <a:txBody>
+                    <a:bodyPr/>
+                    <a:lstStyle/>
+                    <a:p>
+                      <a:pPr algn="l" fontAlgn="base"/>
+                      <a:r>
+                        <a:rPr lang="en-US" sz="1800">
+                          <a:effectLst/>
+                        </a:rPr>
+                        <a:t>s1 == s2</a:t>
+                      </a:r>
+                      <a:endParaRPr lang="en-US" sz="1800" b="0">
+                        <a:effectLst/>
+                      </a:endParaRPr>
+                    </a:p>
+                  </a:txBody>
+                  <a:tcPr marL="55244" marR="55244" marT="77342" marB="77342" anchor="ctr"/>
+                </a:tc>
+                <a:tc>
+                  <a:txBody>
+                    <a:bodyPr/>
+                    <a:lstStyle/>
+                    <a:p>
+                      <a:pPr algn="l" fontAlgn="base"/>
+                      <a:r>
+                        <a:rPr lang="en-US" sz="1800">
+                          <a:effectLst/>
+                        </a:rPr>
+                        <a:t>s1 is equivalent to s2</a:t>
+                      </a:r>
+                      <a:endParaRPr lang="en-US" sz="1800" b="0">
+                        <a:effectLst/>
+                      </a:endParaRPr>
+                    </a:p>
+                  </a:txBody>
+                  <a:tcPr marL="55244" marR="55244" marT="77342" marB="77342" anchor="ctr"/>
+                </a:tc>
+                <a:extLst>
+                  <a:ext uri="{0D108BD9-81ED-4DB2-BD59-A6C34878D82A}">
+                    <a16:rowId xmlns:a16="http://schemas.microsoft.com/office/drawing/2014/main" val="2838932893"/>
+                  </a:ext>
+                </a:extLst>
+              </a:tr>
+              <a:tr h="265172">
+                <a:tc>
+                  <a:txBody>
+                    <a:bodyPr/>
+                    <a:lstStyle/>
+                    <a:p>
+                      <a:pPr algn="l" fontAlgn="base"/>
+                      <a:r>
+                        <a:rPr lang="en-US" sz="1800">
+                          <a:effectLst/>
+                        </a:rPr>
+                        <a:t>s1 != s2</a:t>
+                      </a:r>
+                      <a:endParaRPr lang="en-US" sz="1800" b="0">
+                        <a:effectLst/>
+                      </a:endParaRPr>
+                    </a:p>
+                  </a:txBody>
+                  <a:tcPr marL="55244" marR="55244" marT="77342" marB="77342" anchor="ctr"/>
+                </a:tc>
+                <a:tc>
+                  <a:txBody>
+                    <a:bodyPr/>
+                    <a:lstStyle/>
+                    <a:p>
+                      <a:pPr algn="l" fontAlgn="base"/>
+                      <a:r>
+                        <a:rPr lang="en-US" sz="1800">
+                          <a:effectLst/>
+                        </a:rPr>
+                        <a:t>s1 is not equivalent to s2</a:t>
+                      </a:r>
+                      <a:endParaRPr lang="en-US" sz="1800" b="0">
+                        <a:effectLst/>
+                      </a:endParaRPr>
+                    </a:p>
+                  </a:txBody>
+                  <a:tcPr marL="55244" marR="55244" marT="77342" marB="77342" anchor="ctr"/>
+                </a:tc>
+                <a:extLst>
+                  <a:ext uri="{0D108BD9-81ED-4DB2-BD59-A6C34878D82A}">
+                    <a16:rowId xmlns:a16="http://schemas.microsoft.com/office/drawing/2014/main" val="2990588740"/>
+                  </a:ext>
+                </a:extLst>
+              </a:tr>
+              <a:tr h="265172">
+                <a:tc>
+                  <a:txBody>
+                    <a:bodyPr/>
+                    <a:lstStyle/>
+                    <a:p>
+                      <a:pPr algn="l" fontAlgn="base"/>
+                      <a:r>
+                        <a:rPr lang="en-US" sz="1800">
+                          <a:effectLst/>
+                        </a:rPr>
+                        <a:t>s1 &lt;= s2</a:t>
+                      </a:r>
+                      <a:endParaRPr lang="en-US" sz="1800" b="0">
+                        <a:effectLst/>
+                      </a:endParaRPr>
+                    </a:p>
+                  </a:txBody>
+                  <a:tcPr marL="55244" marR="55244" marT="77342" marB="77342" anchor="ctr"/>
+                </a:tc>
+                <a:tc>
+                  <a:txBody>
+                    <a:bodyPr/>
+                    <a:lstStyle/>
+                    <a:p>
+                      <a:pPr algn="l" fontAlgn="base"/>
+                      <a:r>
+                        <a:rPr lang="en-US" sz="1800">
+                          <a:effectLst/>
+                        </a:rPr>
+                        <a:t>s1 is subset of s2</a:t>
+                      </a:r>
+                      <a:endParaRPr lang="en-US" sz="1800" b="0">
+                        <a:effectLst/>
+                      </a:endParaRPr>
+                    </a:p>
+                  </a:txBody>
+                  <a:tcPr marL="55244" marR="55244" marT="77342" marB="77342" anchor="ctr"/>
+                </a:tc>
+                <a:extLst>
+                  <a:ext uri="{0D108BD9-81ED-4DB2-BD59-A6C34878D82A}">
+                    <a16:rowId xmlns:a16="http://schemas.microsoft.com/office/drawing/2014/main" val="158045870"/>
+                  </a:ext>
+                </a:extLst>
+              </a:tr>
+              <a:tr h="265172">
+                <a:tc>
+                  <a:txBody>
+                    <a:bodyPr/>
+                    <a:lstStyle/>
+                    <a:p>
+                      <a:pPr algn="l" fontAlgn="base"/>
+                      <a:r>
+                        <a:rPr lang="en-US" sz="1800">
+                          <a:effectLst/>
+                        </a:rPr>
+                        <a:t>s1 &lt; s2</a:t>
+                      </a:r>
+                      <a:endParaRPr lang="en-US" sz="1800" b="0">
+                        <a:effectLst/>
+                      </a:endParaRPr>
+                    </a:p>
+                  </a:txBody>
+                  <a:tcPr marL="55244" marR="55244" marT="77342" marB="77342" anchor="ctr"/>
+                </a:tc>
+                <a:tc>
+                  <a:txBody>
+                    <a:bodyPr/>
+                    <a:lstStyle/>
+                    <a:p>
+                      <a:pPr algn="l" fontAlgn="base"/>
+                      <a:r>
+                        <a:rPr lang="en-US" sz="1800" dirty="0">
+                          <a:effectLst/>
+                        </a:rPr>
+                        <a:t>s1 is proper subset of s2</a:t>
+                      </a:r>
+                      <a:endParaRPr lang="en-US" sz="1800" b="0" dirty="0">
+                        <a:effectLst/>
+                      </a:endParaRPr>
+                    </a:p>
+                  </a:txBody>
+                  <a:tcPr marL="55244" marR="55244" marT="77342" marB="77342" anchor="ctr"/>
+                </a:tc>
+                <a:extLst>
+                  <a:ext uri="{0D108BD9-81ED-4DB2-BD59-A6C34878D82A}">
+                    <a16:rowId xmlns:a16="http://schemas.microsoft.com/office/drawing/2014/main" val="2640826431"/>
+                  </a:ext>
+                </a:extLst>
+              </a:tr>
+            </a:tbl>
+          </a:graphicData>
+        </a:graphic>
+      </p:graphicFrame>
+    </p:spTree>
+    <p:extLst>
+      <p:ext uri="{BB962C8B-B14F-4D97-AF65-F5344CB8AC3E}">
+        <p14:creationId xmlns:p14="http://schemas.microsoft.com/office/powerpoint/2010/main" val="4253431752"/>
+      </p:ext>
+    </p:extLst>
+  </p:cSld>
+  <p:clrMapOvr>
+    <a:masterClrMapping/>
+  </p:clrMapOvr>
+  <p:timing>
+    <p:tnLst>
+      <p:par>
+        <p:cTn id="1" dur="indefinite" restart="never" nodeType="tmRoot"/>
+      </p:par>
+    </p:tnLst>
+  </p:timing>
+</p:sld>
+</file>
+
+<file path=ppt/slides/slide27.xml><?xml version="1.0" encoding="utf-8"?>
+<p:sld xmlns:a="http://schemas.openxmlformats.org/drawingml/2006/main" xmlns:r="http://schemas.openxmlformats.org/officeDocument/2006/relationships" xmlns:p="http://schemas.openxmlformats.org/presentationml/2006/main">
+  <p:cSld>
+    <p:spTree>
+      <p:nvGrpSpPr>
+        <p:cNvPr id="1" name="Shape 228"/>
+        <p:cNvGrpSpPr/>
+        <p:nvPr/>
+      </p:nvGrpSpPr>
+      <p:grpSpPr>
+        <a:xfrm>
+          <a:off x="0" y="0"/>
+          <a:ext cx="0" cy="0"/>
+          <a:chOff x="0" y="0"/>
+          <a:chExt cx="0" cy="0"/>
+        </a:xfrm>
+      </p:grpSpPr>
+      <p:sp>
+        <p:nvSpPr>
+          <p:cNvPr id="229" name="Google Shape;229;p26"/>
+          <p:cNvSpPr txBox="1">
+            <a:spLocks noGrp="1"/>
+          </p:cNvSpPr>
+          <p:nvPr>
+            <p:ph type="title" idx="4294967295"/>
+          </p:nvPr>
+        </p:nvSpPr>
+        <p:spPr>
+          <a:xfrm>
+            <a:off x="621792" y="205574"/>
+            <a:ext cx="8250600" cy="798300"/>
+          </a:xfrm>
+          <a:prstGeom prst="rect">
+            <a:avLst/>
+          </a:prstGeom>
+        </p:spPr>
+        <p:txBody>
+          <a:bodyPr spcFirstLastPara="1" wrap="square" lIns="91425" tIns="91425" rIns="91425" bIns="91425" anchor="ctr" anchorCtr="0">
+            <a:noAutofit/>
+          </a:bodyPr>
+          <a:lstStyle/>
+          <a:p>
+            <a:pPr lvl="0"/>
+            <a:r>
+              <a:rPr lang="en-US" sz="2400" dirty="0">
+                <a:solidFill>
+                  <a:srgbClr val="2C363A"/>
+                </a:solidFill>
+              </a:rPr>
+              <a:t>Operators for Sets</a:t>
+            </a:r>
+            <a:endParaRPr lang="en-US" sz="2400" dirty="0">
+              <a:solidFill>
+                <a:srgbClr val="2C363A"/>
+              </a:solidFill>
+            </a:endParaRPr>
+          </a:p>
+        </p:txBody>
+      </p:sp>
+      <p:sp>
+        <p:nvSpPr>
+          <p:cNvPr id="230" name="Google Shape;230;p26"/>
+          <p:cNvSpPr txBox="1">
+            <a:spLocks noGrp="1"/>
+          </p:cNvSpPr>
+          <p:nvPr>
+            <p:ph type="sldNum" idx="12"/>
+          </p:nvPr>
+        </p:nvSpPr>
+        <p:spPr>
+          <a:xfrm>
+            <a:off x="8556784" y="4749851"/>
+            <a:ext cx="548700" cy="393600"/>
+          </a:xfrm>
+          <a:prstGeom prst="rect">
+            <a:avLst/>
+          </a:prstGeom>
+        </p:spPr>
+        <p:txBody>
+          <a:bodyPr spcFirstLastPara="1" wrap="square" lIns="91425" tIns="91425" rIns="91425" bIns="91425" anchor="t" anchorCtr="0">
+            <a:noAutofit/>
+          </a:bodyPr>
+          <a:lstStyle/>
+          <a:p>
+            <a:pPr marL="0" lvl="0" indent="0" algn="r" rtl="0">
+              <a:spcBef>
+                <a:spcPts val="0"/>
+              </a:spcBef>
+              <a:spcAft>
+                <a:spcPts val="0"/>
+              </a:spcAft>
+              <a:buNone/>
+            </a:pPr>
+            <a:fld id="{00000000-1234-1234-1234-123412341234}" type="slidenum">
+              <a:rPr lang="en"/>
+              <a:t>27</a:t>
+            </a:fld>
+            <a:endParaRPr/>
+          </a:p>
+        </p:txBody>
+      </p:sp>
+      <p:graphicFrame>
+        <p:nvGraphicFramePr>
+          <p:cNvPr id="6" name="Table 5"/>
+          <p:cNvGraphicFramePr>
+            <a:graphicFrameLocks noGrp="1"/>
+          </p:cNvGraphicFramePr>
+          <p:nvPr>
+            <p:extLst>
+              <p:ext uri="{D42A27DB-BD31-4B8C-83A1-F6EECF244321}">
+                <p14:modId xmlns:p14="http://schemas.microsoft.com/office/powerpoint/2010/main" val="5860931"/>
+              </p:ext>
+            </p:extLst>
+          </p:nvPr>
+        </p:nvGraphicFramePr>
+        <p:xfrm>
+          <a:off x="621792" y="1003874"/>
+          <a:ext cx="7697248" cy="3233152"/>
+        </p:xfrm>
+        <a:graphic>
+          <a:graphicData uri="http://schemas.openxmlformats.org/drawingml/2006/table">
+            <a:tbl>
+              <a:tblPr>
+                <a:tableStyleId>{616DA210-FB5B-4158-B5E0-FEB733F419BA}</a:tableStyleId>
+              </a:tblPr>
+              <a:tblGrid>
+                <a:gridCol w="3848624">
+                  <a:extLst>
+                    <a:ext uri="{9D8B030D-6E8A-4147-A177-3AD203B41FA5}">
+                      <a16:colId xmlns:a16="http://schemas.microsoft.com/office/drawing/2014/main" val="1138322689"/>
+                    </a:ext>
+                  </a:extLst>
+                </a:gridCol>
+                <a:gridCol w="3848624">
+                  <a:extLst>
+                    <a:ext uri="{9D8B030D-6E8A-4147-A177-3AD203B41FA5}">
+                      <a16:colId xmlns:a16="http://schemas.microsoft.com/office/drawing/2014/main" val="3438406667"/>
+                    </a:ext>
+                  </a:extLst>
+                </a:gridCol>
+              </a:tblGrid>
+              <a:tr h="234235">
+                <a:tc>
+                  <a:txBody>
+                    <a:bodyPr/>
+                    <a:lstStyle/>
+                    <a:p>
+                      <a:pPr algn="l" fontAlgn="base"/>
+                      <a:r>
+                        <a:rPr lang="en-US" sz="1800" b="1" dirty="0">
+                          <a:solidFill>
+                            <a:schemeClr val="accent2"/>
+                          </a:solidFill>
+                          <a:effectLst/>
+                        </a:rPr>
+                        <a:t>Operators</a:t>
+                      </a:r>
+                    </a:p>
+                  </a:txBody>
+                  <a:tcPr marL="55244" marR="55244" marT="55244" marB="55244" anchor="ctr"/>
+                </a:tc>
+                <a:tc>
+                  <a:txBody>
+                    <a:bodyPr/>
+                    <a:lstStyle/>
+                    <a:p>
+                      <a:pPr algn="l" fontAlgn="base"/>
+                      <a:r>
+                        <a:rPr lang="en-US" sz="1800" b="1" dirty="0">
+                          <a:solidFill>
+                            <a:schemeClr val="accent2"/>
+                          </a:solidFill>
+                          <a:effectLst/>
+                        </a:rPr>
+                        <a:t>Notes</a:t>
+                      </a:r>
+                    </a:p>
+                  </a:txBody>
+                  <a:tcPr marL="55244" marR="55244" marT="55244" marB="55244" anchor="ctr"/>
+                </a:tc>
+                <a:extLst>
+                  <a:ext uri="{0D108BD9-81ED-4DB2-BD59-A6C34878D82A}">
+                    <a16:rowId xmlns:a16="http://schemas.microsoft.com/office/drawing/2014/main" val="830955025"/>
+                  </a:ext>
+                </a:extLst>
+              </a:tr>
+              <a:tr h="265172">
+                <a:tc>
+                  <a:txBody>
+                    <a:bodyPr/>
+                    <a:lstStyle/>
+                    <a:p>
+                      <a:pPr algn="l" fontAlgn="base"/>
+                      <a:r>
+                        <a:rPr lang="en-US" sz="1800" dirty="0">
+                          <a:effectLst/>
+                        </a:rPr>
+                        <a:t>s1 &gt;= s2</a:t>
+                      </a:r>
+                      <a:endParaRPr lang="en-US" sz="1800" b="0" dirty="0">
+                        <a:effectLst/>
+                      </a:endParaRPr>
+                    </a:p>
+                  </a:txBody>
+                  <a:tcPr marL="55244" marR="55244" marT="77342" marB="77342" anchor="ctr"/>
+                </a:tc>
+                <a:tc>
+                  <a:txBody>
+                    <a:bodyPr/>
+                    <a:lstStyle/>
+                    <a:p>
+                      <a:pPr algn="l" fontAlgn="base"/>
+                      <a:r>
+                        <a:rPr lang="en-US" sz="1800" dirty="0">
+                          <a:effectLst/>
+                        </a:rPr>
+                        <a:t>s1 is superset of s2</a:t>
+                      </a:r>
+                      <a:endParaRPr lang="en-US" sz="1800" b="0" dirty="0">
+                        <a:effectLst/>
+                      </a:endParaRPr>
+                    </a:p>
+                  </a:txBody>
+                  <a:tcPr marL="55244" marR="55244" marT="77342" marB="77342" anchor="ctr"/>
+                </a:tc>
+                <a:extLst>
+                  <a:ext uri="{0D108BD9-81ED-4DB2-BD59-A6C34878D82A}">
+                    <a16:rowId xmlns:a16="http://schemas.microsoft.com/office/drawing/2014/main" val="1541609069"/>
+                  </a:ext>
+                </a:extLst>
+              </a:tr>
+              <a:tr h="265172">
+                <a:tc>
+                  <a:txBody>
+                    <a:bodyPr/>
+                    <a:lstStyle/>
+                    <a:p>
+                      <a:pPr algn="l" fontAlgn="base"/>
+                      <a:r>
+                        <a:rPr lang="en-US" sz="1800">
+                          <a:effectLst/>
+                        </a:rPr>
+                        <a:t>s1 &gt; s2</a:t>
+                      </a:r>
+                      <a:endParaRPr lang="en-US" sz="1800" b="0">
+                        <a:effectLst/>
+                      </a:endParaRPr>
+                    </a:p>
+                  </a:txBody>
+                  <a:tcPr marL="55244" marR="55244" marT="77342" marB="77342" anchor="ctr"/>
+                </a:tc>
+                <a:tc>
+                  <a:txBody>
+                    <a:bodyPr/>
+                    <a:lstStyle/>
+                    <a:p>
+                      <a:pPr algn="l" fontAlgn="base"/>
+                      <a:r>
+                        <a:rPr lang="en-US" sz="1800">
+                          <a:effectLst/>
+                        </a:rPr>
+                        <a:t>s1 is proper superset of s2</a:t>
+                      </a:r>
+                      <a:endParaRPr lang="en-US" sz="1800" b="0">
+                        <a:effectLst/>
+                      </a:endParaRPr>
+                    </a:p>
+                  </a:txBody>
+                  <a:tcPr marL="55244" marR="55244" marT="77342" marB="77342" anchor="ctr"/>
+                </a:tc>
+                <a:extLst>
+                  <a:ext uri="{0D108BD9-81ED-4DB2-BD59-A6C34878D82A}">
+                    <a16:rowId xmlns:a16="http://schemas.microsoft.com/office/drawing/2014/main" val="4188506254"/>
+                  </a:ext>
+                </a:extLst>
+              </a:tr>
+              <a:tr h="265172">
+                <a:tc>
+                  <a:txBody>
+                    <a:bodyPr/>
+                    <a:lstStyle/>
+                    <a:p>
+                      <a:pPr algn="l" fontAlgn="base"/>
+                      <a:r>
+                        <a:rPr lang="en-US" sz="1800">
+                          <a:effectLst/>
+                        </a:rPr>
+                        <a:t>s1 | s2</a:t>
+                      </a:r>
+                      <a:endParaRPr lang="en-US" sz="1800" b="0">
+                        <a:effectLst/>
+                      </a:endParaRPr>
+                    </a:p>
+                  </a:txBody>
+                  <a:tcPr marL="55244" marR="55244" marT="77342" marB="77342" anchor="ctr"/>
+                </a:tc>
+                <a:tc>
+                  <a:txBody>
+                    <a:bodyPr/>
+                    <a:lstStyle/>
+                    <a:p>
+                      <a:pPr algn="l" fontAlgn="base"/>
+                      <a:r>
+                        <a:rPr lang="en-US" sz="1800">
+                          <a:effectLst/>
+                        </a:rPr>
+                        <a:t>the union of s1 and s2</a:t>
+                      </a:r>
+                      <a:endParaRPr lang="en-US" sz="1800" b="0">
+                        <a:effectLst/>
+                      </a:endParaRPr>
+                    </a:p>
+                  </a:txBody>
+                  <a:tcPr marL="55244" marR="55244" marT="77342" marB="77342" anchor="ctr"/>
+                </a:tc>
+                <a:extLst>
+                  <a:ext uri="{0D108BD9-81ED-4DB2-BD59-A6C34878D82A}">
+                    <a16:rowId xmlns:a16="http://schemas.microsoft.com/office/drawing/2014/main" val="2838932893"/>
+                  </a:ext>
+                </a:extLst>
+              </a:tr>
+              <a:tr h="265172">
+                <a:tc>
+                  <a:txBody>
+                    <a:bodyPr/>
+                    <a:lstStyle/>
+                    <a:p>
+                      <a:pPr algn="l" fontAlgn="base"/>
+                      <a:r>
+                        <a:rPr lang="en-US" sz="1800" dirty="0">
+                          <a:effectLst/>
+                        </a:rPr>
+                        <a:t>s1 &amp; s2</a:t>
+                      </a:r>
+                      <a:endParaRPr lang="en-US" sz="1800" b="0" dirty="0">
+                        <a:effectLst/>
+                      </a:endParaRPr>
+                    </a:p>
+                  </a:txBody>
+                  <a:tcPr marL="55244" marR="55244" marT="77342" marB="77342" anchor="ctr"/>
+                </a:tc>
+                <a:tc>
+                  <a:txBody>
+                    <a:bodyPr/>
+                    <a:lstStyle/>
+                    <a:p>
+                      <a:pPr algn="l" fontAlgn="base"/>
+                      <a:r>
+                        <a:rPr lang="en-US" sz="1800">
+                          <a:effectLst/>
+                        </a:rPr>
+                        <a:t>the intersection of s1 and s2</a:t>
+                      </a:r>
+                      <a:endParaRPr lang="en-US" sz="1800" b="0">
+                        <a:effectLst/>
+                      </a:endParaRPr>
+                    </a:p>
+                  </a:txBody>
+                  <a:tcPr marL="55244" marR="55244" marT="77342" marB="77342" anchor="ctr"/>
+                </a:tc>
+                <a:extLst>
+                  <a:ext uri="{0D108BD9-81ED-4DB2-BD59-A6C34878D82A}">
+                    <a16:rowId xmlns:a16="http://schemas.microsoft.com/office/drawing/2014/main" val="2990588740"/>
+                  </a:ext>
+                </a:extLst>
+              </a:tr>
+              <a:tr h="265172">
+                <a:tc>
+                  <a:txBody>
+                    <a:bodyPr/>
+                    <a:lstStyle/>
+                    <a:p>
+                      <a:pPr algn="l" fontAlgn="base"/>
+                      <a:r>
+                        <a:rPr lang="en-US" sz="1800">
+                          <a:effectLst/>
+                        </a:rPr>
+                        <a:t>s1 – s2</a:t>
+                      </a:r>
+                      <a:endParaRPr lang="en-US" sz="1800" b="0">
+                        <a:effectLst/>
+                      </a:endParaRPr>
+                    </a:p>
+                  </a:txBody>
+                  <a:tcPr marL="55244" marR="55244" marT="77342" marB="77342" anchor="ctr"/>
+                </a:tc>
+                <a:tc>
+                  <a:txBody>
+                    <a:bodyPr/>
+                    <a:lstStyle/>
+                    <a:p>
+                      <a:pPr algn="l" fontAlgn="base"/>
+                      <a:r>
+                        <a:rPr lang="en-US" sz="1800">
+                          <a:effectLst/>
+                        </a:rPr>
+                        <a:t>the set of elements in s1 but not s2</a:t>
+                      </a:r>
+                      <a:endParaRPr lang="en-US" sz="1800" b="0">
+                        <a:effectLst/>
+                      </a:endParaRPr>
+                    </a:p>
+                  </a:txBody>
+                  <a:tcPr marL="55244" marR="55244" marT="77342" marB="77342" anchor="ctr"/>
+                </a:tc>
+                <a:extLst>
+                  <a:ext uri="{0D108BD9-81ED-4DB2-BD59-A6C34878D82A}">
+                    <a16:rowId xmlns:a16="http://schemas.microsoft.com/office/drawing/2014/main" val="158045870"/>
+                  </a:ext>
+                </a:extLst>
+              </a:tr>
+              <a:tr h="265172">
+                <a:tc>
+                  <a:txBody>
+                    <a:bodyPr/>
+                    <a:lstStyle/>
+                    <a:p>
+                      <a:pPr algn="l" fontAlgn="base"/>
+                      <a:r>
+                        <a:rPr lang="en-US" sz="1800">
+                          <a:effectLst/>
+                        </a:rPr>
+                        <a:t>s1 ˆ s2</a:t>
+                      </a:r>
+                      <a:endParaRPr lang="en-US" sz="1800" b="0">
+                        <a:effectLst/>
+                      </a:endParaRPr>
+                    </a:p>
+                  </a:txBody>
+                  <a:tcPr marL="55244" marR="55244" marT="77342" marB="77342" anchor="ctr"/>
+                </a:tc>
+                <a:tc>
+                  <a:txBody>
+                    <a:bodyPr/>
+                    <a:lstStyle/>
+                    <a:p>
+                      <a:pPr algn="l" fontAlgn="base"/>
+                      <a:r>
+                        <a:rPr lang="en-US" sz="1800" dirty="0">
+                          <a:effectLst/>
+                        </a:rPr>
+                        <a:t>the set of elements in precisely one of s1 or s2</a:t>
+                      </a:r>
+                      <a:endParaRPr lang="en-US" sz="1800" b="0" dirty="0">
+                        <a:effectLst/>
+                      </a:endParaRPr>
+                    </a:p>
+                  </a:txBody>
+                  <a:tcPr marL="55244" marR="55244" marT="77342" marB="77342" anchor="ctr"/>
+                </a:tc>
+                <a:extLst>
+                  <a:ext uri="{0D108BD9-81ED-4DB2-BD59-A6C34878D82A}">
+                    <a16:rowId xmlns:a16="http://schemas.microsoft.com/office/drawing/2014/main" val="2640826431"/>
+                  </a:ext>
+                </a:extLst>
+              </a:tr>
+            </a:tbl>
+          </a:graphicData>
+        </a:graphic>
+      </p:graphicFrame>
+    </p:spTree>
+    <p:extLst>
+      <p:ext uri="{BB962C8B-B14F-4D97-AF65-F5344CB8AC3E}">
+        <p14:creationId xmlns:p14="http://schemas.microsoft.com/office/powerpoint/2010/main" val="2278421819"/>
+      </p:ext>
+    </p:extLst>
+  </p:cSld>
+  <p:clrMapOvr>
+    <a:masterClrMapping/>
+  </p:clrMapOvr>
+  <p:timing>
+    <p:tnLst>
+      <p:par>
+        <p:cTn id="1" dur="indefinite" restart="never" nodeType="tmRoot"/>
+      </p:par>
+    </p:tnLst>
+  </p:timing>
+</p:sld>
+</file>
+
+<file path=ppt/slides/slide28.xml><?xml version="1.0" encoding="utf-8"?>
+<p:sld xmlns:a="http://schemas.openxmlformats.org/drawingml/2006/main" xmlns:r="http://schemas.openxmlformats.org/officeDocument/2006/relationships" xmlns:p="http://schemas.openxmlformats.org/presentationml/2006/main">
+  <p:cSld>
+    <p:spTree>
+      <p:nvGrpSpPr>
+        <p:cNvPr id="1" name="Shape 228"/>
+        <p:cNvGrpSpPr/>
+        <p:nvPr/>
+      </p:nvGrpSpPr>
+      <p:grpSpPr>
+        <a:xfrm>
+          <a:off x="0" y="0"/>
+          <a:ext cx="0" cy="0"/>
+          <a:chOff x="0" y="0"/>
+          <a:chExt cx="0" cy="0"/>
+        </a:xfrm>
+      </p:grpSpPr>
+      <p:sp>
+        <p:nvSpPr>
+          <p:cNvPr id="229" name="Google Shape;229;p26"/>
+          <p:cNvSpPr txBox="1">
+            <a:spLocks noGrp="1"/>
+          </p:cNvSpPr>
+          <p:nvPr>
+            <p:ph type="title" idx="4294967295"/>
+          </p:nvPr>
+        </p:nvSpPr>
+        <p:spPr>
+          <a:xfrm>
+            <a:off x="621792" y="205574"/>
+            <a:ext cx="8250600" cy="798300"/>
+          </a:xfrm>
+          <a:prstGeom prst="rect">
+            <a:avLst/>
+          </a:prstGeom>
+        </p:spPr>
+        <p:txBody>
+          <a:bodyPr spcFirstLastPara="1" wrap="square" lIns="91425" tIns="91425" rIns="91425" bIns="91425" anchor="ctr" anchorCtr="0">
+            <a:noAutofit/>
+          </a:bodyPr>
+          <a:lstStyle/>
+          <a:p>
+            <a:pPr lvl="0"/>
+            <a:r>
+              <a:rPr lang="en-US" sz="2400" dirty="0">
+                <a:solidFill>
+                  <a:srgbClr val="2C363A"/>
+                </a:solidFill>
+              </a:rPr>
+              <a:t>Deep dive into </a:t>
+            </a:r>
+            <a:r>
+              <a:rPr lang="en-US" sz="2400" dirty="0" smtClean="0">
+                <a:solidFill>
+                  <a:srgbClr val="2C363A"/>
+                </a:solidFill>
+              </a:rPr>
+              <a:t>sets, dictionaries </a:t>
+            </a:r>
+            <a:r>
+              <a:rPr lang="en-US" sz="2400" dirty="0">
+                <a:solidFill>
+                  <a:srgbClr val="2C363A"/>
+                </a:solidFill>
+              </a:rPr>
+              <a:t>and work </a:t>
+            </a:r>
+            <a:r>
+              <a:rPr lang="en-US" sz="2400" dirty="0" smtClean="0">
+                <a:solidFill>
+                  <a:srgbClr val="2C363A"/>
+                </a:solidFill>
+              </a:rPr>
+              <a:t>with loops</a:t>
+            </a:r>
+            <a:endParaRPr lang="en-US" sz="2400" dirty="0">
+              <a:solidFill>
+                <a:srgbClr val="2C363A"/>
+              </a:solidFill>
+            </a:endParaRPr>
+          </a:p>
+        </p:txBody>
+      </p:sp>
+      <p:sp>
+        <p:nvSpPr>
+          <p:cNvPr id="230" name="Google Shape;230;p26"/>
+          <p:cNvSpPr txBox="1">
+            <a:spLocks noGrp="1"/>
+          </p:cNvSpPr>
+          <p:nvPr>
+            <p:ph type="sldNum" idx="12"/>
+          </p:nvPr>
+        </p:nvSpPr>
+        <p:spPr>
+          <a:xfrm>
+            <a:off x="8556784" y="4749851"/>
+            <a:ext cx="548700" cy="393600"/>
+          </a:xfrm>
+          <a:prstGeom prst="rect">
+            <a:avLst/>
+          </a:prstGeom>
+        </p:spPr>
+        <p:txBody>
+          <a:bodyPr spcFirstLastPara="1" wrap="square" lIns="91425" tIns="91425" rIns="91425" bIns="91425" anchor="t" anchorCtr="0">
+            <a:noAutofit/>
+          </a:bodyPr>
+          <a:lstStyle/>
+          <a:p>
+            <a:pPr marL="0" lvl="0" indent="0" algn="r" rtl="0">
+              <a:spcBef>
+                <a:spcPts val="0"/>
+              </a:spcBef>
+              <a:spcAft>
+                <a:spcPts val="0"/>
+              </a:spcAft>
+              <a:buNone/>
+            </a:pPr>
+            <a:fld id="{00000000-1234-1234-1234-123412341234}" type="slidenum">
+              <a:rPr lang="en"/>
+              <a:t>28</a:t>
+            </a:fld>
+            <a:endParaRPr/>
+          </a:p>
+        </p:txBody>
+      </p:sp>
+      <p:sp>
+        <p:nvSpPr>
+          <p:cNvPr id="5" name="Rectangle 4"/>
+          <p:cNvSpPr/>
+          <p:nvPr/>
+        </p:nvSpPr>
+        <p:spPr>
+          <a:xfrm>
+            <a:off x="621792" y="1232921"/>
+            <a:ext cx="7934992" cy="3416320"/>
+          </a:xfrm>
+          <a:prstGeom prst="rect">
+            <a:avLst/>
+          </a:prstGeom>
+        </p:spPr>
+        <p:txBody>
+          <a:bodyPr wrap="square">
+            <a:spAutoFit/>
+          </a:bodyPr>
+          <a:lstStyle/>
+          <a:p>
+            <a:pPr algn="just">
+              <a:lnSpc>
+                <a:spcPct val="150000"/>
+              </a:lnSpc>
+            </a:pPr>
+            <a:r>
+              <a:rPr lang="en-US" sz="1800" dirty="0"/>
+              <a:t>Dictionary in Python is a collection of keys values, used to store data values like a map, which, unlike other data types which hold only a single value as an element</a:t>
+            </a:r>
+            <a:r>
+              <a:rPr lang="en-US" sz="1800" dirty="0" smtClean="0"/>
+              <a:t>.</a:t>
+            </a:r>
+          </a:p>
+          <a:p>
+            <a:pPr marL="285750" indent="-285750" algn="just">
+              <a:lnSpc>
+                <a:spcPct val="150000"/>
+              </a:lnSpc>
+              <a:buFont typeface="Arial" panose="020B0604020202020204" pitchFamily="34" charset="0"/>
+              <a:buChar char="•"/>
+            </a:pPr>
+            <a:r>
+              <a:rPr lang="en-US" sz="1800" b="1" dirty="0" smtClean="0">
+                <a:solidFill>
+                  <a:schemeClr val="accent2"/>
+                </a:solidFill>
+              </a:rPr>
+              <a:t>Nested Dictionary</a:t>
+            </a:r>
+          </a:p>
+          <a:p>
+            <a:pPr algn="just">
+              <a:lnSpc>
+                <a:spcPct val="150000"/>
+              </a:lnSpc>
+            </a:pPr>
+            <a:r>
+              <a:rPr lang="en-US" sz="1800" dirty="0"/>
+              <a:t># Creating a Nested Dictionary</a:t>
+            </a:r>
+          </a:p>
+          <a:p>
+            <a:pPr algn="just">
+              <a:lnSpc>
+                <a:spcPct val="150000"/>
+              </a:lnSpc>
+            </a:pPr>
+            <a:r>
+              <a:rPr lang="en-US" sz="1800" dirty="0"/>
+              <a:t># as shown in the below image</a:t>
+            </a:r>
+          </a:p>
+          <a:p>
+            <a:pPr algn="just">
+              <a:lnSpc>
+                <a:spcPct val="150000"/>
+              </a:lnSpc>
+            </a:pPr>
+            <a:r>
+              <a:rPr lang="en-US" sz="1800" dirty="0" err="1"/>
+              <a:t>Dict</a:t>
+            </a:r>
+            <a:r>
+              <a:rPr lang="en-US" sz="1800" dirty="0"/>
+              <a:t> = {1: 'Geeks', 2: 'For</a:t>
+            </a:r>
+            <a:r>
+              <a:rPr lang="en-US" sz="1800" dirty="0" smtClean="0"/>
+              <a:t>', </a:t>
+            </a:r>
+            <a:r>
+              <a:rPr lang="en-US" sz="1800" dirty="0"/>
+              <a:t>3: {'A': 'Welcome', 'B': 'To', 'C': 'Geeks'}}</a:t>
+            </a:r>
+          </a:p>
+          <a:p>
+            <a:pPr algn="just">
+              <a:lnSpc>
+                <a:spcPct val="150000"/>
+              </a:lnSpc>
+            </a:pPr>
+            <a:r>
+              <a:rPr lang="en-US" sz="1800" dirty="0" smtClean="0"/>
+              <a:t>print(</a:t>
+            </a:r>
+            <a:r>
+              <a:rPr lang="en-US" sz="1800" dirty="0" err="1" smtClean="0"/>
+              <a:t>Dict</a:t>
+            </a:r>
+            <a:r>
+              <a:rPr lang="en-US" sz="1800" dirty="0"/>
+              <a:t>)</a:t>
+            </a:r>
+          </a:p>
+        </p:txBody>
+      </p:sp>
+    </p:spTree>
+    <p:extLst>
+      <p:ext uri="{BB962C8B-B14F-4D97-AF65-F5344CB8AC3E}">
+        <p14:creationId xmlns:p14="http://schemas.microsoft.com/office/powerpoint/2010/main" val="3606638174"/>
+      </p:ext>
+    </p:extLst>
+  </p:cSld>
+  <p:clrMapOvr>
+    <a:masterClrMapping/>
+  </p:clrMapOvr>
+  <p:timing>
+    <p:tnLst>
+      <p:par>
+        <p:cTn id="1" dur="indefinite" restart="never" nodeType="tmRoot"/>
+      </p:par>
+    </p:tnLst>
+  </p:timing>
+</p:sld>
+</file>
+
+<file path=ppt/slides/slide29.xml><?xml version="1.0" encoding="utf-8"?>
+<p:sld xmlns:a="http://schemas.openxmlformats.org/drawingml/2006/main" xmlns:r="http://schemas.openxmlformats.org/officeDocument/2006/relationships" xmlns:p="http://schemas.openxmlformats.org/presentationml/2006/main">
+  <p:cSld>
+    <p:spTree>
+      <p:nvGrpSpPr>
+        <p:cNvPr id="1" name="Shape 228"/>
+        <p:cNvGrpSpPr/>
+        <p:nvPr/>
+      </p:nvGrpSpPr>
+      <p:grpSpPr>
+        <a:xfrm>
+          <a:off x="0" y="0"/>
+          <a:ext cx="0" cy="0"/>
+          <a:chOff x="0" y="0"/>
+          <a:chExt cx="0" cy="0"/>
+        </a:xfrm>
+      </p:grpSpPr>
+      <p:sp>
+        <p:nvSpPr>
+          <p:cNvPr id="229" name="Google Shape;229;p26"/>
+          <p:cNvSpPr txBox="1">
+            <a:spLocks noGrp="1"/>
+          </p:cNvSpPr>
+          <p:nvPr>
+            <p:ph type="title" idx="4294967295"/>
+          </p:nvPr>
+        </p:nvSpPr>
+        <p:spPr>
+          <a:xfrm>
+            <a:off x="621792" y="205574"/>
+            <a:ext cx="8250600" cy="798300"/>
+          </a:xfrm>
+          <a:prstGeom prst="rect">
+            <a:avLst/>
+          </a:prstGeom>
+        </p:spPr>
+        <p:txBody>
+          <a:bodyPr spcFirstLastPara="1" wrap="square" lIns="91425" tIns="91425" rIns="91425" bIns="91425" anchor="ctr" anchorCtr="0">
+            <a:noAutofit/>
+          </a:bodyPr>
+          <a:lstStyle/>
+          <a:p>
+            <a:pPr lvl="0"/>
+            <a:r>
+              <a:rPr lang="en-US" sz="2400" dirty="0">
+                <a:solidFill>
+                  <a:srgbClr val="2C363A"/>
+                </a:solidFill>
+              </a:rPr>
+              <a:t>Adding elements to a Dictionary</a:t>
+            </a:r>
+            <a:endParaRPr lang="en-US" sz="2400" dirty="0">
+              <a:solidFill>
+                <a:srgbClr val="2C363A"/>
+              </a:solidFill>
+            </a:endParaRPr>
+          </a:p>
+        </p:txBody>
+      </p:sp>
+      <p:sp>
+        <p:nvSpPr>
+          <p:cNvPr id="230" name="Google Shape;230;p26"/>
+          <p:cNvSpPr txBox="1">
+            <a:spLocks noGrp="1"/>
+          </p:cNvSpPr>
+          <p:nvPr>
+            <p:ph type="sldNum" idx="12"/>
+          </p:nvPr>
+        </p:nvSpPr>
+        <p:spPr>
+          <a:xfrm>
+            <a:off x="8556784" y="4749851"/>
+            <a:ext cx="548700" cy="393600"/>
+          </a:xfrm>
+          <a:prstGeom prst="rect">
+            <a:avLst/>
+          </a:prstGeom>
+        </p:spPr>
+        <p:txBody>
+          <a:bodyPr spcFirstLastPara="1" wrap="square" lIns="91425" tIns="91425" rIns="91425" bIns="91425" anchor="t" anchorCtr="0">
+            <a:noAutofit/>
+          </a:bodyPr>
+          <a:lstStyle/>
+          <a:p>
+            <a:pPr marL="0" lvl="0" indent="0" algn="r" rtl="0">
+              <a:spcBef>
+                <a:spcPts val="0"/>
+              </a:spcBef>
+              <a:spcAft>
+                <a:spcPts val="0"/>
+              </a:spcAft>
+              <a:buNone/>
+            </a:pPr>
+            <a:fld id="{00000000-1234-1234-1234-123412341234}" type="slidenum">
+              <a:rPr lang="en"/>
+              <a:t>29</a:t>
+            </a:fld>
+            <a:endParaRPr/>
+          </a:p>
+        </p:txBody>
+      </p:sp>
+      <p:sp>
+        <p:nvSpPr>
+          <p:cNvPr id="5" name="Rectangle 4"/>
+          <p:cNvSpPr/>
+          <p:nvPr/>
+        </p:nvSpPr>
+        <p:spPr>
+          <a:xfrm>
+            <a:off x="621792" y="1232921"/>
+            <a:ext cx="7934992" cy="3831818"/>
+          </a:xfrm>
+          <a:prstGeom prst="rect">
+            <a:avLst/>
+          </a:prstGeom>
+        </p:spPr>
+        <p:txBody>
+          <a:bodyPr wrap="square">
+            <a:spAutoFit/>
+          </a:bodyPr>
+          <a:lstStyle/>
+          <a:p>
+            <a:pPr algn="just">
+              <a:lnSpc>
+                <a:spcPct val="150000"/>
+              </a:lnSpc>
+            </a:pPr>
+            <a:r>
+              <a:rPr lang="en-US" sz="1800" dirty="0"/>
+              <a:t>Addition of elements can be done in multiple ways. One value at a time can be added to a Dictionary by defining value along with the key e.g. </a:t>
+            </a:r>
+            <a:r>
+              <a:rPr lang="en-US" sz="1800" dirty="0" err="1"/>
+              <a:t>Dict</a:t>
+            </a:r>
+            <a:r>
+              <a:rPr lang="en-US" sz="1800" dirty="0"/>
+              <a:t>[Key] = ‘Value’. Updating an existing value in a Dictionary can be done by using the built-in update() method. Nested key values can also be added to an existing Dictionary</a:t>
+            </a:r>
+            <a:r>
+              <a:rPr lang="en-US" sz="1800" dirty="0" smtClean="0"/>
+              <a:t>.</a:t>
+            </a:r>
+          </a:p>
+          <a:p>
+            <a:pPr algn="just">
+              <a:lnSpc>
+                <a:spcPct val="150000"/>
+              </a:lnSpc>
+            </a:pPr>
+            <a:endParaRPr lang="en-US" sz="1800" dirty="0"/>
+          </a:p>
+          <a:p>
+            <a:pPr algn="just">
+              <a:lnSpc>
+                <a:spcPct val="150000"/>
+              </a:lnSpc>
+            </a:pPr>
+            <a:endParaRPr lang="en-US" sz="1800" dirty="0" smtClean="0"/>
+          </a:p>
+          <a:p>
+            <a:pPr algn="just">
+              <a:lnSpc>
+                <a:spcPct val="150000"/>
+              </a:lnSpc>
+            </a:pPr>
+            <a:endParaRPr lang="en-US" sz="1800" dirty="0"/>
+          </a:p>
+          <a:p>
+            <a:pPr algn="just">
+              <a:lnSpc>
+                <a:spcPct val="150000"/>
+              </a:lnSpc>
+            </a:pPr>
+            <a:r>
+              <a:rPr lang="en-US" sz="1800" dirty="0" smtClean="0">
+                <a:solidFill>
+                  <a:schemeClr val="accent2"/>
+                </a:solidFill>
+              </a:rPr>
+              <a:t>						Program </a:t>
+            </a:r>
+            <a:r>
+              <a:rPr lang="en-US" sz="1800" dirty="0" err="1" smtClean="0">
+                <a:solidFill>
+                  <a:schemeClr val="accent2"/>
+                </a:solidFill>
+              </a:rPr>
+              <a:t>Nex</a:t>
+            </a:r>
+            <a:r>
+              <a:rPr lang="en-US" sz="1800" dirty="0" smtClean="0">
+                <a:solidFill>
+                  <a:schemeClr val="accent2"/>
+                </a:solidFill>
+              </a:rPr>
+              <a:t> t&gt;&gt;</a:t>
+            </a:r>
+            <a:endParaRPr lang="en-US" sz="1800" dirty="0">
+              <a:solidFill>
+                <a:schemeClr val="accent2"/>
+              </a:solidFill>
+            </a:endParaRPr>
+          </a:p>
+        </p:txBody>
+      </p:sp>
+    </p:spTree>
+    <p:extLst>
+      <p:ext uri="{BB962C8B-B14F-4D97-AF65-F5344CB8AC3E}">
+        <p14:creationId xmlns:p14="http://schemas.microsoft.com/office/powerpoint/2010/main" val="1470865659"/>
       </p:ext>
     </p:extLst>
   </p:cSld>
@@ -28106,6 +33182,3199 @@
     <p:bldLst>
       <p:bldP spid="8" grpId="0"/>
     </p:bldLst>
+  </p:timing>
+</p:sld>
+</file>
+
+<file path=ppt/slides/slide30.xml><?xml version="1.0" encoding="utf-8"?>
+<p:sld xmlns:a="http://schemas.openxmlformats.org/drawingml/2006/main" xmlns:r="http://schemas.openxmlformats.org/officeDocument/2006/relationships" xmlns:p="http://schemas.openxmlformats.org/presentationml/2006/main">
+  <p:cSld>
+    <p:spTree>
+      <p:nvGrpSpPr>
+        <p:cNvPr id="1" name="Shape 228"/>
+        <p:cNvGrpSpPr/>
+        <p:nvPr/>
+      </p:nvGrpSpPr>
+      <p:grpSpPr>
+        <a:xfrm>
+          <a:off x="0" y="0"/>
+          <a:ext cx="0" cy="0"/>
+          <a:chOff x="0" y="0"/>
+          <a:chExt cx="0" cy="0"/>
+        </a:xfrm>
+      </p:grpSpPr>
+      <p:sp>
+        <p:nvSpPr>
+          <p:cNvPr id="229" name="Google Shape;229;p26"/>
+          <p:cNvSpPr txBox="1">
+            <a:spLocks noGrp="1"/>
+          </p:cNvSpPr>
+          <p:nvPr>
+            <p:ph type="title" idx="4294967295"/>
+          </p:nvPr>
+        </p:nvSpPr>
+        <p:spPr>
+          <a:xfrm>
+            <a:off x="621792" y="205574"/>
+            <a:ext cx="8250600" cy="798300"/>
+          </a:xfrm>
+          <a:prstGeom prst="rect">
+            <a:avLst/>
+          </a:prstGeom>
+        </p:spPr>
+        <p:txBody>
+          <a:bodyPr spcFirstLastPara="1" wrap="square" lIns="91425" tIns="91425" rIns="91425" bIns="91425" anchor="ctr" anchorCtr="0">
+            <a:noAutofit/>
+          </a:bodyPr>
+          <a:lstStyle/>
+          <a:p>
+            <a:pPr lvl="0"/>
+            <a:r>
+              <a:rPr lang="en-US" sz="2400" dirty="0">
+                <a:solidFill>
+                  <a:srgbClr val="2C363A"/>
+                </a:solidFill>
+              </a:rPr>
+              <a:t>Accessing an element of a nested dictionary</a:t>
+            </a:r>
+          </a:p>
+        </p:txBody>
+      </p:sp>
+      <p:sp>
+        <p:nvSpPr>
+          <p:cNvPr id="230" name="Google Shape;230;p26"/>
+          <p:cNvSpPr txBox="1">
+            <a:spLocks noGrp="1"/>
+          </p:cNvSpPr>
+          <p:nvPr>
+            <p:ph type="sldNum" idx="12"/>
+          </p:nvPr>
+        </p:nvSpPr>
+        <p:spPr>
+          <a:xfrm>
+            <a:off x="8556784" y="4749851"/>
+            <a:ext cx="548700" cy="393600"/>
+          </a:xfrm>
+          <a:prstGeom prst="rect">
+            <a:avLst/>
+          </a:prstGeom>
+        </p:spPr>
+        <p:txBody>
+          <a:bodyPr spcFirstLastPara="1" wrap="square" lIns="91425" tIns="91425" rIns="91425" bIns="91425" anchor="t" anchorCtr="0">
+            <a:noAutofit/>
+          </a:bodyPr>
+          <a:lstStyle/>
+          <a:p>
+            <a:pPr marL="0" lvl="0" indent="0" algn="r" rtl="0">
+              <a:spcBef>
+                <a:spcPts val="0"/>
+              </a:spcBef>
+              <a:spcAft>
+                <a:spcPts val="0"/>
+              </a:spcAft>
+              <a:buNone/>
+            </a:pPr>
+            <a:fld id="{00000000-1234-1234-1234-123412341234}" type="slidenum">
+              <a:rPr lang="en"/>
+              <a:t>30</a:t>
+            </a:fld>
+            <a:endParaRPr/>
+          </a:p>
+        </p:txBody>
+      </p:sp>
+      <p:sp>
+        <p:nvSpPr>
+          <p:cNvPr id="3" name="Rectangle 2"/>
+          <p:cNvSpPr/>
+          <p:nvPr/>
+        </p:nvSpPr>
+        <p:spPr>
+          <a:xfrm>
+            <a:off x="329184" y="888358"/>
+            <a:ext cx="8227600" cy="923330"/>
+          </a:xfrm>
+          <a:prstGeom prst="rect">
+            <a:avLst/>
+          </a:prstGeom>
+        </p:spPr>
+        <p:txBody>
+          <a:bodyPr wrap="square">
+            <a:spAutoFit/>
+          </a:bodyPr>
+          <a:lstStyle/>
+          <a:p>
+            <a:pPr>
+              <a:lnSpc>
+                <a:spcPct val="150000"/>
+              </a:lnSpc>
+            </a:pPr>
+            <a:r>
+              <a:rPr lang="en-US" sz="1800" dirty="0"/>
+              <a:t>In order to access the value of any key in the nested dictionary, use indexing [] syntax.</a:t>
+            </a:r>
+            <a:endParaRPr lang="en-US" sz="1800" dirty="0" smtClean="0"/>
+          </a:p>
+        </p:txBody>
+      </p:sp>
+      <p:sp>
+        <p:nvSpPr>
+          <p:cNvPr id="6" name="Rectangle 5"/>
+          <p:cNvSpPr/>
+          <p:nvPr/>
+        </p:nvSpPr>
+        <p:spPr>
+          <a:xfrm>
+            <a:off x="1353312" y="1686658"/>
+            <a:ext cx="4553712" cy="3365024"/>
+          </a:xfrm>
+          <a:prstGeom prst="rect">
+            <a:avLst/>
+          </a:prstGeom>
+        </p:spPr>
+        <p:style>
+          <a:lnRef idx="2">
+            <a:schemeClr val="accent2"/>
+          </a:lnRef>
+          <a:fillRef idx="1">
+            <a:schemeClr val="lt1"/>
+          </a:fillRef>
+          <a:effectRef idx="0">
+            <a:schemeClr val="accent2"/>
+          </a:effectRef>
+          <a:fontRef idx="minor">
+            <a:schemeClr val="dk1"/>
+          </a:fontRef>
+        </p:style>
+        <p:txBody>
+          <a:bodyPr wrap="square">
+            <a:spAutoFit/>
+          </a:bodyPr>
+          <a:lstStyle/>
+          <a:p>
+            <a:pPr>
+              <a:lnSpc>
+                <a:spcPct val="150000"/>
+              </a:lnSpc>
+            </a:pPr>
+            <a:r>
+              <a:rPr lang="en-US" sz="1800" dirty="0"/>
+              <a:t># Creating a Dictionary</a:t>
+            </a:r>
+          </a:p>
+          <a:p>
+            <a:pPr>
+              <a:lnSpc>
+                <a:spcPct val="150000"/>
+              </a:lnSpc>
+            </a:pPr>
+            <a:r>
+              <a:rPr lang="en-US" sz="1800" dirty="0" err="1"/>
+              <a:t>Dict</a:t>
+            </a:r>
+            <a:r>
+              <a:rPr lang="en-US" sz="1800" dirty="0"/>
+              <a:t> = {'Dict1': {1: 'Geeks'},</a:t>
+            </a:r>
+          </a:p>
+          <a:p>
+            <a:pPr>
+              <a:lnSpc>
+                <a:spcPct val="150000"/>
+              </a:lnSpc>
+            </a:pPr>
+            <a:r>
+              <a:rPr lang="en-US" sz="1800" dirty="0"/>
+              <a:t>        'Dict2': {'Name': 'For'}}</a:t>
+            </a:r>
+          </a:p>
+          <a:p>
+            <a:pPr>
+              <a:lnSpc>
+                <a:spcPct val="150000"/>
+              </a:lnSpc>
+            </a:pPr>
+            <a:r>
+              <a:rPr lang="en-US" sz="1800" dirty="0"/>
+              <a:t>  </a:t>
+            </a:r>
+          </a:p>
+          <a:p>
+            <a:pPr>
+              <a:lnSpc>
+                <a:spcPct val="150000"/>
+              </a:lnSpc>
+            </a:pPr>
+            <a:r>
+              <a:rPr lang="en-US" sz="1800" dirty="0"/>
+              <a:t># Accessing element using key</a:t>
+            </a:r>
+          </a:p>
+          <a:p>
+            <a:pPr>
+              <a:lnSpc>
+                <a:spcPct val="150000"/>
+              </a:lnSpc>
+            </a:pPr>
+            <a:r>
+              <a:rPr lang="en-US" sz="1800" dirty="0"/>
+              <a:t>print(</a:t>
+            </a:r>
+            <a:r>
+              <a:rPr lang="en-US" sz="1800" dirty="0" err="1"/>
+              <a:t>Dict</a:t>
+            </a:r>
+            <a:r>
+              <a:rPr lang="en-US" sz="1800" dirty="0"/>
+              <a:t>['Dict1'])</a:t>
+            </a:r>
+          </a:p>
+          <a:p>
+            <a:pPr>
+              <a:lnSpc>
+                <a:spcPct val="150000"/>
+              </a:lnSpc>
+            </a:pPr>
+            <a:r>
+              <a:rPr lang="en-US" sz="1800" dirty="0"/>
+              <a:t>print(</a:t>
+            </a:r>
+            <a:r>
+              <a:rPr lang="en-US" sz="1800" dirty="0" err="1"/>
+              <a:t>Dict</a:t>
+            </a:r>
+            <a:r>
+              <a:rPr lang="en-US" sz="1800" dirty="0"/>
+              <a:t>['Dict1'][1])</a:t>
+            </a:r>
+          </a:p>
+          <a:p>
+            <a:pPr>
+              <a:lnSpc>
+                <a:spcPct val="150000"/>
+              </a:lnSpc>
+            </a:pPr>
+            <a:r>
+              <a:rPr lang="en-US" sz="1800" dirty="0"/>
+              <a:t>print(</a:t>
+            </a:r>
+            <a:r>
+              <a:rPr lang="en-US" sz="1800" dirty="0" err="1"/>
+              <a:t>Dict</a:t>
+            </a:r>
+            <a:r>
+              <a:rPr lang="en-US" sz="1800" dirty="0"/>
+              <a:t>['Dict2']['Name'])</a:t>
+            </a:r>
+          </a:p>
+        </p:txBody>
+      </p:sp>
+    </p:spTree>
+    <p:extLst>
+      <p:ext uri="{BB962C8B-B14F-4D97-AF65-F5344CB8AC3E}">
+        <p14:creationId xmlns:p14="http://schemas.microsoft.com/office/powerpoint/2010/main" val="1135309952"/>
+      </p:ext>
+    </p:extLst>
+  </p:cSld>
+  <p:clrMapOvr>
+    <a:masterClrMapping/>
+  </p:clrMapOvr>
+  <p:timing>
+    <p:tnLst>
+      <p:par>
+        <p:cTn id="1" dur="indefinite" restart="never" nodeType="tmRoot"/>
+      </p:par>
+    </p:tnLst>
+  </p:timing>
+</p:sld>
+</file>
+
+<file path=ppt/slides/slide31.xml><?xml version="1.0" encoding="utf-8"?>
+<p:sld xmlns:a="http://schemas.openxmlformats.org/drawingml/2006/main" xmlns:r="http://schemas.openxmlformats.org/officeDocument/2006/relationships" xmlns:p="http://schemas.openxmlformats.org/presentationml/2006/main">
+  <p:cSld>
+    <p:spTree>
+      <p:nvGrpSpPr>
+        <p:cNvPr id="1" name="Shape 228"/>
+        <p:cNvGrpSpPr/>
+        <p:nvPr/>
+      </p:nvGrpSpPr>
+      <p:grpSpPr>
+        <a:xfrm>
+          <a:off x="0" y="0"/>
+          <a:ext cx="0" cy="0"/>
+          <a:chOff x="0" y="0"/>
+          <a:chExt cx="0" cy="0"/>
+        </a:xfrm>
+      </p:grpSpPr>
+      <p:sp>
+        <p:nvSpPr>
+          <p:cNvPr id="229" name="Google Shape;229;p26"/>
+          <p:cNvSpPr txBox="1">
+            <a:spLocks noGrp="1"/>
+          </p:cNvSpPr>
+          <p:nvPr>
+            <p:ph type="title" idx="4294967295"/>
+          </p:nvPr>
+        </p:nvSpPr>
+        <p:spPr>
+          <a:xfrm>
+            <a:off x="621792" y="205574"/>
+            <a:ext cx="8250600" cy="798300"/>
+          </a:xfrm>
+          <a:prstGeom prst="rect">
+            <a:avLst/>
+          </a:prstGeom>
+        </p:spPr>
+        <p:txBody>
+          <a:bodyPr spcFirstLastPara="1" wrap="square" lIns="91425" tIns="91425" rIns="91425" bIns="91425" anchor="ctr" anchorCtr="0">
+            <a:noAutofit/>
+          </a:bodyPr>
+          <a:lstStyle/>
+          <a:p>
+            <a:pPr lvl="0"/>
+            <a:r>
+              <a:rPr lang="en-US" sz="2400" dirty="0">
+                <a:solidFill>
+                  <a:srgbClr val="2C363A"/>
+                </a:solidFill>
+              </a:rPr>
+              <a:t>Dictionary methods</a:t>
+            </a:r>
+          </a:p>
+        </p:txBody>
+      </p:sp>
+      <p:sp>
+        <p:nvSpPr>
+          <p:cNvPr id="230" name="Google Shape;230;p26"/>
+          <p:cNvSpPr txBox="1">
+            <a:spLocks noGrp="1"/>
+          </p:cNvSpPr>
+          <p:nvPr>
+            <p:ph type="sldNum" idx="12"/>
+          </p:nvPr>
+        </p:nvSpPr>
+        <p:spPr>
+          <a:xfrm>
+            <a:off x="8556784" y="4749851"/>
+            <a:ext cx="548700" cy="393600"/>
+          </a:xfrm>
+          <a:prstGeom prst="rect">
+            <a:avLst/>
+          </a:prstGeom>
+        </p:spPr>
+        <p:txBody>
+          <a:bodyPr spcFirstLastPara="1" wrap="square" lIns="91425" tIns="91425" rIns="91425" bIns="91425" anchor="t" anchorCtr="0">
+            <a:noAutofit/>
+          </a:bodyPr>
+          <a:lstStyle/>
+          <a:p>
+            <a:pPr marL="0" lvl="0" indent="0" algn="r" rtl="0">
+              <a:spcBef>
+                <a:spcPts val="0"/>
+              </a:spcBef>
+              <a:spcAft>
+                <a:spcPts val="0"/>
+              </a:spcAft>
+              <a:buNone/>
+            </a:pPr>
+            <a:fld id="{00000000-1234-1234-1234-123412341234}" type="slidenum">
+              <a:rPr lang="en"/>
+              <a:t>31</a:t>
+            </a:fld>
+            <a:endParaRPr/>
+          </a:p>
+        </p:txBody>
+      </p:sp>
+      <p:graphicFrame>
+        <p:nvGraphicFramePr>
+          <p:cNvPr id="2" name="Table 1"/>
+          <p:cNvGraphicFramePr>
+            <a:graphicFrameLocks noGrp="1"/>
+          </p:cNvGraphicFramePr>
+          <p:nvPr>
+            <p:extLst>
+              <p:ext uri="{D42A27DB-BD31-4B8C-83A1-F6EECF244321}">
+                <p14:modId xmlns:p14="http://schemas.microsoft.com/office/powerpoint/2010/main" val="1346893897"/>
+              </p:ext>
+            </p:extLst>
+          </p:nvPr>
+        </p:nvGraphicFramePr>
+        <p:xfrm>
+          <a:off x="621792" y="1003874"/>
+          <a:ext cx="7790688" cy="2979428"/>
+        </p:xfrm>
+        <a:graphic>
+          <a:graphicData uri="http://schemas.openxmlformats.org/drawingml/2006/table">
+            <a:tbl>
+              <a:tblPr>
+                <a:tableStyleId>{5940675A-B579-460E-94D1-54222C63F5DA}</a:tableStyleId>
+              </a:tblPr>
+              <a:tblGrid>
+                <a:gridCol w="2487168">
+                  <a:extLst>
+                    <a:ext uri="{9D8B030D-6E8A-4147-A177-3AD203B41FA5}">
+                      <a16:colId xmlns:a16="http://schemas.microsoft.com/office/drawing/2014/main" val="3078863843"/>
+                    </a:ext>
+                  </a:extLst>
+                </a:gridCol>
+                <a:gridCol w="5303520">
+                  <a:extLst>
+                    <a:ext uri="{9D8B030D-6E8A-4147-A177-3AD203B41FA5}">
+                      <a16:colId xmlns:a16="http://schemas.microsoft.com/office/drawing/2014/main" val="3979322440"/>
+                    </a:ext>
+                  </a:extLst>
+                </a:gridCol>
+              </a:tblGrid>
+              <a:tr h="216067">
+                <a:tc>
+                  <a:txBody>
+                    <a:bodyPr/>
+                    <a:lstStyle/>
+                    <a:p>
+                      <a:pPr algn="ctr" fontAlgn="base">
+                        <a:lnSpc>
+                          <a:spcPct val="150000"/>
+                        </a:lnSpc>
+                      </a:pPr>
+                      <a:r>
+                        <a:rPr lang="en-US" sz="1800" b="1" dirty="0">
+                          <a:solidFill>
+                            <a:schemeClr val="accent2"/>
+                          </a:solidFill>
+                          <a:effectLst/>
+                        </a:rPr>
+                        <a:t>Functions Name</a:t>
+                      </a:r>
+                    </a:p>
+                  </a:txBody>
+                  <a:tcPr marL="50959" marR="50959" marT="50959" marB="50959" anchor="ctr"/>
+                </a:tc>
+                <a:tc>
+                  <a:txBody>
+                    <a:bodyPr/>
+                    <a:lstStyle/>
+                    <a:p>
+                      <a:pPr algn="ctr" fontAlgn="base">
+                        <a:lnSpc>
+                          <a:spcPct val="150000"/>
+                        </a:lnSpc>
+                      </a:pPr>
+                      <a:r>
+                        <a:rPr lang="en-US" sz="1800" b="1" dirty="0">
+                          <a:solidFill>
+                            <a:schemeClr val="accent2"/>
+                          </a:solidFill>
+                          <a:effectLst/>
+                        </a:rPr>
+                        <a:t>Description</a:t>
+                      </a:r>
+                    </a:p>
+                  </a:txBody>
+                  <a:tcPr marL="50959" marR="50959" marT="50959" marB="50959" anchor="ctr"/>
+                </a:tc>
+                <a:extLst>
+                  <a:ext uri="{0D108BD9-81ED-4DB2-BD59-A6C34878D82A}">
+                    <a16:rowId xmlns:a16="http://schemas.microsoft.com/office/drawing/2014/main" val="2070496330"/>
+                  </a:ext>
+                </a:extLst>
+              </a:tr>
+              <a:tr h="244604">
+                <a:tc>
+                  <a:txBody>
+                    <a:bodyPr/>
+                    <a:lstStyle/>
+                    <a:p>
+                      <a:pPr algn="l" fontAlgn="base">
+                        <a:lnSpc>
+                          <a:spcPct val="150000"/>
+                        </a:lnSpc>
+                      </a:pPr>
+                      <a:r>
+                        <a:rPr lang="en-US" sz="1800" u="sng">
+                          <a:effectLst/>
+                          <a:hlinkClick r:id="rId3"/>
+                        </a:rPr>
+                        <a:t>clear()</a:t>
+                      </a:r>
+                      <a:endParaRPr lang="en-US" sz="1800" b="0">
+                        <a:effectLst/>
+                      </a:endParaRPr>
+                    </a:p>
+                  </a:txBody>
+                  <a:tcPr marL="50959" marR="50959" marT="71343" marB="71343" anchor="ctr"/>
+                </a:tc>
+                <a:tc>
+                  <a:txBody>
+                    <a:bodyPr/>
+                    <a:lstStyle/>
+                    <a:p>
+                      <a:pPr algn="l" fontAlgn="base">
+                        <a:lnSpc>
+                          <a:spcPct val="150000"/>
+                        </a:lnSpc>
+                      </a:pPr>
+                      <a:r>
+                        <a:rPr lang="en-US" sz="1800">
+                          <a:effectLst/>
+                        </a:rPr>
+                        <a:t>Removes all items from the dictionary</a:t>
+                      </a:r>
+                      <a:endParaRPr lang="en-US" sz="1800" b="0">
+                        <a:effectLst/>
+                      </a:endParaRPr>
+                    </a:p>
+                  </a:txBody>
+                  <a:tcPr marL="50959" marR="50959" marT="71343" marB="71343" anchor="ctr"/>
+                </a:tc>
+                <a:extLst>
+                  <a:ext uri="{0D108BD9-81ED-4DB2-BD59-A6C34878D82A}">
+                    <a16:rowId xmlns:a16="http://schemas.microsoft.com/office/drawing/2014/main" val="1039508940"/>
+                  </a:ext>
+                </a:extLst>
+              </a:tr>
+              <a:tr h="244604">
+                <a:tc>
+                  <a:txBody>
+                    <a:bodyPr/>
+                    <a:lstStyle/>
+                    <a:p>
+                      <a:pPr algn="l" fontAlgn="base">
+                        <a:lnSpc>
+                          <a:spcPct val="150000"/>
+                        </a:lnSpc>
+                      </a:pPr>
+                      <a:r>
+                        <a:rPr lang="en-US" sz="1800" u="sng" dirty="0">
+                          <a:effectLst/>
+                          <a:hlinkClick r:id="rId4"/>
+                        </a:rPr>
+                        <a:t>copy()</a:t>
+                      </a:r>
+                      <a:endParaRPr lang="en-US" sz="1800" b="0" dirty="0">
+                        <a:effectLst/>
+                      </a:endParaRPr>
+                    </a:p>
+                  </a:txBody>
+                  <a:tcPr marL="50959" marR="50959" marT="71343" marB="71343" anchor="ctr"/>
+                </a:tc>
+                <a:tc>
+                  <a:txBody>
+                    <a:bodyPr/>
+                    <a:lstStyle/>
+                    <a:p>
+                      <a:pPr algn="l" fontAlgn="base">
+                        <a:lnSpc>
+                          <a:spcPct val="150000"/>
+                        </a:lnSpc>
+                      </a:pPr>
+                      <a:r>
+                        <a:rPr lang="en-US" sz="1800">
+                          <a:effectLst/>
+                        </a:rPr>
+                        <a:t>Returns a shallow copy of the dictionary</a:t>
+                      </a:r>
+                      <a:endParaRPr lang="en-US" sz="1800" b="0">
+                        <a:effectLst/>
+                      </a:endParaRPr>
+                    </a:p>
+                  </a:txBody>
+                  <a:tcPr marL="50959" marR="50959" marT="71343" marB="71343" anchor="ctr"/>
+                </a:tc>
+                <a:extLst>
+                  <a:ext uri="{0D108BD9-81ED-4DB2-BD59-A6C34878D82A}">
+                    <a16:rowId xmlns:a16="http://schemas.microsoft.com/office/drawing/2014/main" val="2132437993"/>
+                  </a:ext>
+                </a:extLst>
+              </a:tr>
+              <a:tr h="244604">
+                <a:tc>
+                  <a:txBody>
+                    <a:bodyPr/>
+                    <a:lstStyle/>
+                    <a:p>
+                      <a:pPr algn="l" fontAlgn="base">
+                        <a:lnSpc>
+                          <a:spcPct val="150000"/>
+                        </a:lnSpc>
+                      </a:pPr>
+                      <a:r>
+                        <a:rPr lang="en-US" sz="1800" u="sng">
+                          <a:effectLst/>
+                          <a:hlinkClick r:id="rId5"/>
+                        </a:rPr>
+                        <a:t>fromkeys()</a:t>
+                      </a:r>
+                      <a:endParaRPr lang="en-US" sz="1800" b="0">
+                        <a:effectLst/>
+                      </a:endParaRPr>
+                    </a:p>
+                  </a:txBody>
+                  <a:tcPr marL="50959" marR="50959" marT="71343" marB="71343" anchor="ctr"/>
+                </a:tc>
+                <a:tc>
+                  <a:txBody>
+                    <a:bodyPr/>
+                    <a:lstStyle/>
+                    <a:p>
+                      <a:pPr algn="l" fontAlgn="base">
+                        <a:lnSpc>
+                          <a:spcPct val="150000"/>
+                        </a:lnSpc>
+                      </a:pPr>
+                      <a:r>
+                        <a:rPr lang="en-US" sz="1800">
+                          <a:effectLst/>
+                        </a:rPr>
+                        <a:t>Creates a dictionary from the given sequence</a:t>
+                      </a:r>
+                      <a:endParaRPr lang="en-US" sz="1800" b="0">
+                        <a:effectLst/>
+                      </a:endParaRPr>
+                    </a:p>
+                  </a:txBody>
+                  <a:tcPr marL="50959" marR="50959" marT="71343" marB="71343" anchor="ctr"/>
+                </a:tc>
+                <a:extLst>
+                  <a:ext uri="{0D108BD9-81ED-4DB2-BD59-A6C34878D82A}">
+                    <a16:rowId xmlns:a16="http://schemas.microsoft.com/office/drawing/2014/main" val="4095598235"/>
+                  </a:ext>
+                </a:extLst>
+              </a:tr>
+              <a:tr h="244604">
+                <a:tc>
+                  <a:txBody>
+                    <a:bodyPr/>
+                    <a:lstStyle/>
+                    <a:p>
+                      <a:pPr algn="l" fontAlgn="base">
+                        <a:lnSpc>
+                          <a:spcPct val="150000"/>
+                        </a:lnSpc>
+                      </a:pPr>
+                      <a:r>
+                        <a:rPr lang="en-US" sz="1800" u="sng">
+                          <a:effectLst/>
+                          <a:hlinkClick r:id="rId6"/>
+                        </a:rPr>
+                        <a:t>get()</a:t>
+                      </a:r>
+                      <a:endParaRPr lang="en-US" sz="1800" b="0">
+                        <a:effectLst/>
+                      </a:endParaRPr>
+                    </a:p>
+                  </a:txBody>
+                  <a:tcPr marL="50959" marR="50959" marT="71343" marB="71343" anchor="ctr"/>
+                </a:tc>
+                <a:tc>
+                  <a:txBody>
+                    <a:bodyPr/>
+                    <a:lstStyle/>
+                    <a:p>
+                      <a:pPr algn="l" fontAlgn="base">
+                        <a:lnSpc>
+                          <a:spcPct val="150000"/>
+                        </a:lnSpc>
+                      </a:pPr>
+                      <a:r>
+                        <a:rPr lang="en-US" sz="1800" dirty="0">
+                          <a:effectLst/>
+                        </a:rPr>
+                        <a:t>Returns the value for the given key</a:t>
+                      </a:r>
+                      <a:endParaRPr lang="en-US" sz="1800" b="0" dirty="0">
+                        <a:effectLst/>
+                      </a:endParaRPr>
+                    </a:p>
+                  </a:txBody>
+                  <a:tcPr marL="50959" marR="50959" marT="71343" marB="71343" anchor="ctr"/>
+                </a:tc>
+                <a:extLst>
+                  <a:ext uri="{0D108BD9-81ED-4DB2-BD59-A6C34878D82A}">
+                    <a16:rowId xmlns:a16="http://schemas.microsoft.com/office/drawing/2014/main" val="2501696260"/>
+                  </a:ext>
+                </a:extLst>
+              </a:tr>
+              <a:tr h="244604">
+                <a:tc>
+                  <a:txBody>
+                    <a:bodyPr/>
+                    <a:lstStyle/>
+                    <a:p>
+                      <a:pPr algn="l" fontAlgn="base">
+                        <a:lnSpc>
+                          <a:spcPct val="150000"/>
+                        </a:lnSpc>
+                      </a:pPr>
+                      <a:r>
+                        <a:rPr lang="en-US" sz="1800" u="sng">
+                          <a:effectLst/>
+                          <a:hlinkClick r:id="rId7"/>
+                        </a:rPr>
+                        <a:t>items()</a:t>
+                      </a:r>
+                      <a:endParaRPr lang="en-US" sz="1800" b="0">
+                        <a:effectLst/>
+                      </a:endParaRPr>
+                    </a:p>
+                  </a:txBody>
+                  <a:tcPr marL="50959" marR="50959" marT="71343" marB="71343" anchor="ctr"/>
+                </a:tc>
+                <a:tc>
+                  <a:txBody>
+                    <a:bodyPr/>
+                    <a:lstStyle/>
+                    <a:p>
+                      <a:pPr algn="l" fontAlgn="base">
+                        <a:lnSpc>
+                          <a:spcPct val="150000"/>
+                        </a:lnSpc>
+                      </a:pPr>
+                      <a:r>
+                        <a:rPr lang="en-US" sz="1800" dirty="0">
+                          <a:effectLst/>
+                        </a:rPr>
+                        <a:t>Return the list with all dictionary keys with values</a:t>
+                      </a:r>
+                      <a:endParaRPr lang="en-US" sz="1800" b="0" dirty="0">
+                        <a:effectLst/>
+                      </a:endParaRPr>
+                    </a:p>
+                  </a:txBody>
+                  <a:tcPr marL="50959" marR="50959" marT="71343" marB="71343" anchor="ctr"/>
+                </a:tc>
+                <a:extLst>
+                  <a:ext uri="{0D108BD9-81ED-4DB2-BD59-A6C34878D82A}">
+                    <a16:rowId xmlns:a16="http://schemas.microsoft.com/office/drawing/2014/main" val="3268346774"/>
+                  </a:ext>
+                </a:extLst>
+              </a:tr>
+            </a:tbl>
+          </a:graphicData>
+        </a:graphic>
+      </p:graphicFrame>
+    </p:spTree>
+    <p:extLst>
+      <p:ext uri="{BB962C8B-B14F-4D97-AF65-F5344CB8AC3E}">
+        <p14:creationId xmlns:p14="http://schemas.microsoft.com/office/powerpoint/2010/main" val="2233260500"/>
+      </p:ext>
+    </p:extLst>
+  </p:cSld>
+  <p:clrMapOvr>
+    <a:masterClrMapping/>
+  </p:clrMapOvr>
+  <p:timing>
+    <p:tnLst>
+      <p:par>
+        <p:cTn id="1" dur="indefinite" restart="never" nodeType="tmRoot"/>
+      </p:par>
+    </p:tnLst>
+  </p:timing>
+</p:sld>
+</file>
+
+<file path=ppt/slides/slide32.xml><?xml version="1.0" encoding="utf-8"?>
+<p:sld xmlns:a="http://schemas.openxmlformats.org/drawingml/2006/main" xmlns:r="http://schemas.openxmlformats.org/officeDocument/2006/relationships" xmlns:p="http://schemas.openxmlformats.org/presentationml/2006/main">
+  <p:cSld>
+    <p:spTree>
+      <p:nvGrpSpPr>
+        <p:cNvPr id="1" name="Shape 228"/>
+        <p:cNvGrpSpPr/>
+        <p:nvPr/>
+      </p:nvGrpSpPr>
+      <p:grpSpPr>
+        <a:xfrm>
+          <a:off x="0" y="0"/>
+          <a:ext cx="0" cy="0"/>
+          <a:chOff x="0" y="0"/>
+          <a:chExt cx="0" cy="0"/>
+        </a:xfrm>
+      </p:grpSpPr>
+      <p:sp>
+        <p:nvSpPr>
+          <p:cNvPr id="229" name="Google Shape;229;p26"/>
+          <p:cNvSpPr txBox="1">
+            <a:spLocks noGrp="1"/>
+          </p:cNvSpPr>
+          <p:nvPr>
+            <p:ph type="title" idx="4294967295"/>
+          </p:nvPr>
+        </p:nvSpPr>
+        <p:spPr>
+          <a:xfrm>
+            <a:off x="621792" y="205574"/>
+            <a:ext cx="8250600" cy="798300"/>
+          </a:xfrm>
+          <a:prstGeom prst="rect">
+            <a:avLst/>
+          </a:prstGeom>
+        </p:spPr>
+        <p:txBody>
+          <a:bodyPr spcFirstLastPara="1" wrap="square" lIns="91425" tIns="91425" rIns="91425" bIns="91425" anchor="ctr" anchorCtr="0">
+            <a:noAutofit/>
+          </a:bodyPr>
+          <a:lstStyle/>
+          <a:p>
+            <a:pPr lvl="0"/>
+            <a:r>
+              <a:rPr lang="en-US" sz="2400" dirty="0">
+                <a:solidFill>
+                  <a:srgbClr val="2C363A"/>
+                </a:solidFill>
+              </a:rPr>
+              <a:t>Dictionary methods</a:t>
+            </a:r>
+          </a:p>
+        </p:txBody>
+      </p:sp>
+      <p:sp>
+        <p:nvSpPr>
+          <p:cNvPr id="230" name="Google Shape;230;p26"/>
+          <p:cNvSpPr txBox="1">
+            <a:spLocks noGrp="1"/>
+          </p:cNvSpPr>
+          <p:nvPr>
+            <p:ph type="sldNum" idx="12"/>
+          </p:nvPr>
+        </p:nvSpPr>
+        <p:spPr>
+          <a:xfrm>
+            <a:off x="8556784" y="4749851"/>
+            <a:ext cx="548700" cy="393600"/>
+          </a:xfrm>
+          <a:prstGeom prst="rect">
+            <a:avLst/>
+          </a:prstGeom>
+        </p:spPr>
+        <p:txBody>
+          <a:bodyPr spcFirstLastPara="1" wrap="square" lIns="91425" tIns="91425" rIns="91425" bIns="91425" anchor="t" anchorCtr="0">
+            <a:noAutofit/>
+          </a:bodyPr>
+          <a:lstStyle/>
+          <a:p>
+            <a:pPr marL="0" lvl="0" indent="0" algn="r" rtl="0">
+              <a:spcBef>
+                <a:spcPts val="0"/>
+              </a:spcBef>
+              <a:spcAft>
+                <a:spcPts val="0"/>
+              </a:spcAft>
+              <a:buNone/>
+            </a:pPr>
+            <a:fld id="{00000000-1234-1234-1234-123412341234}" type="slidenum">
+              <a:rPr lang="en"/>
+              <a:t>32</a:t>
+            </a:fld>
+            <a:endParaRPr/>
+          </a:p>
+        </p:txBody>
+      </p:sp>
+      <p:graphicFrame>
+        <p:nvGraphicFramePr>
+          <p:cNvPr id="3" name="Table 2"/>
+          <p:cNvGraphicFramePr>
+            <a:graphicFrameLocks noGrp="1"/>
+          </p:cNvGraphicFramePr>
+          <p:nvPr>
+            <p:extLst>
+              <p:ext uri="{D42A27DB-BD31-4B8C-83A1-F6EECF244321}">
+                <p14:modId xmlns:p14="http://schemas.microsoft.com/office/powerpoint/2010/main" val="3320493895"/>
+              </p:ext>
+            </p:extLst>
+          </p:nvPr>
+        </p:nvGraphicFramePr>
+        <p:xfrm>
+          <a:off x="384302" y="841629"/>
+          <a:ext cx="8339074" cy="3701234"/>
+        </p:xfrm>
+        <a:graphic>
+          <a:graphicData uri="http://schemas.openxmlformats.org/drawingml/2006/table">
+            <a:tbl>
+              <a:tblPr>
+                <a:tableStyleId>{5940675A-B579-460E-94D1-54222C63F5DA}</a:tableStyleId>
+              </a:tblPr>
+              <a:tblGrid>
+                <a:gridCol w="2176018">
+                  <a:extLst>
+                    <a:ext uri="{9D8B030D-6E8A-4147-A177-3AD203B41FA5}">
+                      <a16:colId xmlns:a16="http://schemas.microsoft.com/office/drawing/2014/main" val="2466580266"/>
+                    </a:ext>
+                  </a:extLst>
+                </a:gridCol>
+                <a:gridCol w="6163056">
+                  <a:extLst>
+                    <a:ext uri="{9D8B030D-6E8A-4147-A177-3AD203B41FA5}">
+                      <a16:colId xmlns:a16="http://schemas.microsoft.com/office/drawing/2014/main" val="2286186597"/>
+                    </a:ext>
+                  </a:extLst>
+                </a:gridCol>
+              </a:tblGrid>
+              <a:tr h="346522">
+                <a:tc>
+                  <a:txBody>
+                    <a:bodyPr/>
+                    <a:lstStyle/>
+                    <a:p>
+                      <a:pPr algn="ctr" fontAlgn="base"/>
+                      <a:r>
+                        <a:rPr lang="en-US" sz="1800" b="1" dirty="0">
+                          <a:solidFill>
+                            <a:schemeClr val="accent2"/>
+                          </a:solidFill>
+                          <a:effectLst/>
+                        </a:rPr>
+                        <a:t>Functions Name</a:t>
+                      </a:r>
+                    </a:p>
+                  </a:txBody>
+                  <a:tcPr marL="50959" marR="50959" marT="50959" marB="50959" anchor="ctr"/>
+                </a:tc>
+                <a:tc>
+                  <a:txBody>
+                    <a:bodyPr/>
+                    <a:lstStyle/>
+                    <a:p>
+                      <a:pPr algn="ctr" fontAlgn="base"/>
+                      <a:r>
+                        <a:rPr lang="en-US" sz="1800" b="1" dirty="0">
+                          <a:solidFill>
+                            <a:schemeClr val="accent2"/>
+                          </a:solidFill>
+                          <a:effectLst/>
+                        </a:rPr>
+                        <a:t>Description</a:t>
+                      </a:r>
+                    </a:p>
+                  </a:txBody>
+                  <a:tcPr marL="50959" marR="50959" marT="50959" marB="50959" anchor="ctr"/>
+                </a:tc>
+                <a:extLst>
+                  <a:ext uri="{0D108BD9-81ED-4DB2-BD59-A6C34878D82A}">
+                    <a16:rowId xmlns:a16="http://schemas.microsoft.com/office/drawing/2014/main" val="1404010530"/>
+                  </a:ext>
+                </a:extLst>
+              </a:tr>
+              <a:tr h="346522">
+                <a:tc>
+                  <a:txBody>
+                    <a:bodyPr/>
+                    <a:lstStyle/>
+                    <a:p>
+                      <a:pPr algn="l" fontAlgn="base"/>
+                      <a:r>
+                        <a:rPr lang="en-US" sz="1800" u="sng">
+                          <a:effectLst/>
+                          <a:hlinkClick r:id="rId3"/>
+                        </a:rPr>
+                        <a:t>keys()</a:t>
+                      </a:r>
+                      <a:endParaRPr lang="en-US" sz="1800" b="0">
+                        <a:effectLst/>
+                      </a:endParaRPr>
+                    </a:p>
+                  </a:txBody>
+                  <a:tcPr marL="50959" marR="50959" marT="71343" marB="71343" anchor="ctr"/>
+                </a:tc>
+                <a:tc>
+                  <a:txBody>
+                    <a:bodyPr/>
+                    <a:lstStyle/>
+                    <a:p>
+                      <a:pPr algn="l" fontAlgn="base"/>
+                      <a:r>
+                        <a:rPr lang="en-US" sz="1800" dirty="0">
+                          <a:effectLst/>
+                        </a:rPr>
+                        <a:t>Returns a view object that displays a list of all the keys in the dictionary in order of insertion</a:t>
+                      </a:r>
+                      <a:endParaRPr lang="en-US" sz="1800" b="0" dirty="0">
+                        <a:effectLst/>
+                      </a:endParaRPr>
+                    </a:p>
+                  </a:txBody>
+                  <a:tcPr marL="50959" marR="50959" marT="71343" marB="71343" anchor="ctr"/>
+                </a:tc>
+                <a:extLst>
+                  <a:ext uri="{0D108BD9-81ED-4DB2-BD59-A6C34878D82A}">
+                    <a16:rowId xmlns:a16="http://schemas.microsoft.com/office/drawing/2014/main" val="3207247739"/>
+                  </a:ext>
+                </a:extLst>
+              </a:tr>
+              <a:tr h="244604">
+                <a:tc>
+                  <a:txBody>
+                    <a:bodyPr/>
+                    <a:lstStyle/>
+                    <a:p>
+                      <a:pPr algn="l" fontAlgn="base"/>
+                      <a:r>
+                        <a:rPr lang="en-US" sz="1800" u="sng">
+                          <a:effectLst/>
+                          <a:hlinkClick r:id="rId4"/>
+                        </a:rPr>
+                        <a:t>pop()</a:t>
+                      </a:r>
+                      <a:endParaRPr lang="en-US" sz="1800" b="0">
+                        <a:effectLst/>
+                      </a:endParaRPr>
+                    </a:p>
+                  </a:txBody>
+                  <a:tcPr marL="50959" marR="50959" marT="71343" marB="71343" anchor="ctr"/>
+                </a:tc>
+                <a:tc>
+                  <a:txBody>
+                    <a:bodyPr/>
+                    <a:lstStyle/>
+                    <a:p>
+                      <a:pPr algn="l" fontAlgn="base"/>
+                      <a:r>
+                        <a:rPr lang="en-US" sz="1800">
+                          <a:effectLst/>
+                        </a:rPr>
+                        <a:t>Returns and removes the element with the given key</a:t>
+                      </a:r>
+                      <a:endParaRPr lang="en-US" sz="1800" b="0">
+                        <a:effectLst/>
+                      </a:endParaRPr>
+                    </a:p>
+                  </a:txBody>
+                  <a:tcPr marL="50959" marR="50959" marT="71343" marB="71343" anchor="ctr"/>
+                </a:tc>
+                <a:extLst>
+                  <a:ext uri="{0D108BD9-81ED-4DB2-BD59-A6C34878D82A}">
+                    <a16:rowId xmlns:a16="http://schemas.microsoft.com/office/drawing/2014/main" val="1283146652"/>
+                  </a:ext>
+                </a:extLst>
+              </a:tr>
+              <a:tr h="346522">
+                <a:tc>
+                  <a:txBody>
+                    <a:bodyPr/>
+                    <a:lstStyle/>
+                    <a:p>
+                      <a:pPr algn="l" fontAlgn="base"/>
+                      <a:r>
+                        <a:rPr lang="en-US" sz="1800" u="sng">
+                          <a:effectLst/>
+                          <a:hlinkClick r:id="rId5"/>
+                        </a:rPr>
+                        <a:t>popitem()</a:t>
+                      </a:r>
+                      <a:endParaRPr lang="en-US" sz="1800" b="0">
+                        <a:effectLst/>
+                      </a:endParaRPr>
+                    </a:p>
+                  </a:txBody>
+                  <a:tcPr marL="50959" marR="50959" marT="71343" marB="71343" anchor="ctr"/>
+                </a:tc>
+                <a:tc>
+                  <a:txBody>
+                    <a:bodyPr/>
+                    <a:lstStyle/>
+                    <a:p>
+                      <a:pPr algn="l" fontAlgn="base"/>
+                      <a:r>
+                        <a:rPr lang="en-US" sz="1800">
+                          <a:effectLst/>
+                        </a:rPr>
+                        <a:t>Returns and removes the key-value pair from the dictionary</a:t>
+                      </a:r>
+                      <a:endParaRPr lang="en-US" sz="1800" b="0">
+                        <a:effectLst/>
+                      </a:endParaRPr>
+                    </a:p>
+                  </a:txBody>
+                  <a:tcPr marL="50959" marR="50959" marT="71343" marB="71343" anchor="ctr"/>
+                </a:tc>
+                <a:extLst>
+                  <a:ext uri="{0D108BD9-81ED-4DB2-BD59-A6C34878D82A}">
+                    <a16:rowId xmlns:a16="http://schemas.microsoft.com/office/drawing/2014/main" val="2367063038"/>
+                  </a:ext>
+                </a:extLst>
+              </a:tr>
+              <a:tr h="346522">
+                <a:tc>
+                  <a:txBody>
+                    <a:bodyPr/>
+                    <a:lstStyle/>
+                    <a:p>
+                      <a:pPr algn="l" fontAlgn="base"/>
+                      <a:r>
+                        <a:rPr lang="en-US" sz="1800" u="sng">
+                          <a:effectLst/>
+                          <a:hlinkClick r:id="rId6"/>
+                        </a:rPr>
+                        <a:t>setdefault()</a:t>
+                      </a:r>
+                      <a:endParaRPr lang="en-US" sz="1800" b="0">
+                        <a:effectLst/>
+                      </a:endParaRPr>
+                    </a:p>
+                  </a:txBody>
+                  <a:tcPr marL="50959" marR="50959" marT="71343" marB="71343" anchor="ctr"/>
+                </a:tc>
+                <a:tc>
+                  <a:txBody>
+                    <a:bodyPr/>
+                    <a:lstStyle/>
+                    <a:p>
+                      <a:pPr algn="l" fontAlgn="base"/>
+                      <a:r>
+                        <a:rPr lang="en-US" sz="1800" dirty="0">
+                          <a:effectLst/>
+                        </a:rPr>
+                        <a:t>Returns the value of a key if the key is in the dictionary else inserts the key with a value to the dictionary</a:t>
+                      </a:r>
+                      <a:endParaRPr lang="en-US" sz="1800" b="0" dirty="0">
+                        <a:effectLst/>
+                      </a:endParaRPr>
+                    </a:p>
+                  </a:txBody>
+                  <a:tcPr marL="50959" marR="50959" marT="71343" marB="71343" anchor="ctr"/>
+                </a:tc>
+                <a:extLst>
+                  <a:ext uri="{0D108BD9-81ED-4DB2-BD59-A6C34878D82A}">
+                    <a16:rowId xmlns:a16="http://schemas.microsoft.com/office/drawing/2014/main" val="3034473643"/>
+                  </a:ext>
+                </a:extLst>
+              </a:tr>
+              <a:tr h="346522">
+                <a:tc>
+                  <a:txBody>
+                    <a:bodyPr/>
+                    <a:lstStyle/>
+                    <a:p>
+                      <a:pPr algn="l" fontAlgn="base"/>
+                      <a:r>
+                        <a:rPr lang="en-US" sz="1800" u="sng">
+                          <a:effectLst/>
+                          <a:hlinkClick r:id="rId7"/>
+                        </a:rPr>
+                        <a:t>update()</a:t>
+                      </a:r>
+                      <a:endParaRPr lang="en-US" sz="1800" b="0">
+                        <a:effectLst/>
+                      </a:endParaRPr>
+                    </a:p>
+                  </a:txBody>
+                  <a:tcPr marL="50959" marR="50959" marT="71343" marB="71343" anchor="ctr"/>
+                </a:tc>
+                <a:tc>
+                  <a:txBody>
+                    <a:bodyPr/>
+                    <a:lstStyle/>
+                    <a:p>
+                      <a:pPr algn="l" fontAlgn="base"/>
+                      <a:r>
+                        <a:rPr lang="en-US" sz="1800">
+                          <a:effectLst/>
+                        </a:rPr>
+                        <a:t>Updates the dictionary with the elements from another dictionary</a:t>
+                      </a:r>
+                      <a:endParaRPr lang="en-US" sz="1800" b="0">
+                        <a:effectLst/>
+                      </a:endParaRPr>
+                    </a:p>
+                  </a:txBody>
+                  <a:tcPr marL="50959" marR="50959" marT="71343" marB="71343" anchor="ctr"/>
+                </a:tc>
+                <a:extLst>
+                  <a:ext uri="{0D108BD9-81ED-4DB2-BD59-A6C34878D82A}">
+                    <a16:rowId xmlns:a16="http://schemas.microsoft.com/office/drawing/2014/main" val="2030282938"/>
+                  </a:ext>
+                </a:extLst>
+              </a:tr>
+              <a:tr h="346522">
+                <a:tc>
+                  <a:txBody>
+                    <a:bodyPr/>
+                    <a:lstStyle/>
+                    <a:p>
+                      <a:pPr algn="l" fontAlgn="base"/>
+                      <a:r>
+                        <a:rPr lang="en-US" sz="1800" u="sng">
+                          <a:effectLst/>
+                          <a:hlinkClick r:id="rId8"/>
+                        </a:rPr>
+                        <a:t>values()</a:t>
+                      </a:r>
+                      <a:endParaRPr lang="en-US" sz="1800" b="0">
+                        <a:effectLst/>
+                      </a:endParaRPr>
+                    </a:p>
+                  </a:txBody>
+                  <a:tcPr marL="50959" marR="50959" marT="71343" marB="71343" anchor="ctr"/>
+                </a:tc>
+                <a:tc>
+                  <a:txBody>
+                    <a:bodyPr/>
+                    <a:lstStyle/>
+                    <a:p>
+                      <a:pPr algn="l" fontAlgn="base"/>
+                      <a:r>
+                        <a:rPr lang="en-US" sz="1800" dirty="0">
+                          <a:effectLst/>
+                        </a:rPr>
+                        <a:t>Returns a list of all the values available in a given dictionary</a:t>
+                      </a:r>
+                      <a:endParaRPr lang="en-US" sz="1800" b="0" dirty="0">
+                        <a:effectLst/>
+                      </a:endParaRPr>
+                    </a:p>
+                  </a:txBody>
+                  <a:tcPr marL="50959" marR="50959" marT="71343" marB="71343" anchor="ctr"/>
+                </a:tc>
+                <a:extLst>
+                  <a:ext uri="{0D108BD9-81ED-4DB2-BD59-A6C34878D82A}">
+                    <a16:rowId xmlns:a16="http://schemas.microsoft.com/office/drawing/2014/main" val="108111597"/>
+                  </a:ext>
+                </a:extLst>
+              </a:tr>
+            </a:tbl>
+          </a:graphicData>
+        </a:graphic>
+      </p:graphicFrame>
+    </p:spTree>
+    <p:extLst>
+      <p:ext uri="{BB962C8B-B14F-4D97-AF65-F5344CB8AC3E}">
+        <p14:creationId xmlns:p14="http://schemas.microsoft.com/office/powerpoint/2010/main" val="1920704191"/>
+      </p:ext>
+    </p:extLst>
+  </p:cSld>
+  <p:clrMapOvr>
+    <a:masterClrMapping/>
+  </p:clrMapOvr>
+  <p:timing>
+    <p:tnLst>
+      <p:par>
+        <p:cTn id="1" dur="indefinite" restart="never" nodeType="tmRoot"/>
+      </p:par>
+    </p:tnLst>
+  </p:timing>
+</p:sld>
+</file>
+
+<file path=ppt/slides/slide33.xml><?xml version="1.0" encoding="utf-8"?>
+<p:sld xmlns:a="http://schemas.openxmlformats.org/drawingml/2006/main" xmlns:r="http://schemas.openxmlformats.org/officeDocument/2006/relationships" xmlns:p="http://schemas.openxmlformats.org/presentationml/2006/main">
+  <p:cSld>
+    <p:spTree>
+      <p:nvGrpSpPr>
+        <p:cNvPr id="1" name="Shape 228"/>
+        <p:cNvGrpSpPr/>
+        <p:nvPr/>
+      </p:nvGrpSpPr>
+      <p:grpSpPr>
+        <a:xfrm>
+          <a:off x="0" y="0"/>
+          <a:ext cx="0" cy="0"/>
+          <a:chOff x="0" y="0"/>
+          <a:chExt cx="0" cy="0"/>
+        </a:xfrm>
+      </p:grpSpPr>
+      <p:sp>
+        <p:nvSpPr>
+          <p:cNvPr id="229" name="Google Shape;229;p26"/>
+          <p:cNvSpPr txBox="1">
+            <a:spLocks noGrp="1"/>
+          </p:cNvSpPr>
+          <p:nvPr>
+            <p:ph type="title" idx="4294967295"/>
+          </p:nvPr>
+        </p:nvSpPr>
+        <p:spPr>
+          <a:xfrm>
+            <a:off x="621792" y="205574"/>
+            <a:ext cx="8250600" cy="798300"/>
+          </a:xfrm>
+          <a:prstGeom prst="rect">
+            <a:avLst/>
+          </a:prstGeom>
+        </p:spPr>
+        <p:txBody>
+          <a:bodyPr spcFirstLastPara="1" wrap="square" lIns="91425" tIns="91425" rIns="91425" bIns="91425" anchor="ctr" anchorCtr="0">
+            <a:noAutofit/>
+          </a:bodyPr>
+          <a:lstStyle/>
+          <a:p>
+            <a:pPr lvl="0"/>
+            <a:r>
+              <a:rPr lang="en-US" sz="2400" dirty="0">
+                <a:solidFill>
+                  <a:srgbClr val="2C363A"/>
+                </a:solidFill>
+              </a:rPr>
+              <a:t>Dictionary methods</a:t>
+            </a:r>
+          </a:p>
+        </p:txBody>
+      </p:sp>
+      <p:sp>
+        <p:nvSpPr>
+          <p:cNvPr id="230" name="Google Shape;230;p26"/>
+          <p:cNvSpPr txBox="1">
+            <a:spLocks noGrp="1"/>
+          </p:cNvSpPr>
+          <p:nvPr>
+            <p:ph type="sldNum" idx="12"/>
+          </p:nvPr>
+        </p:nvSpPr>
+        <p:spPr>
+          <a:xfrm>
+            <a:off x="8556784" y="4749851"/>
+            <a:ext cx="548700" cy="393600"/>
+          </a:xfrm>
+          <a:prstGeom prst="rect">
+            <a:avLst/>
+          </a:prstGeom>
+        </p:spPr>
+        <p:txBody>
+          <a:bodyPr spcFirstLastPara="1" wrap="square" lIns="91425" tIns="91425" rIns="91425" bIns="91425" anchor="t" anchorCtr="0">
+            <a:noAutofit/>
+          </a:bodyPr>
+          <a:lstStyle/>
+          <a:p>
+            <a:pPr marL="0" lvl="0" indent="0" algn="r" rtl="0">
+              <a:spcBef>
+                <a:spcPts val="0"/>
+              </a:spcBef>
+              <a:spcAft>
+                <a:spcPts val="0"/>
+              </a:spcAft>
+              <a:buNone/>
+            </a:pPr>
+            <a:fld id="{00000000-1234-1234-1234-123412341234}" type="slidenum">
+              <a:rPr lang="en"/>
+              <a:t>33</a:t>
+            </a:fld>
+            <a:endParaRPr/>
+          </a:p>
+        </p:txBody>
+      </p:sp>
+      <p:sp>
+        <p:nvSpPr>
+          <p:cNvPr id="3" name="Rectangle 2"/>
+          <p:cNvSpPr/>
+          <p:nvPr/>
+        </p:nvSpPr>
+        <p:spPr>
+          <a:xfrm>
+            <a:off x="185592" y="824180"/>
+            <a:ext cx="4572000" cy="4524315"/>
+          </a:xfrm>
+          <a:prstGeom prst="rect">
+            <a:avLst/>
+          </a:prstGeom>
+        </p:spPr>
+        <p:txBody>
+          <a:bodyPr>
+            <a:spAutoFit/>
+          </a:bodyPr>
+          <a:lstStyle/>
+          <a:p>
+            <a:r>
+              <a:rPr lang="en-US" sz="1800" dirty="0"/>
+              <a:t># demo for all dictionary methods</a:t>
+            </a:r>
+          </a:p>
+          <a:p>
+            <a:r>
+              <a:rPr lang="en-US" sz="1800" dirty="0"/>
+              <a:t>dict1 = {1: "Python", 2: "Java", 3: "Ruby", 4: "Scala"}</a:t>
+            </a:r>
+          </a:p>
+          <a:p>
+            <a:r>
+              <a:rPr lang="en-US" sz="1800" dirty="0" smtClean="0"/>
+              <a:t># </a:t>
+            </a:r>
+            <a:r>
+              <a:rPr lang="en-US" sz="1800" dirty="0"/>
+              <a:t>copy() method</a:t>
+            </a:r>
+          </a:p>
+          <a:p>
+            <a:r>
+              <a:rPr lang="en-US" sz="1800" dirty="0"/>
+              <a:t>dict2 = dict1.copy()</a:t>
+            </a:r>
+          </a:p>
+          <a:p>
+            <a:r>
+              <a:rPr lang="en-US" sz="1800" dirty="0"/>
+              <a:t>print(dict2)</a:t>
+            </a:r>
+          </a:p>
+          <a:p>
+            <a:r>
+              <a:rPr lang="en-US" sz="1800" dirty="0"/>
+              <a:t>  </a:t>
+            </a:r>
+          </a:p>
+          <a:p>
+            <a:r>
+              <a:rPr lang="en-US" sz="1800" dirty="0"/>
+              <a:t># clear() method</a:t>
+            </a:r>
+          </a:p>
+          <a:p>
+            <a:r>
+              <a:rPr lang="en-US" sz="1800" dirty="0"/>
+              <a:t>dict1.clear()</a:t>
+            </a:r>
+          </a:p>
+          <a:p>
+            <a:r>
+              <a:rPr lang="en-US" sz="1800" dirty="0"/>
+              <a:t>print(dict1)</a:t>
+            </a:r>
+          </a:p>
+          <a:p>
+            <a:r>
+              <a:rPr lang="en-US" sz="1800" dirty="0"/>
+              <a:t>  </a:t>
+            </a:r>
+          </a:p>
+          <a:p>
+            <a:r>
+              <a:rPr lang="en-US" sz="1800" dirty="0"/>
+              <a:t># get() method</a:t>
+            </a:r>
+          </a:p>
+          <a:p>
+            <a:r>
+              <a:rPr lang="en-US" sz="1800" dirty="0"/>
+              <a:t>print(dict2.get(1</a:t>
+            </a:r>
+            <a:r>
+              <a:rPr lang="en-US" sz="1800" dirty="0" smtClean="0"/>
+              <a:t>))</a:t>
+            </a:r>
+            <a:endParaRPr lang="en-US" sz="1800" dirty="0"/>
+          </a:p>
+          <a:p>
+            <a:r>
+              <a:rPr lang="en-US" sz="1800" dirty="0"/>
+              <a:t># items() method</a:t>
+            </a:r>
+          </a:p>
+          <a:p>
+            <a:r>
+              <a:rPr lang="en-US" sz="1800" dirty="0"/>
+              <a:t>print(dict2.items())</a:t>
+            </a:r>
+          </a:p>
+          <a:p>
+            <a:r>
+              <a:rPr lang="en-US" sz="1800" dirty="0"/>
+              <a:t>  </a:t>
+            </a:r>
+          </a:p>
+        </p:txBody>
+      </p:sp>
+      <p:sp>
+        <p:nvSpPr>
+          <p:cNvPr id="4" name="Rectangle 3"/>
+          <p:cNvSpPr/>
+          <p:nvPr/>
+        </p:nvSpPr>
+        <p:spPr>
+          <a:xfrm>
+            <a:off x="5193792" y="389172"/>
+            <a:ext cx="3456432" cy="4801314"/>
+          </a:xfrm>
+          <a:prstGeom prst="rect">
+            <a:avLst/>
+          </a:prstGeom>
+        </p:spPr>
+        <p:txBody>
+          <a:bodyPr wrap="square">
+            <a:spAutoFit/>
+          </a:bodyPr>
+          <a:lstStyle/>
+          <a:p>
+            <a:r>
+              <a:rPr lang="en-US" sz="1800" dirty="0"/>
+              <a:t># keys() method</a:t>
+            </a:r>
+          </a:p>
+          <a:p>
+            <a:r>
+              <a:rPr lang="en-US" sz="1800" dirty="0"/>
+              <a:t>print(dict2.keys())</a:t>
+            </a:r>
+          </a:p>
+          <a:p>
+            <a:r>
+              <a:rPr lang="en-US" sz="1800" dirty="0"/>
+              <a:t>  </a:t>
+            </a:r>
+          </a:p>
+          <a:p>
+            <a:r>
+              <a:rPr lang="en-US" sz="1800" dirty="0"/>
+              <a:t># pop() method</a:t>
+            </a:r>
+          </a:p>
+          <a:p>
+            <a:r>
+              <a:rPr lang="en-US" sz="1800" dirty="0"/>
+              <a:t>dict2.pop(4)</a:t>
+            </a:r>
+          </a:p>
+          <a:p>
+            <a:r>
+              <a:rPr lang="en-US" sz="1800" dirty="0"/>
+              <a:t>print(dict2)</a:t>
+            </a:r>
+          </a:p>
+          <a:p>
+            <a:r>
+              <a:rPr lang="en-US" sz="1800" dirty="0"/>
+              <a:t>  </a:t>
+            </a:r>
+          </a:p>
+          <a:p>
+            <a:r>
+              <a:rPr lang="en-US" sz="1800" dirty="0"/>
+              <a:t># </a:t>
+            </a:r>
+            <a:r>
+              <a:rPr lang="en-US" sz="1800" dirty="0" err="1"/>
+              <a:t>popitem</a:t>
+            </a:r>
+            <a:r>
+              <a:rPr lang="en-US" sz="1800" dirty="0"/>
+              <a:t>() method</a:t>
+            </a:r>
+          </a:p>
+          <a:p>
+            <a:r>
+              <a:rPr lang="en-US" sz="1800" dirty="0"/>
+              <a:t>dict2.popitem()</a:t>
+            </a:r>
+          </a:p>
+          <a:p>
+            <a:r>
+              <a:rPr lang="en-US" sz="1800" dirty="0"/>
+              <a:t>print(dict2)</a:t>
+            </a:r>
+          </a:p>
+          <a:p>
+            <a:r>
+              <a:rPr lang="en-US" sz="1800" dirty="0"/>
+              <a:t>  </a:t>
+            </a:r>
+          </a:p>
+          <a:p>
+            <a:r>
+              <a:rPr lang="en-US" sz="1800" dirty="0"/>
+              <a:t># update() method</a:t>
+            </a:r>
+          </a:p>
+          <a:p>
+            <a:r>
+              <a:rPr lang="en-US" sz="1800" dirty="0"/>
+              <a:t>dict2.update({3: "Scala"})</a:t>
+            </a:r>
+          </a:p>
+          <a:p>
+            <a:r>
+              <a:rPr lang="en-US" sz="1800" dirty="0"/>
+              <a:t>print(dict2)</a:t>
+            </a:r>
+          </a:p>
+          <a:p>
+            <a:r>
+              <a:rPr lang="en-US" sz="1800" dirty="0"/>
+              <a:t>  </a:t>
+            </a:r>
+          </a:p>
+          <a:p>
+            <a:r>
+              <a:rPr lang="en-US" sz="1800" dirty="0"/>
+              <a:t># values() method</a:t>
+            </a:r>
+          </a:p>
+          <a:p>
+            <a:r>
+              <a:rPr lang="en-US" sz="1800" dirty="0"/>
+              <a:t>print(dict2.values())</a:t>
+            </a:r>
+            <a:endParaRPr lang="en-US" sz="1800" dirty="0"/>
+          </a:p>
+        </p:txBody>
+      </p:sp>
+    </p:spTree>
+    <p:extLst>
+      <p:ext uri="{BB962C8B-B14F-4D97-AF65-F5344CB8AC3E}">
+        <p14:creationId xmlns:p14="http://schemas.microsoft.com/office/powerpoint/2010/main" val="1688929748"/>
+      </p:ext>
+    </p:extLst>
+  </p:cSld>
+  <p:clrMapOvr>
+    <a:masterClrMapping/>
+  </p:clrMapOvr>
+  <p:timing>
+    <p:tnLst>
+      <p:par>
+        <p:cTn id="1" dur="indefinite" restart="never" nodeType="tmRoot"/>
+      </p:par>
+    </p:tnLst>
+  </p:timing>
+</p:sld>
+</file>
+
+<file path=ppt/slides/slide34.xml><?xml version="1.0" encoding="utf-8"?>
+<p:sld xmlns:a="http://schemas.openxmlformats.org/drawingml/2006/main" xmlns:r="http://schemas.openxmlformats.org/officeDocument/2006/relationships" xmlns:p="http://schemas.openxmlformats.org/presentationml/2006/main">
+  <p:cSld>
+    <p:spTree>
+      <p:nvGrpSpPr>
+        <p:cNvPr id="1" name="Shape 228"/>
+        <p:cNvGrpSpPr/>
+        <p:nvPr/>
+      </p:nvGrpSpPr>
+      <p:grpSpPr>
+        <a:xfrm>
+          <a:off x="0" y="0"/>
+          <a:ext cx="0" cy="0"/>
+          <a:chOff x="0" y="0"/>
+          <a:chExt cx="0" cy="0"/>
+        </a:xfrm>
+      </p:grpSpPr>
+      <p:sp>
+        <p:nvSpPr>
+          <p:cNvPr id="229" name="Google Shape;229;p26"/>
+          <p:cNvSpPr txBox="1">
+            <a:spLocks noGrp="1"/>
+          </p:cNvSpPr>
+          <p:nvPr>
+            <p:ph type="title" idx="4294967295"/>
+          </p:nvPr>
+        </p:nvSpPr>
+        <p:spPr>
+          <a:xfrm>
+            <a:off x="621792" y="205574"/>
+            <a:ext cx="8250600" cy="798300"/>
+          </a:xfrm>
+          <a:prstGeom prst="rect">
+            <a:avLst/>
+          </a:prstGeom>
+        </p:spPr>
+        <p:txBody>
+          <a:bodyPr spcFirstLastPara="1" wrap="square" lIns="91425" tIns="91425" rIns="91425" bIns="91425" anchor="ctr" anchorCtr="0">
+            <a:noAutofit/>
+          </a:bodyPr>
+          <a:lstStyle/>
+          <a:p>
+            <a:pPr lvl="0"/>
+            <a:r>
+              <a:rPr lang="en-US" sz="2400" dirty="0" smtClean="0">
+                <a:solidFill>
+                  <a:srgbClr val="2C363A"/>
+                </a:solidFill>
+              </a:rPr>
+              <a:t>Sets work with loops</a:t>
+            </a:r>
+            <a:endParaRPr lang="en-US" sz="2400" dirty="0">
+              <a:solidFill>
+                <a:srgbClr val="2C363A"/>
+              </a:solidFill>
+            </a:endParaRPr>
+          </a:p>
+        </p:txBody>
+      </p:sp>
+      <p:sp>
+        <p:nvSpPr>
+          <p:cNvPr id="230" name="Google Shape;230;p26"/>
+          <p:cNvSpPr txBox="1">
+            <a:spLocks noGrp="1"/>
+          </p:cNvSpPr>
+          <p:nvPr>
+            <p:ph type="sldNum" idx="12"/>
+          </p:nvPr>
+        </p:nvSpPr>
+        <p:spPr>
+          <a:xfrm>
+            <a:off x="8556784" y="4749851"/>
+            <a:ext cx="548700" cy="393600"/>
+          </a:xfrm>
+          <a:prstGeom prst="rect">
+            <a:avLst/>
+          </a:prstGeom>
+        </p:spPr>
+        <p:txBody>
+          <a:bodyPr spcFirstLastPara="1" wrap="square" lIns="91425" tIns="91425" rIns="91425" bIns="91425" anchor="t" anchorCtr="0">
+            <a:noAutofit/>
+          </a:bodyPr>
+          <a:lstStyle/>
+          <a:p>
+            <a:pPr marL="0" lvl="0" indent="0" algn="r" rtl="0">
+              <a:spcBef>
+                <a:spcPts val="0"/>
+              </a:spcBef>
+              <a:spcAft>
+                <a:spcPts val="0"/>
+              </a:spcAft>
+              <a:buNone/>
+            </a:pPr>
+            <a:fld id="{00000000-1234-1234-1234-123412341234}" type="slidenum">
+              <a:rPr lang="en"/>
+              <a:t>34</a:t>
+            </a:fld>
+            <a:endParaRPr/>
+          </a:p>
+        </p:txBody>
+      </p:sp>
+      <p:sp>
+        <p:nvSpPr>
+          <p:cNvPr id="3" name="Rectangle 2"/>
+          <p:cNvSpPr/>
+          <p:nvPr/>
+        </p:nvSpPr>
+        <p:spPr>
+          <a:xfrm>
+            <a:off x="621792" y="1210854"/>
+            <a:ext cx="4350871" cy="307777"/>
+          </a:xfrm>
+          <a:prstGeom prst="rect">
+            <a:avLst/>
+          </a:prstGeom>
+        </p:spPr>
+        <p:txBody>
+          <a:bodyPr wrap="none">
+            <a:spAutoFit/>
+          </a:bodyPr>
+          <a:lstStyle/>
+          <a:p>
+            <a:r>
+              <a:rPr lang="en-US" dirty="0"/>
+              <a:t>Method #1: Iterating over a set using simple for loop.</a:t>
+            </a:r>
+          </a:p>
+        </p:txBody>
+      </p:sp>
+      <p:sp>
+        <p:nvSpPr>
+          <p:cNvPr id="7" name="Rectangle 6"/>
+          <p:cNvSpPr/>
+          <p:nvPr/>
+        </p:nvSpPr>
+        <p:spPr>
+          <a:xfrm>
+            <a:off x="621792" y="1518631"/>
+            <a:ext cx="6236208" cy="1600438"/>
+          </a:xfrm>
+          <a:prstGeom prst="rect">
+            <a:avLst/>
+          </a:prstGeom>
+        </p:spPr>
+        <p:txBody>
+          <a:bodyPr wrap="square">
+            <a:spAutoFit/>
+          </a:bodyPr>
+          <a:lstStyle/>
+          <a:p>
+            <a:endParaRPr lang="en-US" dirty="0"/>
+          </a:p>
+          <a:p>
+            <a:r>
+              <a:rPr lang="en-US" dirty="0"/>
+              <a:t># Creating a set using string</a:t>
+            </a:r>
+          </a:p>
+          <a:p>
+            <a:r>
+              <a:rPr lang="en-US" dirty="0" err="1"/>
+              <a:t>test_set</a:t>
+            </a:r>
+            <a:r>
+              <a:rPr lang="en-US" dirty="0"/>
+              <a:t> = set</a:t>
+            </a:r>
+            <a:r>
+              <a:rPr lang="en-US" dirty="0" smtClean="0"/>
+              <a:t>(“PYTHON")</a:t>
+            </a:r>
+            <a:endParaRPr lang="en-US" dirty="0"/>
+          </a:p>
+          <a:p>
+            <a:r>
+              <a:rPr lang="en-US" dirty="0"/>
+              <a:t> </a:t>
+            </a:r>
+          </a:p>
+          <a:p>
+            <a:r>
+              <a:rPr lang="en-US" dirty="0"/>
+              <a:t># Iterating using for loop</a:t>
+            </a:r>
+          </a:p>
+          <a:p>
+            <a:r>
+              <a:rPr lang="en-US" dirty="0"/>
+              <a:t>for </a:t>
+            </a:r>
+            <a:r>
+              <a:rPr lang="en-US" dirty="0" err="1"/>
+              <a:t>val</a:t>
+            </a:r>
+            <a:r>
+              <a:rPr lang="en-US" dirty="0"/>
+              <a:t> in </a:t>
+            </a:r>
+            <a:r>
+              <a:rPr lang="en-US" dirty="0" err="1"/>
+              <a:t>test_set</a:t>
+            </a:r>
+            <a:r>
+              <a:rPr lang="en-US" dirty="0"/>
+              <a:t>:</a:t>
+            </a:r>
+          </a:p>
+          <a:p>
+            <a:r>
+              <a:rPr lang="en-US" dirty="0"/>
+              <a:t>    print(</a:t>
+            </a:r>
+            <a:r>
+              <a:rPr lang="en-US" dirty="0" err="1"/>
+              <a:t>val</a:t>
+            </a:r>
+            <a:r>
+              <a:rPr lang="en-US" dirty="0"/>
+              <a:t>)</a:t>
+            </a:r>
+          </a:p>
+        </p:txBody>
+      </p:sp>
+      <p:sp>
+        <p:nvSpPr>
+          <p:cNvPr id="10" name="Rectangle 9"/>
+          <p:cNvSpPr/>
+          <p:nvPr/>
+        </p:nvSpPr>
+        <p:spPr>
+          <a:xfrm>
+            <a:off x="621792" y="3346213"/>
+            <a:ext cx="5256494" cy="1815882"/>
+          </a:xfrm>
+          <a:prstGeom prst="rect">
+            <a:avLst/>
+          </a:prstGeom>
+        </p:spPr>
+        <p:txBody>
+          <a:bodyPr wrap="square">
+            <a:spAutoFit/>
+          </a:bodyPr>
+          <a:lstStyle/>
+          <a:p>
+            <a:r>
+              <a:rPr lang="en-US" dirty="0"/>
+              <a:t>Method </a:t>
+            </a:r>
+            <a:r>
+              <a:rPr lang="en-US" dirty="0" smtClean="0"/>
+              <a:t>#2: </a:t>
+            </a:r>
+            <a:r>
+              <a:rPr lang="en-US" dirty="0"/>
+              <a:t>Iterating over a set using simple for loop.</a:t>
+            </a:r>
+          </a:p>
+          <a:p>
+            <a:endParaRPr lang="en-US" dirty="0"/>
+          </a:p>
+          <a:p>
+            <a:r>
+              <a:rPr lang="en-US" dirty="0"/>
+              <a:t># Creating a set using string</a:t>
+            </a:r>
+          </a:p>
+          <a:p>
+            <a:r>
+              <a:rPr lang="en-US" dirty="0" err="1"/>
+              <a:t>test_set</a:t>
+            </a:r>
+            <a:r>
+              <a:rPr lang="en-US" dirty="0"/>
+              <a:t> = set</a:t>
+            </a:r>
+            <a:r>
+              <a:rPr lang="en-US" dirty="0" smtClean="0"/>
+              <a:t>(“Python")</a:t>
+            </a:r>
+            <a:endParaRPr lang="en-US" dirty="0"/>
+          </a:p>
+          <a:p>
+            <a:r>
+              <a:rPr lang="en-US" dirty="0"/>
+              <a:t> </a:t>
+            </a:r>
+          </a:p>
+          <a:p>
+            <a:r>
+              <a:rPr lang="en-US" dirty="0"/>
+              <a:t># Iterating using enumerated for loop</a:t>
+            </a:r>
+          </a:p>
+          <a:p>
+            <a:r>
+              <a:rPr lang="en-US" dirty="0"/>
+              <a:t>for </a:t>
+            </a:r>
+            <a:r>
+              <a:rPr lang="en-US" dirty="0" err="1"/>
+              <a:t>id,val</a:t>
+            </a:r>
+            <a:r>
+              <a:rPr lang="en-US" dirty="0"/>
+              <a:t> in enumerate(</a:t>
+            </a:r>
+            <a:r>
+              <a:rPr lang="en-US" dirty="0" err="1"/>
+              <a:t>test_set</a:t>
+            </a:r>
+            <a:r>
+              <a:rPr lang="en-US" dirty="0"/>
+              <a:t>):</a:t>
+            </a:r>
+          </a:p>
+          <a:p>
+            <a:r>
+              <a:rPr lang="en-US" dirty="0"/>
+              <a:t>    print(id, </a:t>
+            </a:r>
+            <a:r>
+              <a:rPr lang="en-US" dirty="0" err="1"/>
+              <a:t>val</a:t>
+            </a:r>
+            <a:r>
+              <a:rPr lang="en-US" dirty="0"/>
+              <a:t>)</a:t>
+            </a:r>
+          </a:p>
+        </p:txBody>
+      </p:sp>
+    </p:spTree>
+    <p:extLst>
+      <p:ext uri="{BB962C8B-B14F-4D97-AF65-F5344CB8AC3E}">
+        <p14:creationId xmlns:p14="http://schemas.microsoft.com/office/powerpoint/2010/main" val="1940681461"/>
+      </p:ext>
+    </p:extLst>
+  </p:cSld>
+  <p:clrMapOvr>
+    <a:masterClrMapping/>
+  </p:clrMapOvr>
+  <p:timing>
+    <p:tnLst>
+      <p:par>
+        <p:cTn id="1" dur="indefinite" restart="never" nodeType="tmRoot"/>
+      </p:par>
+    </p:tnLst>
+  </p:timing>
+</p:sld>
+</file>
+
+<file path=ppt/slides/slide35.xml><?xml version="1.0" encoding="utf-8"?>
+<p:sld xmlns:a="http://schemas.openxmlformats.org/drawingml/2006/main" xmlns:r="http://schemas.openxmlformats.org/officeDocument/2006/relationships" xmlns:p="http://schemas.openxmlformats.org/presentationml/2006/main">
+  <p:cSld>
+    <p:spTree>
+      <p:nvGrpSpPr>
+        <p:cNvPr id="1" name="Shape 228"/>
+        <p:cNvGrpSpPr/>
+        <p:nvPr/>
+      </p:nvGrpSpPr>
+      <p:grpSpPr>
+        <a:xfrm>
+          <a:off x="0" y="0"/>
+          <a:ext cx="0" cy="0"/>
+          <a:chOff x="0" y="0"/>
+          <a:chExt cx="0" cy="0"/>
+        </a:xfrm>
+      </p:grpSpPr>
+      <p:sp>
+        <p:nvSpPr>
+          <p:cNvPr id="229" name="Google Shape;229;p26"/>
+          <p:cNvSpPr txBox="1">
+            <a:spLocks noGrp="1"/>
+          </p:cNvSpPr>
+          <p:nvPr>
+            <p:ph type="title" idx="4294967295"/>
+          </p:nvPr>
+        </p:nvSpPr>
+        <p:spPr>
+          <a:xfrm>
+            <a:off x="621792" y="205574"/>
+            <a:ext cx="8250600" cy="798300"/>
+          </a:xfrm>
+          <a:prstGeom prst="rect">
+            <a:avLst/>
+          </a:prstGeom>
+        </p:spPr>
+        <p:txBody>
+          <a:bodyPr spcFirstLastPara="1" wrap="square" lIns="91425" tIns="91425" rIns="91425" bIns="91425" anchor="ctr" anchorCtr="0">
+            <a:noAutofit/>
+          </a:bodyPr>
+          <a:lstStyle/>
+          <a:p>
+            <a:pPr lvl="0"/>
+            <a:r>
+              <a:rPr lang="en-US" sz="2400" dirty="0" smtClean="0">
+                <a:solidFill>
+                  <a:srgbClr val="2C363A"/>
+                </a:solidFill>
+              </a:rPr>
+              <a:t>Dictionary work with loops</a:t>
+            </a:r>
+            <a:endParaRPr lang="en-US" sz="2400" dirty="0">
+              <a:solidFill>
+                <a:srgbClr val="2C363A"/>
+              </a:solidFill>
+            </a:endParaRPr>
+          </a:p>
+        </p:txBody>
+      </p:sp>
+      <p:sp>
+        <p:nvSpPr>
+          <p:cNvPr id="230" name="Google Shape;230;p26"/>
+          <p:cNvSpPr txBox="1">
+            <a:spLocks noGrp="1"/>
+          </p:cNvSpPr>
+          <p:nvPr>
+            <p:ph type="sldNum" idx="12"/>
+          </p:nvPr>
+        </p:nvSpPr>
+        <p:spPr>
+          <a:xfrm>
+            <a:off x="8556784" y="4749851"/>
+            <a:ext cx="548700" cy="393600"/>
+          </a:xfrm>
+          <a:prstGeom prst="rect">
+            <a:avLst/>
+          </a:prstGeom>
+        </p:spPr>
+        <p:txBody>
+          <a:bodyPr spcFirstLastPara="1" wrap="square" lIns="91425" tIns="91425" rIns="91425" bIns="91425" anchor="t" anchorCtr="0">
+            <a:noAutofit/>
+          </a:bodyPr>
+          <a:lstStyle/>
+          <a:p>
+            <a:pPr marL="0" lvl="0" indent="0" algn="r" rtl="0">
+              <a:spcBef>
+                <a:spcPts val="0"/>
+              </a:spcBef>
+              <a:spcAft>
+                <a:spcPts val="0"/>
+              </a:spcAft>
+              <a:buNone/>
+            </a:pPr>
+            <a:fld id="{00000000-1234-1234-1234-123412341234}" type="slidenum">
+              <a:rPr lang="en"/>
+              <a:t>35</a:t>
+            </a:fld>
+            <a:endParaRPr/>
+          </a:p>
+        </p:txBody>
+      </p:sp>
+      <p:sp>
+        <p:nvSpPr>
+          <p:cNvPr id="7" name="Rectangle 6"/>
+          <p:cNvSpPr/>
+          <p:nvPr/>
+        </p:nvSpPr>
+        <p:spPr>
+          <a:xfrm>
+            <a:off x="621791" y="887760"/>
+            <a:ext cx="7143351" cy="3416320"/>
+          </a:xfrm>
+          <a:prstGeom prst="rect">
+            <a:avLst/>
+          </a:prstGeom>
+        </p:spPr>
+        <p:txBody>
+          <a:bodyPr wrap="square">
+            <a:spAutoFit/>
+          </a:bodyPr>
+          <a:lstStyle/>
+          <a:p>
+            <a:pPr>
+              <a:lnSpc>
+                <a:spcPct val="150000"/>
+              </a:lnSpc>
+            </a:pPr>
+            <a:r>
+              <a:rPr lang="en-US" sz="1800" b="1" dirty="0"/>
+              <a:t>There are multiple ways to iterate over a dictionary in Python.</a:t>
+            </a:r>
+          </a:p>
+          <a:p>
+            <a:pPr>
+              <a:lnSpc>
+                <a:spcPct val="150000"/>
+              </a:lnSpc>
+            </a:pPr>
+            <a:endParaRPr lang="en-US" sz="1800" dirty="0"/>
+          </a:p>
+          <a:p>
+            <a:pPr marL="285750" indent="-285750">
+              <a:lnSpc>
+                <a:spcPct val="150000"/>
+              </a:lnSpc>
+              <a:buFont typeface="Arial" panose="020B0604020202020204" pitchFamily="34" charset="0"/>
+              <a:buChar char="•"/>
+            </a:pPr>
+            <a:r>
+              <a:rPr lang="en-US" sz="1800" dirty="0"/>
+              <a:t>Access key using the build .keys() </a:t>
+            </a:r>
+          </a:p>
+          <a:p>
+            <a:pPr marL="285750" indent="-285750">
+              <a:lnSpc>
+                <a:spcPct val="150000"/>
+              </a:lnSpc>
+              <a:buFont typeface="Arial" panose="020B0604020202020204" pitchFamily="34" charset="0"/>
+              <a:buChar char="•"/>
+            </a:pPr>
+            <a:r>
+              <a:rPr lang="en-US" sz="1800" dirty="0"/>
+              <a:t>Access key without using a key() </a:t>
+            </a:r>
+          </a:p>
+          <a:p>
+            <a:pPr marL="285750" indent="-285750">
+              <a:lnSpc>
+                <a:spcPct val="150000"/>
+              </a:lnSpc>
+              <a:buFont typeface="Arial" panose="020B0604020202020204" pitchFamily="34" charset="0"/>
+              <a:buChar char="•"/>
+            </a:pPr>
+            <a:r>
+              <a:rPr lang="en-US" sz="1800" dirty="0"/>
+              <a:t>Iterate through all values using .values()</a:t>
+            </a:r>
+          </a:p>
+          <a:p>
+            <a:pPr marL="285750" indent="-285750">
+              <a:lnSpc>
+                <a:spcPct val="150000"/>
+              </a:lnSpc>
+              <a:buFont typeface="Arial" panose="020B0604020202020204" pitchFamily="34" charset="0"/>
+              <a:buChar char="•"/>
+            </a:pPr>
+            <a:r>
+              <a:rPr lang="en-US" sz="1800" dirty="0"/>
+              <a:t>Iterate through all key, and value pairs using items()</a:t>
+            </a:r>
+          </a:p>
+          <a:p>
+            <a:pPr marL="285750" indent="-285750">
+              <a:lnSpc>
+                <a:spcPct val="150000"/>
+              </a:lnSpc>
+              <a:buFont typeface="Arial" panose="020B0604020202020204" pitchFamily="34" charset="0"/>
+              <a:buChar char="•"/>
+            </a:pPr>
+            <a:r>
+              <a:rPr lang="en-US" sz="1800" dirty="0"/>
+              <a:t>Access both key and value without using items()</a:t>
+            </a:r>
+          </a:p>
+          <a:p>
+            <a:pPr marL="285750" indent="-285750">
+              <a:lnSpc>
+                <a:spcPct val="150000"/>
+              </a:lnSpc>
+              <a:buFont typeface="Arial" panose="020B0604020202020204" pitchFamily="34" charset="0"/>
+              <a:buChar char="•"/>
+            </a:pPr>
+            <a:r>
+              <a:rPr lang="en-US" sz="1800" dirty="0"/>
+              <a:t>Print items in Key-Value in pair </a:t>
+            </a:r>
+          </a:p>
+        </p:txBody>
+      </p:sp>
+    </p:spTree>
+    <p:extLst>
+      <p:ext uri="{BB962C8B-B14F-4D97-AF65-F5344CB8AC3E}">
+        <p14:creationId xmlns:p14="http://schemas.microsoft.com/office/powerpoint/2010/main" val="3442557151"/>
+      </p:ext>
+    </p:extLst>
+  </p:cSld>
+  <p:clrMapOvr>
+    <a:masterClrMapping/>
+  </p:clrMapOvr>
+  <p:timing>
+    <p:tnLst>
+      <p:par>
+        <p:cTn id="1" dur="indefinite" restart="never" nodeType="tmRoot"/>
+      </p:par>
+    </p:tnLst>
+  </p:timing>
+</p:sld>
+</file>
+
+<file path=ppt/slides/slide36.xml><?xml version="1.0" encoding="utf-8"?>
+<p:sld xmlns:a="http://schemas.openxmlformats.org/drawingml/2006/main" xmlns:r="http://schemas.openxmlformats.org/officeDocument/2006/relationships" xmlns:p="http://schemas.openxmlformats.org/presentationml/2006/main">
+  <p:cSld>
+    <p:spTree>
+      <p:nvGrpSpPr>
+        <p:cNvPr id="1" name="Shape 228"/>
+        <p:cNvGrpSpPr/>
+        <p:nvPr/>
+      </p:nvGrpSpPr>
+      <p:grpSpPr>
+        <a:xfrm>
+          <a:off x="0" y="0"/>
+          <a:ext cx="0" cy="0"/>
+          <a:chOff x="0" y="0"/>
+          <a:chExt cx="0" cy="0"/>
+        </a:xfrm>
+      </p:grpSpPr>
+      <p:sp>
+        <p:nvSpPr>
+          <p:cNvPr id="229" name="Google Shape;229;p26"/>
+          <p:cNvSpPr txBox="1">
+            <a:spLocks noGrp="1"/>
+          </p:cNvSpPr>
+          <p:nvPr>
+            <p:ph type="title" idx="4294967295"/>
+          </p:nvPr>
+        </p:nvSpPr>
+        <p:spPr>
+          <a:xfrm>
+            <a:off x="621792" y="205574"/>
+            <a:ext cx="8250600" cy="798300"/>
+          </a:xfrm>
+          <a:prstGeom prst="rect">
+            <a:avLst/>
+          </a:prstGeom>
+        </p:spPr>
+        <p:txBody>
+          <a:bodyPr spcFirstLastPara="1" wrap="square" lIns="91425" tIns="91425" rIns="91425" bIns="91425" anchor="ctr" anchorCtr="0">
+            <a:noAutofit/>
+          </a:bodyPr>
+          <a:lstStyle/>
+          <a:p>
+            <a:pPr lvl="0"/>
+            <a:r>
+              <a:rPr lang="en-US" sz="2400" dirty="0" smtClean="0">
+                <a:solidFill>
+                  <a:srgbClr val="2C363A"/>
+                </a:solidFill>
+              </a:rPr>
+              <a:t>Dictionary work with loops</a:t>
+            </a:r>
+            <a:endParaRPr lang="en-US" sz="2400" dirty="0">
+              <a:solidFill>
+                <a:srgbClr val="2C363A"/>
+              </a:solidFill>
+            </a:endParaRPr>
+          </a:p>
+        </p:txBody>
+      </p:sp>
+      <p:sp>
+        <p:nvSpPr>
+          <p:cNvPr id="230" name="Google Shape;230;p26"/>
+          <p:cNvSpPr txBox="1">
+            <a:spLocks noGrp="1"/>
+          </p:cNvSpPr>
+          <p:nvPr>
+            <p:ph type="sldNum" idx="12"/>
+          </p:nvPr>
+        </p:nvSpPr>
+        <p:spPr>
+          <a:xfrm>
+            <a:off x="8556784" y="4749851"/>
+            <a:ext cx="548700" cy="393600"/>
+          </a:xfrm>
+          <a:prstGeom prst="rect">
+            <a:avLst/>
+          </a:prstGeom>
+        </p:spPr>
+        <p:txBody>
+          <a:bodyPr spcFirstLastPara="1" wrap="square" lIns="91425" tIns="91425" rIns="91425" bIns="91425" anchor="t" anchorCtr="0">
+            <a:noAutofit/>
+          </a:bodyPr>
+          <a:lstStyle/>
+          <a:p>
+            <a:pPr marL="0" lvl="0" indent="0" algn="r" rtl="0">
+              <a:spcBef>
+                <a:spcPts val="0"/>
+              </a:spcBef>
+              <a:spcAft>
+                <a:spcPts val="0"/>
+              </a:spcAft>
+              <a:buNone/>
+            </a:pPr>
+            <a:fld id="{00000000-1234-1234-1234-123412341234}" type="slidenum">
+              <a:rPr lang="en"/>
+              <a:t>36</a:t>
+            </a:fld>
+            <a:endParaRPr/>
+          </a:p>
+        </p:txBody>
+      </p:sp>
+      <p:sp>
+        <p:nvSpPr>
+          <p:cNvPr id="7" name="Rectangle 6"/>
+          <p:cNvSpPr/>
+          <p:nvPr/>
+        </p:nvSpPr>
+        <p:spPr>
+          <a:xfrm>
+            <a:off x="621791" y="887760"/>
+            <a:ext cx="4748495" cy="2169825"/>
+          </a:xfrm>
+          <a:prstGeom prst="rect">
+            <a:avLst/>
+          </a:prstGeom>
+        </p:spPr>
+        <p:txBody>
+          <a:bodyPr wrap="square">
+            <a:spAutoFit/>
+          </a:bodyPr>
+          <a:lstStyle/>
+          <a:p>
+            <a:pPr fontAlgn="base">
+              <a:lnSpc>
+                <a:spcPct val="150000"/>
+              </a:lnSpc>
+            </a:pPr>
+            <a:r>
+              <a:rPr lang="en-US" sz="1800" b="1" dirty="0"/>
+              <a:t>Example 1: Access key using the build .keys() </a:t>
+            </a:r>
+          </a:p>
+          <a:p>
+            <a:pPr fontAlgn="base">
+              <a:lnSpc>
+                <a:spcPct val="150000"/>
+              </a:lnSpc>
+            </a:pPr>
+            <a:r>
+              <a:rPr lang="en-US" sz="1800" dirty="0" smtClean="0"/>
+              <a:t>Using an </a:t>
+            </a:r>
+            <a:r>
+              <a:rPr lang="en-US" sz="1800" dirty="0"/>
+              <a:t>in-build. keys() method which helps us to print all the keys in the dictionary.</a:t>
+            </a:r>
+          </a:p>
+          <a:p>
+            <a:pPr>
+              <a:lnSpc>
+                <a:spcPct val="150000"/>
+              </a:lnSpc>
+            </a:pPr>
+            <a:endParaRPr lang="en-US" sz="1800" dirty="0"/>
+          </a:p>
+        </p:txBody>
+      </p:sp>
+      <p:sp>
+        <p:nvSpPr>
+          <p:cNvPr id="3" name="Rectangle 2"/>
+          <p:cNvSpPr/>
+          <p:nvPr/>
+        </p:nvSpPr>
+        <p:spPr>
+          <a:xfrm>
+            <a:off x="5349377" y="604724"/>
+            <a:ext cx="3756107" cy="3831818"/>
+          </a:xfrm>
+          <a:prstGeom prst="rect">
+            <a:avLst/>
+          </a:prstGeom>
+        </p:spPr>
+        <p:style>
+          <a:lnRef idx="2">
+            <a:schemeClr val="accent2"/>
+          </a:lnRef>
+          <a:fillRef idx="1">
+            <a:schemeClr val="lt1"/>
+          </a:fillRef>
+          <a:effectRef idx="0">
+            <a:schemeClr val="accent2"/>
+          </a:effectRef>
+          <a:fontRef idx="minor">
+            <a:schemeClr val="dk1"/>
+          </a:fontRef>
+        </p:style>
+        <p:txBody>
+          <a:bodyPr wrap="square">
+            <a:spAutoFit/>
+          </a:bodyPr>
+          <a:lstStyle/>
+          <a:p>
+            <a:pPr>
+              <a:lnSpc>
+                <a:spcPct val="150000"/>
+              </a:lnSpc>
+            </a:pPr>
+            <a:r>
+              <a:rPr lang="en-US" sz="1800" dirty="0" err="1"/>
+              <a:t>statesAndCapitals</a:t>
+            </a:r>
+            <a:r>
+              <a:rPr lang="en-US" sz="1800" dirty="0"/>
+              <a:t> = {</a:t>
+            </a:r>
+          </a:p>
+          <a:p>
+            <a:pPr>
+              <a:lnSpc>
+                <a:spcPct val="150000"/>
+              </a:lnSpc>
+            </a:pPr>
+            <a:r>
+              <a:rPr lang="en-US" sz="1800" dirty="0"/>
+              <a:t>    'Gujarat': 'Gandhinagar',</a:t>
+            </a:r>
+          </a:p>
+          <a:p>
+            <a:pPr>
+              <a:lnSpc>
+                <a:spcPct val="150000"/>
+              </a:lnSpc>
+            </a:pPr>
+            <a:r>
+              <a:rPr lang="en-US" sz="1800" dirty="0"/>
+              <a:t>    'Maharashtra': 'Mumbai',</a:t>
+            </a:r>
+          </a:p>
+          <a:p>
+            <a:pPr>
+              <a:lnSpc>
+                <a:spcPct val="150000"/>
+              </a:lnSpc>
+            </a:pPr>
+            <a:r>
+              <a:rPr lang="en-US" sz="1800" dirty="0"/>
+              <a:t>    'Rajasthan': 'Jaipur',</a:t>
+            </a:r>
+          </a:p>
+          <a:p>
+            <a:pPr>
+              <a:lnSpc>
+                <a:spcPct val="150000"/>
+              </a:lnSpc>
+            </a:pPr>
+            <a:r>
+              <a:rPr lang="en-US" sz="1800" dirty="0"/>
+              <a:t>    'Bihar': 'Patna'</a:t>
+            </a:r>
+          </a:p>
+          <a:p>
+            <a:pPr>
+              <a:lnSpc>
+                <a:spcPct val="150000"/>
+              </a:lnSpc>
+            </a:pPr>
+            <a:r>
+              <a:rPr lang="en-US" sz="1800" dirty="0"/>
+              <a:t>}</a:t>
+            </a:r>
+          </a:p>
+          <a:p>
+            <a:pPr>
+              <a:lnSpc>
+                <a:spcPct val="150000"/>
+              </a:lnSpc>
+            </a:pPr>
+            <a:r>
+              <a:rPr lang="en-US" sz="1800" dirty="0"/>
+              <a:t> </a:t>
+            </a:r>
+          </a:p>
+          <a:p>
+            <a:pPr>
+              <a:lnSpc>
+                <a:spcPct val="150000"/>
+              </a:lnSpc>
+            </a:pPr>
+            <a:r>
+              <a:rPr lang="en-US" sz="1800" dirty="0"/>
+              <a:t>keys = </a:t>
+            </a:r>
+            <a:r>
+              <a:rPr lang="en-US" sz="1800" dirty="0" err="1"/>
+              <a:t>statesAndCapitals.keys</a:t>
+            </a:r>
+            <a:r>
+              <a:rPr lang="en-US" sz="1800" dirty="0"/>
+              <a:t>()</a:t>
+            </a:r>
+          </a:p>
+          <a:p>
+            <a:pPr>
+              <a:lnSpc>
+                <a:spcPct val="150000"/>
+              </a:lnSpc>
+            </a:pPr>
+            <a:r>
+              <a:rPr lang="en-US" sz="1800" dirty="0"/>
+              <a:t>print(keys)</a:t>
+            </a:r>
+          </a:p>
+        </p:txBody>
+      </p:sp>
+    </p:spTree>
+    <p:extLst>
+      <p:ext uri="{BB962C8B-B14F-4D97-AF65-F5344CB8AC3E}">
+        <p14:creationId xmlns:p14="http://schemas.microsoft.com/office/powerpoint/2010/main" val="1641203019"/>
+      </p:ext>
+    </p:extLst>
+  </p:cSld>
+  <p:clrMapOvr>
+    <a:masterClrMapping/>
+  </p:clrMapOvr>
+  <p:timing>
+    <p:tnLst>
+      <p:par>
+        <p:cTn id="1" dur="indefinite" restart="never" nodeType="tmRoot"/>
+      </p:par>
+    </p:tnLst>
+  </p:timing>
+</p:sld>
+</file>
+
+<file path=ppt/slides/slide37.xml><?xml version="1.0" encoding="utf-8"?>
+<p:sld xmlns:a="http://schemas.openxmlformats.org/drawingml/2006/main" xmlns:r="http://schemas.openxmlformats.org/officeDocument/2006/relationships" xmlns:p="http://schemas.openxmlformats.org/presentationml/2006/main">
+  <p:cSld>
+    <p:spTree>
+      <p:nvGrpSpPr>
+        <p:cNvPr id="1" name="Shape 228"/>
+        <p:cNvGrpSpPr/>
+        <p:nvPr/>
+      </p:nvGrpSpPr>
+      <p:grpSpPr>
+        <a:xfrm>
+          <a:off x="0" y="0"/>
+          <a:ext cx="0" cy="0"/>
+          <a:chOff x="0" y="0"/>
+          <a:chExt cx="0" cy="0"/>
+        </a:xfrm>
+      </p:grpSpPr>
+      <p:sp>
+        <p:nvSpPr>
+          <p:cNvPr id="229" name="Google Shape;229;p26"/>
+          <p:cNvSpPr txBox="1">
+            <a:spLocks noGrp="1"/>
+          </p:cNvSpPr>
+          <p:nvPr>
+            <p:ph type="title" idx="4294967295"/>
+          </p:nvPr>
+        </p:nvSpPr>
+        <p:spPr>
+          <a:xfrm>
+            <a:off x="621792" y="205574"/>
+            <a:ext cx="8250600" cy="798300"/>
+          </a:xfrm>
+          <a:prstGeom prst="rect">
+            <a:avLst/>
+          </a:prstGeom>
+        </p:spPr>
+        <p:txBody>
+          <a:bodyPr spcFirstLastPara="1" wrap="square" lIns="91425" tIns="91425" rIns="91425" bIns="91425" anchor="ctr" anchorCtr="0">
+            <a:noAutofit/>
+          </a:bodyPr>
+          <a:lstStyle/>
+          <a:p>
+            <a:pPr lvl="0"/>
+            <a:r>
+              <a:rPr lang="en-US" sz="2400" dirty="0" smtClean="0">
+                <a:solidFill>
+                  <a:srgbClr val="2C363A"/>
+                </a:solidFill>
+              </a:rPr>
+              <a:t>Dictionary work with loops</a:t>
+            </a:r>
+            <a:endParaRPr lang="en-US" sz="2400" dirty="0">
+              <a:solidFill>
+                <a:srgbClr val="2C363A"/>
+              </a:solidFill>
+            </a:endParaRPr>
+          </a:p>
+        </p:txBody>
+      </p:sp>
+      <p:sp>
+        <p:nvSpPr>
+          <p:cNvPr id="230" name="Google Shape;230;p26"/>
+          <p:cNvSpPr txBox="1">
+            <a:spLocks noGrp="1"/>
+          </p:cNvSpPr>
+          <p:nvPr>
+            <p:ph type="sldNum" idx="12"/>
+          </p:nvPr>
+        </p:nvSpPr>
+        <p:spPr>
+          <a:xfrm>
+            <a:off x="8556784" y="4749851"/>
+            <a:ext cx="548700" cy="393600"/>
+          </a:xfrm>
+          <a:prstGeom prst="rect">
+            <a:avLst/>
+          </a:prstGeom>
+        </p:spPr>
+        <p:txBody>
+          <a:bodyPr spcFirstLastPara="1" wrap="square" lIns="91425" tIns="91425" rIns="91425" bIns="91425" anchor="t" anchorCtr="0">
+            <a:noAutofit/>
+          </a:bodyPr>
+          <a:lstStyle/>
+          <a:p>
+            <a:pPr marL="0" lvl="0" indent="0" algn="r" rtl="0">
+              <a:spcBef>
+                <a:spcPts val="0"/>
+              </a:spcBef>
+              <a:spcAft>
+                <a:spcPts val="0"/>
+              </a:spcAft>
+              <a:buNone/>
+            </a:pPr>
+            <a:fld id="{00000000-1234-1234-1234-123412341234}" type="slidenum">
+              <a:rPr lang="en"/>
+              <a:t>37</a:t>
+            </a:fld>
+            <a:endParaRPr/>
+          </a:p>
+        </p:txBody>
+      </p:sp>
+      <p:sp>
+        <p:nvSpPr>
+          <p:cNvPr id="7" name="Rectangle 6"/>
+          <p:cNvSpPr/>
+          <p:nvPr/>
+        </p:nvSpPr>
+        <p:spPr>
+          <a:xfrm>
+            <a:off x="621792" y="1144261"/>
+            <a:ext cx="4308038" cy="2118529"/>
+          </a:xfrm>
+          <a:prstGeom prst="rect">
+            <a:avLst/>
+          </a:prstGeom>
+        </p:spPr>
+        <p:txBody>
+          <a:bodyPr wrap="square">
+            <a:spAutoFit/>
+          </a:bodyPr>
+          <a:lstStyle/>
+          <a:p>
+            <a:pPr fontAlgn="base">
+              <a:lnSpc>
+                <a:spcPct val="150000"/>
+              </a:lnSpc>
+            </a:pPr>
+            <a:r>
+              <a:rPr lang="en-US" sz="1800" b="1" dirty="0"/>
+              <a:t>Example 2: Access key without using a key() </a:t>
+            </a:r>
+          </a:p>
+          <a:p>
+            <a:pPr fontAlgn="base">
+              <a:lnSpc>
+                <a:spcPct val="150000"/>
+              </a:lnSpc>
+            </a:pPr>
+            <a:r>
+              <a:rPr lang="en-US" sz="1800" b="1" dirty="0"/>
+              <a:t>Iterating over dictionaries using ‘for’ loops</a:t>
+            </a:r>
+            <a:r>
+              <a:rPr lang="en-US" sz="1800" dirty="0"/>
+              <a:t> for iterating our keys and printing all the keys present in the Dictionary.</a:t>
+            </a:r>
+          </a:p>
+        </p:txBody>
+      </p:sp>
+      <p:sp>
+        <p:nvSpPr>
+          <p:cNvPr id="3" name="Rectangle 2"/>
+          <p:cNvSpPr/>
+          <p:nvPr/>
+        </p:nvSpPr>
+        <p:spPr>
+          <a:xfrm>
+            <a:off x="4929830" y="65187"/>
+            <a:ext cx="4214170" cy="5078313"/>
+          </a:xfrm>
+          <a:prstGeom prst="rect">
+            <a:avLst/>
+          </a:prstGeom>
+        </p:spPr>
+        <p:style>
+          <a:lnRef idx="2">
+            <a:schemeClr val="accent2"/>
+          </a:lnRef>
+          <a:fillRef idx="1">
+            <a:schemeClr val="lt1"/>
+          </a:fillRef>
+          <a:effectRef idx="0">
+            <a:schemeClr val="accent2"/>
+          </a:effectRef>
+          <a:fontRef idx="minor">
+            <a:schemeClr val="dk1"/>
+          </a:fontRef>
+        </p:style>
+        <p:txBody>
+          <a:bodyPr wrap="square">
+            <a:spAutoFit/>
+          </a:bodyPr>
+          <a:lstStyle/>
+          <a:p>
+            <a:pPr>
+              <a:lnSpc>
+                <a:spcPct val="150000"/>
+              </a:lnSpc>
+            </a:pPr>
+            <a:r>
+              <a:rPr lang="en-US" sz="1800" dirty="0" err="1"/>
+              <a:t>statesAndCapitals</a:t>
+            </a:r>
+            <a:r>
+              <a:rPr lang="en-US" sz="1800" dirty="0"/>
+              <a:t> = {</a:t>
+            </a:r>
+          </a:p>
+          <a:p>
+            <a:pPr>
+              <a:lnSpc>
+                <a:spcPct val="150000"/>
+              </a:lnSpc>
+            </a:pPr>
+            <a:r>
+              <a:rPr lang="en-US" sz="1800" dirty="0"/>
+              <a:t>    'Gujarat': 'Gandhinagar',</a:t>
+            </a:r>
+          </a:p>
+          <a:p>
+            <a:pPr>
+              <a:lnSpc>
+                <a:spcPct val="150000"/>
+              </a:lnSpc>
+            </a:pPr>
+            <a:r>
+              <a:rPr lang="en-US" sz="1800" dirty="0"/>
+              <a:t>    'Maharashtra': 'Mumbai',</a:t>
+            </a:r>
+          </a:p>
+          <a:p>
+            <a:pPr>
+              <a:lnSpc>
+                <a:spcPct val="150000"/>
+              </a:lnSpc>
+            </a:pPr>
+            <a:r>
+              <a:rPr lang="en-US" sz="1800" dirty="0"/>
+              <a:t>    'Rajasthan': 'Jaipur',</a:t>
+            </a:r>
+          </a:p>
+          <a:p>
+            <a:pPr>
+              <a:lnSpc>
+                <a:spcPct val="150000"/>
+              </a:lnSpc>
+            </a:pPr>
+            <a:r>
+              <a:rPr lang="en-US" sz="1800" dirty="0"/>
+              <a:t>    'Bihar': 'Patna'</a:t>
+            </a:r>
+          </a:p>
+          <a:p>
+            <a:pPr>
+              <a:lnSpc>
+                <a:spcPct val="150000"/>
+              </a:lnSpc>
+            </a:pPr>
+            <a:r>
+              <a:rPr lang="en-US" sz="1800" dirty="0"/>
+              <a:t>}</a:t>
+            </a:r>
+          </a:p>
+          <a:p>
+            <a:pPr>
+              <a:lnSpc>
+                <a:spcPct val="150000"/>
+              </a:lnSpc>
+            </a:pPr>
+            <a:r>
+              <a:rPr lang="en-US" sz="1800" dirty="0"/>
+              <a:t> </a:t>
+            </a:r>
+          </a:p>
+          <a:p>
+            <a:pPr>
+              <a:lnSpc>
+                <a:spcPct val="150000"/>
+              </a:lnSpc>
+            </a:pPr>
+            <a:r>
+              <a:rPr lang="en-US" sz="1800" dirty="0"/>
+              <a:t>print('List Of given states:\n')</a:t>
+            </a:r>
+          </a:p>
+          <a:p>
+            <a:pPr>
+              <a:lnSpc>
+                <a:spcPct val="150000"/>
+              </a:lnSpc>
+            </a:pPr>
+            <a:r>
+              <a:rPr lang="en-US" sz="1800" dirty="0"/>
+              <a:t> </a:t>
+            </a:r>
+          </a:p>
+          <a:p>
+            <a:pPr>
+              <a:lnSpc>
+                <a:spcPct val="150000"/>
+              </a:lnSpc>
+            </a:pPr>
+            <a:r>
+              <a:rPr lang="en-US" sz="1800" dirty="0"/>
+              <a:t># Iterating over keys</a:t>
+            </a:r>
+          </a:p>
+          <a:p>
+            <a:pPr>
+              <a:lnSpc>
+                <a:spcPct val="150000"/>
+              </a:lnSpc>
+            </a:pPr>
+            <a:r>
+              <a:rPr lang="en-US" sz="1800" dirty="0"/>
+              <a:t>for state in </a:t>
+            </a:r>
+            <a:r>
+              <a:rPr lang="en-US" sz="1800" dirty="0" err="1"/>
+              <a:t>statesAndCapitals</a:t>
+            </a:r>
+            <a:r>
+              <a:rPr lang="en-US" sz="1800" dirty="0"/>
+              <a:t>:</a:t>
+            </a:r>
+          </a:p>
+          <a:p>
+            <a:pPr>
+              <a:lnSpc>
+                <a:spcPct val="150000"/>
+              </a:lnSpc>
+            </a:pPr>
+            <a:r>
+              <a:rPr lang="en-US" sz="1800" dirty="0"/>
+              <a:t>    print(state)</a:t>
+            </a:r>
+          </a:p>
+        </p:txBody>
+      </p:sp>
+    </p:spTree>
+    <p:extLst>
+      <p:ext uri="{BB962C8B-B14F-4D97-AF65-F5344CB8AC3E}">
+        <p14:creationId xmlns:p14="http://schemas.microsoft.com/office/powerpoint/2010/main" val="311943439"/>
+      </p:ext>
+    </p:extLst>
+  </p:cSld>
+  <p:clrMapOvr>
+    <a:masterClrMapping/>
+  </p:clrMapOvr>
+  <p:timing>
+    <p:tnLst>
+      <p:par>
+        <p:cTn id="1" dur="indefinite" restart="never" nodeType="tmRoot"/>
+      </p:par>
+    </p:tnLst>
+  </p:timing>
+</p:sld>
+</file>
+
+<file path=ppt/slides/slide38.xml><?xml version="1.0" encoding="utf-8"?>
+<p:sld xmlns:a="http://schemas.openxmlformats.org/drawingml/2006/main" xmlns:r="http://schemas.openxmlformats.org/officeDocument/2006/relationships" xmlns:p="http://schemas.openxmlformats.org/presentationml/2006/main">
+  <p:cSld>
+    <p:spTree>
+      <p:nvGrpSpPr>
+        <p:cNvPr id="1" name="Shape 228"/>
+        <p:cNvGrpSpPr/>
+        <p:nvPr/>
+      </p:nvGrpSpPr>
+      <p:grpSpPr>
+        <a:xfrm>
+          <a:off x="0" y="0"/>
+          <a:ext cx="0" cy="0"/>
+          <a:chOff x="0" y="0"/>
+          <a:chExt cx="0" cy="0"/>
+        </a:xfrm>
+      </p:grpSpPr>
+      <p:sp>
+        <p:nvSpPr>
+          <p:cNvPr id="229" name="Google Shape;229;p26"/>
+          <p:cNvSpPr txBox="1">
+            <a:spLocks noGrp="1"/>
+          </p:cNvSpPr>
+          <p:nvPr>
+            <p:ph type="title" idx="4294967295"/>
+          </p:nvPr>
+        </p:nvSpPr>
+        <p:spPr>
+          <a:xfrm>
+            <a:off x="854884" y="168835"/>
+            <a:ext cx="8250600" cy="798300"/>
+          </a:xfrm>
+          <a:prstGeom prst="rect">
+            <a:avLst/>
+          </a:prstGeom>
+        </p:spPr>
+        <p:txBody>
+          <a:bodyPr spcFirstLastPara="1" wrap="square" lIns="91425" tIns="91425" rIns="91425" bIns="91425" anchor="ctr" anchorCtr="0">
+            <a:noAutofit/>
+          </a:bodyPr>
+          <a:lstStyle/>
+          <a:p>
+            <a:r>
+              <a:rPr lang="en-US" sz="2400" dirty="0" smtClean="0">
+                <a:solidFill>
+                  <a:srgbClr val="2C363A"/>
+                </a:solidFill>
+              </a:rPr>
+              <a:t>Assignments</a:t>
+            </a:r>
+            <a:endParaRPr sz="2400" dirty="0">
+              <a:solidFill>
+                <a:schemeClr val="accent2"/>
+              </a:solidFill>
+            </a:endParaRPr>
+          </a:p>
+        </p:txBody>
+      </p:sp>
+      <p:sp>
+        <p:nvSpPr>
+          <p:cNvPr id="230" name="Google Shape;230;p26"/>
+          <p:cNvSpPr txBox="1">
+            <a:spLocks noGrp="1"/>
+          </p:cNvSpPr>
+          <p:nvPr>
+            <p:ph type="sldNum" idx="12"/>
+          </p:nvPr>
+        </p:nvSpPr>
+        <p:spPr>
+          <a:xfrm>
+            <a:off x="8556784" y="4749851"/>
+            <a:ext cx="548700" cy="393600"/>
+          </a:xfrm>
+          <a:prstGeom prst="rect">
+            <a:avLst/>
+          </a:prstGeom>
+        </p:spPr>
+        <p:txBody>
+          <a:bodyPr spcFirstLastPara="1" wrap="square" lIns="91425" tIns="91425" rIns="91425" bIns="91425" anchor="t" anchorCtr="0">
+            <a:noAutofit/>
+          </a:bodyPr>
+          <a:lstStyle/>
+          <a:p>
+            <a:pPr marL="0" lvl="0" indent="0" algn="r" rtl="0">
+              <a:spcBef>
+                <a:spcPts val="0"/>
+              </a:spcBef>
+              <a:spcAft>
+                <a:spcPts val="0"/>
+              </a:spcAft>
+              <a:buNone/>
+            </a:pPr>
+            <a:fld id="{00000000-1234-1234-1234-123412341234}" type="slidenum">
+              <a:rPr lang="en"/>
+              <a:t>38</a:t>
+            </a:fld>
+            <a:endParaRPr/>
+          </a:p>
+        </p:txBody>
+      </p:sp>
+    </p:spTree>
+    <p:extLst>
+      <p:ext uri="{BB962C8B-B14F-4D97-AF65-F5344CB8AC3E}">
+        <p14:creationId xmlns:p14="http://schemas.microsoft.com/office/powerpoint/2010/main" val="4288457442"/>
+      </p:ext>
+    </p:extLst>
+  </p:cSld>
+  <p:clrMapOvr>
+    <a:masterClrMapping/>
+  </p:clrMapOvr>
+  <p:timing>
+    <p:tnLst>
+      <p:par>
+        <p:cTn id="1" dur="indefinite" restart="never" nodeType="tmRoot"/>
+      </p:par>
+    </p:tnLst>
+  </p:timing>
+</p:sld>
+</file>
+
+<file path=ppt/slides/slide39.xml><?xml version="1.0" encoding="utf-8"?>
+<p:sld xmlns:a="http://schemas.openxmlformats.org/drawingml/2006/main" xmlns:r="http://schemas.openxmlformats.org/officeDocument/2006/relationships" xmlns:p="http://schemas.openxmlformats.org/presentationml/2006/main">
+  <p:cSld>
+    <p:spTree>
+      <p:nvGrpSpPr>
+        <p:cNvPr id="1" name="Shape 228"/>
+        <p:cNvGrpSpPr/>
+        <p:nvPr/>
+      </p:nvGrpSpPr>
+      <p:grpSpPr>
+        <a:xfrm>
+          <a:off x="0" y="0"/>
+          <a:ext cx="0" cy="0"/>
+          <a:chOff x="0" y="0"/>
+          <a:chExt cx="0" cy="0"/>
+        </a:xfrm>
+      </p:grpSpPr>
+      <p:sp>
+        <p:nvSpPr>
+          <p:cNvPr id="229" name="Google Shape;229;p26"/>
+          <p:cNvSpPr txBox="1">
+            <a:spLocks noGrp="1"/>
+          </p:cNvSpPr>
+          <p:nvPr>
+            <p:ph type="title" idx="4294967295"/>
+          </p:nvPr>
+        </p:nvSpPr>
+        <p:spPr>
+          <a:xfrm>
+            <a:off x="306184" y="619039"/>
+            <a:ext cx="8250600" cy="798300"/>
+          </a:xfrm>
+          <a:prstGeom prst="rect">
+            <a:avLst/>
+          </a:prstGeom>
+        </p:spPr>
+        <p:txBody>
+          <a:bodyPr spcFirstLastPara="1" wrap="square" lIns="91425" tIns="91425" rIns="91425" bIns="91425" anchor="ctr" anchorCtr="0">
+            <a:noAutofit/>
+          </a:bodyPr>
+          <a:lstStyle/>
+          <a:p>
+            <a:pPr lvl="0" algn="ctr"/>
+            <a:r>
+              <a:rPr lang="en-US" sz="2400" dirty="0" smtClean="0">
+                <a:solidFill>
+                  <a:srgbClr val="2C363A"/>
+                </a:solidFill>
+              </a:rPr>
+              <a:t>Code for the presentation can be found here</a:t>
+            </a:r>
+            <a:endParaRPr sz="2400" dirty="0">
+              <a:solidFill>
+                <a:schemeClr val="accent2"/>
+              </a:solidFill>
+            </a:endParaRPr>
+          </a:p>
+        </p:txBody>
+      </p:sp>
+      <p:sp>
+        <p:nvSpPr>
+          <p:cNvPr id="230" name="Google Shape;230;p26"/>
+          <p:cNvSpPr txBox="1">
+            <a:spLocks noGrp="1"/>
+          </p:cNvSpPr>
+          <p:nvPr>
+            <p:ph type="sldNum" idx="12"/>
+          </p:nvPr>
+        </p:nvSpPr>
+        <p:spPr>
+          <a:xfrm>
+            <a:off x="8556784" y="4749851"/>
+            <a:ext cx="548700" cy="393600"/>
+          </a:xfrm>
+          <a:prstGeom prst="rect">
+            <a:avLst/>
+          </a:prstGeom>
+        </p:spPr>
+        <p:txBody>
+          <a:bodyPr spcFirstLastPara="1" wrap="square" lIns="91425" tIns="91425" rIns="91425" bIns="91425" anchor="t" anchorCtr="0">
+            <a:noAutofit/>
+          </a:bodyPr>
+          <a:lstStyle/>
+          <a:p>
+            <a:pPr marL="0" lvl="0" indent="0" algn="r" rtl="0">
+              <a:spcBef>
+                <a:spcPts val="0"/>
+              </a:spcBef>
+              <a:spcAft>
+                <a:spcPts val="0"/>
+              </a:spcAft>
+              <a:buNone/>
+            </a:pPr>
+            <a:fld id="{00000000-1234-1234-1234-123412341234}" type="slidenum">
+              <a:rPr lang="en"/>
+              <a:t>39</a:t>
+            </a:fld>
+            <a:endParaRPr/>
+          </a:p>
+        </p:txBody>
+      </p:sp>
+      <p:sp>
+        <p:nvSpPr>
+          <p:cNvPr id="2" name="Rectangle 1"/>
+          <p:cNvSpPr/>
+          <p:nvPr/>
+        </p:nvSpPr>
+        <p:spPr>
+          <a:xfrm>
+            <a:off x="650452" y="2015526"/>
+            <a:ext cx="7906332" cy="1138773"/>
+          </a:xfrm>
+          <a:prstGeom prst="rect">
+            <a:avLst/>
+          </a:prstGeom>
+        </p:spPr>
+        <p:txBody>
+          <a:bodyPr wrap="none">
+            <a:spAutoFit/>
+          </a:bodyPr>
+          <a:lstStyle/>
+          <a:p>
+            <a:pPr algn="ctr"/>
+            <a:r>
+              <a:rPr lang="en-US" sz="2000" b="1" dirty="0" smtClean="0"/>
+              <a:t>Refer Readme.md of </a:t>
+            </a:r>
+            <a:r>
+              <a:rPr lang="en-US" sz="2000" b="1" dirty="0" err="1" smtClean="0"/>
+              <a:t>github</a:t>
+            </a:r>
+            <a:r>
+              <a:rPr lang="en-US" sz="2000" b="1" dirty="0" smtClean="0"/>
+              <a:t> repository for list of assignments:</a:t>
+            </a:r>
+          </a:p>
+          <a:p>
+            <a:pPr algn="ctr"/>
+            <a:endParaRPr lang="en-US" sz="2400" b="1" dirty="0" smtClean="0"/>
+          </a:p>
+          <a:p>
+            <a:pPr algn="ctr"/>
+            <a:r>
+              <a:rPr lang="en-US" sz="2400" b="1" dirty="0" smtClean="0"/>
+              <a:t>https</a:t>
+            </a:r>
+            <a:r>
+              <a:rPr lang="en-US" sz="2400" b="1" dirty="0"/>
+              <a:t>://github.com/tahirmirji/ai_with_python_keonics</a:t>
+            </a:r>
+          </a:p>
+        </p:txBody>
+      </p:sp>
+    </p:spTree>
+    <p:extLst>
+      <p:ext uri="{BB962C8B-B14F-4D97-AF65-F5344CB8AC3E}">
+        <p14:creationId xmlns:p14="http://schemas.microsoft.com/office/powerpoint/2010/main" val="3319305882"/>
+      </p:ext>
+    </p:extLst>
+  </p:cSld>
+  <p:clrMapOvr>
+    <a:masterClrMapping/>
+  </p:clrMapOvr>
+  <p:timing>
+    <p:tnLst>
+      <p:par>
+        <p:cTn id="1" dur="indefinite" restart="never" nodeType="tmRoot"/>
+      </p:par>
+    </p:tnLst>
   </p:timing>
 </p:sld>
 </file>
@@ -29883,6 +38152,122 @@
 </p:sld>
 </file>
 
+<file path=ppt/slides/slide40.xml><?xml version="1.0" encoding="utf-8"?>
+<p:sld xmlns:a="http://schemas.openxmlformats.org/drawingml/2006/main" xmlns:r="http://schemas.openxmlformats.org/officeDocument/2006/relationships" xmlns:p="http://schemas.openxmlformats.org/presentationml/2006/main">
+  <p:cSld>
+    <p:spTree>
+      <p:nvGrpSpPr>
+        <p:cNvPr id="1" name=""/>
+        <p:cNvGrpSpPr/>
+        <p:nvPr/>
+      </p:nvGrpSpPr>
+      <p:grpSpPr>
+        <a:xfrm>
+          <a:off x="0" y="0"/>
+          <a:ext cx="0" cy="0"/>
+          <a:chOff x="0" y="0"/>
+          <a:chExt cx="0" cy="0"/>
+        </a:xfrm>
+      </p:grpSpPr>
+      <p:sp>
+        <p:nvSpPr>
+          <p:cNvPr id="5" name="Slide Number Placeholder 4"/>
+          <p:cNvSpPr>
+            <a:spLocks noGrp="1"/>
+          </p:cNvSpPr>
+          <p:nvPr>
+            <p:ph type="sldNum" idx="12"/>
+          </p:nvPr>
+        </p:nvSpPr>
+        <p:spPr/>
+        <p:txBody>
+          <a:bodyPr/>
+          <a:lstStyle/>
+          <a:p>
+            <a:pPr marL="0" lvl="0" indent="0" algn="r" rtl="0">
+              <a:spcBef>
+                <a:spcPts val="0"/>
+              </a:spcBef>
+              <a:spcAft>
+                <a:spcPts val="0"/>
+              </a:spcAft>
+              <a:buNone/>
+            </a:pPr>
+            <a:fld id="{00000000-1234-1234-1234-123412341234}" type="slidenum">
+              <a:rPr lang="en" smtClean="0"/>
+              <a:t>40</a:t>
+            </a:fld>
+            <a:endParaRPr lang="en"/>
+          </a:p>
+        </p:txBody>
+      </p:sp>
+      <p:sp>
+        <p:nvSpPr>
+          <p:cNvPr id="6" name="Oval 5"/>
+          <p:cNvSpPr/>
+          <p:nvPr/>
+        </p:nvSpPr>
+        <p:spPr>
+          <a:xfrm>
+            <a:off x="837282" y="-1156694"/>
+            <a:ext cx="7590621" cy="7590621"/>
+          </a:xfrm>
+          <a:prstGeom prst="ellipse">
+            <a:avLst/>
+          </a:prstGeom>
+          <a:ln>
+            <a:noFill/>
+          </a:ln>
+        </p:spPr>
+        <p:style>
+          <a:lnRef idx="2">
+            <a:schemeClr val="accent1">
+              <a:shade val="50000"/>
+            </a:schemeClr>
+          </a:lnRef>
+          <a:fillRef idx="1">
+            <a:schemeClr val="accent1"/>
+          </a:fillRef>
+          <a:effectRef idx="0">
+            <a:schemeClr val="accent1"/>
+          </a:effectRef>
+          <a:fontRef idx="minor">
+            <a:schemeClr val="lt1"/>
+          </a:fontRef>
+        </p:style>
+        <p:txBody>
+          <a:bodyPr rtlCol="0" anchor="ctr"/>
+          <a:lstStyle/>
+          <a:p>
+            <a:pPr algn="ctr"/>
+            <a:r>
+              <a:rPr lang="en-US" sz="8000" dirty="0" smtClean="0"/>
+              <a:t>Thank You</a:t>
+            </a:r>
+            <a:endParaRPr lang="en-US" sz="8000" dirty="0"/>
+          </a:p>
+        </p:txBody>
+      </p:sp>
+    </p:spTree>
+    <p:extLst>
+      <p:ext uri="{BB962C8B-B14F-4D97-AF65-F5344CB8AC3E}">
+        <p14:creationId xmlns:p14="http://schemas.microsoft.com/office/powerpoint/2010/main" val="1594356354"/>
+      </p:ext>
+    </p:extLst>
+  </p:cSld>
+  <p:clrMapOvr>
+    <a:masterClrMapping/>
+  </p:clrMapOvr>
+  <p:timing>
+    <p:tnLst>
+      <p:par>
+        <p:cTn id="1" dur="indefinite" restart="never" nodeType="tmRoot"/>
+      </p:par>
+    </p:tnLst>
+  </p:timing>
+</p:sld>
+</file>
+
 <file path=ppt/slides/slide5.xml><?xml version="1.0" encoding="utf-8"?>
 <p:sld xmlns:a="http://schemas.openxmlformats.org/drawingml/2006/main" xmlns:r="http://schemas.openxmlformats.org/officeDocument/2006/relationships" xmlns:p="http://schemas.openxmlformats.org/presentationml/2006/main">
   <p:cSld>

--- a/module2/ppt/Advanced Concepts Using Datastructures.pptx
+++ b/module2/ppt/Advanced Concepts Using Datastructures.pptx
@@ -53,35 +53,35 @@
   <p:notesSz cx="6858000" cy="9144000"/>
   <p:embeddedFontLst>
     <p:embeddedFont>
-      <p:font typeface="Consolas" panose="020B0609020204030204" pitchFamily="49" charset="0"/>
+      <p:font typeface="Microsoft YaHei" panose="020B0503020204020204" pitchFamily="34" charset="-122"/>
       <p:regular r:id="rId43"/>
       <p:bold r:id="rId44"/>
-      <p:italic r:id="rId45"/>
-      <p:boldItalic r:id="rId46"/>
+    </p:embeddedFont>
+    <p:embeddedFont>
+      <p:font typeface="Segoe UI" panose="020B0502040204020203" pitchFamily="34" charset="0"/>
+      <p:regular r:id="rId45"/>
+      <p:bold r:id="rId46"/>
+      <p:italic r:id="rId47"/>
+      <p:boldItalic r:id="rId48"/>
+    </p:embeddedFont>
+    <p:embeddedFont>
+      <p:font typeface="Sarala" panose="020B0604020202020204" charset="0"/>
+      <p:regular r:id="rId49"/>
+      <p:bold r:id="rId50"/>
     </p:embeddedFont>
     <p:embeddedFont>
       <p:font typeface="Montserrat" panose="00000500000000000000" pitchFamily="50" charset="0"/>
-      <p:regular r:id="rId47"/>
-      <p:bold r:id="rId48"/>
-      <p:italic r:id="rId49"/>
-      <p:boldItalic r:id="rId50"/>
+      <p:regular r:id="rId51"/>
+      <p:bold r:id="rId52"/>
+      <p:italic r:id="rId53"/>
+      <p:boldItalic r:id="rId54"/>
     </p:embeddedFont>
     <p:embeddedFont>
-      <p:font typeface="Sarala" panose="020B0604020202020204" charset="0"/>
-      <p:regular r:id="rId51"/>
-      <p:bold r:id="rId52"/>
-    </p:embeddedFont>
-    <p:embeddedFont>
-      <p:font typeface="Segoe UI" panose="020B0502040204020203" pitchFamily="34" charset="0"/>
-      <p:regular r:id="rId53"/>
-      <p:bold r:id="rId54"/>
-      <p:italic r:id="rId55"/>
-      <p:boldItalic r:id="rId56"/>
-    </p:embeddedFont>
-    <p:embeddedFont>
-      <p:font typeface="Microsoft YaHei" panose="020B0503020204020204" pitchFamily="34" charset="-122"/>
-      <p:regular r:id="rId57"/>
-      <p:bold r:id="rId58"/>
+      <p:font typeface="Consolas" panose="020B0609020204030204" pitchFamily="49" charset="0"/>
+      <p:regular r:id="rId55"/>
+      <p:bold r:id="rId56"/>
+      <p:italic r:id="rId57"/>
+      <p:boldItalic r:id="rId58"/>
     </p:embeddedFont>
   </p:embeddedFontLst>
   <p:defaultTextStyle>
@@ -18871,7 +18871,7 @@
                 <a:hlinkClick r:id="rId2">
                   <a:extLst>
                     <a:ext uri="{A12FA001-AC4F-418D-AE19-62706E023703}">
-                      <ahyp:hlinkClr xmlns="" xmlns:mc="http://schemas.openxmlformats.org/markup-compatibility/2006" xmlns:mv="urn:schemas-microsoft-com:mac:vml" xmlns:c="http://schemas.openxmlformats.org/drawingml/2006/chart" xmlns:dgm="http://schemas.openxmlformats.org/drawingml/2006/diagram" xmlns:o="urn:schemas-microsoft-com:office:office" xmlns:v="urn:schemas-microsoft-com:vml" xmlns:pvml="urn:schemas-microsoft-com:office:powerpoint" xmlns:com="http://schemas.openxmlformats.org/drawingml/2006/compatibility" xmlns:p14="http://schemas.microsoft.com/office/powerpoint/2010/main" xmlns:p15="http://schemas.microsoft.com/office/powerpoint/2012/main" xmlns:ahyp="http://schemas.microsoft.com/office/drawing/2018/hyperlinkcolor" val="tx"/>
+                      <ahyp:hlinkClr xmlns:ahyp="http://schemas.microsoft.com/office/drawing/2018/hyperlinkcolor" xmlns:p15="http://schemas.microsoft.com/office/powerpoint/2012/main" xmlns:p14="http://schemas.microsoft.com/office/powerpoint/2010/main" xmlns:com="http://schemas.openxmlformats.org/drawingml/2006/compatibility" xmlns:pvml="urn:schemas-microsoft-com:office:powerpoint" xmlns:v="urn:schemas-microsoft-com:vml" xmlns:o="urn:schemas-microsoft-com:office:office" xmlns:dgm="http://schemas.openxmlformats.org/drawingml/2006/diagram" xmlns:c="http://schemas.openxmlformats.org/drawingml/2006/chart" xmlns:mv="urn:schemas-microsoft-com:mac:vml" xmlns:mc="http://schemas.openxmlformats.org/markup-compatibility/2006" xmlns="" val="tx"/>
                     </a:ext>
                   </a:extLst>
                 </a:hlinkClick>
@@ -18905,7 +18905,7 @@
                 <a:hlinkClick r:id="rId3">
                   <a:extLst>
                     <a:ext uri="{A12FA001-AC4F-418D-AE19-62706E023703}">
-                      <ahyp:hlinkClr xmlns="" xmlns:mc="http://schemas.openxmlformats.org/markup-compatibility/2006" xmlns:mv="urn:schemas-microsoft-com:mac:vml" xmlns:c="http://schemas.openxmlformats.org/drawingml/2006/chart" xmlns:dgm="http://schemas.openxmlformats.org/drawingml/2006/diagram" xmlns:o="urn:schemas-microsoft-com:office:office" xmlns:v="urn:schemas-microsoft-com:vml" xmlns:pvml="urn:schemas-microsoft-com:office:powerpoint" xmlns:com="http://schemas.openxmlformats.org/drawingml/2006/compatibility" xmlns:p14="http://schemas.microsoft.com/office/powerpoint/2010/main" xmlns:p15="http://schemas.microsoft.com/office/powerpoint/2012/main" xmlns:ahyp="http://schemas.microsoft.com/office/drawing/2018/hyperlinkcolor" val="tx"/>
+                      <ahyp:hlinkClr xmlns:ahyp="http://schemas.microsoft.com/office/drawing/2018/hyperlinkcolor" xmlns:p15="http://schemas.microsoft.com/office/powerpoint/2012/main" xmlns:p14="http://schemas.microsoft.com/office/powerpoint/2010/main" xmlns:com="http://schemas.openxmlformats.org/drawingml/2006/compatibility" xmlns:pvml="urn:schemas-microsoft-com:office:powerpoint" xmlns:v="urn:schemas-microsoft-com:vml" xmlns:o="urn:schemas-microsoft-com:office:office" xmlns:dgm="http://schemas.openxmlformats.org/drawingml/2006/diagram" xmlns:c="http://schemas.openxmlformats.org/drawingml/2006/chart" xmlns:mv="urn:schemas-microsoft-com:mac:vml" xmlns:mc="http://schemas.openxmlformats.org/markup-compatibility/2006" xmlns="" val="tx"/>
                     </a:ext>
                   </a:extLst>
                 </a:hlinkClick>
@@ -18939,7 +18939,7 @@
                 <a:hlinkClick r:id="rId4">
                   <a:extLst>
                     <a:ext uri="{A12FA001-AC4F-418D-AE19-62706E023703}">
-                      <ahyp:hlinkClr xmlns="" xmlns:mc="http://schemas.openxmlformats.org/markup-compatibility/2006" xmlns:mv="urn:schemas-microsoft-com:mac:vml" xmlns:c="http://schemas.openxmlformats.org/drawingml/2006/chart" xmlns:dgm="http://schemas.openxmlformats.org/drawingml/2006/diagram" xmlns:o="urn:schemas-microsoft-com:office:office" xmlns:v="urn:schemas-microsoft-com:vml" xmlns:pvml="urn:schemas-microsoft-com:office:powerpoint" xmlns:com="http://schemas.openxmlformats.org/drawingml/2006/compatibility" xmlns:p14="http://schemas.microsoft.com/office/powerpoint/2010/main" xmlns:p15="http://schemas.microsoft.com/office/powerpoint/2012/main" xmlns:ahyp="http://schemas.microsoft.com/office/drawing/2018/hyperlinkcolor" val="tx"/>
+                      <ahyp:hlinkClr xmlns:ahyp="http://schemas.microsoft.com/office/drawing/2018/hyperlinkcolor" xmlns:p15="http://schemas.microsoft.com/office/powerpoint/2012/main" xmlns:p14="http://schemas.microsoft.com/office/powerpoint/2010/main" xmlns:com="http://schemas.openxmlformats.org/drawingml/2006/compatibility" xmlns:pvml="urn:schemas-microsoft-com:office:powerpoint" xmlns:v="urn:schemas-microsoft-com:vml" xmlns:o="urn:schemas-microsoft-com:office:office" xmlns:dgm="http://schemas.openxmlformats.org/drawingml/2006/diagram" xmlns:c="http://schemas.openxmlformats.org/drawingml/2006/chart" xmlns:mv="urn:schemas-microsoft-com:mac:vml" xmlns:mc="http://schemas.openxmlformats.org/markup-compatibility/2006" xmlns="" val="tx"/>
                     </a:ext>
                   </a:extLst>
                 </a:hlinkClick>
@@ -18973,7 +18973,7 @@
                 <a:hlinkClick r:id="rId5">
                   <a:extLst>
                     <a:ext uri="{A12FA001-AC4F-418D-AE19-62706E023703}">
-                      <ahyp:hlinkClr xmlns="" xmlns:mc="http://schemas.openxmlformats.org/markup-compatibility/2006" xmlns:mv="urn:schemas-microsoft-com:mac:vml" xmlns:c="http://schemas.openxmlformats.org/drawingml/2006/chart" xmlns:dgm="http://schemas.openxmlformats.org/drawingml/2006/diagram" xmlns:o="urn:schemas-microsoft-com:office:office" xmlns:v="urn:schemas-microsoft-com:vml" xmlns:pvml="urn:schemas-microsoft-com:office:powerpoint" xmlns:com="http://schemas.openxmlformats.org/drawingml/2006/compatibility" xmlns:p14="http://schemas.microsoft.com/office/powerpoint/2010/main" xmlns:p15="http://schemas.microsoft.com/office/powerpoint/2012/main" xmlns:ahyp="http://schemas.microsoft.com/office/drawing/2018/hyperlinkcolor" val="tx"/>
+                      <ahyp:hlinkClr xmlns:ahyp="http://schemas.microsoft.com/office/drawing/2018/hyperlinkcolor" xmlns:p15="http://schemas.microsoft.com/office/powerpoint/2012/main" xmlns:p14="http://schemas.microsoft.com/office/powerpoint/2010/main" xmlns:com="http://schemas.openxmlformats.org/drawingml/2006/compatibility" xmlns:pvml="urn:schemas-microsoft-com:office:powerpoint" xmlns:v="urn:schemas-microsoft-com:vml" xmlns:o="urn:schemas-microsoft-com:office:office" xmlns:dgm="http://schemas.openxmlformats.org/drawingml/2006/diagram" xmlns:c="http://schemas.openxmlformats.org/drawingml/2006/chart" xmlns:mv="urn:schemas-microsoft-com:mac:vml" xmlns:mc="http://schemas.openxmlformats.org/markup-compatibility/2006" xmlns="" val="tx"/>
                     </a:ext>
                   </a:extLst>
                 </a:hlinkClick>
@@ -27352,12 +27352,12 @@
                     <a:p>
                       <a:pPr algn="l" fontAlgn="base"/>
                       <a:r>
-                        <a:rPr lang="en-US" sz="1400">
+                        <a:rPr lang="en-US" sz="1400" dirty="0">
                           <a:effectLst/>
                         </a:rPr>
                         <a:t>Lists consume more memory</a:t>
                       </a:r>
-                      <a:endParaRPr lang="en-US" sz="1400" b="0">
+                      <a:endParaRPr lang="en-US" sz="1400" b="0" dirty="0">
                         <a:effectLst/>
                       </a:endParaRPr>
                     </a:p>
@@ -28139,23 +28139,7 @@
                   <a:srgbClr val="2C363A"/>
                 </a:solidFill>
               </a:rPr>
-              <a:t>with </a:t>
-            </a:r>
-            <a:r>
-              <a:rPr lang="en-US" sz="2400" dirty="0">
-                <a:solidFill>
-                  <a:srgbClr val="2C363A"/>
-                </a:solidFill>
-              </a:rPr>
-              <a:t>python tuples and </a:t>
-            </a:r>
-            <a:r>
-              <a:rPr lang="en-US" sz="2400" dirty="0">
-                <a:solidFill>
-                  <a:srgbClr val="2C363A"/>
-                </a:solidFill>
-              </a:rPr>
-              <a:t>list</a:t>
+              <a:t>with python tuples and list</a:t>
             </a:r>
           </a:p>
         </p:txBody>
@@ -29264,11 +29248,6 @@
               </a:rPr>
               <a:t>Union</a:t>
             </a:r>
-            <a:endParaRPr lang="en-US" sz="2400" dirty="0">
-              <a:solidFill>
-                <a:srgbClr val="2C363A"/>
-              </a:solidFill>
-            </a:endParaRPr>
           </a:p>
         </p:txBody>
       </p:sp>
@@ -29613,11 +29592,6 @@
               </a:rPr>
               <a:t>Intersection</a:t>
             </a:r>
-            <a:endParaRPr lang="en-US" sz="2400" dirty="0">
-              <a:solidFill>
-                <a:srgbClr val="2C363A"/>
-              </a:solidFill>
-            </a:endParaRPr>
           </a:p>
         </p:txBody>
       </p:sp>
@@ -29975,11 +29949,6 @@
               </a:rPr>
               <a:t>Difference</a:t>
             </a:r>
-            <a:endParaRPr lang="en-US" sz="2400" dirty="0">
-              <a:solidFill>
-                <a:srgbClr val="2C363A"/>
-              </a:solidFill>
-            </a:endParaRPr>
           </a:p>
         </p:txBody>
       </p:sp>
@@ -30594,11 +30563,6 @@
               </a:rPr>
               <a:t>However, there are two major pitfalls in Python sets: </a:t>
             </a:r>
-            <a:endParaRPr lang="en-US" sz="2400" dirty="0">
-              <a:solidFill>
-                <a:srgbClr val="2C363A"/>
-              </a:solidFill>
-            </a:endParaRPr>
           </a:p>
         </p:txBody>
       </p:sp>
@@ -30763,11 +30727,6 @@
               </a:rPr>
               <a:t>Operators for Sets</a:t>
             </a:r>
-            <a:endParaRPr lang="en-US" sz="2400" dirty="0">
-              <a:solidFill>
-                <a:srgbClr val="2C363A"/>
-              </a:solidFill>
-            </a:endParaRPr>
           </a:p>
         </p:txBody>
       </p:sp>
@@ -31243,11 +31202,6 @@
               </a:rPr>
               <a:t>Operators for Sets</a:t>
             </a:r>
-            <a:endParaRPr lang="en-US" sz="2400" dirty="0">
-              <a:solidFill>
-                <a:srgbClr val="2C363A"/>
-              </a:solidFill>
-            </a:endParaRPr>
           </a:p>
         </p:txBody>
       </p:sp>
@@ -31986,11 +31940,6 @@
               </a:rPr>
               <a:t>Adding elements to a Dictionary</a:t>
             </a:r>
-            <a:endParaRPr lang="en-US" sz="2400" dirty="0">
-              <a:solidFill>
-                <a:srgbClr val="2C363A"/>
-              </a:solidFill>
-            </a:endParaRPr>
           </a:p>
         </p:txBody>
       </p:sp>
@@ -32277,7 +32226,7 @@
           <p:nvPr>
             <p:extLst>
               <p:ext uri="{D42A27DB-BD31-4B8C-83A1-F6EECF244321}">
-                <p14:modId xmlns:p14="http://schemas.microsoft.com/office/powerpoint/2010/main" val="3924275284"/>
+                <p14:modId xmlns:p14="http://schemas.microsoft.com/office/powerpoint/2010/main" val="1335423280"/>
               </p:ext>
             </p:extLst>
           </p:nvPr>
@@ -32488,14 +32437,19 @@
                     <a:p>
                       <a:pPr fontAlgn="t"/>
                       <a:r>
-                        <a:rPr lang="en-US" u="none" strike="noStrike">
+                        <a:rPr lang="en-US" u="none" strike="noStrike" dirty="0" err="1">
                           <a:effectLst/>
-                          <a:hlinkClick r:id="rId3"/>
                         </a:rPr>
-                        <a:t>cmp(list1, list2)</a:t>
+                        <a:t>cmp</a:t>
                       </a:r>
                       <a:r>
-                        <a:rPr lang="en-US">
+                        <a:rPr lang="en-US" u="none" strike="noStrike" dirty="0">
+                          <a:effectLst/>
+                        </a:rPr>
+                        <a:t>(list1, list2)</a:t>
+                      </a:r>
+                      <a:r>
+                        <a:rPr lang="en-US" dirty="0">
                           <a:effectLst/>
                         </a:rPr>
                         <a:t>Compares elements of both lists.</a:t>
@@ -32608,18 +32562,10 @@
                     <a:p>
                       <a:pPr fontAlgn="t"/>
                       <a:r>
-                        <a:rPr lang="en-US" u="none" strike="noStrike" dirty="0" err="1">
-                          <a:effectLst/>
-                          <a:hlinkClick r:id="rId4"/>
-                        </a:rPr>
-                        <a:t>len</a:t>
-                      </a:r>
-                      <a:r>
                         <a:rPr lang="en-US" u="none" strike="noStrike" dirty="0">
                           <a:effectLst/>
-                          <a:hlinkClick r:id="rId4"/>
                         </a:rPr>
-                        <a:t>(list)</a:t>
+                        <a:t>len(list)</a:t>
                       </a:r>
                       <a:r>
                         <a:rPr lang="en-US" dirty="0">
@@ -32747,14 +32693,13 @@
                     <a:p>
                       <a:pPr fontAlgn="t"/>
                       <a:r>
-                        <a:rPr lang="en-US" u="none" strike="noStrike">
+                        <a:rPr lang="en-US" u="none" strike="noStrike" dirty="0">
                           <a:effectLst/>
-                          <a:hlinkClick r:id="rId5"/>
                         </a:rPr>
                         <a:t>max(list)</a:t>
                       </a:r>
                       <a:r>
-                        <a:rPr lang="en-US">
+                        <a:rPr lang="en-US" dirty="0">
                           <a:effectLst/>
                         </a:rPr>
                         <a:t>Returns item from the list with max value.</a:t>
@@ -32867,14 +32812,13 @@
                     <a:p>
                       <a:pPr fontAlgn="t"/>
                       <a:r>
-                        <a:rPr lang="en-US" u="none" strike="noStrike">
+                        <a:rPr lang="en-US" u="none" strike="noStrike" dirty="0">
                           <a:effectLst/>
-                          <a:hlinkClick r:id="rId6"/>
                         </a:rPr>
                         <a:t>min(list)</a:t>
                       </a:r>
                       <a:r>
-                        <a:rPr lang="en-US">
+                        <a:rPr lang="en-US" dirty="0">
                           <a:effectLst/>
                         </a:rPr>
                         <a:t>Returns item from the list with min value.</a:t>
@@ -32989,21 +32933,18 @@
                       <a:r>
                         <a:rPr lang="en-US" u="none" strike="noStrike" dirty="0">
                           <a:effectLst/>
-                          <a:hlinkClick r:id="rId7"/>
                         </a:rPr>
                         <a:t>list(</a:t>
                       </a:r>
                       <a:r>
                         <a:rPr lang="en-US" u="none" strike="noStrike" dirty="0" err="1">
                           <a:effectLst/>
-                          <a:hlinkClick r:id="rId7"/>
                         </a:rPr>
                         <a:t>seq</a:t>
                       </a:r>
                       <a:r>
                         <a:rPr lang="en-US" u="none" strike="noStrike" dirty="0">
                           <a:effectLst/>
-                          <a:hlinkClick r:id="rId7"/>
                         </a:rPr>
                         <a:t>)</a:t>
                       </a:r>
@@ -33593,14 +33534,14 @@
           <p:nvPr>
             <p:extLst>
               <p:ext uri="{D42A27DB-BD31-4B8C-83A1-F6EECF244321}">
-                <p14:modId xmlns:p14="http://schemas.microsoft.com/office/powerpoint/2010/main" val="1346893897"/>
+                <p14:modId xmlns:p14="http://schemas.microsoft.com/office/powerpoint/2010/main" val="325086129"/>
               </p:ext>
             </p:extLst>
           </p:nvPr>
         </p:nvGraphicFramePr>
         <p:xfrm>
           <a:off x="621792" y="1003874"/>
-          <a:ext cx="7790688" cy="2979428"/>
+          <a:ext cx="7790688" cy="3284228"/>
         </p:xfrm>
         <a:graphic>
           <a:graphicData uri="http://schemas.openxmlformats.org/drawingml/2006/table">
@@ -33689,13 +33630,12 @@
                         </a:lnSpc>
                       </a:pPr>
                       <a:r>
-                        <a:rPr lang="en-US" sz="1800" u="sng">
+                        <a:rPr lang="en-US" sz="1800" u="sng" dirty="0">
                           <a:effectLst/>
-                          <a:hlinkClick r:id="rId3"/>
                         </a:rPr>
                         <a:t>clear()</a:t>
                       </a:r>
-                      <a:endParaRPr lang="en-US" sz="1800" b="0">
+                      <a:endParaRPr lang="en-US" sz="1800" b="0" dirty="0">
                         <a:effectLst/>
                       </a:endParaRPr>
                     </a:p>
@@ -33745,7 +33685,6 @@
                       <a:r>
                         <a:rPr lang="en-US" sz="1800" u="sng" dirty="0">
                           <a:effectLst/>
-                          <a:hlinkClick r:id="rId4"/>
                         </a:rPr>
                         <a:t>copy()</a:t>
                       </a:r>
@@ -33797,13 +33736,12 @@
                         </a:lnSpc>
                       </a:pPr>
                       <a:r>
-                        <a:rPr lang="en-US" sz="1800" u="sng">
+                        <a:rPr lang="en-US" sz="1800" u="sng" dirty="0">
                           <a:effectLst/>
-                          <a:hlinkClick r:id="rId5"/>
                         </a:rPr>
                         <a:t>fromkeys()</a:t>
                       </a:r>
-                      <a:endParaRPr lang="en-US" sz="1800" b="0">
+                      <a:endParaRPr lang="en-US" sz="1800" b="0" dirty="0">
                         <a:effectLst/>
                       </a:endParaRPr>
                     </a:p>
@@ -33851,13 +33789,12 @@
                         </a:lnSpc>
                       </a:pPr>
                       <a:r>
-                        <a:rPr lang="en-US" sz="1800" u="sng">
+                        <a:rPr lang="en-US" sz="1800" u="sng" dirty="0">
                           <a:effectLst/>
-                          <a:hlinkClick r:id="rId6"/>
                         </a:rPr>
                         <a:t>get()</a:t>
                       </a:r>
-                      <a:endParaRPr lang="en-US" sz="1800" b="0">
+                      <a:endParaRPr lang="en-US" sz="1800" b="0" dirty="0">
                         <a:effectLst/>
                       </a:endParaRPr>
                     </a:p>
@@ -33905,13 +33842,12 @@
                         </a:lnSpc>
                       </a:pPr>
                       <a:r>
-                        <a:rPr lang="en-US" sz="1800" u="sng">
+                        <a:rPr lang="en-US" sz="1800" u="sng" dirty="0">
                           <a:effectLst/>
-                          <a:hlinkClick r:id="rId7"/>
                         </a:rPr>
                         <a:t>items()</a:t>
                       </a:r>
-                      <a:endParaRPr lang="en-US" sz="1800" b="0">
+                      <a:endParaRPr lang="en-US" sz="1800" b="0" dirty="0">
                         <a:effectLst/>
                       </a:endParaRPr>
                     </a:p>
@@ -34076,7 +34012,7 @@
           <p:nvPr>
             <p:extLst>
               <p:ext uri="{D42A27DB-BD31-4B8C-83A1-F6EECF244321}">
-                <p14:modId xmlns:p14="http://schemas.microsoft.com/office/powerpoint/2010/main" val="3320493895"/>
+                <p14:modId xmlns:p14="http://schemas.microsoft.com/office/powerpoint/2010/main" val="384628372"/>
               </p:ext>
             </p:extLst>
           </p:nvPr>
@@ -34160,13 +34096,12 @@
                     <a:p>
                       <a:pPr algn="l" fontAlgn="base"/>
                       <a:r>
-                        <a:rPr lang="en-US" sz="1800" u="sng">
+                        <a:rPr lang="en-US" sz="1800" u="sng" dirty="0">
                           <a:effectLst/>
-                          <a:hlinkClick r:id="rId3"/>
                         </a:rPr>
                         <a:t>keys()</a:t>
                       </a:r>
-                      <a:endParaRPr lang="en-US" sz="1800" b="0">
+                      <a:endParaRPr lang="en-US" sz="1800" b="0" dirty="0">
                         <a:effectLst/>
                       </a:endParaRPr>
                     </a:p>
@@ -34206,13 +34141,12 @@
                     <a:p>
                       <a:pPr algn="l" fontAlgn="base"/>
                       <a:r>
-                        <a:rPr lang="en-US" sz="1800" u="sng">
+                        <a:rPr lang="en-US" sz="1800" u="sng" dirty="0">
                           <a:effectLst/>
-                          <a:hlinkClick r:id="rId4"/>
                         </a:rPr>
                         <a:t>pop()</a:t>
                       </a:r>
-                      <a:endParaRPr lang="en-US" sz="1800" b="0">
+                      <a:endParaRPr lang="en-US" sz="1800" b="0" dirty="0">
                         <a:effectLst/>
                       </a:endParaRPr>
                     </a:p>
@@ -34252,13 +34186,18 @@
                     <a:p>
                       <a:pPr algn="l" fontAlgn="base"/>
                       <a:r>
-                        <a:rPr lang="en-US" sz="1800" u="sng">
+                        <a:rPr lang="en-US" sz="1800" u="sng" dirty="0" err="1">
                           <a:effectLst/>
-                          <a:hlinkClick r:id="rId5"/>
                         </a:rPr>
-                        <a:t>popitem()</a:t>
+                        <a:t>popitem</a:t>
                       </a:r>
-                      <a:endParaRPr lang="en-US" sz="1800" b="0">
+                      <a:r>
+                        <a:rPr lang="en-US" sz="1800" u="sng" dirty="0">
+                          <a:effectLst/>
+                        </a:rPr>
+                        <a:t>()</a:t>
+                      </a:r>
+                      <a:endParaRPr lang="en-US" sz="1800" b="0" dirty="0">
                         <a:effectLst/>
                       </a:endParaRPr>
                     </a:p>
@@ -34298,13 +34237,18 @@
                     <a:p>
                       <a:pPr algn="l" fontAlgn="base"/>
                       <a:r>
-                        <a:rPr lang="en-US" sz="1800" u="sng">
+                        <a:rPr lang="en-US" sz="1800" u="sng" dirty="0" err="1">
                           <a:effectLst/>
-                          <a:hlinkClick r:id="rId6"/>
                         </a:rPr>
-                        <a:t>setdefault()</a:t>
+                        <a:t>setdefault</a:t>
                       </a:r>
-                      <a:endParaRPr lang="en-US" sz="1800" b="0">
+                      <a:r>
+                        <a:rPr lang="en-US" sz="1800" u="sng" dirty="0">
+                          <a:effectLst/>
+                        </a:rPr>
+                        <a:t>()</a:t>
+                      </a:r>
+                      <a:endParaRPr lang="en-US" sz="1800" b="0" dirty="0">
                         <a:effectLst/>
                       </a:endParaRPr>
                     </a:p>
@@ -34344,13 +34288,12 @@
                     <a:p>
                       <a:pPr algn="l" fontAlgn="base"/>
                       <a:r>
-                        <a:rPr lang="en-US" sz="1800" u="sng">
+                        <a:rPr lang="en-US" sz="1800" u="sng" dirty="0">
                           <a:effectLst/>
-                          <a:hlinkClick r:id="rId7"/>
                         </a:rPr>
                         <a:t>update()</a:t>
                       </a:r>
-                      <a:endParaRPr lang="en-US" sz="1800" b="0">
+                      <a:endParaRPr lang="en-US" sz="1800" b="0" dirty="0">
                         <a:effectLst/>
                       </a:endParaRPr>
                     </a:p>
@@ -34390,13 +34333,12 @@
                     <a:p>
                       <a:pPr algn="l" fontAlgn="base"/>
                       <a:r>
-                        <a:rPr lang="en-US" sz="1800" u="sng">
+                        <a:rPr lang="en-US" sz="1800" u="sng" dirty="0">
                           <a:effectLst/>
-                          <a:hlinkClick r:id="rId8"/>
                         </a:rPr>
                         <a:t>values()</a:t>
                       </a:r>
-                      <a:endParaRPr lang="en-US" sz="1800" b="0">
+                      <a:endParaRPr lang="en-US" sz="1800" b="0" dirty="0">
                         <a:effectLst/>
                       </a:endParaRPr>
                     </a:p>
@@ -34556,15 +34498,15 @@
         </p:nvSpPr>
         <p:spPr>
           <a:xfrm>
-            <a:off x="185592" y="824180"/>
-            <a:ext cx="4572000" cy="4524315"/>
+            <a:off x="185592" y="1003874"/>
+            <a:ext cx="5493848" cy="3970318"/>
           </a:xfrm>
           <a:prstGeom prst="rect">
             <a:avLst/>
           </a:prstGeom>
         </p:spPr>
         <p:txBody>
-          <a:bodyPr>
+          <a:bodyPr wrap="square">
             <a:spAutoFit/>
           </a:bodyPr>
           <a:lstStyle/>
@@ -34658,14 +34600,13 @@
           <a:p>
             <a:r>
               <a:rPr lang="en-US" sz="1800" dirty="0"/>
-              <a:t>print(dict2.items())</a:t>
-            </a:r>
-          </a:p>
-          <a:p>
-            <a:r>
-              <a:rPr lang="en-US" sz="1800" dirty="0"/>
-              <a:t>  </a:t>
-            </a:r>
+              <a:t>print(dict2.items</a:t>
+            </a:r>
+            <a:r>
+              <a:rPr lang="en-US" sz="1800" dirty="0" smtClean="0"/>
+              <a:t>())  </a:t>
+            </a:r>
+            <a:endParaRPr lang="en-US" sz="1800" dirty="0"/>
           </a:p>
         </p:txBody>
       </p:sp>
@@ -34677,8 +34618,8 @@
         </p:nvSpPr>
         <p:spPr>
           <a:xfrm>
-            <a:off x="5193792" y="389172"/>
-            <a:ext cx="3456432" cy="4801314"/>
+            <a:off x="5770880" y="389172"/>
+            <a:ext cx="2879344" cy="4801314"/>
           </a:xfrm>
           <a:prstGeom prst="rect">
             <a:avLst/>
@@ -34798,7 +34739,6 @@
               <a:rPr lang="en-US" sz="1800" dirty="0"/>
               <a:t>print(dict2.values())</a:t>
             </a:r>
-            <a:endParaRPr lang="en-US" sz="1800" dirty="0"/>
           </a:p>
         </p:txBody>
       </p:sp>
@@ -36496,7 +36436,7 @@
           <p:nvPr>
             <p:extLst>
               <p:ext uri="{D42A27DB-BD31-4B8C-83A1-F6EECF244321}">
-                <p14:modId xmlns:p14="http://schemas.microsoft.com/office/powerpoint/2010/main" val="56911216"/>
+                <p14:modId xmlns:p14="http://schemas.microsoft.com/office/powerpoint/2010/main" val="922251612"/>
               </p:ext>
             </p:extLst>
           </p:nvPr>
@@ -36713,20 +36653,58 @@
                     <a:p>
                       <a:pPr fontAlgn="t"/>
                       <a:r>
-                        <a:rPr lang="en-US" b="0" u="none" strike="noStrike">
+                        <a:rPr lang="en-US" b="0" u="none" strike="noStrike" dirty="0" err="1">
                           <a:solidFill>
                             <a:srgbClr val="313131"/>
                           </a:solidFill>
                           <a:effectLst/>
-                          <a:hlinkClick r:id="rId3"/>
                         </a:rPr>
-                        <a:t>list.append(obj)</a:t>
+                        <a:t>list.append</a:t>
                       </a:r>
                       <a:r>
-                        <a:rPr lang="en-US">
+                        <a:rPr lang="en-US" b="0" u="none" strike="noStrike" dirty="0">
+                          <a:solidFill>
+                            <a:srgbClr val="313131"/>
+                          </a:solidFill>
                           <a:effectLst/>
                         </a:rPr>
-                        <a:t>Appends object obj to list</a:t>
+                        <a:t>(</a:t>
+                      </a:r>
+                      <a:r>
+                        <a:rPr lang="en-US" b="0" u="none" strike="noStrike" dirty="0" err="1">
+                          <a:solidFill>
+                            <a:srgbClr val="313131"/>
+                          </a:solidFill>
+                          <a:effectLst/>
+                        </a:rPr>
+                        <a:t>obj</a:t>
+                      </a:r>
+                      <a:r>
+                        <a:rPr lang="en-US" b="0" u="none" strike="noStrike" dirty="0">
+                          <a:solidFill>
+                            <a:srgbClr val="313131"/>
+                          </a:solidFill>
+                          <a:effectLst/>
+                        </a:rPr>
+                        <a:t>)</a:t>
+                      </a:r>
+                      <a:r>
+                        <a:rPr lang="en-US" dirty="0">
+                          <a:effectLst/>
+                        </a:rPr>
+                        <a:t>Appends object </a:t>
+                      </a:r>
+                      <a:r>
+                        <a:rPr lang="en-US" dirty="0" err="1">
+                          <a:effectLst/>
+                        </a:rPr>
+                        <a:t>obj</a:t>
+                      </a:r>
+                      <a:r>
+                        <a:rPr lang="en-US" dirty="0">
+                          <a:effectLst/>
+                        </a:rPr>
+                        <a:t> to list</a:t>
                       </a:r>
                     </a:p>
                   </a:txBody>
@@ -36836,24 +36814,13 @@
                     <a:p>
                       <a:pPr fontAlgn="t"/>
                       <a:r>
-                        <a:rPr lang="en-US" b="0" u="none" strike="noStrike" dirty="0" err="1">
-                          <a:solidFill>
-                            <a:srgbClr val="313131"/>
-                          </a:solidFill>
-                          <a:effectLst/>
-                          <a:hlinkClick r:id="rId4"/>
-                        </a:rPr>
-                        <a:t>list.count</a:t>
-                      </a:r>
-                      <a:r>
                         <a:rPr lang="en-US" b="0" u="none" strike="noStrike" dirty="0">
                           <a:solidFill>
                             <a:srgbClr val="313131"/>
                           </a:solidFill>
                           <a:effectLst/>
-                          <a:hlinkClick r:id="rId4"/>
                         </a:rPr>
-                        <a:t>(</a:t>
+                        <a:t>list.count(</a:t>
                       </a:r>
                       <a:r>
                         <a:rPr lang="en-US" b="0" u="none" strike="noStrike" dirty="0" err="1">
@@ -36861,7 +36828,6 @@
                             <a:srgbClr val="313131"/>
                           </a:solidFill>
                           <a:effectLst/>
-                          <a:hlinkClick r:id="rId4"/>
                         </a:rPr>
                         <a:t>obj</a:t>
                       </a:r>
@@ -36871,7 +36837,6 @@
                             <a:srgbClr val="313131"/>
                           </a:solidFill>
                           <a:effectLst/>
-                          <a:hlinkClick r:id="rId4"/>
                         </a:rPr>
                         <a:t>)</a:t>
                       </a:r>
@@ -37001,24 +36966,13 @@
                     <a:p>
                       <a:pPr fontAlgn="t"/>
                       <a:r>
-                        <a:rPr lang="en-US" b="0" u="none" strike="noStrike" dirty="0" err="1">
-                          <a:solidFill>
-                            <a:srgbClr val="313131"/>
-                          </a:solidFill>
-                          <a:effectLst/>
-                          <a:hlinkClick r:id="rId5"/>
-                        </a:rPr>
-                        <a:t>list.extend</a:t>
-                      </a:r>
-                      <a:r>
                         <a:rPr lang="en-US" b="0" u="none" strike="noStrike" dirty="0">
                           <a:solidFill>
                             <a:srgbClr val="313131"/>
                           </a:solidFill>
                           <a:effectLst/>
-                          <a:hlinkClick r:id="rId5"/>
                         </a:rPr>
-                        <a:t>(</a:t>
+                        <a:t>list.extend(</a:t>
                       </a:r>
                       <a:r>
                         <a:rPr lang="en-US" b="0" u="none" strike="noStrike" dirty="0" err="1">
@@ -37026,7 +36980,6 @@
                             <a:srgbClr val="313131"/>
                           </a:solidFill>
                           <a:effectLst/>
-                          <a:hlinkClick r:id="rId5"/>
                         </a:rPr>
                         <a:t>seq</a:t>
                       </a:r>
@@ -37036,7 +36989,6 @@
                             <a:srgbClr val="313131"/>
                           </a:solidFill>
                           <a:effectLst/>
-                          <a:hlinkClick r:id="rId5"/>
                         </a:rPr>
                         <a:t>)</a:t>
                       </a:r>
@@ -37166,24 +37118,13 @@
                     <a:p>
                       <a:pPr fontAlgn="t"/>
                       <a:r>
-                        <a:rPr lang="en-US" b="0" u="none" strike="noStrike" dirty="0" err="1">
-                          <a:solidFill>
-                            <a:srgbClr val="313131"/>
-                          </a:solidFill>
-                          <a:effectLst/>
-                          <a:hlinkClick r:id="rId6"/>
-                        </a:rPr>
-                        <a:t>list.index</a:t>
-                      </a:r>
-                      <a:r>
                         <a:rPr lang="en-US" b="0" u="none" strike="noStrike" dirty="0">
                           <a:solidFill>
                             <a:srgbClr val="313131"/>
                           </a:solidFill>
                           <a:effectLst/>
-                          <a:hlinkClick r:id="rId6"/>
                         </a:rPr>
-                        <a:t>(</a:t>
+                        <a:t>list.index(</a:t>
                       </a:r>
                       <a:r>
                         <a:rPr lang="en-US" b="0" u="none" strike="noStrike" dirty="0" err="1">
@@ -37191,7 +37132,6 @@
                             <a:srgbClr val="313131"/>
                           </a:solidFill>
                           <a:effectLst/>
-                          <a:hlinkClick r:id="rId6"/>
                         </a:rPr>
                         <a:t>obj</a:t>
                       </a:r>
@@ -37201,7 +37141,6 @@
                             <a:srgbClr val="313131"/>
                           </a:solidFill>
                           <a:effectLst/>
-                          <a:hlinkClick r:id="rId6"/>
                         </a:rPr>
                         <a:t>)</a:t>
                       </a:r>
@@ -37331,24 +37270,13 @@
                     <a:p>
                       <a:pPr fontAlgn="t"/>
                       <a:r>
-                        <a:rPr lang="en-US" b="0" u="none" strike="noStrike" dirty="0" err="1">
-                          <a:solidFill>
-                            <a:srgbClr val="313131"/>
-                          </a:solidFill>
-                          <a:effectLst/>
-                          <a:hlinkClick r:id="rId7"/>
-                        </a:rPr>
-                        <a:t>list.insert</a:t>
-                      </a:r>
-                      <a:r>
                         <a:rPr lang="en-US" b="0" u="none" strike="noStrike" dirty="0">
                           <a:solidFill>
                             <a:srgbClr val="313131"/>
                           </a:solidFill>
                           <a:effectLst/>
-                          <a:hlinkClick r:id="rId7"/>
                         </a:rPr>
-                        <a:t>(index, </a:t>
+                        <a:t>list.insert(index, </a:t>
                       </a:r>
                       <a:r>
                         <a:rPr lang="en-US" b="0" u="none" strike="noStrike" dirty="0" err="1">
@@ -37356,7 +37284,6 @@
                             <a:srgbClr val="313131"/>
                           </a:solidFill>
                           <a:effectLst/>
-                          <a:hlinkClick r:id="rId7"/>
                         </a:rPr>
                         <a:t>obj</a:t>
                       </a:r>
@@ -37366,7 +37293,6 @@
                             <a:srgbClr val="313131"/>
                           </a:solidFill>
                           <a:effectLst/>
-                          <a:hlinkClick r:id="rId7"/>
                         </a:rPr>
                         <a:t>)</a:t>
                       </a:r>
@@ -37496,24 +37422,13 @@
                     <a:p>
                       <a:pPr fontAlgn="t"/>
                       <a:r>
-                        <a:rPr lang="en-US" b="0" u="none" strike="noStrike" dirty="0" err="1">
-                          <a:solidFill>
-                            <a:srgbClr val="313131"/>
-                          </a:solidFill>
-                          <a:effectLst/>
-                          <a:hlinkClick r:id="rId8"/>
-                        </a:rPr>
-                        <a:t>list.pop</a:t>
-                      </a:r>
-                      <a:r>
                         <a:rPr lang="en-US" b="0" u="none" strike="noStrike" dirty="0">
                           <a:solidFill>
                             <a:srgbClr val="313131"/>
                           </a:solidFill>
                           <a:effectLst/>
-                          <a:hlinkClick r:id="rId8"/>
                         </a:rPr>
-                        <a:t>(</a:t>
+                        <a:t>list.pop(</a:t>
                       </a:r>
                       <a:r>
                         <a:rPr lang="en-US" b="0" u="none" strike="noStrike" dirty="0" err="1">
@@ -37521,7 +37436,6 @@
                             <a:srgbClr val="313131"/>
                           </a:solidFill>
                           <a:effectLst/>
-                          <a:hlinkClick r:id="rId8"/>
                         </a:rPr>
                         <a:t>obj</a:t>
                       </a:r>
@@ -37531,7 +37445,6 @@
                             <a:srgbClr val="313131"/>
                           </a:solidFill>
                           <a:effectLst/>
-                          <a:hlinkClick r:id="rId8"/>
                         </a:rPr>
                         <a:t>=list[-1])</a:t>
                       </a:r>
@@ -37661,20 +37574,49 @@
                     <a:p>
                       <a:pPr fontAlgn="t"/>
                       <a:r>
-                        <a:rPr lang="en-US" b="0" u="none" strike="noStrike">
+                        <a:rPr lang="en-US" b="0" u="none" strike="noStrike" dirty="0">
                           <a:solidFill>
                             <a:srgbClr val="313131"/>
                           </a:solidFill>
                           <a:effectLst/>
-                          <a:hlinkClick r:id="rId9"/>
                         </a:rPr>
-                        <a:t>list.remove(obj)</a:t>
+                        <a:t>list.remove(</a:t>
                       </a:r>
                       <a:r>
-                        <a:rPr lang="en-US">
+                        <a:rPr lang="en-US" b="0" u="none" strike="noStrike" dirty="0" err="1">
+                          <a:solidFill>
+                            <a:srgbClr val="313131"/>
+                          </a:solidFill>
                           <a:effectLst/>
                         </a:rPr>
-                        <a:t>Removes object obj from list</a:t>
+                        <a:t>obj</a:t>
+                      </a:r>
+                      <a:r>
+                        <a:rPr lang="en-US" b="0" u="none" strike="noStrike" dirty="0">
+                          <a:solidFill>
+                            <a:srgbClr val="313131"/>
+                          </a:solidFill>
+                          <a:effectLst/>
+                        </a:rPr>
+                        <a:t>)</a:t>
+                      </a:r>
+                      <a:r>
+                        <a:rPr lang="en-US" dirty="0">
+                          <a:effectLst/>
+                        </a:rPr>
+                        <a:t>Removes object </a:t>
+                      </a:r>
+                      <a:r>
+                        <a:rPr lang="en-US" dirty="0" err="1">
+                          <a:effectLst/>
+                        </a:rPr>
+                        <a:t>obj</a:t>
+                      </a:r>
+                      <a:r>
+                        <a:rPr lang="en-US" dirty="0">
+                          <a:effectLst/>
+                        </a:rPr>
+                        <a:t> from list</a:t>
                       </a:r>
                     </a:p>
                   </a:txBody>
@@ -37784,24 +37726,13 @@
                     <a:p>
                       <a:pPr fontAlgn="t"/>
                       <a:r>
-                        <a:rPr lang="en-US" b="0" u="none" strike="noStrike" dirty="0" err="1">
-                          <a:solidFill>
-                            <a:srgbClr val="313131"/>
-                          </a:solidFill>
-                          <a:effectLst/>
-                          <a:hlinkClick r:id="rId10"/>
-                        </a:rPr>
-                        <a:t>list.reverse</a:t>
-                      </a:r>
-                      <a:r>
                         <a:rPr lang="en-US" b="0" u="none" strike="noStrike" dirty="0">
                           <a:solidFill>
                             <a:srgbClr val="313131"/>
                           </a:solidFill>
                           <a:effectLst/>
-                          <a:hlinkClick r:id="rId10"/>
                         </a:rPr>
-                        <a:t>()</a:t>
+                        <a:t>list.reverse()</a:t>
                       </a:r>
                       <a:r>
                         <a:rPr lang="en-US" dirty="0">
@@ -37917,24 +37848,13 @@
                     <a:p>
                       <a:pPr fontAlgn="t"/>
                       <a:r>
-                        <a:rPr lang="en-US" b="0" u="none" strike="noStrike" dirty="0" err="1">
-                          <a:solidFill>
-                            <a:srgbClr val="313131"/>
-                          </a:solidFill>
-                          <a:effectLst/>
-                          <a:hlinkClick r:id="rId11"/>
-                        </a:rPr>
-                        <a:t>list.sort</a:t>
-                      </a:r>
-                      <a:r>
                         <a:rPr lang="en-US" b="0" u="none" strike="noStrike" dirty="0">
                           <a:solidFill>
                             <a:srgbClr val="313131"/>
                           </a:solidFill>
                           <a:effectLst/>
-                          <a:hlinkClick r:id="rId11"/>
                         </a:rPr>
-                        <a:t>([</a:t>
+                        <a:t>list.sort([</a:t>
                       </a:r>
                       <a:r>
                         <a:rPr lang="en-US" b="0" u="none" strike="noStrike" dirty="0" err="1">
@@ -37942,7 +37862,6 @@
                             <a:srgbClr val="313131"/>
                           </a:solidFill>
                           <a:effectLst/>
-                          <a:hlinkClick r:id="rId11"/>
                         </a:rPr>
                         <a:t>func</a:t>
                       </a:r>
@@ -37952,7 +37871,6 @@
                             <a:srgbClr val="313131"/>
                           </a:solidFill>
                           <a:effectLst/>
-                          <a:hlinkClick r:id="rId11"/>
                         </a:rPr>
                         <a:t>])</a:t>
                       </a:r>
@@ -38025,43 +37943,6 @@
           </a:graphicData>
         </a:graphic>
       </p:graphicFrame>
-      <p:sp>
-        <p:nvSpPr>
-          <p:cNvPr id="8" name="Rectangle 7"/>
-          <p:cNvSpPr/>
-          <p:nvPr/>
-        </p:nvSpPr>
-        <p:spPr>
-          <a:xfrm>
-            <a:off x="3653147" y="4001914"/>
-            <a:ext cx="1586673" cy="461665"/>
-          </a:xfrm>
-          <a:prstGeom prst="rect">
-            <a:avLst/>
-          </a:prstGeom>
-        </p:spPr>
-        <p:txBody>
-          <a:bodyPr wrap="square">
-            <a:spAutoFit/>
-          </a:bodyPr>
-          <a:lstStyle/>
-          <a:p>
-            <a:r>
-              <a:rPr lang="en-US" sz="2400" dirty="0" smtClean="0">
-                <a:solidFill>
-                  <a:schemeClr val="accent2"/>
-                </a:solidFill>
-              </a:rPr>
-              <a:t>Let’s code</a:t>
-            </a:r>
-            <a:endParaRPr lang="en-US" sz="2400" dirty="0">
-              <a:solidFill>
-                <a:schemeClr val="accent2"/>
-              </a:solidFill>
-            </a:endParaRPr>
-          </a:p>
-        </p:txBody>
-      </p:sp>
     </p:spTree>
     <p:extLst>
       <p:ext uri="{BB962C8B-B14F-4D97-AF65-F5344CB8AC3E}">
@@ -38075,79 +37956,9 @@
   <p:timing>
     <p:tnLst>
       <p:par>
-        <p:cTn id="1" dur="indefinite" restart="never" nodeType="tmRoot">
-          <p:childTnLst>
-            <p:seq concurrent="1" nextAc="seek">
-              <p:cTn id="2" dur="indefinite" nodeType="mainSeq">
-                <p:childTnLst>
-                  <p:par>
-                    <p:cTn id="3" fill="hold">
-                      <p:stCondLst>
-                        <p:cond delay="indefinite"/>
-                      </p:stCondLst>
-                      <p:childTnLst>
-                        <p:par>
-                          <p:cTn id="4" fill="hold">
-                            <p:stCondLst>
-                              <p:cond delay="0"/>
-                            </p:stCondLst>
-                            <p:childTnLst>
-                              <p:par>
-                                <p:cTn id="5" presetID="18" presetClass="emph" presetSubtype="0" fill="hold" grpId="0" nodeType="clickEffect">
-                                  <p:stCondLst>
-                                    <p:cond delay="0"/>
-                                  </p:stCondLst>
-                                  <p:iterate type="lt">
-                                    <p:tmPct val="4000"/>
-                                  </p:iterate>
-                                  <p:childTnLst>
-                                    <p:set>
-                                      <p:cBhvr override="childStyle">
-                                        <p:cTn id="6" dur="500" fill="hold"/>
-                                        <p:tgtEl>
-                                          <p:spTgt spid="8"/>
-                                        </p:tgtEl>
-                                        <p:attrNameLst>
-                                          <p:attrName>style.textDecorationUnderline</p:attrName>
-                                        </p:attrNameLst>
-                                      </p:cBhvr>
-                                      <p:to>
-                                        <p:strVal val="true"/>
-                                      </p:to>
-                                    </p:set>
-                                  </p:childTnLst>
-                                </p:cTn>
-                              </p:par>
-                            </p:childTnLst>
-                          </p:cTn>
-                        </p:par>
-                      </p:childTnLst>
-                    </p:cTn>
-                  </p:par>
-                </p:childTnLst>
-              </p:cTn>
-              <p:prevCondLst>
-                <p:cond evt="onPrev" delay="0">
-                  <p:tgtEl>
-                    <p:sldTgt/>
-                  </p:tgtEl>
-                </p:cond>
-              </p:prevCondLst>
-              <p:nextCondLst>
-                <p:cond evt="onNext" delay="0">
-                  <p:tgtEl>
-                    <p:sldTgt/>
-                  </p:tgtEl>
-                </p:cond>
-              </p:nextCondLst>
-            </p:seq>
-          </p:childTnLst>
-        </p:cTn>
+        <p:cTn id="1" dur="indefinite" restart="never" nodeType="tmRoot"/>
       </p:par>
     </p:tnLst>
-    <p:bldLst>
-      <p:bldP spid="8" grpId="0"/>
-    </p:bldLst>
   </p:timing>
 </p:sld>
 </file>
